--- a/A Study of Coffee Production.pptx
+++ b/A Study of Coffee Production.pptx
@@ -7,6 +7,11 @@
   <p:sldIdLst>
     <p:sldId id="259" r:id="rId2"/>
     <p:sldId id="258" r:id="rId3"/>
+    <p:sldId id="260" r:id="rId4"/>
+    <p:sldId id="261" r:id="rId5"/>
+    <p:sldId id="262" r:id="rId6"/>
+    <p:sldId id="263" r:id="rId7"/>
+    <p:sldId id="264" r:id="rId8"/>
   </p:sldIdLst>
   <p:sldSz cx="12192000" cy="6858000"/>
   <p:notesSz cx="6858000" cy="9144000"/>
@@ -111,3131 +116,6 @@
     </p:ext>
   </p:extLst>
 </p:presentation>
-</file>
-
-<file path=ppt/diagrams/colors1.xml><?xml version="1.0" encoding="utf-8"?>
-<dgm:colorsDef xmlns:dgm="http://schemas.openxmlformats.org/drawingml/2006/diagram" xmlns:a="http://schemas.openxmlformats.org/drawingml/2006/main" uniqueId="urn:microsoft.com/office/officeart/2005/8/colors/colorful1">
-  <dgm:title val=""/>
-  <dgm:desc val=""/>
-  <dgm:catLst>
-    <dgm:cat type="colorful" pri="10100"/>
-  </dgm:catLst>
-  <dgm:styleLbl name="node0">
-    <dgm:fillClrLst meth="repeat">
-      <a:schemeClr val="accent1"/>
-    </dgm:fillClrLst>
-    <dgm:linClrLst meth="repeat">
-      <a:schemeClr val="lt1"/>
-    </dgm:linClrLst>
-    <dgm:effectClrLst/>
-    <dgm:txLinClrLst/>
-    <dgm:txFillClrLst/>
-    <dgm:txEffectClrLst/>
-  </dgm:styleLbl>
-  <dgm:styleLbl name="node1">
-    <dgm:fillClrLst meth="repeat">
-      <a:schemeClr val="accent2"/>
-      <a:schemeClr val="accent3"/>
-      <a:schemeClr val="accent4"/>
-      <a:schemeClr val="accent5"/>
-      <a:schemeClr val="accent6"/>
-    </dgm:fillClrLst>
-    <dgm:linClrLst meth="repeat">
-      <a:schemeClr val="lt1"/>
-    </dgm:linClrLst>
-    <dgm:effectClrLst/>
-    <dgm:txLinClrLst/>
-    <dgm:txFillClrLst/>
-    <dgm:txEffectClrLst/>
-  </dgm:styleLbl>
-  <dgm:styleLbl name="alignNode1">
-    <dgm:fillClrLst meth="repeat">
-      <a:schemeClr val="accent2"/>
-      <a:schemeClr val="accent3"/>
-      <a:schemeClr val="accent4"/>
-      <a:schemeClr val="accent5"/>
-      <a:schemeClr val="accent6"/>
-    </dgm:fillClrLst>
-    <dgm:linClrLst meth="repeat">
-      <a:schemeClr val="accent2"/>
-      <a:schemeClr val="accent3"/>
-      <a:schemeClr val="accent4"/>
-      <a:schemeClr val="accent5"/>
-      <a:schemeClr val="accent6"/>
-    </dgm:linClrLst>
-    <dgm:effectClrLst/>
-    <dgm:txLinClrLst/>
-    <dgm:txFillClrLst/>
-    <dgm:txEffectClrLst/>
-  </dgm:styleLbl>
-  <dgm:styleLbl name="lnNode1">
-    <dgm:fillClrLst meth="repeat">
-      <a:schemeClr val="accent2"/>
-      <a:schemeClr val="accent3"/>
-      <a:schemeClr val="accent4"/>
-      <a:schemeClr val="accent5"/>
-      <a:schemeClr val="accent6"/>
-    </dgm:fillClrLst>
-    <dgm:linClrLst meth="repeat">
-      <a:schemeClr val="lt1"/>
-    </dgm:linClrLst>
-    <dgm:effectClrLst/>
-    <dgm:txLinClrLst/>
-    <dgm:txFillClrLst/>
-    <dgm:txEffectClrLst/>
-  </dgm:styleLbl>
-  <dgm:styleLbl name="vennNode1">
-    <dgm:fillClrLst meth="repeat">
-      <a:schemeClr val="accent2">
-        <a:alpha val="50000"/>
-      </a:schemeClr>
-      <a:schemeClr val="accent3">
-        <a:alpha val="50000"/>
-      </a:schemeClr>
-      <a:schemeClr val="accent4">
-        <a:alpha val="50000"/>
-      </a:schemeClr>
-      <a:schemeClr val="accent5">
-        <a:alpha val="50000"/>
-      </a:schemeClr>
-      <a:schemeClr val="accent6">
-        <a:alpha val="50000"/>
-      </a:schemeClr>
-    </dgm:fillClrLst>
-    <dgm:linClrLst meth="repeat">
-      <a:schemeClr val="lt1"/>
-    </dgm:linClrLst>
-    <dgm:effectClrLst/>
-    <dgm:txLinClrLst/>
-    <dgm:txFillClrLst/>
-    <dgm:txEffectClrLst/>
-  </dgm:styleLbl>
-  <dgm:styleLbl name="node2">
-    <dgm:fillClrLst>
-      <a:schemeClr val="accent2"/>
-    </dgm:fillClrLst>
-    <dgm:linClrLst meth="repeat">
-      <a:schemeClr val="lt1"/>
-    </dgm:linClrLst>
-    <dgm:effectClrLst/>
-    <dgm:txLinClrLst/>
-    <dgm:txFillClrLst/>
-    <dgm:txEffectClrLst/>
-  </dgm:styleLbl>
-  <dgm:styleLbl name="node3">
-    <dgm:fillClrLst>
-      <a:schemeClr val="accent3"/>
-    </dgm:fillClrLst>
-    <dgm:linClrLst meth="repeat">
-      <a:schemeClr val="lt1"/>
-    </dgm:linClrLst>
-    <dgm:effectClrLst/>
-    <dgm:txLinClrLst/>
-    <dgm:txFillClrLst/>
-    <dgm:txEffectClrLst/>
-  </dgm:styleLbl>
-  <dgm:styleLbl name="node4">
-    <dgm:fillClrLst>
-      <a:schemeClr val="accent4"/>
-    </dgm:fillClrLst>
-    <dgm:linClrLst meth="repeat">
-      <a:schemeClr val="lt1"/>
-    </dgm:linClrLst>
-    <dgm:effectClrLst/>
-    <dgm:txLinClrLst/>
-    <dgm:txFillClrLst/>
-    <dgm:txEffectClrLst/>
-  </dgm:styleLbl>
-  <dgm:styleLbl name="fgImgPlace1">
-    <dgm:fillClrLst meth="repeat">
-      <a:schemeClr val="accent2">
-        <a:tint val="50000"/>
-      </a:schemeClr>
-      <a:schemeClr val="accent3">
-        <a:tint val="50000"/>
-      </a:schemeClr>
-      <a:schemeClr val="accent4">
-        <a:tint val="50000"/>
-      </a:schemeClr>
-      <a:schemeClr val="accent5">
-        <a:tint val="50000"/>
-      </a:schemeClr>
-      <a:schemeClr val="accent6">
-        <a:tint val="50000"/>
-      </a:schemeClr>
-    </dgm:fillClrLst>
-    <dgm:linClrLst meth="repeat">
-      <a:schemeClr val="lt1"/>
-    </dgm:linClrLst>
-    <dgm:effectClrLst/>
-    <dgm:txLinClrLst/>
-    <dgm:txFillClrLst meth="repeat">
-      <a:schemeClr val="lt1"/>
-    </dgm:txFillClrLst>
-    <dgm:txEffectClrLst/>
-  </dgm:styleLbl>
-  <dgm:styleLbl name="alignImgPlace1">
-    <dgm:fillClrLst>
-      <a:schemeClr val="accent1">
-        <a:tint val="50000"/>
-      </a:schemeClr>
-      <a:schemeClr val="accent2">
-        <a:tint val="20000"/>
-      </a:schemeClr>
-    </dgm:fillClrLst>
-    <dgm:linClrLst meth="repeat">
-      <a:schemeClr val="lt1"/>
-    </dgm:linClrLst>
-    <dgm:effectClrLst/>
-    <dgm:txLinClrLst/>
-    <dgm:txFillClrLst meth="repeat">
-      <a:schemeClr val="lt1"/>
-    </dgm:txFillClrLst>
-    <dgm:txEffectClrLst/>
-  </dgm:styleLbl>
-  <dgm:styleLbl name="bgImgPlace1">
-    <dgm:fillClrLst>
-      <a:schemeClr val="accent1">
-        <a:tint val="50000"/>
-      </a:schemeClr>
-      <a:schemeClr val="accent2">
-        <a:tint val="20000"/>
-      </a:schemeClr>
-    </dgm:fillClrLst>
-    <dgm:linClrLst meth="repeat">
-      <a:schemeClr val="lt1"/>
-    </dgm:linClrLst>
-    <dgm:effectClrLst/>
-    <dgm:txLinClrLst/>
-    <dgm:txFillClrLst meth="repeat">
-      <a:schemeClr val="lt1"/>
-    </dgm:txFillClrLst>
-    <dgm:txEffectClrLst/>
-  </dgm:styleLbl>
-  <dgm:styleLbl name="sibTrans2D1">
-    <dgm:fillClrLst meth="repeat">
-      <a:schemeClr val="accent2"/>
-      <a:schemeClr val="accent3"/>
-      <a:schemeClr val="accent4"/>
-      <a:schemeClr val="accent5"/>
-      <a:schemeClr val="accent6"/>
-    </dgm:fillClrLst>
-    <dgm:linClrLst meth="cycle">
-      <a:schemeClr val="lt1"/>
-    </dgm:linClrLst>
-    <dgm:effectClrLst/>
-    <dgm:txLinClrLst/>
-    <dgm:txFillClrLst/>
-    <dgm:txEffectClrLst/>
-  </dgm:styleLbl>
-  <dgm:styleLbl name="fgSibTrans2D1">
-    <dgm:fillClrLst meth="repeat">
-      <a:schemeClr val="accent2"/>
-      <a:schemeClr val="accent3"/>
-      <a:schemeClr val="accent4"/>
-      <a:schemeClr val="accent5"/>
-      <a:schemeClr val="accent6"/>
-    </dgm:fillClrLst>
-    <dgm:linClrLst meth="cycle">
-      <a:schemeClr val="lt1"/>
-    </dgm:linClrLst>
-    <dgm:effectClrLst/>
-    <dgm:txLinClrLst/>
-    <dgm:txFillClrLst meth="repeat">
-      <a:schemeClr val="lt1"/>
-    </dgm:txFillClrLst>
-    <dgm:txEffectClrLst/>
-  </dgm:styleLbl>
-  <dgm:styleLbl name="bgSibTrans2D1">
-    <dgm:fillClrLst meth="repeat">
-      <a:schemeClr val="accent2"/>
-      <a:schemeClr val="accent3"/>
-      <a:schemeClr val="accent4"/>
-      <a:schemeClr val="accent5"/>
-      <a:schemeClr val="accent6"/>
-    </dgm:fillClrLst>
-    <dgm:linClrLst meth="cycle">
-      <a:schemeClr val="lt1"/>
-    </dgm:linClrLst>
-    <dgm:effectClrLst/>
-    <dgm:txLinClrLst/>
-    <dgm:txFillClrLst meth="repeat">
-      <a:schemeClr val="lt1"/>
-    </dgm:txFillClrLst>
-    <dgm:txEffectClrLst/>
-  </dgm:styleLbl>
-  <dgm:styleLbl name="sibTrans1D1">
-    <dgm:fillClrLst meth="repeat">
-      <a:schemeClr val="accent2"/>
-      <a:schemeClr val="accent3"/>
-      <a:schemeClr val="accent4"/>
-      <a:schemeClr val="accent5"/>
-      <a:schemeClr val="accent6"/>
-    </dgm:fillClrLst>
-    <dgm:linClrLst meth="repeat">
-      <a:schemeClr val="accent2"/>
-      <a:schemeClr val="accent3"/>
-      <a:schemeClr val="accent4"/>
-      <a:schemeClr val="accent5"/>
-      <a:schemeClr val="accent6"/>
-    </dgm:linClrLst>
-    <dgm:effectClrLst/>
-    <dgm:txLinClrLst/>
-    <dgm:txFillClrLst meth="repeat">
-      <a:schemeClr val="tx1"/>
-    </dgm:txFillClrLst>
-    <dgm:txEffectClrLst/>
-  </dgm:styleLbl>
-  <dgm:styleLbl name="callout">
-    <dgm:fillClrLst meth="repeat">
-      <a:schemeClr val="accent2"/>
-    </dgm:fillClrLst>
-    <dgm:linClrLst meth="repeat">
-      <a:schemeClr val="accent2">
-        <a:tint val="50000"/>
-      </a:schemeClr>
-    </dgm:linClrLst>
-    <dgm:effectClrLst/>
-    <dgm:txLinClrLst/>
-    <dgm:txFillClrLst meth="repeat">
-      <a:schemeClr val="tx1"/>
-    </dgm:txFillClrLst>
-    <dgm:txEffectClrLst/>
-  </dgm:styleLbl>
-  <dgm:styleLbl name="asst0">
-    <dgm:fillClrLst meth="repeat">
-      <a:schemeClr val="accent1"/>
-    </dgm:fillClrLst>
-    <dgm:linClrLst meth="repeat">
-      <a:schemeClr val="lt1"/>
-    </dgm:linClrLst>
-    <dgm:effectClrLst/>
-    <dgm:txLinClrLst/>
-    <dgm:txFillClrLst/>
-    <dgm:txEffectClrLst/>
-  </dgm:styleLbl>
-  <dgm:styleLbl name="asst1">
-    <dgm:fillClrLst meth="repeat">
-      <a:schemeClr val="accent2"/>
-    </dgm:fillClrLst>
-    <dgm:linClrLst meth="repeat">
-      <a:schemeClr val="lt1"/>
-    </dgm:linClrLst>
-    <dgm:effectClrLst/>
-    <dgm:txLinClrLst/>
-    <dgm:txFillClrLst/>
-    <dgm:txEffectClrLst/>
-  </dgm:styleLbl>
-  <dgm:styleLbl name="asst2">
-    <dgm:fillClrLst>
-      <a:schemeClr val="accent3"/>
-    </dgm:fillClrLst>
-    <dgm:linClrLst meth="repeat">
-      <a:schemeClr val="lt1"/>
-    </dgm:linClrLst>
-    <dgm:effectClrLst/>
-    <dgm:txLinClrLst/>
-    <dgm:txFillClrLst/>
-    <dgm:txEffectClrLst/>
-  </dgm:styleLbl>
-  <dgm:styleLbl name="asst3">
-    <dgm:fillClrLst>
-      <a:schemeClr val="accent4"/>
-    </dgm:fillClrLst>
-    <dgm:linClrLst meth="repeat">
-      <a:schemeClr val="lt1"/>
-    </dgm:linClrLst>
-    <dgm:effectClrLst/>
-    <dgm:txLinClrLst/>
-    <dgm:txFillClrLst/>
-    <dgm:txEffectClrLst/>
-  </dgm:styleLbl>
-  <dgm:styleLbl name="asst4">
-    <dgm:fillClrLst>
-      <a:schemeClr val="accent5"/>
-    </dgm:fillClrLst>
-    <dgm:linClrLst meth="repeat">
-      <a:schemeClr val="lt1"/>
-    </dgm:linClrLst>
-    <dgm:effectClrLst/>
-    <dgm:txLinClrLst/>
-    <dgm:txFillClrLst/>
-    <dgm:txEffectClrLst/>
-  </dgm:styleLbl>
-  <dgm:styleLbl name="parChTrans2D1">
-    <dgm:fillClrLst meth="repeat">
-      <a:schemeClr val="accent2"/>
-    </dgm:fillClrLst>
-    <dgm:linClrLst meth="repeat">
-      <a:schemeClr val="lt1"/>
-    </dgm:linClrLst>
-    <dgm:effectClrLst/>
-    <dgm:txLinClrLst/>
-    <dgm:txFillClrLst meth="repeat">
-      <a:schemeClr val="lt1"/>
-    </dgm:txFillClrLst>
-    <dgm:txEffectClrLst/>
-  </dgm:styleLbl>
-  <dgm:styleLbl name="parChTrans2D2">
-    <dgm:fillClrLst meth="repeat">
-      <a:schemeClr val="accent3"/>
-    </dgm:fillClrLst>
-    <dgm:linClrLst meth="repeat">
-      <a:schemeClr val="lt1"/>
-    </dgm:linClrLst>
-    <dgm:effectClrLst/>
-    <dgm:txLinClrLst/>
-    <dgm:txFillClrLst/>
-    <dgm:txEffectClrLst/>
-  </dgm:styleLbl>
-  <dgm:styleLbl name="parChTrans2D3">
-    <dgm:fillClrLst meth="repeat">
-      <a:schemeClr val="accent4"/>
-    </dgm:fillClrLst>
-    <dgm:linClrLst meth="repeat">
-      <a:schemeClr val="lt1"/>
-    </dgm:linClrLst>
-    <dgm:effectClrLst/>
-    <dgm:txLinClrLst/>
-    <dgm:txFillClrLst/>
-    <dgm:txEffectClrLst/>
-  </dgm:styleLbl>
-  <dgm:styleLbl name="parChTrans2D4">
-    <dgm:fillClrLst meth="repeat">
-      <a:schemeClr val="accent5"/>
-    </dgm:fillClrLst>
-    <dgm:linClrLst meth="repeat">
-      <a:schemeClr val="lt1"/>
-    </dgm:linClrLst>
-    <dgm:effectClrLst/>
-    <dgm:txLinClrLst/>
-    <dgm:txFillClrLst meth="repeat">
-      <a:schemeClr val="lt1"/>
-    </dgm:txFillClrLst>
-    <dgm:txEffectClrLst/>
-  </dgm:styleLbl>
-  <dgm:styleLbl name="parChTrans1D1">
-    <dgm:fillClrLst meth="repeat">
-      <a:schemeClr val="accent2"/>
-    </dgm:fillClrLst>
-    <dgm:linClrLst meth="repeat">
-      <a:schemeClr val="accent1"/>
-    </dgm:linClrLst>
-    <dgm:effectClrLst/>
-    <dgm:txLinClrLst/>
-    <dgm:txFillClrLst meth="repeat">
-      <a:schemeClr val="tx1"/>
-    </dgm:txFillClrLst>
-    <dgm:txEffectClrLst/>
-  </dgm:styleLbl>
-  <dgm:styleLbl name="parChTrans1D2">
-    <dgm:fillClrLst meth="repeat">
-      <a:schemeClr val="accent3">
-        <a:tint val="90000"/>
-      </a:schemeClr>
-    </dgm:fillClrLst>
-    <dgm:linClrLst meth="repeat">
-      <a:schemeClr val="accent2"/>
-    </dgm:linClrLst>
-    <dgm:effectClrLst/>
-    <dgm:txLinClrLst/>
-    <dgm:txFillClrLst meth="repeat">
-      <a:schemeClr val="tx1"/>
-    </dgm:txFillClrLst>
-    <dgm:txEffectClrLst/>
-  </dgm:styleLbl>
-  <dgm:styleLbl name="parChTrans1D3">
-    <dgm:fillClrLst meth="repeat">
-      <a:schemeClr val="accent4">
-        <a:tint val="70000"/>
-      </a:schemeClr>
-    </dgm:fillClrLst>
-    <dgm:linClrLst meth="repeat">
-      <a:schemeClr val="accent3"/>
-    </dgm:linClrLst>
-    <dgm:effectClrLst/>
-    <dgm:txLinClrLst/>
-    <dgm:txFillClrLst meth="repeat">
-      <a:schemeClr val="tx1"/>
-    </dgm:txFillClrLst>
-    <dgm:txEffectClrLst/>
-  </dgm:styleLbl>
-  <dgm:styleLbl name="parChTrans1D4">
-    <dgm:fillClrLst meth="repeat">
-      <a:schemeClr val="accent5">
-        <a:tint val="50000"/>
-      </a:schemeClr>
-    </dgm:fillClrLst>
-    <dgm:linClrLst meth="repeat">
-      <a:schemeClr val="accent4"/>
-    </dgm:linClrLst>
-    <dgm:effectClrLst/>
-    <dgm:txLinClrLst/>
-    <dgm:txFillClrLst meth="repeat">
-      <a:schemeClr val="tx1"/>
-    </dgm:txFillClrLst>
-    <dgm:txEffectClrLst/>
-  </dgm:styleLbl>
-  <dgm:styleLbl name="fgAcc1">
-    <dgm:fillClrLst meth="repeat">
-      <a:schemeClr val="lt1">
-        <a:alpha val="90000"/>
-      </a:schemeClr>
-    </dgm:fillClrLst>
-    <dgm:linClrLst meth="repeat">
-      <a:schemeClr val="accent2"/>
-      <a:schemeClr val="accent3"/>
-      <a:schemeClr val="accent4"/>
-      <a:schemeClr val="accent5"/>
-      <a:schemeClr val="accent6"/>
-    </dgm:linClrLst>
-    <dgm:effectClrLst/>
-    <dgm:txLinClrLst/>
-    <dgm:txFillClrLst meth="repeat">
-      <a:schemeClr val="dk1"/>
-    </dgm:txFillClrLst>
-    <dgm:txEffectClrLst/>
-  </dgm:styleLbl>
-  <dgm:styleLbl name="conFgAcc1">
-    <dgm:fillClrLst meth="repeat">
-      <a:schemeClr val="lt1">
-        <a:alpha val="90000"/>
-      </a:schemeClr>
-    </dgm:fillClrLst>
-    <dgm:linClrLst meth="repeat">
-      <a:schemeClr val="accent2"/>
-      <a:schemeClr val="accent3"/>
-      <a:schemeClr val="accent4"/>
-      <a:schemeClr val="accent5"/>
-      <a:schemeClr val="accent6"/>
-    </dgm:linClrLst>
-    <dgm:effectClrLst/>
-    <dgm:txLinClrLst/>
-    <dgm:txFillClrLst meth="repeat">
-      <a:schemeClr val="dk1"/>
-    </dgm:txFillClrLst>
-    <dgm:txEffectClrLst/>
-  </dgm:styleLbl>
-  <dgm:styleLbl name="alignAcc1">
-    <dgm:fillClrLst meth="repeat">
-      <a:schemeClr val="lt1">
-        <a:alpha val="90000"/>
-      </a:schemeClr>
-    </dgm:fillClrLst>
-    <dgm:linClrLst meth="repeat">
-      <a:schemeClr val="accent2"/>
-      <a:schemeClr val="accent3"/>
-      <a:schemeClr val="accent4"/>
-      <a:schemeClr val="accent5"/>
-      <a:schemeClr val="accent6"/>
-    </dgm:linClrLst>
-    <dgm:effectClrLst/>
-    <dgm:txLinClrLst/>
-    <dgm:txFillClrLst meth="repeat">
-      <a:schemeClr val="dk1"/>
-    </dgm:txFillClrLst>
-    <dgm:txEffectClrLst/>
-  </dgm:styleLbl>
-  <dgm:styleLbl name="trAlignAcc1">
-    <dgm:fillClrLst meth="repeat">
-      <a:schemeClr val="lt1">
-        <a:alpha val="40000"/>
-      </a:schemeClr>
-    </dgm:fillClrLst>
-    <dgm:linClrLst meth="repeat">
-      <a:schemeClr val="accent1"/>
-    </dgm:linClrLst>
-    <dgm:effectClrLst/>
-    <dgm:txLinClrLst/>
-    <dgm:txFillClrLst meth="repeat">
-      <a:schemeClr val="dk1"/>
-    </dgm:txFillClrLst>
-    <dgm:txEffectClrLst/>
-  </dgm:styleLbl>
-  <dgm:styleLbl name="bgAcc1">
-    <dgm:fillClrLst meth="repeat">
-      <a:schemeClr val="lt1">
-        <a:alpha val="90000"/>
-      </a:schemeClr>
-    </dgm:fillClrLst>
-    <dgm:linClrLst meth="repeat">
-      <a:schemeClr val="accent2"/>
-      <a:schemeClr val="accent3"/>
-      <a:schemeClr val="accent4"/>
-      <a:schemeClr val="accent5"/>
-      <a:schemeClr val="accent6"/>
-    </dgm:linClrLst>
-    <dgm:effectClrLst/>
-    <dgm:txLinClrLst/>
-    <dgm:txFillClrLst meth="repeat">
-      <a:schemeClr val="dk1"/>
-    </dgm:txFillClrLst>
-    <dgm:txEffectClrLst/>
-  </dgm:styleLbl>
-  <dgm:styleLbl name="solidFgAcc1">
-    <dgm:fillClrLst meth="repeat">
-      <a:schemeClr val="lt1"/>
-    </dgm:fillClrLst>
-    <dgm:linClrLst meth="repeat">
-      <a:schemeClr val="accent2"/>
-      <a:schemeClr val="accent3"/>
-      <a:schemeClr val="accent4"/>
-      <a:schemeClr val="accent5"/>
-      <a:schemeClr val="accent6"/>
-    </dgm:linClrLst>
-    <dgm:effectClrLst/>
-    <dgm:txLinClrLst/>
-    <dgm:txFillClrLst meth="repeat">
-      <a:schemeClr val="dk1"/>
-    </dgm:txFillClrLst>
-    <dgm:txEffectClrLst/>
-  </dgm:styleLbl>
-  <dgm:styleLbl name="solidAlignAcc1">
-    <dgm:fillClrLst meth="repeat">
-      <a:schemeClr val="lt1"/>
-    </dgm:fillClrLst>
-    <dgm:linClrLst meth="repeat">
-      <a:schemeClr val="accent2"/>
-      <a:schemeClr val="accent3"/>
-      <a:schemeClr val="accent4"/>
-      <a:schemeClr val="accent5"/>
-      <a:schemeClr val="accent6"/>
-    </dgm:linClrLst>
-    <dgm:effectClrLst/>
-    <dgm:txLinClrLst/>
-    <dgm:txFillClrLst meth="repeat">
-      <a:schemeClr val="dk1"/>
-    </dgm:txFillClrLst>
-    <dgm:txEffectClrLst/>
-  </dgm:styleLbl>
-  <dgm:styleLbl name="solidBgAcc1">
-    <dgm:fillClrLst meth="repeat">
-      <a:schemeClr val="lt1"/>
-    </dgm:fillClrLst>
-    <dgm:linClrLst meth="repeat">
-      <a:schemeClr val="accent2"/>
-      <a:schemeClr val="accent3"/>
-      <a:schemeClr val="accent4"/>
-      <a:schemeClr val="accent5"/>
-      <a:schemeClr val="accent6"/>
-    </dgm:linClrLst>
-    <dgm:effectClrLst/>
-    <dgm:txLinClrLst/>
-    <dgm:txFillClrLst meth="repeat">
-      <a:schemeClr val="dk1"/>
-    </dgm:txFillClrLst>
-    <dgm:txEffectClrLst/>
-  </dgm:styleLbl>
-  <dgm:styleLbl name="fgAccFollowNode1">
-    <dgm:fillClrLst meth="repeat">
-      <a:schemeClr val="accent2">
-        <a:tint val="40000"/>
-        <a:alpha val="90000"/>
-      </a:schemeClr>
-      <a:schemeClr val="accent3">
-        <a:tint val="40000"/>
-        <a:alpha val="90000"/>
-      </a:schemeClr>
-      <a:schemeClr val="accent4">
-        <a:tint val="40000"/>
-        <a:alpha val="90000"/>
-      </a:schemeClr>
-      <a:schemeClr val="accent5">
-        <a:tint val="40000"/>
-        <a:alpha val="90000"/>
-      </a:schemeClr>
-      <a:schemeClr val="accent6">
-        <a:tint val="40000"/>
-        <a:alpha val="90000"/>
-      </a:schemeClr>
-    </dgm:fillClrLst>
-    <dgm:linClrLst meth="repeat">
-      <a:schemeClr val="accent2">
-        <a:tint val="40000"/>
-        <a:alpha val="90000"/>
-      </a:schemeClr>
-      <a:schemeClr val="accent3">
-        <a:tint val="40000"/>
-        <a:alpha val="90000"/>
-      </a:schemeClr>
-      <a:schemeClr val="accent4">
-        <a:tint val="40000"/>
-        <a:alpha val="90000"/>
-      </a:schemeClr>
-      <a:schemeClr val="accent5">
-        <a:tint val="40000"/>
-        <a:alpha val="90000"/>
-      </a:schemeClr>
-      <a:schemeClr val="accent6">
-        <a:tint val="40000"/>
-        <a:alpha val="90000"/>
-      </a:schemeClr>
-    </dgm:linClrLst>
-    <dgm:effectClrLst/>
-    <dgm:txLinClrLst/>
-    <dgm:txFillClrLst meth="repeat">
-      <a:schemeClr val="dk1"/>
-    </dgm:txFillClrLst>
-    <dgm:txEffectClrLst/>
-  </dgm:styleLbl>
-  <dgm:styleLbl name="alignAccFollowNode1">
-    <dgm:fillClrLst meth="repeat">
-      <a:schemeClr val="accent2">
-        <a:tint val="40000"/>
-        <a:alpha val="90000"/>
-      </a:schemeClr>
-      <a:schemeClr val="accent3">
-        <a:tint val="40000"/>
-        <a:alpha val="90000"/>
-      </a:schemeClr>
-      <a:schemeClr val="accent4">
-        <a:tint val="40000"/>
-        <a:alpha val="90000"/>
-      </a:schemeClr>
-      <a:schemeClr val="accent5">
-        <a:tint val="40000"/>
-        <a:alpha val="90000"/>
-      </a:schemeClr>
-      <a:schemeClr val="accent6">
-        <a:tint val="40000"/>
-        <a:alpha val="90000"/>
-      </a:schemeClr>
-    </dgm:fillClrLst>
-    <dgm:linClrLst meth="repeat">
-      <a:schemeClr val="accent2">
-        <a:tint val="40000"/>
-        <a:alpha val="90000"/>
-      </a:schemeClr>
-      <a:schemeClr val="accent3">
-        <a:tint val="40000"/>
-        <a:alpha val="90000"/>
-      </a:schemeClr>
-      <a:schemeClr val="accent4">
-        <a:tint val="40000"/>
-        <a:alpha val="90000"/>
-      </a:schemeClr>
-      <a:schemeClr val="accent5">
-        <a:tint val="40000"/>
-        <a:alpha val="90000"/>
-      </a:schemeClr>
-      <a:schemeClr val="accent6">
-        <a:tint val="40000"/>
-        <a:alpha val="90000"/>
-      </a:schemeClr>
-    </dgm:linClrLst>
-    <dgm:effectClrLst/>
-    <dgm:txLinClrLst/>
-    <dgm:txFillClrLst meth="repeat">
-      <a:schemeClr val="dk1"/>
-    </dgm:txFillClrLst>
-    <dgm:txEffectClrLst/>
-  </dgm:styleLbl>
-  <dgm:styleLbl name="bgAccFollowNode1">
-    <dgm:fillClrLst meth="repeat">
-      <a:schemeClr val="accent2">
-        <a:tint val="40000"/>
-        <a:alpha val="90000"/>
-      </a:schemeClr>
-      <a:schemeClr val="accent3">
-        <a:tint val="40000"/>
-        <a:alpha val="90000"/>
-      </a:schemeClr>
-      <a:schemeClr val="accent4">
-        <a:tint val="40000"/>
-        <a:alpha val="90000"/>
-      </a:schemeClr>
-      <a:schemeClr val="accent5">
-        <a:tint val="40000"/>
-        <a:alpha val="90000"/>
-      </a:schemeClr>
-      <a:schemeClr val="accent6">
-        <a:tint val="40000"/>
-        <a:alpha val="90000"/>
-      </a:schemeClr>
-    </dgm:fillClrLst>
-    <dgm:linClrLst meth="repeat">
-      <a:schemeClr val="accent2">
-        <a:tint val="40000"/>
-        <a:alpha val="90000"/>
-      </a:schemeClr>
-      <a:schemeClr val="accent3">
-        <a:tint val="40000"/>
-        <a:alpha val="90000"/>
-      </a:schemeClr>
-      <a:schemeClr val="accent4">
-        <a:tint val="40000"/>
-        <a:alpha val="90000"/>
-      </a:schemeClr>
-      <a:schemeClr val="accent5">
-        <a:tint val="40000"/>
-        <a:alpha val="90000"/>
-      </a:schemeClr>
-      <a:schemeClr val="accent6">
-        <a:tint val="40000"/>
-        <a:alpha val="90000"/>
-      </a:schemeClr>
-    </dgm:linClrLst>
-    <dgm:effectClrLst/>
-    <dgm:txLinClrLst/>
-    <dgm:txFillClrLst meth="repeat">
-      <a:schemeClr val="dk1"/>
-    </dgm:txFillClrLst>
-    <dgm:txEffectClrLst/>
-  </dgm:styleLbl>
-  <dgm:styleLbl name="fgAcc0">
-    <dgm:fillClrLst meth="repeat">
-      <a:schemeClr val="lt1">
-        <a:alpha val="90000"/>
-      </a:schemeClr>
-    </dgm:fillClrLst>
-    <dgm:linClrLst>
-      <a:schemeClr val="accent1"/>
-    </dgm:linClrLst>
-    <dgm:effectClrLst/>
-    <dgm:txLinClrLst/>
-    <dgm:txFillClrLst meth="repeat">
-      <a:schemeClr val="dk1"/>
-    </dgm:txFillClrLst>
-    <dgm:txEffectClrLst/>
-  </dgm:styleLbl>
-  <dgm:styleLbl name="fgAcc2">
-    <dgm:fillClrLst meth="repeat">
-      <a:schemeClr val="lt1">
-        <a:alpha val="90000"/>
-      </a:schemeClr>
-    </dgm:fillClrLst>
-    <dgm:linClrLst>
-      <a:schemeClr val="accent2"/>
-    </dgm:linClrLst>
-    <dgm:effectClrLst/>
-    <dgm:txLinClrLst/>
-    <dgm:txFillClrLst meth="repeat">
-      <a:schemeClr val="dk1"/>
-    </dgm:txFillClrLst>
-    <dgm:txEffectClrLst/>
-  </dgm:styleLbl>
-  <dgm:styleLbl name="fgAcc3">
-    <dgm:fillClrLst meth="repeat">
-      <a:schemeClr val="lt1">
-        <a:alpha val="90000"/>
-      </a:schemeClr>
-    </dgm:fillClrLst>
-    <dgm:linClrLst>
-      <a:schemeClr val="accent3"/>
-    </dgm:linClrLst>
-    <dgm:effectClrLst/>
-    <dgm:txLinClrLst/>
-    <dgm:txFillClrLst meth="repeat">
-      <a:schemeClr val="dk1"/>
-    </dgm:txFillClrLst>
-    <dgm:txEffectClrLst/>
-  </dgm:styleLbl>
-  <dgm:styleLbl name="fgAcc4">
-    <dgm:fillClrLst meth="repeat">
-      <a:schemeClr val="lt1">
-        <a:alpha val="90000"/>
-      </a:schemeClr>
-    </dgm:fillClrLst>
-    <dgm:linClrLst>
-      <a:schemeClr val="accent4"/>
-    </dgm:linClrLst>
-    <dgm:effectClrLst/>
-    <dgm:txLinClrLst/>
-    <dgm:txFillClrLst meth="repeat">
-      <a:schemeClr val="dk1"/>
-    </dgm:txFillClrLst>
-    <dgm:txEffectClrLst/>
-  </dgm:styleLbl>
-  <dgm:styleLbl name="bgShp">
-    <dgm:fillClrLst meth="repeat">
-      <a:schemeClr val="accent2">
-        <a:tint val="40000"/>
-      </a:schemeClr>
-    </dgm:fillClrLst>
-    <dgm:linClrLst meth="repeat">
-      <a:schemeClr val="dk1"/>
-    </dgm:linClrLst>
-    <dgm:effectClrLst/>
-    <dgm:txLinClrLst/>
-    <dgm:txFillClrLst meth="repeat">
-      <a:schemeClr val="dk1"/>
-    </dgm:txFillClrLst>
-    <dgm:txEffectClrLst/>
-  </dgm:styleLbl>
-  <dgm:styleLbl name="dkBgShp">
-    <dgm:fillClrLst meth="repeat">
-      <a:schemeClr val="accent2">
-        <a:shade val="90000"/>
-      </a:schemeClr>
-    </dgm:fillClrLst>
-    <dgm:linClrLst meth="repeat">
-      <a:schemeClr val="dk1"/>
-    </dgm:linClrLst>
-    <dgm:effectClrLst/>
-    <dgm:txLinClrLst/>
-    <dgm:txFillClrLst meth="repeat">
-      <a:schemeClr val="lt1"/>
-    </dgm:txFillClrLst>
-    <dgm:txEffectClrLst/>
-  </dgm:styleLbl>
-  <dgm:styleLbl name="trBgShp">
-    <dgm:fillClrLst meth="repeat">
-      <a:schemeClr val="accent1">
-        <a:tint val="50000"/>
-        <a:alpha val="40000"/>
-      </a:schemeClr>
-    </dgm:fillClrLst>
-    <dgm:linClrLst meth="repeat">
-      <a:schemeClr val="accent2"/>
-    </dgm:linClrLst>
-    <dgm:effectClrLst/>
-    <dgm:txLinClrLst/>
-    <dgm:txFillClrLst meth="repeat">
-      <a:schemeClr val="lt1"/>
-    </dgm:txFillClrLst>
-    <dgm:txEffectClrLst/>
-  </dgm:styleLbl>
-  <dgm:styleLbl name="fgShp">
-    <dgm:fillClrLst meth="repeat">
-      <a:schemeClr val="accent2">
-        <a:tint val="40000"/>
-      </a:schemeClr>
-    </dgm:fillClrLst>
-    <dgm:linClrLst meth="repeat">
-      <a:schemeClr val="lt1"/>
-    </dgm:linClrLst>
-    <dgm:effectClrLst/>
-    <dgm:txLinClrLst/>
-    <dgm:txFillClrLst meth="repeat">
-      <a:schemeClr val="dk1"/>
-    </dgm:txFillClrLst>
-    <dgm:txEffectClrLst/>
-  </dgm:styleLbl>
-  <dgm:styleLbl name="revTx">
-    <dgm:fillClrLst meth="repeat">
-      <a:schemeClr val="lt1">
-        <a:alpha val="0"/>
-      </a:schemeClr>
-    </dgm:fillClrLst>
-    <dgm:linClrLst meth="repeat">
-      <a:schemeClr val="dk1">
-        <a:alpha val="0"/>
-      </a:schemeClr>
-    </dgm:linClrLst>
-    <dgm:effectClrLst/>
-    <dgm:txLinClrLst/>
-    <dgm:txFillClrLst meth="repeat">
-      <a:schemeClr val="tx1"/>
-    </dgm:txFillClrLst>
-    <dgm:txEffectClrLst/>
-  </dgm:styleLbl>
-</dgm:colorsDef>
-</file>
-
-<file path=ppt/diagrams/data1.xml><?xml version="1.0" encoding="utf-8"?>
-<dgm:dataModel xmlns:dgm="http://schemas.openxmlformats.org/drawingml/2006/diagram" xmlns:a="http://schemas.openxmlformats.org/drawingml/2006/main">
-  <dgm:ptLst>
-    <dgm:pt modelId="{8AA20905-3954-474B-A606-562BCA026DC1}" type="doc">
-      <dgm:prSet loTypeId="urn:microsoft.com/office/officeart/2016/7/layout/LinearBlockProcessNumbered" loCatId="process" qsTypeId="urn:microsoft.com/office/officeart/2005/8/quickstyle/simple1" qsCatId="simple" csTypeId="urn:microsoft.com/office/officeart/2005/8/colors/colorful1" csCatId="colorful" phldr="1"/>
-      <dgm:spPr/>
-      <dgm:t>
-        <a:bodyPr/>
-        <a:lstStyle/>
-        <a:p>
-          <a:endParaRPr lang="en-US"/>
-        </a:p>
-      </dgm:t>
-    </dgm:pt>
-    <dgm:pt modelId="{DC13AB6D-DEA2-4CBB-AC69-1EF1A6AD1512}">
-      <dgm:prSet/>
-      <dgm:spPr/>
-      <dgm:t>
-        <a:bodyPr/>
-        <a:lstStyle/>
-        <a:p>
-          <a:pPr>
-            <a:defRPr cap="all"/>
-          </a:pPr>
-          <a:r>
-            <a:rPr lang="en-US" dirty="0"/>
-            <a:t>Lorem ipsum dolor sit amet, consectetuer adipiscing elit. Maecenas</a:t>
-          </a:r>
-        </a:p>
-      </dgm:t>
-    </dgm:pt>
-    <dgm:pt modelId="{2C752582-D9FF-4E04-A92F-827DB4BB5C48}" type="parTrans" cxnId="{4B888393-351D-4489-90C9-5A68061AB236}">
-      <dgm:prSet/>
-      <dgm:spPr/>
-      <dgm:t>
-        <a:bodyPr/>
-        <a:lstStyle/>
-        <a:p>
-          <a:endParaRPr lang="en-US"/>
-        </a:p>
-      </dgm:t>
-    </dgm:pt>
-    <dgm:pt modelId="{9C64CC83-643C-4E12-8F97-BC19DC031190}" type="sibTrans" cxnId="{4B888393-351D-4489-90C9-5A68061AB236}">
-      <dgm:prSet phldrT="01" phldr="0"/>
-      <dgm:spPr/>
-      <dgm:t>
-        <a:bodyPr/>
-        <a:lstStyle/>
-        <a:p>
-          <a:r>
-            <a:rPr lang="en-US" dirty="0"/>
-            <a:t>01</a:t>
-          </a:r>
-        </a:p>
-      </dgm:t>
-    </dgm:pt>
-    <dgm:pt modelId="{53742231-981F-480A-940F-203EC2F7423F}">
-      <dgm:prSet/>
-      <dgm:spPr/>
-      <dgm:t>
-        <a:bodyPr/>
-        <a:lstStyle/>
-        <a:p>
-          <a:pPr>
-            <a:defRPr cap="all"/>
-          </a:pPr>
-          <a:r>
-            <a:rPr lang="en-US"/>
-            <a:t>Nunc </a:t>
-          </a:r>
-          <a:r>
-            <a:rPr lang="en-US" err="1"/>
-            <a:t>viverra</a:t>
-          </a:r>
-          <a:r>
-            <a:rPr lang="en-US"/>
-            <a:t> </a:t>
-          </a:r>
-          <a:r>
-            <a:rPr lang="en-US" err="1"/>
-            <a:t>imperdiet</a:t>
-          </a:r>
-          <a:r>
-            <a:rPr lang="en-US"/>
-            <a:t> </a:t>
-          </a:r>
-          <a:r>
-            <a:rPr lang="en-US" err="1"/>
-            <a:t>enim</a:t>
-          </a:r>
-          <a:r>
-            <a:rPr lang="en-US"/>
-            <a:t>. </a:t>
-          </a:r>
-          <a:r>
-            <a:rPr lang="en-US" err="1"/>
-            <a:t>Fusce</a:t>
-          </a:r>
-          <a:r>
-            <a:rPr lang="en-US"/>
-            <a:t> est. </a:t>
-          </a:r>
-          <a:r>
-            <a:rPr lang="en-US" err="1"/>
-            <a:t>Vivamus</a:t>
-          </a:r>
-          <a:r>
-            <a:rPr lang="en-US"/>
-            <a:t> a </a:t>
-          </a:r>
-          <a:r>
-            <a:rPr lang="en-US" err="1"/>
-            <a:t>tellus</a:t>
-          </a:r>
-          <a:r>
-            <a:rPr lang="en-US"/>
-            <a:t>.</a:t>
-          </a:r>
-        </a:p>
-      </dgm:t>
-    </dgm:pt>
-    <dgm:pt modelId="{2FC75195-FBA1-43DE-85DD-40B4B3A2F1F3}" type="parTrans" cxnId="{F226B1C2-5D99-403A-8240-EAD6BD4D8534}">
-      <dgm:prSet/>
-      <dgm:spPr/>
-      <dgm:t>
-        <a:bodyPr/>
-        <a:lstStyle/>
-        <a:p>
-          <a:endParaRPr lang="en-US"/>
-        </a:p>
-      </dgm:t>
-    </dgm:pt>
-    <dgm:pt modelId="{EF449C32-A7AE-4099-9E9B-9E2F736A89CE}" type="sibTrans" cxnId="{F226B1C2-5D99-403A-8240-EAD6BD4D8534}">
-      <dgm:prSet phldrT="02" phldr="0"/>
-      <dgm:spPr/>
-      <dgm:t>
-        <a:bodyPr/>
-        <a:lstStyle/>
-        <a:p>
-          <a:r>
-            <a:rPr lang="en-US"/>
-            <a:t>02</a:t>
-          </a:r>
-        </a:p>
-      </dgm:t>
-    </dgm:pt>
-    <dgm:pt modelId="{9EF41CC5-EF3B-4A6D-8229-3F1333EADFB3}">
-      <dgm:prSet/>
-      <dgm:spPr/>
-      <dgm:t>
-        <a:bodyPr/>
-        <a:lstStyle/>
-        <a:p>
-          <a:pPr>
-            <a:defRPr cap="all"/>
-          </a:pPr>
-          <a:r>
-            <a:rPr lang="en-US" err="1"/>
-            <a:t>Pellentesque</a:t>
-          </a:r>
-          <a:r>
-            <a:rPr lang="en-US"/>
-            <a:t> habitant </a:t>
-          </a:r>
-          <a:r>
-            <a:rPr lang="en-US" err="1"/>
-            <a:t>morbi</a:t>
-          </a:r>
-          <a:r>
-            <a:rPr lang="en-US"/>
-            <a:t> </a:t>
-          </a:r>
-          <a:r>
-            <a:rPr lang="en-US" err="1"/>
-            <a:t>tristique</a:t>
-          </a:r>
-          <a:r>
-            <a:rPr lang="en-US"/>
-            <a:t> </a:t>
-          </a:r>
-          <a:r>
-            <a:rPr lang="en-US" err="1"/>
-            <a:t>senectus</a:t>
-          </a:r>
-          <a:r>
-            <a:rPr lang="en-US"/>
-            <a:t> et </a:t>
-          </a:r>
-          <a:r>
-            <a:rPr lang="en-US" err="1"/>
-            <a:t>netus</a:t>
-          </a:r>
-          <a:r>
-            <a:rPr lang="en-US"/>
-            <a:t> et </a:t>
-          </a:r>
-          <a:r>
-            <a:rPr lang="en-US" err="1"/>
-            <a:t>malesuada</a:t>
-          </a:r>
-          <a:r>
-            <a:rPr lang="en-US"/>
-            <a:t> fames.</a:t>
-          </a:r>
-        </a:p>
-      </dgm:t>
-    </dgm:pt>
-    <dgm:pt modelId="{DAEF1C7D-B0C5-46FA-BED3-8A54E918D3E0}" type="parTrans" cxnId="{E476EEBC-7C9F-4E07-BD58-1044B9769B64}">
-      <dgm:prSet/>
-      <dgm:spPr/>
-      <dgm:t>
-        <a:bodyPr/>
-        <a:lstStyle/>
-        <a:p>
-          <a:endParaRPr lang="en-US"/>
-        </a:p>
-      </dgm:t>
-    </dgm:pt>
-    <dgm:pt modelId="{98E6DD7C-B953-4119-9F64-9914E467ECBF}" type="sibTrans" cxnId="{E476EEBC-7C9F-4E07-BD58-1044B9769B64}">
-      <dgm:prSet phldrT="03" phldr="0"/>
-      <dgm:spPr/>
-      <dgm:t>
-        <a:bodyPr/>
-        <a:lstStyle/>
-        <a:p>
-          <a:r>
-            <a:rPr lang="en-US"/>
-            <a:t>03</a:t>
-          </a:r>
-        </a:p>
-      </dgm:t>
-    </dgm:pt>
-    <dgm:pt modelId="{579698BD-D232-4926-8D7B-29A69B90858B}" type="pres">
-      <dgm:prSet presAssocID="{8AA20905-3954-474B-A606-562BCA026DC1}" presName="Name0" presStyleCnt="0">
-        <dgm:presLayoutVars>
-          <dgm:animLvl val="lvl"/>
-          <dgm:resizeHandles val="exact"/>
-        </dgm:presLayoutVars>
-      </dgm:prSet>
-      <dgm:spPr/>
-    </dgm:pt>
-    <dgm:pt modelId="{3DD5B223-886E-4FC7-BDA1-ECA869A474EC}" type="pres">
-      <dgm:prSet presAssocID="{DC13AB6D-DEA2-4CBB-AC69-1EF1A6AD1512}" presName="compositeNode" presStyleCnt="0">
-        <dgm:presLayoutVars>
-          <dgm:bulletEnabled val="1"/>
-        </dgm:presLayoutVars>
-      </dgm:prSet>
-      <dgm:spPr/>
-    </dgm:pt>
-    <dgm:pt modelId="{DA3A6BD4-857F-4C66-97FA-B1E1C180A950}" type="pres">
-      <dgm:prSet presAssocID="{DC13AB6D-DEA2-4CBB-AC69-1EF1A6AD1512}" presName="bgRect" presStyleLbl="alignNode1" presStyleIdx="0" presStyleCnt="3"/>
-      <dgm:spPr/>
-    </dgm:pt>
-    <dgm:pt modelId="{BBA91679-4684-4A04-8AEB-03038C78A75C}" type="pres">
-      <dgm:prSet presAssocID="{9C64CC83-643C-4E12-8F97-BC19DC031190}" presName="sibTransNodeRect" presStyleLbl="alignNode1" presStyleIdx="0" presStyleCnt="3">
-        <dgm:presLayoutVars>
-          <dgm:chMax val="0"/>
-          <dgm:bulletEnabled val="1"/>
-        </dgm:presLayoutVars>
-      </dgm:prSet>
-      <dgm:spPr/>
-    </dgm:pt>
-    <dgm:pt modelId="{5F398AEE-BC0F-4F30-99FA-92D67A176C2D}" type="pres">
-      <dgm:prSet presAssocID="{DC13AB6D-DEA2-4CBB-AC69-1EF1A6AD1512}" presName="nodeRect" presStyleLbl="alignNode1" presStyleIdx="0" presStyleCnt="3">
-        <dgm:presLayoutVars>
-          <dgm:bulletEnabled val="1"/>
-        </dgm:presLayoutVars>
-      </dgm:prSet>
-      <dgm:spPr/>
-    </dgm:pt>
-    <dgm:pt modelId="{3C27A223-AC17-40BD-B7C5-0447661C2934}" type="pres">
-      <dgm:prSet presAssocID="{9C64CC83-643C-4E12-8F97-BC19DC031190}" presName="sibTrans" presStyleCnt="0"/>
-      <dgm:spPr/>
-    </dgm:pt>
-    <dgm:pt modelId="{0864151C-845B-4A50-9755-7EE613694D81}" type="pres">
-      <dgm:prSet presAssocID="{53742231-981F-480A-940F-203EC2F7423F}" presName="compositeNode" presStyleCnt="0">
-        <dgm:presLayoutVars>
-          <dgm:bulletEnabled val="1"/>
-        </dgm:presLayoutVars>
-      </dgm:prSet>
-      <dgm:spPr/>
-    </dgm:pt>
-    <dgm:pt modelId="{00AE7F27-0E5D-4AFB-ACD6-B5A19E79EA42}" type="pres">
-      <dgm:prSet presAssocID="{53742231-981F-480A-940F-203EC2F7423F}" presName="bgRect" presStyleLbl="alignNode1" presStyleIdx="1" presStyleCnt="3"/>
-      <dgm:spPr/>
-    </dgm:pt>
-    <dgm:pt modelId="{975C752B-C37A-4BA6-A3AE-2202A141404A}" type="pres">
-      <dgm:prSet presAssocID="{EF449C32-A7AE-4099-9E9B-9E2F736A89CE}" presName="sibTransNodeRect" presStyleLbl="alignNode1" presStyleIdx="1" presStyleCnt="3">
-        <dgm:presLayoutVars>
-          <dgm:chMax val="0"/>
-          <dgm:bulletEnabled val="1"/>
-        </dgm:presLayoutVars>
-      </dgm:prSet>
-      <dgm:spPr/>
-    </dgm:pt>
-    <dgm:pt modelId="{C5BDCA19-B754-421E-A6CC-628F80FC74CB}" type="pres">
-      <dgm:prSet presAssocID="{53742231-981F-480A-940F-203EC2F7423F}" presName="nodeRect" presStyleLbl="alignNode1" presStyleIdx="1" presStyleCnt="3">
-        <dgm:presLayoutVars>
-          <dgm:bulletEnabled val="1"/>
-        </dgm:presLayoutVars>
-      </dgm:prSet>
-      <dgm:spPr/>
-    </dgm:pt>
-    <dgm:pt modelId="{3E36C1DA-E751-469B-91D5-B7ADF3790DAB}" type="pres">
-      <dgm:prSet presAssocID="{EF449C32-A7AE-4099-9E9B-9E2F736A89CE}" presName="sibTrans" presStyleCnt="0"/>
-      <dgm:spPr/>
-    </dgm:pt>
-    <dgm:pt modelId="{19974A3A-09A4-40DE-BB0F-D9AED1ACB06E}" type="pres">
-      <dgm:prSet presAssocID="{9EF41CC5-EF3B-4A6D-8229-3F1333EADFB3}" presName="compositeNode" presStyleCnt="0">
-        <dgm:presLayoutVars>
-          <dgm:bulletEnabled val="1"/>
-        </dgm:presLayoutVars>
-      </dgm:prSet>
-      <dgm:spPr/>
-    </dgm:pt>
-    <dgm:pt modelId="{CAD62F17-E99D-4FEF-B376-961CA4CB20EB}" type="pres">
-      <dgm:prSet presAssocID="{9EF41CC5-EF3B-4A6D-8229-3F1333EADFB3}" presName="bgRect" presStyleLbl="alignNode1" presStyleIdx="2" presStyleCnt="3"/>
-      <dgm:spPr/>
-    </dgm:pt>
-    <dgm:pt modelId="{E20811D6-E5D4-4C9E-AABF-9E0E1902CA2C}" type="pres">
-      <dgm:prSet presAssocID="{98E6DD7C-B953-4119-9F64-9914E467ECBF}" presName="sibTransNodeRect" presStyleLbl="alignNode1" presStyleIdx="2" presStyleCnt="3">
-        <dgm:presLayoutVars>
-          <dgm:chMax val="0"/>
-          <dgm:bulletEnabled val="1"/>
-        </dgm:presLayoutVars>
-      </dgm:prSet>
-      <dgm:spPr/>
-    </dgm:pt>
-    <dgm:pt modelId="{67D48337-9200-42EF-A956-8FC92E9B78D2}" type="pres">
-      <dgm:prSet presAssocID="{9EF41CC5-EF3B-4A6D-8229-3F1333EADFB3}" presName="nodeRect" presStyleLbl="alignNode1" presStyleIdx="2" presStyleCnt="3">
-        <dgm:presLayoutVars>
-          <dgm:bulletEnabled val="1"/>
-        </dgm:presLayoutVars>
-      </dgm:prSet>
-      <dgm:spPr/>
-    </dgm:pt>
-  </dgm:ptLst>
-  <dgm:cxnLst>
-    <dgm:cxn modelId="{43B61840-F115-4174-96B9-DA0C0E83489E}" type="presOf" srcId="{9EF41CC5-EF3B-4A6D-8229-3F1333EADFB3}" destId="{CAD62F17-E99D-4FEF-B376-961CA4CB20EB}" srcOrd="0" destOrd="0" presId="urn:microsoft.com/office/officeart/2016/7/layout/LinearBlockProcessNumbered"/>
-    <dgm:cxn modelId="{0439566F-A180-439C-8FAE-14E400EF2DCF}" type="presOf" srcId="{8AA20905-3954-474B-A606-562BCA026DC1}" destId="{579698BD-D232-4926-8D7B-29A69B90858B}" srcOrd="0" destOrd="0" presId="urn:microsoft.com/office/officeart/2016/7/layout/LinearBlockProcessNumbered"/>
-    <dgm:cxn modelId="{29280853-1A86-48A7-BA30-A3847B3BBF6D}" type="presOf" srcId="{98E6DD7C-B953-4119-9F64-9914E467ECBF}" destId="{E20811D6-E5D4-4C9E-AABF-9E0E1902CA2C}" srcOrd="0" destOrd="0" presId="urn:microsoft.com/office/officeart/2016/7/layout/LinearBlockProcessNumbered"/>
-    <dgm:cxn modelId="{F6B1598F-1951-460F-BB68-54B32A798437}" type="presOf" srcId="{DC13AB6D-DEA2-4CBB-AC69-1EF1A6AD1512}" destId="{5F398AEE-BC0F-4F30-99FA-92D67A176C2D}" srcOrd="1" destOrd="0" presId="urn:microsoft.com/office/officeart/2016/7/layout/LinearBlockProcessNumbered"/>
-    <dgm:cxn modelId="{4B888393-351D-4489-90C9-5A68061AB236}" srcId="{8AA20905-3954-474B-A606-562BCA026DC1}" destId="{DC13AB6D-DEA2-4CBB-AC69-1EF1A6AD1512}" srcOrd="0" destOrd="0" parTransId="{2C752582-D9FF-4E04-A92F-827DB4BB5C48}" sibTransId="{9C64CC83-643C-4E12-8F97-BC19DC031190}"/>
-    <dgm:cxn modelId="{BA068B95-2DA2-453B-8162-90B6AB26C20F}" type="presOf" srcId="{DC13AB6D-DEA2-4CBB-AC69-1EF1A6AD1512}" destId="{DA3A6BD4-857F-4C66-97FA-B1E1C180A950}" srcOrd="0" destOrd="0" presId="urn:microsoft.com/office/officeart/2016/7/layout/LinearBlockProcessNumbered"/>
-    <dgm:cxn modelId="{07D44DA2-D4CF-4582-A029-20843D5E0F23}" type="presOf" srcId="{53742231-981F-480A-940F-203EC2F7423F}" destId="{C5BDCA19-B754-421E-A6CC-628F80FC74CB}" srcOrd="1" destOrd="0" presId="urn:microsoft.com/office/officeart/2016/7/layout/LinearBlockProcessNumbered"/>
-    <dgm:cxn modelId="{E476EEBC-7C9F-4E07-BD58-1044B9769B64}" srcId="{8AA20905-3954-474B-A606-562BCA026DC1}" destId="{9EF41CC5-EF3B-4A6D-8229-3F1333EADFB3}" srcOrd="2" destOrd="0" parTransId="{DAEF1C7D-B0C5-46FA-BED3-8A54E918D3E0}" sibTransId="{98E6DD7C-B953-4119-9F64-9914E467ECBF}"/>
-    <dgm:cxn modelId="{FDD130C2-CD74-4EFB-A226-A939177EE674}" type="presOf" srcId="{53742231-981F-480A-940F-203EC2F7423F}" destId="{00AE7F27-0E5D-4AFB-ACD6-B5A19E79EA42}" srcOrd="0" destOrd="0" presId="urn:microsoft.com/office/officeart/2016/7/layout/LinearBlockProcessNumbered"/>
-    <dgm:cxn modelId="{F226B1C2-5D99-403A-8240-EAD6BD4D8534}" srcId="{8AA20905-3954-474B-A606-562BCA026DC1}" destId="{53742231-981F-480A-940F-203EC2F7423F}" srcOrd="1" destOrd="0" parTransId="{2FC75195-FBA1-43DE-85DD-40B4B3A2F1F3}" sibTransId="{EF449C32-A7AE-4099-9E9B-9E2F736A89CE}"/>
-    <dgm:cxn modelId="{714928C7-F07E-48C4-BE9E-4842896AB09C}" type="presOf" srcId="{9C64CC83-643C-4E12-8F97-BC19DC031190}" destId="{BBA91679-4684-4A04-8AEB-03038C78A75C}" srcOrd="0" destOrd="0" presId="urn:microsoft.com/office/officeart/2016/7/layout/LinearBlockProcessNumbered"/>
-    <dgm:cxn modelId="{7D7B6CF4-1A1D-4E61-B5FE-C95185EF2648}" type="presOf" srcId="{9EF41CC5-EF3B-4A6D-8229-3F1333EADFB3}" destId="{67D48337-9200-42EF-A956-8FC92E9B78D2}" srcOrd="1" destOrd="0" presId="urn:microsoft.com/office/officeart/2016/7/layout/LinearBlockProcessNumbered"/>
-    <dgm:cxn modelId="{B9FDDAF6-ABE3-43D5-A54F-4A0002D3FD47}" type="presOf" srcId="{EF449C32-A7AE-4099-9E9B-9E2F736A89CE}" destId="{975C752B-C37A-4BA6-A3AE-2202A141404A}" srcOrd="0" destOrd="0" presId="urn:microsoft.com/office/officeart/2016/7/layout/LinearBlockProcessNumbered"/>
-    <dgm:cxn modelId="{6A5BED3A-71F8-4A71-9E51-1F50D58497B5}" type="presParOf" srcId="{579698BD-D232-4926-8D7B-29A69B90858B}" destId="{3DD5B223-886E-4FC7-BDA1-ECA869A474EC}" srcOrd="0" destOrd="0" presId="urn:microsoft.com/office/officeart/2016/7/layout/LinearBlockProcessNumbered"/>
-    <dgm:cxn modelId="{50ED9B3F-B939-4662-8866-7D833C2E0794}" type="presParOf" srcId="{3DD5B223-886E-4FC7-BDA1-ECA869A474EC}" destId="{DA3A6BD4-857F-4C66-97FA-B1E1C180A950}" srcOrd="0" destOrd="0" presId="urn:microsoft.com/office/officeart/2016/7/layout/LinearBlockProcessNumbered"/>
-    <dgm:cxn modelId="{0D013F25-1B82-4F7B-AEF4-E93C2E95B0C3}" type="presParOf" srcId="{3DD5B223-886E-4FC7-BDA1-ECA869A474EC}" destId="{BBA91679-4684-4A04-8AEB-03038C78A75C}" srcOrd="1" destOrd="0" presId="urn:microsoft.com/office/officeart/2016/7/layout/LinearBlockProcessNumbered"/>
-    <dgm:cxn modelId="{1E713196-E09A-42B0-BC2D-5294D0D9C36F}" type="presParOf" srcId="{3DD5B223-886E-4FC7-BDA1-ECA869A474EC}" destId="{5F398AEE-BC0F-4F30-99FA-92D67A176C2D}" srcOrd="2" destOrd="0" presId="urn:microsoft.com/office/officeart/2016/7/layout/LinearBlockProcessNumbered"/>
-    <dgm:cxn modelId="{F8935481-B234-48A2-8E9B-6F423817537E}" type="presParOf" srcId="{579698BD-D232-4926-8D7B-29A69B90858B}" destId="{3C27A223-AC17-40BD-B7C5-0447661C2934}" srcOrd="1" destOrd="0" presId="urn:microsoft.com/office/officeart/2016/7/layout/LinearBlockProcessNumbered"/>
-    <dgm:cxn modelId="{2A71550B-14EE-4B95-A40C-E132F64E84DB}" type="presParOf" srcId="{579698BD-D232-4926-8D7B-29A69B90858B}" destId="{0864151C-845B-4A50-9755-7EE613694D81}" srcOrd="2" destOrd="0" presId="urn:microsoft.com/office/officeart/2016/7/layout/LinearBlockProcessNumbered"/>
-    <dgm:cxn modelId="{819F34FD-11F2-459D-B90D-FA1539737ADA}" type="presParOf" srcId="{0864151C-845B-4A50-9755-7EE613694D81}" destId="{00AE7F27-0E5D-4AFB-ACD6-B5A19E79EA42}" srcOrd="0" destOrd="0" presId="urn:microsoft.com/office/officeart/2016/7/layout/LinearBlockProcessNumbered"/>
-    <dgm:cxn modelId="{FAA4A22E-63A9-40D7-AF37-15573F3C350A}" type="presParOf" srcId="{0864151C-845B-4A50-9755-7EE613694D81}" destId="{975C752B-C37A-4BA6-A3AE-2202A141404A}" srcOrd="1" destOrd="0" presId="urn:microsoft.com/office/officeart/2016/7/layout/LinearBlockProcessNumbered"/>
-    <dgm:cxn modelId="{ABA4B620-C848-4944-B91E-2E492EED893C}" type="presParOf" srcId="{0864151C-845B-4A50-9755-7EE613694D81}" destId="{C5BDCA19-B754-421E-A6CC-628F80FC74CB}" srcOrd="2" destOrd="0" presId="urn:microsoft.com/office/officeart/2016/7/layout/LinearBlockProcessNumbered"/>
-    <dgm:cxn modelId="{981D06A1-F8EB-4C14-9C2A-EA505D9C81FA}" type="presParOf" srcId="{579698BD-D232-4926-8D7B-29A69B90858B}" destId="{3E36C1DA-E751-469B-91D5-B7ADF3790DAB}" srcOrd="3" destOrd="0" presId="urn:microsoft.com/office/officeart/2016/7/layout/LinearBlockProcessNumbered"/>
-    <dgm:cxn modelId="{D7BB022A-2504-497B-9672-D97F4CB95B15}" type="presParOf" srcId="{579698BD-D232-4926-8D7B-29A69B90858B}" destId="{19974A3A-09A4-40DE-BB0F-D9AED1ACB06E}" srcOrd="4" destOrd="0" presId="urn:microsoft.com/office/officeart/2016/7/layout/LinearBlockProcessNumbered"/>
-    <dgm:cxn modelId="{A085F843-0169-43CB-B042-74EAB6E1674B}" type="presParOf" srcId="{19974A3A-09A4-40DE-BB0F-D9AED1ACB06E}" destId="{CAD62F17-E99D-4FEF-B376-961CA4CB20EB}" srcOrd="0" destOrd="0" presId="urn:microsoft.com/office/officeart/2016/7/layout/LinearBlockProcessNumbered"/>
-    <dgm:cxn modelId="{A179DBCD-25F3-44B6-BAA7-26EBC7B29448}" type="presParOf" srcId="{19974A3A-09A4-40DE-BB0F-D9AED1ACB06E}" destId="{E20811D6-E5D4-4C9E-AABF-9E0E1902CA2C}" srcOrd="1" destOrd="0" presId="urn:microsoft.com/office/officeart/2016/7/layout/LinearBlockProcessNumbered"/>
-    <dgm:cxn modelId="{7429BDE6-E17F-4E08-960D-D62B256C81F6}" type="presParOf" srcId="{19974A3A-09A4-40DE-BB0F-D9AED1ACB06E}" destId="{67D48337-9200-42EF-A956-8FC92E9B78D2}" srcOrd="2" destOrd="0" presId="urn:microsoft.com/office/officeart/2016/7/layout/LinearBlockProcessNumbered"/>
-  </dgm:cxnLst>
-  <dgm:bg/>
-  <dgm:whole/>
-  <dgm:extLst>
-    <a:ext uri="http://schemas.microsoft.com/office/drawing/2008/diagram">
-      <dsp:dataModelExt xmlns:dsp="http://schemas.microsoft.com/office/drawing/2008/diagram" relId="rId7" minVer="http://schemas.openxmlformats.org/drawingml/2006/diagram"/>
-    </a:ext>
-  </dgm:extLst>
-</dgm:dataModel>
-</file>
-
-<file path=ppt/diagrams/drawing1.xml><?xml version="1.0" encoding="utf-8"?>
-<dsp:drawing xmlns:dgm="http://schemas.openxmlformats.org/drawingml/2006/diagram" xmlns:dsp="http://schemas.microsoft.com/office/drawing/2008/diagram" xmlns:a="http://schemas.openxmlformats.org/drawingml/2006/main">
-  <dsp:spTree>
-    <dsp:nvGrpSpPr>
-      <dsp:cNvPr id="0" name=""/>
-      <dsp:cNvGrpSpPr/>
-    </dsp:nvGrpSpPr>
-    <dsp:grpSpPr/>
-    <dsp:sp modelId="{DA3A6BD4-857F-4C66-97FA-B1E1C180A950}">
-      <dsp:nvSpPr>
-        <dsp:cNvPr id="0" name=""/>
-        <dsp:cNvSpPr/>
-      </dsp:nvSpPr>
-      <dsp:spPr>
-        <a:xfrm>
-          <a:off x="808" y="0"/>
-          <a:ext cx="3275967" cy="3714750"/>
-        </a:xfrm>
-        <a:prstGeom prst="rect">
-          <a:avLst/>
-        </a:prstGeom>
-        <a:solidFill>
-          <a:schemeClr val="accent2">
-            <a:hueOff val="0"/>
-            <a:satOff val="0"/>
-            <a:lumOff val="0"/>
-            <a:alphaOff val="0"/>
-          </a:schemeClr>
-        </a:solidFill>
-        <a:ln w="15875" cap="rnd" cmpd="sng" algn="ctr">
-          <a:solidFill>
-            <a:schemeClr val="accent2">
-              <a:hueOff val="0"/>
-              <a:satOff val="0"/>
-              <a:lumOff val="0"/>
-              <a:alphaOff val="0"/>
-            </a:schemeClr>
-          </a:solidFill>
-          <a:prstDash val="solid"/>
-        </a:ln>
-        <a:effectLst/>
-      </dsp:spPr>
-      <dsp:style>
-        <a:lnRef idx="2">
-          <a:scrgbClr r="0" g="0" b="0"/>
-        </a:lnRef>
-        <a:fillRef idx="1">
-          <a:scrgbClr r="0" g="0" b="0"/>
-        </a:fillRef>
-        <a:effectRef idx="0">
-          <a:scrgbClr r="0" g="0" b="0"/>
-        </a:effectRef>
-        <a:fontRef idx="minor">
-          <a:schemeClr val="lt1"/>
-        </a:fontRef>
-      </dsp:style>
-      <dsp:txBody>
-        <a:bodyPr spcFirstLastPara="0" vert="horz" wrap="square" lIns="323593" tIns="0" rIns="323593" bIns="330200" numCol="1" spcCol="1270" anchor="t" anchorCtr="0">
-          <a:noAutofit/>
-        </a:bodyPr>
-        <a:lstStyle/>
-        <a:p>
-          <a:pPr marL="0" lvl="0" indent="0" algn="l" defTabSz="933450">
-            <a:lnSpc>
-              <a:spcPct val="90000"/>
-            </a:lnSpc>
-            <a:spcBef>
-              <a:spcPct val="0"/>
-            </a:spcBef>
-            <a:spcAft>
-              <a:spcPct val="35000"/>
-            </a:spcAft>
-            <a:buNone/>
-            <a:defRPr cap="all"/>
-          </a:pPr>
-          <a:r>
-            <a:rPr lang="en-US" sz="2100" kern="1200" dirty="0"/>
-            <a:t>Lorem ipsum dolor sit amet, consectetuer adipiscing elit. Maecenas</a:t>
-          </a:r>
-        </a:p>
-      </dsp:txBody>
-      <dsp:txXfrm>
-        <a:off x="808" y="1485900"/>
-        <a:ext cx="3275967" cy="2228850"/>
-      </dsp:txXfrm>
-    </dsp:sp>
-    <dsp:sp modelId="{BBA91679-4684-4A04-8AEB-03038C78A75C}">
-      <dsp:nvSpPr>
-        <dsp:cNvPr id="0" name=""/>
-        <dsp:cNvSpPr/>
-      </dsp:nvSpPr>
-      <dsp:spPr>
-        <a:xfrm>
-          <a:off x="808" y="0"/>
-          <a:ext cx="3275967" cy="1485900"/>
-        </a:xfrm>
-        <a:prstGeom prst="rect">
-          <a:avLst/>
-        </a:prstGeom>
-        <a:noFill/>
-        <a:ln w="15875" cap="rnd" cmpd="sng" algn="ctr">
-          <a:noFill/>
-          <a:prstDash val="solid"/>
-        </a:ln>
-        <a:effectLst/>
-        <a:sp3d/>
-      </dsp:spPr>
-      <dsp:style>
-        <a:lnRef idx="2">
-          <a:scrgbClr r="0" g="0" b="0"/>
-        </a:lnRef>
-        <a:fillRef idx="1">
-          <a:scrgbClr r="0" g="0" b="0"/>
-        </a:fillRef>
-        <a:effectRef idx="0">
-          <a:scrgbClr r="0" g="0" b="0"/>
-        </a:effectRef>
-        <a:fontRef idx="minor">
-          <a:schemeClr val="lt1"/>
-        </a:fontRef>
-      </dsp:style>
-      <dsp:txBody>
-        <a:bodyPr spcFirstLastPara="0" vert="horz" wrap="square" lIns="323593" tIns="165100" rIns="323593" bIns="165100" numCol="1" spcCol="1270" anchor="ctr" anchorCtr="0">
-          <a:noAutofit/>
-        </a:bodyPr>
-        <a:lstStyle/>
-        <a:p>
-          <a:pPr marL="0" lvl="0" indent="0" algn="l" defTabSz="2933700">
-            <a:lnSpc>
-              <a:spcPct val="90000"/>
-            </a:lnSpc>
-            <a:spcBef>
-              <a:spcPct val="0"/>
-            </a:spcBef>
-            <a:spcAft>
-              <a:spcPct val="35000"/>
-            </a:spcAft>
-            <a:buNone/>
-          </a:pPr>
-          <a:r>
-            <a:rPr lang="en-US" sz="6600" kern="1200" dirty="0"/>
-            <a:t>01</a:t>
-          </a:r>
-        </a:p>
-      </dsp:txBody>
-      <dsp:txXfrm>
-        <a:off x="808" y="0"/>
-        <a:ext cx="3275967" cy="1485900"/>
-      </dsp:txXfrm>
-    </dsp:sp>
-    <dsp:sp modelId="{00AE7F27-0E5D-4AFB-ACD6-B5A19E79EA42}">
-      <dsp:nvSpPr>
-        <dsp:cNvPr id="0" name=""/>
-        <dsp:cNvSpPr/>
-      </dsp:nvSpPr>
-      <dsp:spPr>
-        <a:xfrm>
-          <a:off x="3538853" y="0"/>
-          <a:ext cx="3275967" cy="3714750"/>
-        </a:xfrm>
-        <a:prstGeom prst="rect">
-          <a:avLst/>
-        </a:prstGeom>
-        <a:solidFill>
-          <a:schemeClr val="accent3">
-            <a:hueOff val="0"/>
-            <a:satOff val="0"/>
-            <a:lumOff val="0"/>
-            <a:alphaOff val="0"/>
-          </a:schemeClr>
-        </a:solidFill>
-        <a:ln w="15875" cap="rnd" cmpd="sng" algn="ctr">
-          <a:solidFill>
-            <a:schemeClr val="accent3">
-              <a:hueOff val="0"/>
-              <a:satOff val="0"/>
-              <a:lumOff val="0"/>
-              <a:alphaOff val="0"/>
-            </a:schemeClr>
-          </a:solidFill>
-          <a:prstDash val="solid"/>
-        </a:ln>
-        <a:effectLst/>
-      </dsp:spPr>
-      <dsp:style>
-        <a:lnRef idx="2">
-          <a:scrgbClr r="0" g="0" b="0"/>
-        </a:lnRef>
-        <a:fillRef idx="1">
-          <a:scrgbClr r="0" g="0" b="0"/>
-        </a:fillRef>
-        <a:effectRef idx="0">
-          <a:scrgbClr r="0" g="0" b="0"/>
-        </a:effectRef>
-        <a:fontRef idx="minor">
-          <a:schemeClr val="lt1"/>
-        </a:fontRef>
-      </dsp:style>
-      <dsp:txBody>
-        <a:bodyPr spcFirstLastPara="0" vert="horz" wrap="square" lIns="323593" tIns="0" rIns="323593" bIns="330200" numCol="1" spcCol="1270" anchor="t" anchorCtr="0">
-          <a:noAutofit/>
-        </a:bodyPr>
-        <a:lstStyle/>
-        <a:p>
-          <a:pPr marL="0" lvl="0" indent="0" algn="l" defTabSz="933450">
-            <a:lnSpc>
-              <a:spcPct val="90000"/>
-            </a:lnSpc>
-            <a:spcBef>
-              <a:spcPct val="0"/>
-            </a:spcBef>
-            <a:spcAft>
-              <a:spcPct val="35000"/>
-            </a:spcAft>
-            <a:buNone/>
-            <a:defRPr cap="all"/>
-          </a:pPr>
-          <a:r>
-            <a:rPr lang="en-US" sz="2100" kern="1200"/>
-            <a:t>Nunc </a:t>
-          </a:r>
-          <a:r>
-            <a:rPr lang="en-US" sz="2100" kern="1200" err="1"/>
-            <a:t>viverra</a:t>
-          </a:r>
-          <a:r>
-            <a:rPr lang="en-US" sz="2100" kern="1200"/>
-            <a:t> </a:t>
-          </a:r>
-          <a:r>
-            <a:rPr lang="en-US" sz="2100" kern="1200" err="1"/>
-            <a:t>imperdiet</a:t>
-          </a:r>
-          <a:r>
-            <a:rPr lang="en-US" sz="2100" kern="1200"/>
-            <a:t> </a:t>
-          </a:r>
-          <a:r>
-            <a:rPr lang="en-US" sz="2100" kern="1200" err="1"/>
-            <a:t>enim</a:t>
-          </a:r>
-          <a:r>
-            <a:rPr lang="en-US" sz="2100" kern="1200"/>
-            <a:t>. </a:t>
-          </a:r>
-          <a:r>
-            <a:rPr lang="en-US" sz="2100" kern="1200" err="1"/>
-            <a:t>Fusce</a:t>
-          </a:r>
-          <a:r>
-            <a:rPr lang="en-US" sz="2100" kern="1200"/>
-            <a:t> est. </a:t>
-          </a:r>
-          <a:r>
-            <a:rPr lang="en-US" sz="2100" kern="1200" err="1"/>
-            <a:t>Vivamus</a:t>
-          </a:r>
-          <a:r>
-            <a:rPr lang="en-US" sz="2100" kern="1200"/>
-            <a:t> a </a:t>
-          </a:r>
-          <a:r>
-            <a:rPr lang="en-US" sz="2100" kern="1200" err="1"/>
-            <a:t>tellus</a:t>
-          </a:r>
-          <a:r>
-            <a:rPr lang="en-US" sz="2100" kern="1200"/>
-            <a:t>.</a:t>
-          </a:r>
-        </a:p>
-      </dsp:txBody>
-      <dsp:txXfrm>
-        <a:off x="3538853" y="1485900"/>
-        <a:ext cx="3275967" cy="2228850"/>
-      </dsp:txXfrm>
-    </dsp:sp>
-    <dsp:sp modelId="{975C752B-C37A-4BA6-A3AE-2202A141404A}">
-      <dsp:nvSpPr>
-        <dsp:cNvPr id="0" name=""/>
-        <dsp:cNvSpPr/>
-      </dsp:nvSpPr>
-      <dsp:spPr>
-        <a:xfrm>
-          <a:off x="3538853" y="0"/>
-          <a:ext cx="3275967" cy="1485900"/>
-        </a:xfrm>
-        <a:prstGeom prst="rect">
-          <a:avLst/>
-        </a:prstGeom>
-        <a:noFill/>
-        <a:ln w="15875" cap="rnd" cmpd="sng" algn="ctr">
-          <a:noFill/>
-          <a:prstDash val="solid"/>
-        </a:ln>
-        <a:effectLst/>
-        <a:sp3d/>
-      </dsp:spPr>
-      <dsp:style>
-        <a:lnRef idx="2">
-          <a:scrgbClr r="0" g="0" b="0"/>
-        </a:lnRef>
-        <a:fillRef idx="1">
-          <a:scrgbClr r="0" g="0" b="0"/>
-        </a:fillRef>
-        <a:effectRef idx="0">
-          <a:scrgbClr r="0" g="0" b="0"/>
-        </a:effectRef>
-        <a:fontRef idx="minor">
-          <a:schemeClr val="lt1"/>
-        </a:fontRef>
-      </dsp:style>
-      <dsp:txBody>
-        <a:bodyPr spcFirstLastPara="0" vert="horz" wrap="square" lIns="323593" tIns="165100" rIns="323593" bIns="165100" numCol="1" spcCol="1270" anchor="ctr" anchorCtr="0">
-          <a:noAutofit/>
-        </a:bodyPr>
-        <a:lstStyle/>
-        <a:p>
-          <a:pPr marL="0" lvl="0" indent="0" algn="l" defTabSz="2933700">
-            <a:lnSpc>
-              <a:spcPct val="90000"/>
-            </a:lnSpc>
-            <a:spcBef>
-              <a:spcPct val="0"/>
-            </a:spcBef>
-            <a:spcAft>
-              <a:spcPct val="35000"/>
-            </a:spcAft>
-            <a:buNone/>
-          </a:pPr>
-          <a:r>
-            <a:rPr lang="en-US" sz="6600" kern="1200"/>
-            <a:t>02</a:t>
-          </a:r>
-        </a:p>
-      </dsp:txBody>
-      <dsp:txXfrm>
-        <a:off x="3538853" y="0"/>
-        <a:ext cx="3275967" cy="1485900"/>
-      </dsp:txXfrm>
-    </dsp:sp>
-    <dsp:sp modelId="{CAD62F17-E99D-4FEF-B376-961CA4CB20EB}">
-      <dsp:nvSpPr>
-        <dsp:cNvPr id="0" name=""/>
-        <dsp:cNvSpPr/>
-      </dsp:nvSpPr>
-      <dsp:spPr>
-        <a:xfrm>
-          <a:off x="7076898" y="0"/>
-          <a:ext cx="3275967" cy="3714750"/>
-        </a:xfrm>
-        <a:prstGeom prst="rect">
-          <a:avLst/>
-        </a:prstGeom>
-        <a:solidFill>
-          <a:schemeClr val="accent4">
-            <a:hueOff val="0"/>
-            <a:satOff val="0"/>
-            <a:lumOff val="0"/>
-            <a:alphaOff val="0"/>
-          </a:schemeClr>
-        </a:solidFill>
-        <a:ln w="15875" cap="rnd" cmpd="sng" algn="ctr">
-          <a:solidFill>
-            <a:schemeClr val="accent4">
-              <a:hueOff val="0"/>
-              <a:satOff val="0"/>
-              <a:lumOff val="0"/>
-              <a:alphaOff val="0"/>
-            </a:schemeClr>
-          </a:solidFill>
-          <a:prstDash val="solid"/>
-        </a:ln>
-        <a:effectLst/>
-      </dsp:spPr>
-      <dsp:style>
-        <a:lnRef idx="2">
-          <a:scrgbClr r="0" g="0" b="0"/>
-        </a:lnRef>
-        <a:fillRef idx="1">
-          <a:scrgbClr r="0" g="0" b="0"/>
-        </a:fillRef>
-        <a:effectRef idx="0">
-          <a:scrgbClr r="0" g="0" b="0"/>
-        </a:effectRef>
-        <a:fontRef idx="minor">
-          <a:schemeClr val="lt1"/>
-        </a:fontRef>
-      </dsp:style>
-      <dsp:txBody>
-        <a:bodyPr spcFirstLastPara="0" vert="horz" wrap="square" lIns="323593" tIns="0" rIns="323593" bIns="330200" numCol="1" spcCol="1270" anchor="t" anchorCtr="0">
-          <a:noAutofit/>
-        </a:bodyPr>
-        <a:lstStyle/>
-        <a:p>
-          <a:pPr marL="0" lvl="0" indent="0" algn="l" defTabSz="933450">
-            <a:lnSpc>
-              <a:spcPct val="90000"/>
-            </a:lnSpc>
-            <a:spcBef>
-              <a:spcPct val="0"/>
-            </a:spcBef>
-            <a:spcAft>
-              <a:spcPct val="35000"/>
-            </a:spcAft>
-            <a:buNone/>
-            <a:defRPr cap="all"/>
-          </a:pPr>
-          <a:r>
-            <a:rPr lang="en-US" sz="2100" kern="1200" err="1"/>
-            <a:t>Pellentesque</a:t>
-          </a:r>
-          <a:r>
-            <a:rPr lang="en-US" sz="2100" kern="1200"/>
-            <a:t> habitant </a:t>
-          </a:r>
-          <a:r>
-            <a:rPr lang="en-US" sz="2100" kern="1200" err="1"/>
-            <a:t>morbi</a:t>
-          </a:r>
-          <a:r>
-            <a:rPr lang="en-US" sz="2100" kern="1200"/>
-            <a:t> </a:t>
-          </a:r>
-          <a:r>
-            <a:rPr lang="en-US" sz="2100" kern="1200" err="1"/>
-            <a:t>tristique</a:t>
-          </a:r>
-          <a:r>
-            <a:rPr lang="en-US" sz="2100" kern="1200"/>
-            <a:t> </a:t>
-          </a:r>
-          <a:r>
-            <a:rPr lang="en-US" sz="2100" kern="1200" err="1"/>
-            <a:t>senectus</a:t>
-          </a:r>
-          <a:r>
-            <a:rPr lang="en-US" sz="2100" kern="1200"/>
-            <a:t> et </a:t>
-          </a:r>
-          <a:r>
-            <a:rPr lang="en-US" sz="2100" kern="1200" err="1"/>
-            <a:t>netus</a:t>
-          </a:r>
-          <a:r>
-            <a:rPr lang="en-US" sz="2100" kern="1200"/>
-            <a:t> et </a:t>
-          </a:r>
-          <a:r>
-            <a:rPr lang="en-US" sz="2100" kern="1200" err="1"/>
-            <a:t>malesuada</a:t>
-          </a:r>
-          <a:r>
-            <a:rPr lang="en-US" sz="2100" kern="1200"/>
-            <a:t> fames.</a:t>
-          </a:r>
-        </a:p>
-      </dsp:txBody>
-      <dsp:txXfrm>
-        <a:off x="7076898" y="1485900"/>
-        <a:ext cx="3275967" cy="2228850"/>
-      </dsp:txXfrm>
-    </dsp:sp>
-    <dsp:sp modelId="{E20811D6-E5D4-4C9E-AABF-9E0E1902CA2C}">
-      <dsp:nvSpPr>
-        <dsp:cNvPr id="0" name=""/>
-        <dsp:cNvSpPr/>
-      </dsp:nvSpPr>
-      <dsp:spPr>
-        <a:xfrm>
-          <a:off x="7076898" y="0"/>
-          <a:ext cx="3275967" cy="1485900"/>
-        </a:xfrm>
-        <a:prstGeom prst="rect">
-          <a:avLst/>
-        </a:prstGeom>
-        <a:noFill/>
-        <a:ln w="15875" cap="rnd" cmpd="sng" algn="ctr">
-          <a:noFill/>
-          <a:prstDash val="solid"/>
-        </a:ln>
-        <a:effectLst/>
-        <a:sp3d/>
-      </dsp:spPr>
-      <dsp:style>
-        <a:lnRef idx="2">
-          <a:scrgbClr r="0" g="0" b="0"/>
-        </a:lnRef>
-        <a:fillRef idx="1">
-          <a:scrgbClr r="0" g="0" b="0"/>
-        </a:fillRef>
-        <a:effectRef idx="0">
-          <a:scrgbClr r="0" g="0" b="0"/>
-        </a:effectRef>
-        <a:fontRef idx="minor">
-          <a:schemeClr val="lt1"/>
-        </a:fontRef>
-      </dsp:style>
-      <dsp:txBody>
-        <a:bodyPr spcFirstLastPara="0" vert="horz" wrap="square" lIns="323593" tIns="165100" rIns="323593" bIns="165100" numCol="1" spcCol="1270" anchor="ctr" anchorCtr="0">
-          <a:noAutofit/>
-        </a:bodyPr>
-        <a:lstStyle/>
-        <a:p>
-          <a:pPr marL="0" lvl="0" indent="0" algn="l" defTabSz="2933700">
-            <a:lnSpc>
-              <a:spcPct val="90000"/>
-            </a:lnSpc>
-            <a:spcBef>
-              <a:spcPct val="0"/>
-            </a:spcBef>
-            <a:spcAft>
-              <a:spcPct val="35000"/>
-            </a:spcAft>
-            <a:buNone/>
-          </a:pPr>
-          <a:r>
-            <a:rPr lang="en-US" sz="6600" kern="1200"/>
-            <a:t>03</a:t>
-          </a:r>
-        </a:p>
-      </dsp:txBody>
-      <dsp:txXfrm>
-        <a:off x="7076898" y="0"/>
-        <a:ext cx="3275967" cy="1485900"/>
-      </dsp:txXfrm>
-    </dsp:sp>
-  </dsp:spTree>
-</dsp:drawing>
-</file>
-
-<file path=ppt/diagrams/layout1.xml><?xml version="1.0" encoding="utf-8"?>
-<dgm:layoutDef xmlns:dgm="http://schemas.openxmlformats.org/drawingml/2006/diagram" xmlns:a="http://schemas.openxmlformats.org/drawingml/2006/main" uniqueId="urn:microsoft.com/office/officeart/2016/7/layout/LinearBlockProcessNumbered">
-  <dgm:title val="Linear Block Process Numbered"/>
-  <dgm:desc val="Used to show a progression; a timeline; sequential steps in a task, process, or workflow; or to emphasize movement or direction. Automatic numbers have been introduced to show the steps of the process. Level 1 text and Level 2 text both appears in a rectangle."/>
-  <dgm:catLst>
-    <dgm:cat type="process" pri="500"/>
-  </dgm:catLst>
-  <dgm:sampData>
-    <dgm:dataModel>
-      <dgm:ptLst>
-        <dgm:pt modelId="0" type="doc"/>
-        <dgm:pt modelId="1">
-          <dgm:prSet phldr="1"/>
-        </dgm:pt>
-        <dgm:pt modelId="11">
-          <dgm:prSet phldr="1"/>
-        </dgm:pt>
-        <dgm:pt modelId="2">
-          <dgm:prSet phldr="1"/>
-        </dgm:pt>
-        <dgm:pt modelId="21">
-          <dgm:prSet phldr="1"/>
-        </dgm:pt>
-        <dgm:pt modelId="3">
-          <dgm:prSet phldr="1"/>
-        </dgm:pt>
-        <dgm:pt modelId="31">
-          <dgm:prSet phldr="1"/>
-        </dgm:pt>
-        <dgm:pt modelId="101" type="sibTrans" cxnId="4">
-          <dgm:prSet phldrT="1"/>
-          <dgm:t>
-            <a:bodyPr/>
-            <a:lstStyle/>
-            <a:p>
-              <a:r>
-                <a:t>01</a:t>
-              </a:r>
-            </a:p>
-          </dgm:t>
-        </dgm:pt>
-        <dgm:pt modelId="201" type="sibTrans" cxnId="5">
-          <dgm:prSet phldrT="2"/>
-          <dgm:t>
-            <a:bodyPr/>
-            <a:lstStyle/>
-            <a:p>
-              <a:r>
-                <a:t>02</a:t>
-              </a:r>
-            </a:p>
-          </dgm:t>
-        </dgm:pt>
-        <dgm:pt modelId="301" type="sibTrans" cxnId="6">
-          <dgm:prSet phldrT="3"/>
-          <dgm:t>
-            <a:bodyPr/>
-            <a:lstStyle/>
-            <a:p>
-              <a:r>
-                <a:t>03</a:t>
-              </a:r>
-            </a:p>
-          </dgm:t>
-        </dgm:pt>
-      </dgm:ptLst>
-      <dgm:cxnLst>
-        <dgm:cxn modelId="4" srcId="0" destId="1" srcOrd="0" destOrd="0" sibTransId="101"/>
-        <dgm:cxn modelId="5" srcId="0" destId="2" srcOrd="1" destOrd="0" sibTransId="201"/>
-        <dgm:cxn modelId="6" srcId="0" destId="3" srcOrd="2" destOrd="0" sibTransId="301"/>
-        <dgm:cxn modelId="13" srcId="1" destId="11" srcOrd="0" destOrd="0"/>
-        <dgm:cxn modelId="23" srcId="2" destId="21" srcOrd="0" destOrd="0"/>
-        <dgm:cxn modelId="33" srcId="3" destId="31" srcOrd="0" destOrd="0"/>
-      </dgm:cxnLst>
-      <dgm:bg/>
-      <dgm:whole/>
-    </dgm:dataModel>
-  </dgm:sampData>
-  <dgm:styleData>
-    <dgm:dataModel>
-      <dgm:ptLst>
-        <dgm:pt modelId="0" type="doc"/>
-        <dgm:pt modelId="1"/>
-        <dgm:pt modelId="11"/>
-        <dgm:pt modelId="2"/>
-        <dgm:pt modelId="21"/>
-      </dgm:ptLst>
-      <dgm:cxnLst>
-        <dgm:cxn modelId="4" srcId="0" destId="1" srcOrd="0" destOrd="0"/>
-        <dgm:cxn modelId="5" srcId="0" destId="2" srcOrd="1" destOrd="0"/>
-        <dgm:cxn modelId="13" srcId="1" destId="11" srcOrd="0" destOrd="0"/>
-        <dgm:cxn modelId="23" srcId="2" destId="21" srcOrd="0" destOrd="0"/>
-      </dgm:cxnLst>
-      <dgm:bg/>
-      <dgm:whole/>
-    </dgm:dataModel>
-  </dgm:styleData>
-  <dgm:clrData>
-    <dgm:dataModel>
-      <dgm:ptLst>
-        <dgm:pt modelId="0" type="doc"/>
-        <dgm:pt modelId="1"/>
-        <dgm:pt modelId="11"/>
-        <dgm:pt modelId="2"/>
-        <dgm:pt modelId="21"/>
-        <dgm:pt modelId="3"/>
-        <dgm:pt modelId="31"/>
-        <dgm:pt modelId="4"/>
-        <dgm:pt modelId="41"/>
-      </dgm:ptLst>
-      <dgm:cxnLst>
-        <dgm:cxn modelId="5" srcId="0" destId="1" srcOrd="0" destOrd="0"/>
-        <dgm:cxn modelId="6" srcId="0" destId="2" srcOrd="1" destOrd="0"/>
-        <dgm:cxn modelId="7" srcId="0" destId="3" srcOrd="2" destOrd="0"/>
-        <dgm:cxn modelId="8" srcId="0" destId="4" srcOrd="3" destOrd="0"/>
-        <dgm:cxn modelId="13" srcId="1" destId="11" srcOrd="0" destOrd="0"/>
-        <dgm:cxn modelId="23" srcId="2" destId="21" srcOrd="0" destOrd="0"/>
-        <dgm:cxn modelId="33" srcId="3" destId="31" srcOrd="0" destOrd="0"/>
-        <dgm:cxn modelId="43" srcId="4" destId="41" srcOrd="0" destOrd="0"/>
-      </dgm:cxnLst>
-      <dgm:bg/>
-      <dgm:whole/>
-    </dgm:dataModel>
-  </dgm:clrData>
-  <dgm:layoutNode name="Name0">
-    <dgm:varLst>
-      <dgm:animLvl val="lvl"/>
-      <dgm:resizeHandles val="exact"/>
-    </dgm:varLst>
-    <dgm:alg type="lin">
-      <dgm:param type="linDir" val="fromL"/>
-      <dgm:param type="nodeVertAlign" val="t"/>
-    </dgm:alg>
-    <dgm:shape xmlns:r="http://schemas.openxmlformats.org/officeDocument/2006/relationships" r:blip="">
-      <dgm:adjLst/>
-    </dgm:shape>
-    <dgm:presOf/>
-    <dgm:constrLst>
-      <dgm:constr type="h" for="ch" forName="compositeNode" refType="h"/>
-      <dgm:constr type="w" for="ch" forName="compositeNode" refType="w"/>
-      <dgm:constr type="w" for="des" forName="simulatedConn" refType="w" refFor="ch" refForName="compositeNode" fact="0.15"/>
-      <dgm:constr type="h" for="des" forName="simulatedConn" refType="w" refFor="des" refForName="simulatedConn"/>
-      <dgm:constr type="h" for="des" forName="vSp1" refType="w" refFor="ch" refForName="compositeNode" fact="0.8"/>
-      <dgm:constr type="h" for="des" forName="vSp2" refType="w" refFor="ch" refForName="compositeNode" fact="0.07"/>
-      <dgm:constr type="w" for="ch" forName="vProcSp" refType="w" refFor="des" refForName="simulatedConn" op="equ"/>
-      <dgm:constr type="h" for="ch" forName="vProcSp" refType="h" refFor="ch" refForName="compositeNode" op="equ"/>
-      <dgm:constr type="w" for="ch" forName="sibTrans" refType="w" refFor="ch" refForName="compositeNode" fact="0.08"/>
-      <dgm:constr type="primFontSz" for="des" forName="sibTransNodeRect" op="equ"/>
-      <dgm:constr type="primFontSz" for="des" forName="nodeRect" op="equ"/>
-    </dgm:constrLst>
-    <dgm:ruleLst/>
-    <dgm:forEach name="Name4" axis="ch" ptType="node">
-      <dgm:layoutNode name="compositeNode">
-        <dgm:varLst>
-          <dgm:bulletEnabled val="1"/>
-        </dgm:varLst>
-        <dgm:alg type="composite"/>
-        <dgm:constrLst>
-          <dgm:constr type="h" refType="w" op="lte" fact="1.2"/>
-          <dgm:constr type="w" for="ch" forName="bgRect" refType="w"/>
-          <dgm:constr type="h" for="ch" forName="bgRect" refType="h"/>
-          <dgm:constr type="t" for="ch" forName="bgRect"/>
-          <dgm:constr type="l" for="ch" forName="bgRect"/>
-          <dgm:constr type="w" for="ch" forName="sibTransNodeRect" refType="w" refFor="ch" refForName="bgRect"/>
-          <dgm:constr type="h" for="ch" forName="sibTransNodeRect" refType="h" refFor="ch" refForName="bgRect" fact="0.4"/>
-          <dgm:constr type="t" for="ch" forName="sibTransNodeRect"/>
-          <dgm:constr type="l" for="ch" forName="sibTransNodeRect"/>
-          <dgm:constr type="r" for="ch" forName="nodeRect" refType="r" refFor="ch" refForName="bgRect"/>
-          <dgm:constr type="h" for="ch" forName="nodeRect" refType="h" refFor="ch" refForName="bgRect" fact="0.6"/>
-          <dgm:constr type="t" for="ch" forName="nodeRect" refType="b" refFor="ch" refForName="sibTransNodeRect"/>
-          <dgm:constr type="l" for="ch" forName="nodeRect" refType="l" refFor="ch" refForName="bgRect"/>
-        </dgm:constrLst>
-        <dgm:ruleLst>
-          <dgm:rule type="w" for="ch" forName="nodeRect" val="NaN" fact="NaN" max="30"/>
-        </dgm:ruleLst>
-        <dgm:layoutNode name="bgRect" styleLbl="alignNode1">
-          <dgm:alg type="sp"/>
-          <dgm:shape xmlns:r="http://schemas.openxmlformats.org/officeDocument/2006/relationships" type="rect" r:blip="">
-            <dgm:adjLst>
-              <dgm:adj idx="1" val="0.05"/>
-            </dgm:adjLst>
-          </dgm:shape>
-          <dgm:presOf axis="self"/>
-          <dgm:constrLst/>
-          <dgm:ruleLst/>
-        </dgm:layoutNode>
-        <dgm:forEach name="Name19" axis="followSib" ptType="sibTrans" hideLastTrans="0" cnt="1">
-          <dgm:layoutNode name="sibTransNodeRect" styleLbl="alignNode1">
-            <dgm:varLst>
-              <dgm:chMax val="0"/>
-              <dgm:bulletEnabled val="1"/>
-            </dgm:varLst>
-            <dgm:presOf axis="self"/>
-            <dgm:alg type="tx">
-              <dgm:param type="parTxLTRAlign" val="l"/>
-              <dgm:param type="parTxRTLAlign" val="l"/>
-            </dgm:alg>
-            <dgm:shape xmlns:r="http://schemas.openxmlformats.org/officeDocument/2006/relationships" type="rect" r:blip="" hideGeom="1">
-              <dgm:adjLst/>
-            </dgm:shape>
-            <dgm:constrLst>
-              <dgm:constr type="primFontSz" val="66"/>
-              <dgm:constr type="tMarg" val="13"/>
-              <dgm:constr type="lMarg" refType="w" fact="0.28"/>
-              <dgm:constr type="rMarg" refType="w" fact="0.28"/>
-              <dgm:constr type="bMarg" val="13"/>
-            </dgm:constrLst>
-            <dgm:ruleLst>
-              <dgm:rule type="primFontSz" val="14" fact="NaN" max="NaN"/>
-              <dgm:rule type="tMarg" val="13" fact="NaN" max="NaN"/>
-            </dgm:ruleLst>
-          </dgm:layoutNode>
-        </dgm:forEach>
-        <dgm:layoutNode name="nodeRect" styleLbl="alignNode1" moveWith="bgRect">
-          <dgm:varLst>
-            <dgm:bulletEnabled val="1"/>
-          </dgm:varLst>
-          <dgm:alg type="tx">
-            <dgm:param type="parTxLTRAlign" val="l"/>
-            <dgm:param type="parTxRTLAlign" val="r"/>
-            <dgm:param type="txAnchorVert" val="t"/>
-            <dgm:param type="stBulletLvl" val="2"/>
-          </dgm:alg>
-          <dgm:shape xmlns:r="http://schemas.openxmlformats.org/officeDocument/2006/relationships" type="rect" r:blip="" hideGeom="1">
-            <dgm:adjLst/>
-          </dgm:shape>
-          <dgm:presOf axis="desOrSelf" ptType="node"/>
-          <dgm:constrLst>
-            <dgm:constr type="primFontSz" val="26"/>
-            <dgm:constr type="tMarg"/>
-            <dgm:constr type="lMarg" refType="w" fact="0.28"/>
-            <dgm:constr type="rMarg" refType="w" fact="0.28"/>
-            <dgm:constr type="bMarg" val="26"/>
-          </dgm:constrLst>
-          <dgm:ruleLst>
-            <dgm:rule type="primFontSz" val="11" fact="NaN" max="NaN"/>
-          </dgm:ruleLst>
-        </dgm:layoutNode>
-      </dgm:layoutNode>
-      <dgm:forEach name="Name14" axis="followSib" ptType="sibTrans" cnt="1">
-        <dgm:layoutNode name="sibTrans">
-          <dgm:alg type="sp"/>
-          <dgm:shape xmlns:r="http://schemas.openxmlformats.org/officeDocument/2006/relationships" r:blip="">
-            <dgm:adjLst/>
-          </dgm:shape>
-          <dgm:presOf/>
-          <dgm:constrLst/>
-          <dgm:ruleLst/>
-        </dgm:layoutNode>
-      </dgm:forEach>
-    </dgm:forEach>
-  </dgm:layoutNode>
-  <dgm:extLst>
-    <a:ext uri="{4F341089-5ED1-44EC-B178-C955D00A3D55}">
-      <dgm1611:autoBuNodeInfoLst xmlns:dgm1611="http://schemas.microsoft.com/office/drawing/2016/11/diagram">
-        <dgm1611:autoBuNodeInfo lvl="1" ptType="sibTrans">
-          <dgm1611:buPr prefix="" leadZeros="1">
-            <a:buAutoNum type="arabicParenBoth"/>
-          </dgm1611:buPr>
-        </dgm1611:autoBuNodeInfo>
-      </dgm1611:autoBuNodeInfoLst>
-    </a:ext>
-  </dgm:extLst>
-</dgm:layoutDef>
-</file>
-
-<file path=ppt/diagrams/quickStyle1.xml><?xml version="1.0" encoding="utf-8"?>
-<dgm:styleDef xmlns:dgm="http://schemas.openxmlformats.org/drawingml/2006/diagram" xmlns:a="http://schemas.openxmlformats.org/drawingml/2006/main" uniqueId="urn:microsoft.com/office/officeart/2005/8/quickstyle/simple1">
-  <dgm:title val=""/>
-  <dgm:desc val=""/>
-  <dgm:catLst>
-    <dgm:cat type="simple" pri="10100"/>
-  </dgm:catLst>
-  <dgm:scene3d>
-    <a:camera prst="orthographicFront"/>
-    <a:lightRig rig="threePt" dir="t"/>
-  </dgm:scene3d>
-  <dgm:styleLbl name="node0">
-    <dgm:scene3d>
-      <a:camera prst="orthographicFront"/>
-      <a:lightRig rig="threePt" dir="t"/>
-    </dgm:scene3d>
-    <dgm:sp3d/>
-    <dgm:txPr/>
-    <dgm:style>
-      <a:lnRef idx="2">
-        <a:scrgbClr r="0" g="0" b="0"/>
-      </a:lnRef>
-      <a:fillRef idx="1">
-        <a:scrgbClr r="0" g="0" b="0"/>
-      </a:fillRef>
-      <a:effectRef idx="0">
-        <a:scrgbClr r="0" g="0" b="0"/>
-      </a:effectRef>
-      <a:fontRef idx="minor">
-        <a:schemeClr val="lt1"/>
-      </a:fontRef>
-    </dgm:style>
-  </dgm:styleLbl>
-  <dgm:styleLbl name="lnNode1">
-    <dgm:scene3d>
-      <a:camera prst="orthographicFront"/>
-      <a:lightRig rig="threePt" dir="t"/>
-    </dgm:scene3d>
-    <dgm:sp3d/>
-    <dgm:txPr/>
-    <dgm:style>
-      <a:lnRef idx="2">
-        <a:scrgbClr r="0" g="0" b="0"/>
-      </a:lnRef>
-      <a:fillRef idx="1">
-        <a:scrgbClr r="0" g="0" b="0"/>
-      </a:fillRef>
-      <a:effectRef idx="0">
-        <a:scrgbClr r="0" g="0" b="0"/>
-      </a:effectRef>
-      <a:fontRef idx="minor">
-        <a:schemeClr val="lt1"/>
-      </a:fontRef>
-    </dgm:style>
-  </dgm:styleLbl>
-  <dgm:styleLbl name="vennNode1">
-    <dgm:scene3d>
-      <a:camera prst="orthographicFront"/>
-      <a:lightRig rig="threePt" dir="t"/>
-    </dgm:scene3d>
-    <dgm:sp3d/>
-    <dgm:txPr/>
-    <dgm:style>
-      <a:lnRef idx="2">
-        <a:scrgbClr r="0" g="0" b="0"/>
-      </a:lnRef>
-      <a:fillRef idx="1">
-        <a:scrgbClr r="0" g="0" b="0"/>
-      </a:fillRef>
-      <a:effectRef idx="0">
-        <a:scrgbClr r="0" g="0" b="0"/>
-      </a:effectRef>
-      <a:fontRef idx="minor">
-        <a:schemeClr val="tx1"/>
-      </a:fontRef>
-    </dgm:style>
-  </dgm:styleLbl>
-  <dgm:styleLbl name="alignNode1">
-    <dgm:scene3d>
-      <a:camera prst="orthographicFront"/>
-      <a:lightRig rig="threePt" dir="t"/>
-    </dgm:scene3d>
-    <dgm:sp3d/>
-    <dgm:txPr/>
-    <dgm:style>
-      <a:lnRef idx="2">
-        <a:scrgbClr r="0" g="0" b="0"/>
-      </a:lnRef>
-      <a:fillRef idx="1">
-        <a:scrgbClr r="0" g="0" b="0"/>
-      </a:fillRef>
-      <a:effectRef idx="0">
-        <a:scrgbClr r="0" g="0" b="0"/>
-      </a:effectRef>
-      <a:fontRef idx="minor">
-        <a:schemeClr val="lt1"/>
-      </a:fontRef>
-    </dgm:style>
-  </dgm:styleLbl>
-  <dgm:styleLbl name="node1">
-    <dgm:scene3d>
-      <a:camera prst="orthographicFront"/>
-      <a:lightRig rig="threePt" dir="t"/>
-    </dgm:scene3d>
-    <dgm:sp3d/>
-    <dgm:txPr/>
-    <dgm:style>
-      <a:lnRef idx="2">
-        <a:scrgbClr r="0" g="0" b="0"/>
-      </a:lnRef>
-      <a:fillRef idx="1">
-        <a:scrgbClr r="0" g="0" b="0"/>
-      </a:fillRef>
-      <a:effectRef idx="0">
-        <a:scrgbClr r="0" g="0" b="0"/>
-      </a:effectRef>
-      <a:fontRef idx="minor">
-        <a:schemeClr val="lt1"/>
-      </a:fontRef>
-    </dgm:style>
-  </dgm:styleLbl>
-  <dgm:styleLbl name="node2">
-    <dgm:scene3d>
-      <a:camera prst="orthographicFront"/>
-      <a:lightRig rig="threePt" dir="t"/>
-    </dgm:scene3d>
-    <dgm:sp3d/>
-    <dgm:txPr/>
-    <dgm:style>
-      <a:lnRef idx="2">
-        <a:scrgbClr r="0" g="0" b="0"/>
-      </a:lnRef>
-      <a:fillRef idx="1">
-        <a:scrgbClr r="0" g="0" b="0"/>
-      </a:fillRef>
-      <a:effectRef idx="0">
-        <a:scrgbClr r="0" g="0" b="0"/>
-      </a:effectRef>
-      <a:fontRef idx="minor">
-        <a:schemeClr val="lt1"/>
-      </a:fontRef>
-    </dgm:style>
-  </dgm:styleLbl>
-  <dgm:styleLbl name="node3">
-    <dgm:scene3d>
-      <a:camera prst="orthographicFront"/>
-      <a:lightRig rig="threePt" dir="t"/>
-    </dgm:scene3d>
-    <dgm:sp3d/>
-    <dgm:txPr/>
-    <dgm:style>
-      <a:lnRef idx="2">
-        <a:scrgbClr r="0" g="0" b="0"/>
-      </a:lnRef>
-      <a:fillRef idx="1">
-        <a:scrgbClr r="0" g="0" b="0"/>
-      </a:fillRef>
-      <a:effectRef idx="0">
-        <a:scrgbClr r="0" g="0" b="0"/>
-      </a:effectRef>
-      <a:fontRef idx="minor">
-        <a:schemeClr val="lt1"/>
-      </a:fontRef>
-    </dgm:style>
-  </dgm:styleLbl>
-  <dgm:styleLbl name="node4">
-    <dgm:scene3d>
-      <a:camera prst="orthographicFront"/>
-      <a:lightRig rig="threePt" dir="t"/>
-    </dgm:scene3d>
-    <dgm:sp3d/>
-    <dgm:txPr/>
-    <dgm:style>
-      <a:lnRef idx="2">
-        <a:scrgbClr r="0" g="0" b="0"/>
-      </a:lnRef>
-      <a:fillRef idx="1">
-        <a:scrgbClr r="0" g="0" b="0"/>
-      </a:fillRef>
-      <a:effectRef idx="0">
-        <a:scrgbClr r="0" g="0" b="0"/>
-      </a:effectRef>
-      <a:fontRef idx="minor">
-        <a:schemeClr val="lt1"/>
-      </a:fontRef>
-    </dgm:style>
-  </dgm:styleLbl>
-  <dgm:styleLbl name="fgImgPlace1">
-    <dgm:scene3d>
-      <a:camera prst="orthographicFront"/>
-      <a:lightRig rig="threePt" dir="t"/>
-    </dgm:scene3d>
-    <dgm:sp3d/>
-    <dgm:txPr/>
-    <dgm:style>
-      <a:lnRef idx="2">
-        <a:scrgbClr r="0" g="0" b="0"/>
-      </a:lnRef>
-      <a:fillRef idx="1">
-        <a:scrgbClr r="0" g="0" b="0"/>
-      </a:fillRef>
-      <a:effectRef idx="0">
-        <a:scrgbClr r="0" g="0" b="0"/>
-      </a:effectRef>
-      <a:fontRef idx="minor"/>
-    </dgm:style>
-  </dgm:styleLbl>
-  <dgm:styleLbl name="alignImgPlace1">
-    <dgm:scene3d>
-      <a:camera prst="orthographicFront"/>
-      <a:lightRig rig="threePt" dir="t"/>
-    </dgm:scene3d>
-    <dgm:sp3d/>
-    <dgm:txPr/>
-    <dgm:style>
-      <a:lnRef idx="2">
-        <a:scrgbClr r="0" g="0" b="0"/>
-      </a:lnRef>
-      <a:fillRef idx="1">
-        <a:scrgbClr r="0" g="0" b="0"/>
-      </a:fillRef>
-      <a:effectRef idx="0">
-        <a:scrgbClr r="0" g="0" b="0"/>
-      </a:effectRef>
-      <a:fontRef idx="minor"/>
-    </dgm:style>
-  </dgm:styleLbl>
-  <dgm:styleLbl name="bgImgPlace1">
-    <dgm:scene3d>
-      <a:camera prst="orthographicFront"/>
-      <a:lightRig rig="threePt" dir="t"/>
-    </dgm:scene3d>
-    <dgm:sp3d/>
-    <dgm:txPr/>
-    <dgm:style>
-      <a:lnRef idx="2">
-        <a:scrgbClr r="0" g="0" b="0"/>
-      </a:lnRef>
-      <a:fillRef idx="1">
-        <a:scrgbClr r="0" g="0" b="0"/>
-      </a:fillRef>
-      <a:effectRef idx="0">
-        <a:scrgbClr r="0" g="0" b="0"/>
-      </a:effectRef>
-      <a:fontRef idx="minor"/>
-    </dgm:style>
-  </dgm:styleLbl>
-  <dgm:styleLbl name="sibTrans2D1">
-    <dgm:scene3d>
-      <a:camera prst="orthographicFront"/>
-      <a:lightRig rig="threePt" dir="t"/>
-    </dgm:scene3d>
-    <dgm:sp3d/>
-    <dgm:txPr/>
-    <dgm:style>
-      <a:lnRef idx="0">
-        <a:scrgbClr r="0" g="0" b="0"/>
-      </a:lnRef>
-      <a:fillRef idx="1">
-        <a:scrgbClr r="0" g="0" b="0"/>
-      </a:fillRef>
-      <a:effectRef idx="0">
-        <a:scrgbClr r="0" g="0" b="0"/>
-      </a:effectRef>
-      <a:fontRef idx="minor">
-        <a:schemeClr val="lt1"/>
-      </a:fontRef>
-    </dgm:style>
-  </dgm:styleLbl>
-  <dgm:styleLbl name="fgSibTrans2D1">
-    <dgm:scene3d>
-      <a:camera prst="orthographicFront"/>
-      <a:lightRig rig="threePt" dir="t"/>
-    </dgm:scene3d>
-    <dgm:sp3d/>
-    <dgm:txPr/>
-    <dgm:style>
-      <a:lnRef idx="0">
-        <a:scrgbClr r="0" g="0" b="0"/>
-      </a:lnRef>
-      <a:fillRef idx="1">
-        <a:scrgbClr r="0" g="0" b="0"/>
-      </a:fillRef>
-      <a:effectRef idx="0">
-        <a:scrgbClr r="0" g="0" b="0"/>
-      </a:effectRef>
-      <a:fontRef idx="minor">
-        <a:schemeClr val="lt1"/>
-      </a:fontRef>
-    </dgm:style>
-  </dgm:styleLbl>
-  <dgm:styleLbl name="bgSibTrans2D1">
-    <dgm:scene3d>
-      <a:camera prst="orthographicFront"/>
-      <a:lightRig rig="threePt" dir="t"/>
-    </dgm:scene3d>
-    <dgm:sp3d/>
-    <dgm:txPr/>
-    <dgm:style>
-      <a:lnRef idx="0">
-        <a:scrgbClr r="0" g="0" b="0"/>
-      </a:lnRef>
-      <a:fillRef idx="1">
-        <a:scrgbClr r="0" g="0" b="0"/>
-      </a:fillRef>
-      <a:effectRef idx="0">
-        <a:scrgbClr r="0" g="0" b="0"/>
-      </a:effectRef>
-      <a:fontRef idx="minor">
-        <a:schemeClr val="lt1"/>
-      </a:fontRef>
-    </dgm:style>
-  </dgm:styleLbl>
-  <dgm:styleLbl name="sibTrans1D1">
-    <dgm:scene3d>
-      <a:camera prst="orthographicFront"/>
-      <a:lightRig rig="threePt" dir="t"/>
-    </dgm:scene3d>
-    <dgm:sp3d/>
-    <dgm:txPr/>
-    <dgm:style>
-      <a:lnRef idx="1">
-        <a:scrgbClr r="0" g="0" b="0"/>
-      </a:lnRef>
-      <a:fillRef idx="0">
-        <a:scrgbClr r="0" g="0" b="0"/>
-      </a:fillRef>
-      <a:effectRef idx="0">
-        <a:scrgbClr r="0" g="0" b="0"/>
-      </a:effectRef>
-      <a:fontRef idx="minor"/>
-    </dgm:style>
-  </dgm:styleLbl>
-  <dgm:styleLbl name="callout">
-    <dgm:scene3d>
-      <a:camera prst="orthographicFront"/>
-      <a:lightRig rig="threePt" dir="t"/>
-    </dgm:scene3d>
-    <dgm:sp3d/>
-    <dgm:txPr/>
-    <dgm:style>
-      <a:lnRef idx="2">
-        <a:scrgbClr r="0" g="0" b="0"/>
-      </a:lnRef>
-      <a:fillRef idx="1">
-        <a:scrgbClr r="0" g="0" b="0"/>
-      </a:fillRef>
-      <a:effectRef idx="0">
-        <a:scrgbClr r="0" g="0" b="0"/>
-      </a:effectRef>
-      <a:fontRef idx="minor"/>
-    </dgm:style>
-  </dgm:styleLbl>
-  <dgm:styleLbl name="asst0">
-    <dgm:scene3d>
-      <a:camera prst="orthographicFront"/>
-      <a:lightRig rig="threePt" dir="t"/>
-    </dgm:scene3d>
-    <dgm:sp3d/>
-    <dgm:txPr/>
-    <dgm:style>
-      <a:lnRef idx="2">
-        <a:scrgbClr r="0" g="0" b="0"/>
-      </a:lnRef>
-      <a:fillRef idx="1">
-        <a:scrgbClr r="0" g="0" b="0"/>
-      </a:fillRef>
-      <a:effectRef idx="0">
-        <a:scrgbClr r="0" g="0" b="0"/>
-      </a:effectRef>
-      <a:fontRef idx="minor">
-        <a:schemeClr val="lt1"/>
-      </a:fontRef>
-    </dgm:style>
-  </dgm:styleLbl>
-  <dgm:styleLbl name="asst1">
-    <dgm:scene3d>
-      <a:camera prst="orthographicFront"/>
-      <a:lightRig rig="threePt" dir="t"/>
-    </dgm:scene3d>
-    <dgm:sp3d/>
-    <dgm:txPr/>
-    <dgm:style>
-      <a:lnRef idx="2">
-        <a:scrgbClr r="0" g="0" b="0"/>
-      </a:lnRef>
-      <a:fillRef idx="1">
-        <a:scrgbClr r="0" g="0" b="0"/>
-      </a:fillRef>
-      <a:effectRef idx="0">
-        <a:scrgbClr r="0" g="0" b="0"/>
-      </a:effectRef>
-      <a:fontRef idx="minor">
-        <a:schemeClr val="lt1"/>
-      </a:fontRef>
-    </dgm:style>
-  </dgm:styleLbl>
-  <dgm:styleLbl name="asst2">
-    <dgm:scene3d>
-      <a:camera prst="orthographicFront"/>
-      <a:lightRig rig="threePt" dir="t"/>
-    </dgm:scene3d>
-    <dgm:sp3d/>
-    <dgm:txPr/>
-    <dgm:style>
-      <a:lnRef idx="2">
-        <a:scrgbClr r="0" g="0" b="0"/>
-      </a:lnRef>
-      <a:fillRef idx="1">
-        <a:scrgbClr r="0" g="0" b="0"/>
-      </a:fillRef>
-      <a:effectRef idx="0">
-        <a:scrgbClr r="0" g="0" b="0"/>
-      </a:effectRef>
-      <a:fontRef idx="minor">
-        <a:schemeClr val="lt1"/>
-      </a:fontRef>
-    </dgm:style>
-  </dgm:styleLbl>
-  <dgm:styleLbl name="asst3">
-    <dgm:scene3d>
-      <a:camera prst="orthographicFront"/>
-      <a:lightRig rig="threePt" dir="t"/>
-    </dgm:scene3d>
-    <dgm:sp3d/>
-    <dgm:txPr/>
-    <dgm:style>
-      <a:lnRef idx="2">
-        <a:scrgbClr r="0" g="0" b="0"/>
-      </a:lnRef>
-      <a:fillRef idx="1">
-        <a:scrgbClr r="0" g="0" b="0"/>
-      </a:fillRef>
-      <a:effectRef idx="0">
-        <a:scrgbClr r="0" g="0" b="0"/>
-      </a:effectRef>
-      <a:fontRef idx="minor">
-        <a:schemeClr val="lt1"/>
-      </a:fontRef>
-    </dgm:style>
-  </dgm:styleLbl>
-  <dgm:styleLbl name="asst4">
-    <dgm:scene3d>
-      <a:camera prst="orthographicFront"/>
-      <a:lightRig rig="threePt" dir="t"/>
-    </dgm:scene3d>
-    <dgm:sp3d/>
-    <dgm:txPr/>
-    <dgm:style>
-      <a:lnRef idx="2">
-        <a:scrgbClr r="0" g="0" b="0"/>
-      </a:lnRef>
-      <a:fillRef idx="1">
-        <a:scrgbClr r="0" g="0" b="0"/>
-      </a:fillRef>
-      <a:effectRef idx="0">
-        <a:scrgbClr r="0" g="0" b="0"/>
-      </a:effectRef>
-      <a:fontRef idx="minor">
-        <a:schemeClr val="lt1"/>
-      </a:fontRef>
-    </dgm:style>
-  </dgm:styleLbl>
-  <dgm:styleLbl name="parChTrans2D1">
-    <dgm:scene3d>
-      <a:camera prst="orthographicFront"/>
-      <a:lightRig rig="threePt" dir="t"/>
-    </dgm:scene3d>
-    <dgm:sp3d/>
-    <dgm:txPr/>
-    <dgm:style>
-      <a:lnRef idx="2">
-        <a:scrgbClr r="0" g="0" b="0"/>
-      </a:lnRef>
-      <a:fillRef idx="1">
-        <a:scrgbClr r="0" g="0" b="0"/>
-      </a:fillRef>
-      <a:effectRef idx="0">
-        <a:scrgbClr r="0" g="0" b="0"/>
-      </a:effectRef>
-      <a:fontRef idx="minor">
-        <a:schemeClr val="lt1"/>
-      </a:fontRef>
-    </dgm:style>
-  </dgm:styleLbl>
-  <dgm:styleLbl name="parChTrans2D2">
-    <dgm:scene3d>
-      <a:camera prst="orthographicFront"/>
-      <a:lightRig rig="threePt" dir="t"/>
-    </dgm:scene3d>
-    <dgm:sp3d/>
-    <dgm:txPr/>
-    <dgm:style>
-      <a:lnRef idx="2">
-        <a:scrgbClr r="0" g="0" b="0"/>
-      </a:lnRef>
-      <a:fillRef idx="1">
-        <a:scrgbClr r="0" g="0" b="0"/>
-      </a:fillRef>
-      <a:effectRef idx="0">
-        <a:scrgbClr r="0" g="0" b="0"/>
-      </a:effectRef>
-      <a:fontRef idx="minor">
-        <a:schemeClr val="lt1"/>
-      </a:fontRef>
-    </dgm:style>
-  </dgm:styleLbl>
-  <dgm:styleLbl name="parChTrans2D3">
-    <dgm:scene3d>
-      <a:camera prst="orthographicFront"/>
-      <a:lightRig rig="threePt" dir="t"/>
-    </dgm:scene3d>
-    <dgm:sp3d/>
-    <dgm:txPr/>
-    <dgm:style>
-      <a:lnRef idx="2">
-        <a:scrgbClr r="0" g="0" b="0"/>
-      </a:lnRef>
-      <a:fillRef idx="1">
-        <a:scrgbClr r="0" g="0" b="0"/>
-      </a:fillRef>
-      <a:effectRef idx="0">
-        <a:scrgbClr r="0" g="0" b="0"/>
-      </a:effectRef>
-      <a:fontRef idx="minor">
-        <a:schemeClr val="lt1"/>
-      </a:fontRef>
-    </dgm:style>
-  </dgm:styleLbl>
-  <dgm:styleLbl name="parChTrans2D4">
-    <dgm:scene3d>
-      <a:camera prst="orthographicFront"/>
-      <a:lightRig rig="threePt" dir="t"/>
-    </dgm:scene3d>
-    <dgm:sp3d/>
-    <dgm:txPr/>
-    <dgm:style>
-      <a:lnRef idx="2">
-        <a:scrgbClr r="0" g="0" b="0"/>
-      </a:lnRef>
-      <a:fillRef idx="1">
-        <a:scrgbClr r="0" g="0" b="0"/>
-      </a:fillRef>
-      <a:effectRef idx="0">
-        <a:scrgbClr r="0" g="0" b="0"/>
-      </a:effectRef>
-      <a:fontRef idx="minor">
-        <a:schemeClr val="lt1"/>
-      </a:fontRef>
-    </dgm:style>
-  </dgm:styleLbl>
-  <dgm:styleLbl name="parChTrans1D1">
-    <dgm:scene3d>
-      <a:camera prst="orthographicFront"/>
-      <a:lightRig rig="threePt" dir="t"/>
-    </dgm:scene3d>
-    <dgm:sp3d/>
-    <dgm:txPr/>
-    <dgm:style>
-      <a:lnRef idx="2">
-        <a:scrgbClr r="0" g="0" b="0"/>
-      </a:lnRef>
-      <a:fillRef idx="0">
-        <a:scrgbClr r="0" g="0" b="0"/>
-      </a:fillRef>
-      <a:effectRef idx="0">
-        <a:scrgbClr r="0" g="0" b="0"/>
-      </a:effectRef>
-      <a:fontRef idx="minor"/>
-    </dgm:style>
-  </dgm:styleLbl>
-  <dgm:styleLbl name="parChTrans1D2">
-    <dgm:scene3d>
-      <a:camera prst="orthographicFront"/>
-      <a:lightRig rig="threePt" dir="t"/>
-    </dgm:scene3d>
-    <dgm:sp3d/>
-    <dgm:txPr/>
-    <dgm:style>
-      <a:lnRef idx="2">
-        <a:scrgbClr r="0" g="0" b="0"/>
-      </a:lnRef>
-      <a:fillRef idx="0">
-        <a:scrgbClr r="0" g="0" b="0"/>
-      </a:fillRef>
-      <a:effectRef idx="0">
-        <a:scrgbClr r="0" g="0" b="0"/>
-      </a:effectRef>
-      <a:fontRef idx="minor"/>
-    </dgm:style>
-  </dgm:styleLbl>
-  <dgm:styleLbl name="parChTrans1D3">
-    <dgm:scene3d>
-      <a:camera prst="orthographicFront"/>
-      <a:lightRig rig="threePt" dir="t"/>
-    </dgm:scene3d>
-    <dgm:sp3d/>
-    <dgm:txPr/>
-    <dgm:style>
-      <a:lnRef idx="2">
-        <a:scrgbClr r="0" g="0" b="0"/>
-      </a:lnRef>
-      <a:fillRef idx="0">
-        <a:scrgbClr r="0" g="0" b="0"/>
-      </a:fillRef>
-      <a:effectRef idx="0">
-        <a:scrgbClr r="0" g="0" b="0"/>
-      </a:effectRef>
-      <a:fontRef idx="minor"/>
-    </dgm:style>
-  </dgm:styleLbl>
-  <dgm:styleLbl name="parChTrans1D4">
-    <dgm:scene3d>
-      <a:camera prst="orthographicFront"/>
-      <a:lightRig rig="threePt" dir="t"/>
-    </dgm:scene3d>
-    <dgm:sp3d/>
-    <dgm:txPr/>
-    <dgm:style>
-      <a:lnRef idx="2">
-        <a:scrgbClr r="0" g="0" b="0"/>
-      </a:lnRef>
-      <a:fillRef idx="0">
-        <a:scrgbClr r="0" g="0" b="0"/>
-      </a:fillRef>
-      <a:effectRef idx="0">
-        <a:scrgbClr r="0" g="0" b="0"/>
-      </a:effectRef>
-      <a:fontRef idx="minor"/>
-    </dgm:style>
-  </dgm:styleLbl>
-  <dgm:styleLbl name="fgAcc1">
-    <dgm:scene3d>
-      <a:camera prst="orthographicFront"/>
-      <a:lightRig rig="threePt" dir="t"/>
-    </dgm:scene3d>
-    <dgm:sp3d/>
-    <dgm:txPr/>
-    <dgm:style>
-      <a:lnRef idx="2">
-        <a:scrgbClr r="0" g="0" b="0"/>
-      </a:lnRef>
-      <a:fillRef idx="1">
-        <a:scrgbClr r="0" g="0" b="0"/>
-      </a:fillRef>
-      <a:effectRef idx="0">
-        <a:scrgbClr r="0" g="0" b="0"/>
-      </a:effectRef>
-      <a:fontRef idx="minor"/>
-    </dgm:style>
-  </dgm:styleLbl>
-  <dgm:styleLbl name="conFgAcc1">
-    <dgm:scene3d>
-      <a:camera prst="orthographicFront"/>
-      <a:lightRig rig="threePt" dir="t"/>
-    </dgm:scene3d>
-    <dgm:sp3d/>
-    <dgm:txPr/>
-    <dgm:style>
-      <a:lnRef idx="2">
-        <a:scrgbClr r="0" g="0" b="0"/>
-      </a:lnRef>
-      <a:fillRef idx="1">
-        <a:scrgbClr r="0" g="0" b="0"/>
-      </a:fillRef>
-      <a:effectRef idx="0">
-        <a:scrgbClr r="0" g="0" b="0"/>
-      </a:effectRef>
-      <a:fontRef idx="minor"/>
-    </dgm:style>
-  </dgm:styleLbl>
-  <dgm:styleLbl name="alignAcc1">
-    <dgm:scene3d>
-      <a:camera prst="orthographicFront"/>
-      <a:lightRig rig="threePt" dir="t"/>
-    </dgm:scene3d>
-    <dgm:sp3d/>
-    <dgm:txPr/>
-    <dgm:style>
-      <a:lnRef idx="2">
-        <a:scrgbClr r="0" g="0" b="0"/>
-      </a:lnRef>
-      <a:fillRef idx="1">
-        <a:scrgbClr r="0" g="0" b="0"/>
-      </a:fillRef>
-      <a:effectRef idx="0">
-        <a:scrgbClr r="0" g="0" b="0"/>
-      </a:effectRef>
-      <a:fontRef idx="minor"/>
-    </dgm:style>
-  </dgm:styleLbl>
-  <dgm:styleLbl name="trAlignAcc1">
-    <dgm:scene3d>
-      <a:camera prst="orthographicFront"/>
-      <a:lightRig rig="threePt" dir="t"/>
-    </dgm:scene3d>
-    <dgm:sp3d/>
-    <dgm:txPr/>
-    <dgm:style>
-      <a:lnRef idx="1">
-        <a:scrgbClr r="0" g="0" b="0"/>
-      </a:lnRef>
-      <a:fillRef idx="1">
-        <a:scrgbClr r="0" g="0" b="0"/>
-      </a:fillRef>
-      <a:effectRef idx="0">
-        <a:scrgbClr r="0" g="0" b="0"/>
-      </a:effectRef>
-      <a:fontRef idx="minor"/>
-    </dgm:style>
-  </dgm:styleLbl>
-  <dgm:styleLbl name="bgAcc1">
-    <dgm:scene3d>
-      <a:camera prst="orthographicFront"/>
-      <a:lightRig rig="threePt" dir="t"/>
-    </dgm:scene3d>
-    <dgm:sp3d/>
-    <dgm:txPr/>
-    <dgm:style>
-      <a:lnRef idx="2">
-        <a:scrgbClr r="0" g="0" b="0"/>
-      </a:lnRef>
-      <a:fillRef idx="1">
-        <a:scrgbClr r="0" g="0" b="0"/>
-      </a:fillRef>
-      <a:effectRef idx="0">
-        <a:scrgbClr r="0" g="0" b="0"/>
-      </a:effectRef>
-      <a:fontRef idx="minor"/>
-    </dgm:style>
-  </dgm:styleLbl>
-  <dgm:styleLbl name="solidFgAcc1">
-    <dgm:scene3d>
-      <a:camera prst="orthographicFront"/>
-      <a:lightRig rig="threePt" dir="t"/>
-    </dgm:scene3d>
-    <dgm:sp3d/>
-    <dgm:txPr/>
-    <dgm:style>
-      <a:lnRef idx="2">
-        <a:scrgbClr r="0" g="0" b="0"/>
-      </a:lnRef>
-      <a:fillRef idx="1">
-        <a:scrgbClr r="0" g="0" b="0"/>
-      </a:fillRef>
-      <a:effectRef idx="0">
-        <a:scrgbClr r="0" g="0" b="0"/>
-      </a:effectRef>
-      <a:fontRef idx="minor"/>
-    </dgm:style>
-  </dgm:styleLbl>
-  <dgm:styleLbl name="solidAlignAcc1">
-    <dgm:scene3d>
-      <a:camera prst="orthographicFront"/>
-      <a:lightRig rig="threePt" dir="t"/>
-    </dgm:scene3d>
-    <dgm:sp3d/>
-    <dgm:txPr/>
-    <dgm:style>
-      <a:lnRef idx="2">
-        <a:scrgbClr r="0" g="0" b="0"/>
-      </a:lnRef>
-      <a:fillRef idx="1">
-        <a:scrgbClr r="0" g="0" b="0"/>
-      </a:fillRef>
-      <a:effectRef idx="0">
-        <a:scrgbClr r="0" g="0" b="0"/>
-      </a:effectRef>
-      <a:fontRef idx="minor"/>
-    </dgm:style>
-  </dgm:styleLbl>
-  <dgm:styleLbl name="solidBgAcc1">
-    <dgm:scene3d>
-      <a:camera prst="orthographicFront"/>
-      <a:lightRig rig="threePt" dir="t"/>
-    </dgm:scene3d>
-    <dgm:sp3d/>
-    <dgm:txPr/>
-    <dgm:style>
-      <a:lnRef idx="2">
-        <a:scrgbClr r="0" g="0" b="0"/>
-      </a:lnRef>
-      <a:fillRef idx="1">
-        <a:scrgbClr r="0" g="0" b="0"/>
-      </a:fillRef>
-      <a:effectRef idx="0">
-        <a:scrgbClr r="0" g="0" b="0"/>
-      </a:effectRef>
-      <a:fontRef idx="minor"/>
-    </dgm:style>
-  </dgm:styleLbl>
-  <dgm:styleLbl name="fgAccFollowNode1">
-    <dgm:scene3d>
-      <a:camera prst="orthographicFront"/>
-      <a:lightRig rig="threePt" dir="t"/>
-    </dgm:scene3d>
-    <dgm:sp3d/>
-    <dgm:txPr/>
-    <dgm:style>
-      <a:lnRef idx="2">
-        <a:scrgbClr r="0" g="0" b="0"/>
-      </a:lnRef>
-      <a:fillRef idx="1">
-        <a:scrgbClr r="0" g="0" b="0"/>
-      </a:fillRef>
-      <a:effectRef idx="0">
-        <a:scrgbClr r="0" g="0" b="0"/>
-      </a:effectRef>
-      <a:fontRef idx="minor"/>
-    </dgm:style>
-  </dgm:styleLbl>
-  <dgm:styleLbl name="alignAccFollowNode1">
-    <dgm:scene3d>
-      <a:camera prst="orthographicFront"/>
-      <a:lightRig rig="threePt" dir="t"/>
-    </dgm:scene3d>
-    <dgm:sp3d/>
-    <dgm:txPr/>
-    <dgm:style>
-      <a:lnRef idx="2">
-        <a:scrgbClr r="0" g="0" b="0"/>
-      </a:lnRef>
-      <a:fillRef idx="1">
-        <a:scrgbClr r="0" g="0" b="0"/>
-      </a:fillRef>
-      <a:effectRef idx="0">
-        <a:scrgbClr r="0" g="0" b="0"/>
-      </a:effectRef>
-      <a:fontRef idx="minor"/>
-    </dgm:style>
-  </dgm:styleLbl>
-  <dgm:styleLbl name="bgAccFollowNode1">
-    <dgm:scene3d>
-      <a:camera prst="orthographicFront"/>
-      <a:lightRig rig="threePt" dir="t"/>
-    </dgm:scene3d>
-    <dgm:sp3d/>
-    <dgm:txPr/>
-    <dgm:style>
-      <a:lnRef idx="2">
-        <a:scrgbClr r="0" g="0" b="0"/>
-      </a:lnRef>
-      <a:fillRef idx="1">
-        <a:scrgbClr r="0" g="0" b="0"/>
-      </a:fillRef>
-      <a:effectRef idx="0">
-        <a:scrgbClr r="0" g="0" b="0"/>
-      </a:effectRef>
-      <a:fontRef idx="minor"/>
-    </dgm:style>
-  </dgm:styleLbl>
-  <dgm:styleLbl name="fgAcc0">
-    <dgm:scene3d>
-      <a:camera prst="orthographicFront"/>
-      <a:lightRig rig="threePt" dir="t"/>
-    </dgm:scene3d>
-    <dgm:sp3d/>
-    <dgm:txPr/>
-    <dgm:style>
-      <a:lnRef idx="2">
-        <a:scrgbClr r="0" g="0" b="0"/>
-      </a:lnRef>
-      <a:fillRef idx="1">
-        <a:scrgbClr r="0" g="0" b="0"/>
-      </a:fillRef>
-      <a:effectRef idx="0">
-        <a:scrgbClr r="0" g="0" b="0"/>
-      </a:effectRef>
-      <a:fontRef idx="minor"/>
-    </dgm:style>
-  </dgm:styleLbl>
-  <dgm:styleLbl name="fgAcc2">
-    <dgm:scene3d>
-      <a:camera prst="orthographicFront"/>
-      <a:lightRig rig="threePt" dir="t"/>
-    </dgm:scene3d>
-    <dgm:sp3d/>
-    <dgm:txPr/>
-    <dgm:style>
-      <a:lnRef idx="2">
-        <a:scrgbClr r="0" g="0" b="0"/>
-      </a:lnRef>
-      <a:fillRef idx="1">
-        <a:scrgbClr r="0" g="0" b="0"/>
-      </a:fillRef>
-      <a:effectRef idx="0">
-        <a:scrgbClr r="0" g="0" b="0"/>
-      </a:effectRef>
-      <a:fontRef idx="minor"/>
-    </dgm:style>
-  </dgm:styleLbl>
-  <dgm:styleLbl name="fgAcc3">
-    <dgm:scene3d>
-      <a:camera prst="orthographicFront"/>
-      <a:lightRig rig="threePt" dir="t"/>
-    </dgm:scene3d>
-    <dgm:sp3d/>
-    <dgm:txPr/>
-    <dgm:style>
-      <a:lnRef idx="2">
-        <a:scrgbClr r="0" g="0" b="0"/>
-      </a:lnRef>
-      <a:fillRef idx="1">
-        <a:scrgbClr r="0" g="0" b="0"/>
-      </a:fillRef>
-      <a:effectRef idx="0">
-        <a:scrgbClr r="0" g="0" b="0"/>
-      </a:effectRef>
-      <a:fontRef idx="minor"/>
-    </dgm:style>
-  </dgm:styleLbl>
-  <dgm:styleLbl name="fgAcc4">
-    <dgm:scene3d>
-      <a:camera prst="orthographicFront"/>
-      <a:lightRig rig="threePt" dir="t"/>
-    </dgm:scene3d>
-    <dgm:sp3d/>
-    <dgm:txPr/>
-    <dgm:style>
-      <a:lnRef idx="2">
-        <a:scrgbClr r="0" g="0" b="0"/>
-      </a:lnRef>
-      <a:fillRef idx="1">
-        <a:scrgbClr r="0" g="0" b="0"/>
-      </a:fillRef>
-      <a:effectRef idx="0">
-        <a:scrgbClr r="0" g="0" b="0"/>
-      </a:effectRef>
-      <a:fontRef idx="minor"/>
-    </dgm:style>
-  </dgm:styleLbl>
-  <dgm:styleLbl name="bgShp">
-    <dgm:scene3d>
-      <a:camera prst="orthographicFront"/>
-      <a:lightRig rig="threePt" dir="t"/>
-    </dgm:scene3d>
-    <dgm:sp3d/>
-    <dgm:txPr/>
-    <dgm:style>
-      <a:lnRef idx="0">
-        <a:scrgbClr r="0" g="0" b="0"/>
-      </a:lnRef>
-      <a:fillRef idx="1">
-        <a:scrgbClr r="0" g="0" b="0"/>
-      </a:fillRef>
-      <a:effectRef idx="0">
-        <a:scrgbClr r="0" g="0" b="0"/>
-      </a:effectRef>
-      <a:fontRef idx="minor"/>
-    </dgm:style>
-  </dgm:styleLbl>
-  <dgm:styleLbl name="dkBgShp">
-    <dgm:scene3d>
-      <a:camera prst="orthographicFront"/>
-      <a:lightRig rig="threePt" dir="t"/>
-    </dgm:scene3d>
-    <dgm:sp3d/>
-    <dgm:txPr/>
-    <dgm:style>
-      <a:lnRef idx="0">
-        <a:scrgbClr r="0" g="0" b="0"/>
-      </a:lnRef>
-      <a:fillRef idx="1">
-        <a:scrgbClr r="0" g="0" b="0"/>
-      </a:fillRef>
-      <a:effectRef idx="0">
-        <a:scrgbClr r="0" g="0" b="0"/>
-      </a:effectRef>
-      <a:fontRef idx="minor"/>
-    </dgm:style>
-  </dgm:styleLbl>
-  <dgm:styleLbl name="trBgShp">
-    <dgm:scene3d>
-      <a:camera prst="orthographicFront"/>
-      <a:lightRig rig="threePt" dir="t"/>
-    </dgm:scene3d>
-    <dgm:sp3d/>
-    <dgm:txPr/>
-    <dgm:style>
-      <a:lnRef idx="0">
-        <a:scrgbClr r="0" g="0" b="0"/>
-      </a:lnRef>
-      <a:fillRef idx="1">
-        <a:scrgbClr r="0" g="0" b="0"/>
-      </a:fillRef>
-      <a:effectRef idx="0">
-        <a:scrgbClr r="0" g="0" b="0"/>
-      </a:effectRef>
-      <a:fontRef idx="minor"/>
-    </dgm:style>
-  </dgm:styleLbl>
-  <dgm:styleLbl name="fgShp">
-    <dgm:scene3d>
-      <a:camera prst="orthographicFront"/>
-      <a:lightRig rig="threePt" dir="t"/>
-    </dgm:scene3d>
-    <dgm:sp3d/>
-    <dgm:txPr/>
-    <dgm:style>
-      <a:lnRef idx="2">
-        <a:scrgbClr r="0" g="0" b="0"/>
-      </a:lnRef>
-      <a:fillRef idx="1">
-        <a:scrgbClr r="0" g="0" b="0"/>
-      </a:fillRef>
-      <a:effectRef idx="0">
-        <a:scrgbClr r="0" g="0" b="0"/>
-      </a:effectRef>
-      <a:fontRef idx="minor"/>
-    </dgm:style>
-  </dgm:styleLbl>
-  <dgm:styleLbl name="revTx">
-    <dgm:scene3d>
-      <a:camera prst="orthographicFront"/>
-      <a:lightRig rig="threePt" dir="t"/>
-    </dgm:scene3d>
-    <dgm:sp3d/>
-    <dgm:txPr/>
-    <dgm:style>
-      <a:lnRef idx="0">
-        <a:scrgbClr r="0" g="0" b="0"/>
-      </a:lnRef>
-      <a:fillRef idx="0">
-        <a:scrgbClr r="0" g="0" b="0"/>
-      </a:fillRef>
-      <a:effectRef idx="0">
-        <a:scrgbClr r="0" g="0" b="0"/>
-      </a:effectRef>
-      <a:fontRef idx="minor"/>
-    </dgm:style>
-  </dgm:styleLbl>
-</dgm:styleDef>
 </file>
 
 <file path=ppt/slideLayouts/slideLayout1.xml><?xml version="1.0" encoding="utf-8"?>
@@ -9481,43 +6361,785 @@
           <a:lstStyle/>
           <a:p>
             <a:r>
-              <a:rPr lang="en-US"/>
+              <a:rPr lang="en-US" dirty="0"/>
               <a:t>Executive Summary</a:t>
             </a:r>
-            <a:endParaRPr lang="en-US" dirty="0"/>
-          </a:p>
-        </p:txBody>
-      </p:sp>
-      <p:graphicFrame>
-        <p:nvGraphicFramePr>
-          <p:cNvPr id="4" name="Content Placeholder 2">
+          </a:p>
+        </p:txBody>
+      </p:sp>
+      <p:sp>
+        <p:nvSpPr>
+          <p:cNvPr id="5" name="Content Placeholder 4">
             <a:extLst>
               <a:ext uri="{FF2B5EF4-FFF2-40B4-BE49-F238E27FC236}">
-                <a16:creationId xmlns:a16="http://schemas.microsoft.com/office/drawing/2014/main" id="{AED04DAF-1E3F-4397-8834-E64118E9B2CD}"/>
+                <a16:creationId xmlns:a16="http://schemas.microsoft.com/office/drawing/2014/main" id="{84A86312-2977-B8F5-7C51-C5183F5E0188}"/>
               </a:ext>
             </a:extLst>
           </p:cNvPr>
-          <p:cNvGraphicFramePr>
-            <a:graphicFrameLocks noGrp="1"/>
-          </p:cNvGraphicFramePr>
+          <p:cNvSpPr>
+            <a:spLocks noGrp="1"/>
+          </p:cNvSpPr>
           <p:nvPr>
             <p:ph idx="1"/>
           </p:nvPr>
-        </p:nvGraphicFramePr>
-        <p:xfrm>
-          <a:off x="914400" y="2076450"/>
-          <a:ext cx="10353675" cy="3714750"/>
-        </p:xfrm>
-        <a:graphic>
-          <a:graphicData uri="http://schemas.openxmlformats.org/drawingml/2006/diagram">
-            <dgm:relIds xmlns:dgm="http://schemas.openxmlformats.org/drawingml/2006/diagram" xmlns:r="http://schemas.openxmlformats.org/officeDocument/2006/relationships" r:dm="rId3" r:lo="rId4" r:qs="rId5" r:cs="rId6"/>
-          </a:graphicData>
-        </a:graphic>
-      </p:graphicFrame>
+        </p:nvSpPr>
+        <p:spPr>
+          <a:xfrm>
+            <a:off x="913795" y="2076450"/>
+            <a:ext cx="10353762" cy="2050277"/>
+          </a:xfrm>
+        </p:spPr>
+        <p:txBody>
+          <a:bodyPr/>
+          <a:lstStyle/>
+          <a:p>
+            <a:pPr marL="36900" indent="0" algn="ctr">
+              <a:buNone/>
+            </a:pPr>
+            <a:r>
+              <a:rPr lang="en-US" sz="1800" b="1" i="0" dirty="0">
+                <a:solidFill>
+                  <a:srgbClr val="E6EDF3"/>
+                </a:solidFill>
+                <a:effectLst/>
+                <a:highlight>
+                  <a:srgbClr val="0D1117"/>
+                </a:highlight>
+                <a:latin typeface="-apple-system"/>
+              </a:rPr>
+              <a:t>An organization looking to start a coffee company might need data on where to market and where to grow coffee.  To that end, </a:t>
+            </a:r>
+            <a:r>
+              <a:rPr lang="en-US" sz="1800" b="1" dirty="0">
+                <a:solidFill>
+                  <a:srgbClr val="E6EDF3"/>
+                </a:solidFill>
+                <a:effectLst/>
+                <a:highlight>
+                  <a:srgbClr val="0D1117"/>
+                </a:highlight>
+                <a:latin typeface="-apple-system"/>
+              </a:rPr>
+              <a:t>w</a:t>
+            </a:r>
+            <a:r>
+              <a:rPr lang="en-US" sz="1800" b="1" i="0" dirty="0">
+                <a:solidFill>
+                  <a:srgbClr val="E6EDF3"/>
+                </a:solidFill>
+                <a:effectLst/>
+                <a:highlight>
+                  <a:srgbClr val="0D1117"/>
+                </a:highlight>
+                <a:latin typeface="-apple-system"/>
+              </a:rPr>
+              <a:t>e are attempting to use different data sets to analyze where the best location would be to grow for the highest quality coffee bean, and also where people consume coffee. We pulled data from various data sets to compare the quality, weather and production levels of various locations around the globe. We compared quality, consumption, production and weather to see what makes the best (and most) coffee beans possible.</a:t>
+            </a:r>
+          </a:p>
+          <a:p>
+            <a:pPr algn="ctr"/>
+            <a:endParaRPr lang="en-US" dirty="0"/>
+          </a:p>
+        </p:txBody>
+      </p:sp>
     </p:spTree>
     <p:extLst>
       <p:ext uri="{BB962C8B-B14F-4D97-AF65-F5344CB8AC3E}">
         <p14:creationId xmlns:p14="http://schemas.microsoft.com/office/powerpoint/2010/main" val="2689089790"/>
+      </p:ext>
+    </p:extLst>
+  </p:cSld>
+  <p:clrMapOvr>
+    <a:masterClrMapping/>
+  </p:clrMapOvr>
+</p:sld>
+</file>
+
+<file path=ppt/slides/slide3.xml><?xml version="1.0" encoding="utf-8"?>
+<p:sld xmlns:a="http://schemas.openxmlformats.org/drawingml/2006/main" xmlns:r="http://schemas.openxmlformats.org/officeDocument/2006/relationships" xmlns:p="http://schemas.openxmlformats.org/presentationml/2006/main">
+  <p:cSld>
+    <p:spTree>
+      <p:nvGrpSpPr>
+        <p:cNvPr id="1" name=""/>
+        <p:cNvGrpSpPr/>
+        <p:nvPr/>
+      </p:nvGrpSpPr>
+      <p:grpSpPr>
+        <a:xfrm>
+          <a:off x="0" y="0"/>
+          <a:ext cx="0" cy="0"/>
+          <a:chOff x="0" y="0"/>
+          <a:chExt cx="0" cy="0"/>
+        </a:xfrm>
+      </p:grpSpPr>
+      <p:sp>
+        <p:nvSpPr>
+          <p:cNvPr id="2" name="Title 1">
+            <a:extLst>
+              <a:ext uri="{FF2B5EF4-FFF2-40B4-BE49-F238E27FC236}">
+                <a16:creationId xmlns:a16="http://schemas.microsoft.com/office/drawing/2014/main" id="{4702D066-3F7F-90EE-A3D3-7C86E873BB84}"/>
+              </a:ext>
+            </a:extLst>
+          </p:cNvPr>
+          <p:cNvSpPr>
+            <a:spLocks noGrp="1"/>
+          </p:cNvSpPr>
+          <p:nvPr>
+            <p:ph type="title"/>
+          </p:nvPr>
+        </p:nvSpPr>
+        <p:spPr>
+          <a:xfrm>
+            <a:off x="1207937" y="910277"/>
+            <a:ext cx="9590550" cy="544811"/>
+          </a:xfrm>
+        </p:spPr>
+        <p:txBody>
+          <a:bodyPr>
+            <a:normAutofit fontScale="90000"/>
+          </a:bodyPr>
+          <a:lstStyle/>
+          <a:p>
+            <a:r>
+              <a:rPr lang="en-US" dirty="0"/>
+              <a:t>What questions need to be answered?</a:t>
+            </a:r>
+          </a:p>
+        </p:txBody>
+      </p:sp>
+      <p:sp>
+        <p:nvSpPr>
+          <p:cNvPr id="3" name="Text Placeholder 2">
+            <a:extLst>
+              <a:ext uri="{FF2B5EF4-FFF2-40B4-BE49-F238E27FC236}">
+                <a16:creationId xmlns:a16="http://schemas.microsoft.com/office/drawing/2014/main" id="{518000CA-0216-A136-51DA-3F695CF36E6F}"/>
+              </a:ext>
+            </a:extLst>
+          </p:cNvPr>
+          <p:cNvSpPr>
+            <a:spLocks noGrp="1"/>
+          </p:cNvSpPr>
+          <p:nvPr>
+            <p:ph type="body" idx="1"/>
+          </p:nvPr>
+        </p:nvSpPr>
+        <p:spPr>
+          <a:xfrm>
+            <a:off x="1300725" y="2340156"/>
+            <a:ext cx="9590550" cy="3050828"/>
+          </a:xfrm>
+        </p:spPr>
+        <p:txBody>
+          <a:bodyPr>
+            <a:normAutofit fontScale="70000" lnSpcReduction="20000"/>
+          </a:bodyPr>
+          <a:lstStyle/>
+          <a:p>
+            <a:r>
+              <a:rPr lang="en-US" sz="4500" dirty="0"/>
+              <a:t>In our analysis, we attempted to answer the following questions :</a:t>
+            </a:r>
+          </a:p>
+          <a:p>
+            <a:endParaRPr lang="en-US" sz="4500" dirty="0"/>
+          </a:p>
+          <a:p>
+            <a:pPr algn="l"/>
+            <a:r>
+              <a:rPr lang="en-US" b="0" i="0" dirty="0">
+                <a:effectLst/>
+                <a:latin typeface="Times New Roman" panose="02020603050405020304" pitchFamily="18" charset="0"/>
+              </a:rPr>
+              <a:t>· What countries and continents consistently produce the highest quality coffee?</a:t>
+            </a:r>
+          </a:p>
+          <a:p>
+            <a:pPr algn="l"/>
+            <a:r>
+              <a:rPr lang="en-US" b="0" i="0" dirty="0">
+                <a:effectLst/>
+                <a:latin typeface="Times New Roman" panose="02020603050405020304" pitchFamily="18" charset="0"/>
+              </a:rPr>
+              <a:t>· Does weather, especially rainfall, affect the amount or quality of coffee produced?</a:t>
+            </a:r>
+          </a:p>
+          <a:p>
+            <a:pPr algn="l"/>
+            <a:r>
+              <a:rPr lang="en-US" b="0" i="0" dirty="0">
+                <a:effectLst/>
+                <a:latin typeface="Times New Roman" panose="02020603050405020304" pitchFamily="18" charset="0"/>
+              </a:rPr>
+              <a:t>· What countries consume the most coffee? Does the amount of coffee produced influence consumption?</a:t>
+            </a:r>
+          </a:p>
+          <a:p>
+            <a:pPr algn="l"/>
+            <a:r>
+              <a:rPr lang="en-US" b="0" i="0" dirty="0">
+                <a:effectLst/>
+                <a:latin typeface="Times New Roman" panose="02020603050405020304" pitchFamily="18" charset="0"/>
+              </a:rPr>
+              <a:t>· What countries produce the most coffee and does that affect the quality of coffee produced?</a:t>
+            </a:r>
+          </a:p>
+          <a:p>
+            <a:pPr marL="342900" indent="-342900" algn="l">
+              <a:buFont typeface="Arial" panose="020B0604020202020204" pitchFamily="34" charset="0"/>
+              <a:buChar char="•"/>
+            </a:pPr>
+            <a:endParaRPr lang="en-US" dirty="0"/>
+          </a:p>
+        </p:txBody>
+      </p:sp>
+    </p:spTree>
+    <p:extLst>
+      <p:ext uri="{BB962C8B-B14F-4D97-AF65-F5344CB8AC3E}">
+        <p14:creationId xmlns:p14="http://schemas.microsoft.com/office/powerpoint/2010/main" val="588382776"/>
+      </p:ext>
+    </p:extLst>
+  </p:cSld>
+  <p:clrMapOvr>
+    <a:masterClrMapping/>
+  </p:clrMapOvr>
+</p:sld>
+</file>
+
+<file path=ppt/slides/slide4.xml><?xml version="1.0" encoding="utf-8"?>
+<p:sld xmlns:a="http://schemas.openxmlformats.org/drawingml/2006/main" xmlns:r="http://schemas.openxmlformats.org/officeDocument/2006/relationships" xmlns:p="http://schemas.openxmlformats.org/presentationml/2006/main">
+  <p:cSld>
+    <p:spTree>
+      <p:nvGrpSpPr>
+        <p:cNvPr id="1" name=""/>
+        <p:cNvGrpSpPr/>
+        <p:nvPr/>
+      </p:nvGrpSpPr>
+      <p:grpSpPr>
+        <a:xfrm>
+          <a:off x="0" y="0"/>
+          <a:ext cx="0" cy="0"/>
+          <a:chOff x="0" y="0"/>
+          <a:chExt cx="0" cy="0"/>
+        </a:xfrm>
+      </p:grpSpPr>
+      <p:sp>
+        <p:nvSpPr>
+          <p:cNvPr id="2" name="Title 1">
+            <a:extLst>
+              <a:ext uri="{FF2B5EF4-FFF2-40B4-BE49-F238E27FC236}">
+                <a16:creationId xmlns:a16="http://schemas.microsoft.com/office/drawing/2014/main" id="{DE428EC1-B559-4BD9-938E-A6D9A925C679}"/>
+              </a:ext>
+            </a:extLst>
+          </p:cNvPr>
+          <p:cNvSpPr>
+            <a:spLocks noGrp="1"/>
+          </p:cNvSpPr>
+          <p:nvPr>
+            <p:ph type="title"/>
+          </p:nvPr>
+        </p:nvSpPr>
+        <p:spPr>
+          <a:xfrm>
+            <a:off x="738866" y="100716"/>
+            <a:ext cx="10353762" cy="1257300"/>
+          </a:xfrm>
+        </p:spPr>
+        <p:txBody>
+          <a:bodyPr>
+            <a:normAutofit/>
+          </a:bodyPr>
+          <a:lstStyle/>
+          <a:p>
+            <a:r>
+              <a:rPr lang="en-US" sz="2400" dirty="0"/>
+              <a:t>Avg rainfall vs production</a:t>
+            </a:r>
+          </a:p>
+        </p:txBody>
+      </p:sp>
+      <p:pic>
+        <p:nvPicPr>
+          <p:cNvPr id="4" name="Picture 3">
+            <a:extLst>
+              <a:ext uri="{FF2B5EF4-FFF2-40B4-BE49-F238E27FC236}">
+                <a16:creationId xmlns:a16="http://schemas.microsoft.com/office/drawing/2014/main" id="{272DBF69-9CDF-4E2E-5997-66A04CF45ABD}"/>
+              </a:ext>
+            </a:extLst>
+          </p:cNvPr>
+          <p:cNvPicPr>
+            <a:picLocks noChangeAspect="1"/>
+          </p:cNvPicPr>
+          <p:nvPr/>
+        </p:nvPicPr>
+        <p:blipFill>
+          <a:blip r:embed="rId2">
+            <a:extLst>
+              <a:ext uri="{28A0092B-C50C-407E-A947-70E740481C1C}">
+                <a14:useLocalDpi xmlns:a14="http://schemas.microsoft.com/office/drawing/2010/main" val="0"/>
+              </a:ext>
+            </a:extLst>
+          </a:blip>
+          <a:stretch>
+            <a:fillRect/>
+          </a:stretch>
+        </p:blipFill>
+        <p:spPr>
+          <a:xfrm>
+            <a:off x="3143410" y="968725"/>
+            <a:ext cx="5852172" cy="4389129"/>
+          </a:xfrm>
+          <a:prstGeom prst="rect">
+            <a:avLst/>
+          </a:prstGeom>
+        </p:spPr>
+      </p:pic>
+      <p:sp>
+        <p:nvSpPr>
+          <p:cNvPr id="19" name="TextBox 18">
+            <a:extLst>
+              <a:ext uri="{FF2B5EF4-FFF2-40B4-BE49-F238E27FC236}">
+                <a16:creationId xmlns:a16="http://schemas.microsoft.com/office/drawing/2014/main" id="{EA2C6AF5-58F2-450E-65EE-D7ADED4F03C8}"/>
+              </a:ext>
+            </a:extLst>
+          </p:cNvPr>
+          <p:cNvSpPr txBox="1"/>
+          <p:nvPr/>
+        </p:nvSpPr>
+        <p:spPr>
+          <a:xfrm>
+            <a:off x="532737" y="5510254"/>
+            <a:ext cx="11410122" cy="954107"/>
+          </a:xfrm>
+          <a:prstGeom prst="rect">
+            <a:avLst/>
+          </a:prstGeom>
+          <a:noFill/>
+        </p:spPr>
+        <p:txBody>
+          <a:bodyPr wrap="square" rtlCol="0">
+            <a:spAutoFit/>
+          </a:bodyPr>
+          <a:lstStyle/>
+          <a:p>
+            <a:r>
+              <a:rPr lang="en-US" sz="1400" dirty="0"/>
+              <a:t>Comments on the avg rainfall vs avg production analysis : In comparing avg rainfall to avg production amounts, we have a null hypothesis that says the amount of rainfall doesn't matter when it comes to amount of coffee produced. The p value is 0.148, so we cannot reject this null hypothesis. Again, the massive production of Brazil with a rainfall amount that falls in the middle of these regions might distort the data. It appears, though, that rainfall amounts do not necessarily affect this metric. </a:t>
+            </a:r>
+          </a:p>
+        </p:txBody>
+      </p:sp>
+    </p:spTree>
+    <p:extLst>
+      <p:ext uri="{BB962C8B-B14F-4D97-AF65-F5344CB8AC3E}">
+        <p14:creationId xmlns:p14="http://schemas.microsoft.com/office/powerpoint/2010/main" val="3639976705"/>
+      </p:ext>
+    </p:extLst>
+  </p:cSld>
+  <p:clrMapOvr>
+    <a:masterClrMapping/>
+  </p:clrMapOvr>
+</p:sld>
+</file>
+
+<file path=ppt/slides/slide5.xml><?xml version="1.0" encoding="utf-8"?>
+<p:sld xmlns:a="http://schemas.openxmlformats.org/drawingml/2006/main" xmlns:r="http://schemas.openxmlformats.org/officeDocument/2006/relationships" xmlns:p="http://schemas.openxmlformats.org/presentationml/2006/main">
+  <p:cSld>
+    <p:spTree>
+      <p:nvGrpSpPr>
+        <p:cNvPr id="1" name=""/>
+        <p:cNvGrpSpPr/>
+        <p:nvPr/>
+      </p:nvGrpSpPr>
+      <p:grpSpPr>
+        <a:xfrm>
+          <a:off x="0" y="0"/>
+          <a:ext cx="0" cy="0"/>
+          <a:chOff x="0" y="0"/>
+          <a:chExt cx="0" cy="0"/>
+        </a:xfrm>
+      </p:grpSpPr>
+      <p:sp>
+        <p:nvSpPr>
+          <p:cNvPr id="2" name="Title 1">
+            <a:extLst>
+              <a:ext uri="{FF2B5EF4-FFF2-40B4-BE49-F238E27FC236}">
+                <a16:creationId xmlns:a16="http://schemas.microsoft.com/office/drawing/2014/main" id="{5BC91D2E-15F3-72A3-87A5-EF8A322E3AD5}"/>
+              </a:ext>
+            </a:extLst>
+          </p:cNvPr>
+          <p:cNvSpPr>
+            <a:spLocks noGrp="1"/>
+          </p:cNvSpPr>
+          <p:nvPr>
+            <p:ph type="title"/>
+          </p:nvPr>
+        </p:nvSpPr>
+        <p:spPr>
+          <a:xfrm>
+            <a:off x="850185" y="235888"/>
+            <a:ext cx="10353762" cy="1257300"/>
+          </a:xfrm>
+        </p:spPr>
+        <p:txBody>
+          <a:bodyPr>
+            <a:normAutofit/>
+          </a:bodyPr>
+          <a:lstStyle/>
+          <a:p>
+            <a:r>
+              <a:rPr lang="en-US" sz="2400" dirty="0"/>
+              <a:t>Avg Temp vs Avg production</a:t>
+            </a:r>
+          </a:p>
+        </p:txBody>
+      </p:sp>
+      <p:pic>
+        <p:nvPicPr>
+          <p:cNvPr id="4" name="Picture 3">
+            <a:extLst>
+              <a:ext uri="{FF2B5EF4-FFF2-40B4-BE49-F238E27FC236}">
+                <a16:creationId xmlns:a16="http://schemas.microsoft.com/office/drawing/2014/main" id="{5C88548E-2873-F7E7-1748-06214A3C1BA8}"/>
+              </a:ext>
+            </a:extLst>
+          </p:cNvPr>
+          <p:cNvPicPr>
+            <a:picLocks noChangeAspect="1"/>
+          </p:cNvPicPr>
+          <p:nvPr/>
+        </p:nvPicPr>
+        <p:blipFill>
+          <a:blip r:embed="rId2">
+            <a:extLst>
+              <a:ext uri="{28A0092B-C50C-407E-A947-70E740481C1C}">
+                <a14:useLocalDpi xmlns:a14="http://schemas.microsoft.com/office/drawing/2010/main" val="0"/>
+              </a:ext>
+            </a:extLst>
+          </a:blip>
+          <a:stretch>
+            <a:fillRect/>
+          </a:stretch>
+        </p:blipFill>
+        <p:spPr>
+          <a:xfrm>
+            <a:off x="3169914" y="1083360"/>
+            <a:ext cx="5852172" cy="4389129"/>
+          </a:xfrm>
+          <a:prstGeom prst="rect">
+            <a:avLst/>
+          </a:prstGeom>
+        </p:spPr>
+      </p:pic>
+      <p:sp>
+        <p:nvSpPr>
+          <p:cNvPr id="5" name="TextBox 4">
+            <a:extLst>
+              <a:ext uri="{FF2B5EF4-FFF2-40B4-BE49-F238E27FC236}">
+                <a16:creationId xmlns:a16="http://schemas.microsoft.com/office/drawing/2014/main" id="{85F7B48D-1A86-ED80-B772-FB732D2BDACC}"/>
+              </a:ext>
+            </a:extLst>
+          </p:cNvPr>
+          <p:cNvSpPr txBox="1"/>
+          <p:nvPr/>
+        </p:nvSpPr>
+        <p:spPr>
+          <a:xfrm>
+            <a:off x="532737" y="5637475"/>
+            <a:ext cx="11449879" cy="954107"/>
+          </a:xfrm>
+          <a:prstGeom prst="rect">
+            <a:avLst/>
+          </a:prstGeom>
+          <a:noFill/>
+        </p:spPr>
+        <p:txBody>
+          <a:bodyPr wrap="square" rtlCol="0">
+            <a:spAutoFit/>
+          </a:bodyPr>
+          <a:lstStyle/>
+          <a:p>
+            <a:r>
+              <a:rPr lang="en-US" sz="1400" dirty="0"/>
+              <a:t>Comments on the avg temperature vs avg production amount analysis: The null hypothesis here is that amount of  coffee production would be about the same across temperatures. The p value is 0.022, however, and well below the 0.05 threshold. We can reject the null hypothesis. Coffee production appears to rise as temperatures rise, though we did observe that the reverse is true of quality. Brazil, with a high avg temperature, potentially distorts the data somewhat, but even with smaller coffee producing countries, the trend seems to hold. Our alternative hypothesis that avg temperature does affect production is likely true. </a:t>
+            </a:r>
+          </a:p>
+        </p:txBody>
+      </p:sp>
+    </p:spTree>
+    <p:extLst>
+      <p:ext uri="{BB962C8B-B14F-4D97-AF65-F5344CB8AC3E}">
+        <p14:creationId xmlns:p14="http://schemas.microsoft.com/office/powerpoint/2010/main" val="3783911102"/>
+      </p:ext>
+    </p:extLst>
+  </p:cSld>
+  <p:clrMapOvr>
+    <a:masterClrMapping/>
+  </p:clrMapOvr>
+</p:sld>
+</file>
+
+<file path=ppt/slides/slide6.xml><?xml version="1.0" encoding="utf-8"?>
+<p:sld xmlns:a="http://schemas.openxmlformats.org/drawingml/2006/main" xmlns:r="http://schemas.openxmlformats.org/officeDocument/2006/relationships" xmlns:p="http://schemas.openxmlformats.org/presentationml/2006/main">
+  <p:cSld>
+    <p:spTree>
+      <p:nvGrpSpPr>
+        <p:cNvPr id="1" name=""/>
+        <p:cNvGrpSpPr/>
+        <p:nvPr/>
+      </p:nvGrpSpPr>
+      <p:grpSpPr>
+        <a:xfrm>
+          <a:off x="0" y="0"/>
+          <a:ext cx="0" cy="0"/>
+          <a:chOff x="0" y="0"/>
+          <a:chExt cx="0" cy="0"/>
+        </a:xfrm>
+      </p:grpSpPr>
+      <p:sp>
+        <p:nvSpPr>
+          <p:cNvPr id="2" name="Title 1">
+            <a:extLst>
+              <a:ext uri="{FF2B5EF4-FFF2-40B4-BE49-F238E27FC236}">
+                <a16:creationId xmlns:a16="http://schemas.microsoft.com/office/drawing/2014/main" id="{4E80C6DA-075A-8FB5-3B9F-A9BE5FD73912}"/>
+              </a:ext>
+            </a:extLst>
+          </p:cNvPr>
+          <p:cNvSpPr>
+            <a:spLocks noGrp="1"/>
+          </p:cNvSpPr>
+          <p:nvPr>
+            <p:ph type="title"/>
+          </p:nvPr>
+        </p:nvSpPr>
+        <p:spPr>
+          <a:xfrm>
+            <a:off x="919119" y="258746"/>
+            <a:ext cx="10353762" cy="861391"/>
+          </a:xfrm>
+        </p:spPr>
+        <p:txBody>
+          <a:bodyPr>
+            <a:normAutofit/>
+          </a:bodyPr>
+          <a:lstStyle/>
+          <a:p>
+            <a:r>
+              <a:rPr lang="en-US" sz="2400" dirty="0"/>
+              <a:t>Avg Temp vs Avg Quality</a:t>
+            </a:r>
+          </a:p>
+        </p:txBody>
+      </p:sp>
+      <p:pic>
+        <p:nvPicPr>
+          <p:cNvPr id="4" name="Picture 3">
+            <a:extLst>
+              <a:ext uri="{FF2B5EF4-FFF2-40B4-BE49-F238E27FC236}">
+                <a16:creationId xmlns:a16="http://schemas.microsoft.com/office/drawing/2014/main" id="{344FCFEB-2D89-DA42-0B3B-5C77783DF795}"/>
+              </a:ext>
+            </a:extLst>
+          </p:cNvPr>
+          <p:cNvPicPr>
+            <a:picLocks noChangeAspect="1"/>
+          </p:cNvPicPr>
+          <p:nvPr/>
+        </p:nvPicPr>
+        <p:blipFill>
+          <a:blip r:embed="rId2">
+            <a:extLst>
+              <a:ext uri="{28A0092B-C50C-407E-A947-70E740481C1C}">
+                <a14:useLocalDpi xmlns:a14="http://schemas.microsoft.com/office/drawing/2010/main" val="0"/>
+              </a:ext>
+            </a:extLst>
+          </a:blip>
+          <a:stretch>
+            <a:fillRect/>
+          </a:stretch>
+        </p:blipFill>
+        <p:spPr>
+          <a:xfrm>
+            <a:off x="3267980" y="972041"/>
+            <a:ext cx="5852172" cy="4389129"/>
+          </a:xfrm>
+          <a:prstGeom prst="rect">
+            <a:avLst/>
+          </a:prstGeom>
+        </p:spPr>
+      </p:pic>
+      <p:sp>
+        <p:nvSpPr>
+          <p:cNvPr id="5" name="TextBox 4">
+            <a:extLst>
+              <a:ext uri="{FF2B5EF4-FFF2-40B4-BE49-F238E27FC236}">
+                <a16:creationId xmlns:a16="http://schemas.microsoft.com/office/drawing/2014/main" id="{CCE19B9F-8442-FCA9-0721-E1C4AE6F7DDC}"/>
+              </a:ext>
+            </a:extLst>
+          </p:cNvPr>
+          <p:cNvSpPr txBox="1"/>
+          <p:nvPr/>
+        </p:nvSpPr>
+        <p:spPr>
+          <a:xfrm>
+            <a:off x="659958" y="5597411"/>
+            <a:ext cx="11195436" cy="954107"/>
+          </a:xfrm>
+          <a:prstGeom prst="rect">
+            <a:avLst/>
+          </a:prstGeom>
+          <a:noFill/>
+        </p:spPr>
+        <p:txBody>
+          <a:bodyPr wrap="square" rtlCol="0">
+            <a:spAutoFit/>
+          </a:bodyPr>
+          <a:lstStyle/>
+          <a:p>
+            <a:r>
+              <a:rPr lang="en-US" sz="1400" dirty="0"/>
+              <a:t># Comments on the Avg temperature vs Avg Quality analysis : Here, the null hypothesis again is that temperature has nothing to do bean quality. The p value is tiny, though, well below the 0.05 threshold. We can therefore reject the null hypothesis. Again, most coffee producing countries are in tropical or subtropical climates, but the variance in temperature within these regions affects quality. The correlation is negative, with quality trending downward as temperatures go up, and this is our alternative hypothesis, which has a very high likelihood of being true. </a:t>
+            </a:r>
+          </a:p>
+        </p:txBody>
+      </p:sp>
+    </p:spTree>
+    <p:extLst>
+      <p:ext uri="{BB962C8B-B14F-4D97-AF65-F5344CB8AC3E}">
+        <p14:creationId xmlns:p14="http://schemas.microsoft.com/office/powerpoint/2010/main" val="3687337853"/>
+      </p:ext>
+    </p:extLst>
+  </p:cSld>
+  <p:clrMapOvr>
+    <a:masterClrMapping/>
+  </p:clrMapOvr>
+</p:sld>
+</file>
+
+<file path=ppt/slides/slide7.xml><?xml version="1.0" encoding="utf-8"?>
+<p:sld xmlns:a="http://schemas.openxmlformats.org/drawingml/2006/main" xmlns:r="http://schemas.openxmlformats.org/officeDocument/2006/relationships" xmlns:p="http://schemas.openxmlformats.org/presentationml/2006/main">
+  <p:cSld>
+    <p:spTree>
+      <p:nvGrpSpPr>
+        <p:cNvPr id="1" name=""/>
+        <p:cNvGrpSpPr/>
+        <p:nvPr/>
+      </p:nvGrpSpPr>
+      <p:grpSpPr>
+        <a:xfrm>
+          <a:off x="0" y="0"/>
+          <a:ext cx="0" cy="0"/>
+          <a:chOff x="0" y="0"/>
+          <a:chExt cx="0" cy="0"/>
+        </a:xfrm>
+      </p:grpSpPr>
+      <p:sp>
+        <p:nvSpPr>
+          <p:cNvPr id="2" name="Title 1">
+            <a:extLst>
+              <a:ext uri="{FF2B5EF4-FFF2-40B4-BE49-F238E27FC236}">
+                <a16:creationId xmlns:a16="http://schemas.microsoft.com/office/drawing/2014/main" id="{4E50B996-81AE-4E75-1F3D-1FBFBC318B4A}"/>
+              </a:ext>
+            </a:extLst>
+          </p:cNvPr>
+          <p:cNvSpPr>
+            <a:spLocks noGrp="1"/>
+          </p:cNvSpPr>
+          <p:nvPr>
+            <p:ph type="title"/>
+          </p:nvPr>
+        </p:nvSpPr>
+        <p:spPr>
+          <a:xfrm>
+            <a:off x="850185" y="92765"/>
+            <a:ext cx="10353762" cy="1257300"/>
+          </a:xfrm>
+        </p:spPr>
+        <p:txBody>
+          <a:bodyPr>
+            <a:normAutofit/>
+          </a:bodyPr>
+          <a:lstStyle/>
+          <a:p>
+            <a:r>
+              <a:rPr lang="en-US" sz="2400" dirty="0"/>
+              <a:t>Quality vs Avg Rainfall</a:t>
+            </a:r>
+          </a:p>
+        </p:txBody>
+      </p:sp>
+      <p:pic>
+        <p:nvPicPr>
+          <p:cNvPr id="4" name="Picture 3">
+            <a:extLst>
+              <a:ext uri="{FF2B5EF4-FFF2-40B4-BE49-F238E27FC236}">
+                <a16:creationId xmlns:a16="http://schemas.microsoft.com/office/drawing/2014/main" id="{94B1C2D0-DCEB-4460-0ECC-308BF5B67EA8}"/>
+              </a:ext>
+            </a:extLst>
+          </p:cNvPr>
+          <p:cNvPicPr>
+            <a:picLocks noChangeAspect="1"/>
+          </p:cNvPicPr>
+          <p:nvPr/>
+        </p:nvPicPr>
+        <p:blipFill>
+          <a:blip r:embed="rId2">
+            <a:extLst>
+              <a:ext uri="{28A0092B-C50C-407E-A947-70E740481C1C}">
+                <a14:useLocalDpi xmlns:a14="http://schemas.microsoft.com/office/drawing/2010/main" val="0"/>
+              </a:ext>
+            </a:extLst>
+          </a:blip>
+          <a:stretch>
+            <a:fillRect/>
+          </a:stretch>
+        </p:blipFill>
+        <p:spPr>
+          <a:xfrm>
+            <a:off x="3169914" y="1099263"/>
+            <a:ext cx="5852172" cy="4389129"/>
+          </a:xfrm>
+          <a:prstGeom prst="rect">
+            <a:avLst/>
+          </a:prstGeom>
+        </p:spPr>
+      </p:pic>
+      <p:sp>
+        <p:nvSpPr>
+          <p:cNvPr id="5" name="TextBox 4">
+            <a:extLst>
+              <a:ext uri="{FF2B5EF4-FFF2-40B4-BE49-F238E27FC236}">
+                <a16:creationId xmlns:a16="http://schemas.microsoft.com/office/drawing/2014/main" id="{D1E369A4-07E9-E30A-5237-6149C7EAC6BF}"/>
+              </a:ext>
+            </a:extLst>
+          </p:cNvPr>
+          <p:cNvSpPr txBox="1"/>
+          <p:nvPr/>
+        </p:nvSpPr>
+        <p:spPr>
+          <a:xfrm>
+            <a:off x="1025718" y="5701085"/>
+            <a:ext cx="10861482" cy="954107"/>
+          </a:xfrm>
+          <a:prstGeom prst="rect">
+            <a:avLst/>
+          </a:prstGeom>
+          <a:noFill/>
+        </p:spPr>
+        <p:txBody>
+          <a:bodyPr wrap="square" rtlCol="0">
+            <a:spAutoFit/>
+          </a:bodyPr>
+          <a:lstStyle/>
+          <a:p>
+            <a:r>
+              <a:rPr lang="en-US" sz="1400" dirty="0"/>
+              <a:t>Comments on Avg Annual Rainfall vs quality of coffee : Here, the null hypothesis is that coffee quality and avg rainfall among the coffee producing countries have nothing to do with one another. The p value turns out to be about 0.15, so we cannot reject this null hypothesis. Most coffee producing regions do get significant rainfall, but the variance within this group of coffee producing nations does not appear to significantly affect the quality of coffee produced. </a:t>
+            </a:r>
+          </a:p>
+        </p:txBody>
+      </p:sp>
+    </p:spTree>
+    <p:extLst>
+      <p:ext uri="{BB962C8B-B14F-4D97-AF65-F5344CB8AC3E}">
+        <p14:creationId xmlns:p14="http://schemas.microsoft.com/office/powerpoint/2010/main" val="3574798070"/>
       </p:ext>
     </p:extLst>
   </p:cSld>

--- a/A Study of Coffee Production.pptx
+++ b/A Study of Coffee Production.pptx
@@ -303,7 +303,7 @@
           <a:p>
             <a:fld id="{88D38747-4367-4BD2-8D51-C97E202738E2}" type="datetime1">
               <a:rPr lang="en-US" smtClean="0"/>
-              <a:t>4/15/2024</a:t>
+              <a:t>4/16/2024</a:t>
             </a:fld>
             <a:endParaRPr lang="en-US" dirty="0"/>
           </a:p>
@@ -608,7 +608,7 @@
           <a:p>
             <a:fld id="{11F1B079-7EF0-44EE-B798-BCC497C9F3B2}" type="datetime1">
               <a:rPr lang="en-US" smtClean="0"/>
-              <a:t>4/15/2024</a:t>
+              <a:t>4/16/2024</a:t>
             </a:fld>
             <a:endParaRPr lang="en-US" dirty="0"/>
           </a:p>
@@ -802,7 +802,7 @@
           <a:p>
             <a:fld id="{28FF70A8-1D13-4657-95F0-A9EA54967B8D}" type="datetime1">
               <a:rPr lang="en-US" smtClean="0"/>
-              <a:t>4/15/2024</a:t>
+              <a:t>4/16/2024</a:t>
             </a:fld>
             <a:endParaRPr lang="en-US" dirty="0"/>
           </a:p>
@@ -1065,7 +1065,7 @@
           <a:p>
             <a:fld id="{21EB90AC-71BD-4C7F-8ACA-7B3F18292E63}" type="datetime1">
               <a:rPr lang="en-US" smtClean="0"/>
-              <a:t>4/15/2024</a:t>
+              <a:t>4/16/2024</a:t>
             </a:fld>
             <a:endParaRPr lang="en-US" dirty="0"/>
           </a:p>
@@ -1501,7 +1501,7 @@
           <a:p>
             <a:fld id="{4E6EFC2C-8905-46F0-B443-CE905B76BA01}" type="datetime1">
               <a:rPr lang="en-US" smtClean="0"/>
-              <a:t>4/15/2024</a:t>
+              <a:t>4/16/2024</a:t>
             </a:fld>
             <a:endParaRPr lang="en-US" dirty="0"/>
           </a:p>
@@ -2038,7 +2038,7 @@
           <a:p>
             <a:fld id="{D9079DC3-C9B5-499E-9140-0DC28B7074E2}" type="datetime1">
               <a:rPr lang="en-US" smtClean="0"/>
-              <a:t>4/15/2024</a:t>
+              <a:t>4/16/2024</a:t>
             </a:fld>
             <a:endParaRPr lang="en-US" dirty="0"/>
           </a:p>
@@ -2920,7 +2920,7 @@
           <a:p>
             <a:fld id="{30BB33EA-E472-4D22-9C03-A9C14AA21CED}" type="datetime1">
               <a:rPr lang="en-US" smtClean="0"/>
-              <a:t>4/15/2024</a:t>
+              <a:t>4/16/2024</a:t>
             </a:fld>
             <a:endParaRPr lang="en-US" dirty="0"/>
           </a:p>
@@ -3090,7 +3090,7 @@
           <a:p>
             <a:fld id="{217E833E-1B6D-415F-AD29-75AE8C43BD0D}" type="datetime1">
               <a:rPr lang="en-US" smtClean="0"/>
-              <a:t>4/15/2024</a:t>
+              <a:t>4/16/2024</a:t>
             </a:fld>
             <a:endParaRPr lang="en-US" dirty="0"/>
           </a:p>
@@ -3274,7 +3274,7 @@
           <a:p>
             <a:fld id="{8452596F-08A7-4B70-989A-F2B1CF31E66B}" type="datetime1">
               <a:rPr lang="en-US" smtClean="0"/>
-              <a:t>4/15/2024</a:t>
+              <a:t>4/16/2024</a:t>
             </a:fld>
             <a:endParaRPr lang="en-US" dirty="0"/>
           </a:p>
@@ -3444,7 +3444,7 @@
           <a:p>
             <a:fld id="{73C55A3C-5767-4844-A0A3-83778C2E5409}" type="datetime1">
               <a:rPr lang="en-US" smtClean="0"/>
-              <a:t>4/15/2024</a:t>
+              <a:t>4/16/2024</a:t>
             </a:fld>
             <a:endParaRPr lang="en-US" dirty="0"/>
           </a:p>
@@ -3688,7 +3688,7 @@
           <a:p>
             <a:fld id="{CAE507A8-A5CF-4D38-AB86-7EDDA87A85D4}" type="datetime1">
               <a:rPr lang="en-US" smtClean="0"/>
-              <a:t>4/15/2024</a:t>
+              <a:t>4/16/2024</a:t>
             </a:fld>
             <a:endParaRPr lang="en-US" dirty="0"/>
           </a:p>
@@ -3930,7 +3930,7 @@
           <a:p>
             <a:fld id="{BDFCD27C-8599-43EF-BA1D-14DDC1946E06}" type="datetime1">
               <a:rPr lang="en-US" smtClean="0"/>
-              <a:t>4/15/2024</a:t>
+              <a:t>4/16/2024</a:t>
             </a:fld>
             <a:endParaRPr lang="en-US" dirty="0"/>
           </a:p>
@@ -4413,7 +4413,7 @@
           <a:p>
             <a:fld id="{49343D99-809A-49C0-96E5-4250D0B498EE}" type="datetime1">
               <a:rPr lang="en-US" smtClean="0"/>
-              <a:t>4/15/2024</a:t>
+              <a:t>4/16/2024</a:t>
             </a:fld>
             <a:endParaRPr lang="en-US" dirty="0"/>
           </a:p>
@@ -4531,7 +4531,7 @@
           <a:p>
             <a:fld id="{A143DE9B-B678-4EFB-BB7D-A4370204A0B0}" type="datetime1">
               <a:rPr lang="en-US" smtClean="0"/>
-              <a:t>4/15/2024</a:t>
+              <a:t>4/16/2024</a:t>
             </a:fld>
             <a:endParaRPr lang="en-US" dirty="0"/>
           </a:p>
@@ -4626,7 +4626,7 @@
           <a:p>
             <a:fld id="{E68812DA-F765-4142-A6A3-A8ED7235E082}" type="datetime1">
               <a:rPr lang="en-US" smtClean="0"/>
-              <a:t>4/15/2024</a:t>
+              <a:t>4/16/2024</a:t>
             </a:fld>
             <a:endParaRPr lang="en-US" dirty="0"/>
           </a:p>
@@ -4881,7 +4881,7 @@
           <a:p>
             <a:fld id="{3E0277FD-7DE6-41D4-930D-AC99F5AFE54E}" type="datetime1">
               <a:rPr lang="en-US" smtClean="0"/>
-              <a:t>4/15/2024</a:t>
+              <a:t>4/16/2024</a:t>
             </a:fld>
             <a:endParaRPr lang="en-US" dirty="0"/>
           </a:p>
@@ -5188,7 +5188,7 @@
           <a:p>
             <a:fld id="{9EA15526-7079-4B7B-987C-1B5FAE11A0FF}" type="datetime1">
               <a:rPr lang="en-US" smtClean="0"/>
-              <a:t>4/15/2024</a:t>
+              <a:t>4/16/2024</a:t>
             </a:fld>
             <a:endParaRPr lang="en-US" dirty="0"/>
           </a:p>
@@ -5423,7 +5423,7 @@
           <a:p>
             <a:fld id="{073ED0CC-082F-4160-86E5-0D6041F12778}" type="datetime1">
               <a:rPr lang="en-US" smtClean="0"/>
-              <a:t>4/15/2024</a:t>
+              <a:t>4/16/2024</a:t>
             </a:fld>
             <a:endParaRPr lang="en-US" dirty="0"/>
           </a:p>
@@ -6570,7 +6570,21 @@
                 <a:effectLst/>
                 <a:latin typeface="Times New Roman" panose="02020603050405020304" pitchFamily="18" charset="0"/>
               </a:rPr>
-              <a:t>· What countries consume the most coffee? Does the amount of coffee produced influence consumption?</a:t>
+              <a:t>· What countries consume the most coffee? Does the amount of coffee tha</a:t>
+            </a:r>
+            <a:r>
+              <a:rPr lang="en-US" dirty="0">
+                <a:effectLst/>
+                <a:latin typeface="Times New Roman" panose="02020603050405020304" pitchFamily="18" charset="0"/>
+              </a:rPr>
+              <a:t>t is</a:t>
+            </a:r>
+            <a:r>
+              <a:rPr lang="en-US" b="0" i="0" dirty="0">
+                <a:effectLst/>
+                <a:latin typeface="Times New Roman" panose="02020603050405020304" pitchFamily="18" charset="0"/>
+              </a:rPr>
+              <a:t> produced influence consumption?</a:t>
             </a:r>
           </a:p>
           <a:p>

--- a/A Study of Coffee Production.pptx
+++ b/A Study of Coffee Production.pptx
@@ -12,6 +12,17 @@
     <p:sldId id="262" r:id="rId6"/>
     <p:sldId id="263" r:id="rId7"/>
     <p:sldId id="264" r:id="rId8"/>
+    <p:sldId id="269" r:id="rId9"/>
+    <p:sldId id="274" r:id="rId10"/>
+    <p:sldId id="275" r:id="rId11"/>
+    <p:sldId id="273" r:id="rId12"/>
+    <p:sldId id="265" r:id="rId13"/>
+    <p:sldId id="266" r:id="rId14"/>
+    <p:sldId id="267" r:id="rId15"/>
+    <p:sldId id="268" r:id="rId16"/>
+    <p:sldId id="270" r:id="rId17"/>
+    <p:sldId id="271" r:id="rId18"/>
+    <p:sldId id="272" r:id="rId19"/>
   </p:sldIdLst>
   <p:sldSz cx="12192000" cy="6858000"/>
   <p:notesSz cx="6858000" cy="9144000"/>
@@ -6296,6 +6307,1274 @@
 </p:sld>
 </file>
 
+<file path=ppt/slides/slide10.xml><?xml version="1.0" encoding="utf-8"?>
+<p:sld xmlns:a="http://schemas.openxmlformats.org/drawingml/2006/main" xmlns:r="http://schemas.openxmlformats.org/officeDocument/2006/relationships" xmlns:p="http://schemas.openxmlformats.org/presentationml/2006/main">
+  <p:cSld>
+    <p:spTree>
+      <p:nvGrpSpPr>
+        <p:cNvPr id="1" name=""/>
+        <p:cNvGrpSpPr/>
+        <p:nvPr/>
+      </p:nvGrpSpPr>
+      <p:grpSpPr>
+        <a:xfrm>
+          <a:off x="0" y="0"/>
+          <a:ext cx="0" cy="0"/>
+          <a:chOff x="0" y="0"/>
+          <a:chExt cx="0" cy="0"/>
+        </a:xfrm>
+      </p:grpSpPr>
+      <p:sp>
+        <p:nvSpPr>
+          <p:cNvPr id="2" name="Title 1">
+            <a:extLst>
+              <a:ext uri="{FF2B5EF4-FFF2-40B4-BE49-F238E27FC236}">
+                <a16:creationId xmlns:a16="http://schemas.microsoft.com/office/drawing/2014/main" id="{4E50B996-81AE-4E75-1F3D-1FBFBC318B4A}"/>
+              </a:ext>
+            </a:extLst>
+          </p:cNvPr>
+          <p:cNvSpPr>
+            <a:spLocks noGrp="1"/>
+          </p:cNvSpPr>
+          <p:nvPr>
+            <p:ph type="title"/>
+          </p:nvPr>
+        </p:nvSpPr>
+        <p:spPr>
+          <a:xfrm>
+            <a:off x="850185" y="92765"/>
+            <a:ext cx="10353762" cy="1257300"/>
+          </a:xfrm>
+        </p:spPr>
+        <p:txBody>
+          <a:bodyPr>
+            <a:normAutofit/>
+          </a:bodyPr>
+          <a:lstStyle/>
+          <a:p>
+            <a:r>
+              <a:rPr lang="en-US" sz="2400" dirty="0"/>
+              <a:t>Mitch section space holder</a:t>
+            </a:r>
+          </a:p>
+        </p:txBody>
+      </p:sp>
+      <p:sp>
+        <p:nvSpPr>
+          <p:cNvPr id="5" name="TextBox 4">
+            <a:extLst>
+              <a:ext uri="{FF2B5EF4-FFF2-40B4-BE49-F238E27FC236}">
+                <a16:creationId xmlns:a16="http://schemas.microsoft.com/office/drawing/2014/main" id="{D1E369A4-07E9-E30A-5237-6149C7EAC6BF}"/>
+              </a:ext>
+            </a:extLst>
+          </p:cNvPr>
+          <p:cNvSpPr txBox="1"/>
+          <p:nvPr/>
+        </p:nvSpPr>
+        <p:spPr>
+          <a:xfrm>
+            <a:off x="1025718" y="5701085"/>
+            <a:ext cx="10861482" cy="954107"/>
+          </a:xfrm>
+          <a:prstGeom prst="rect">
+            <a:avLst/>
+          </a:prstGeom>
+          <a:noFill/>
+        </p:spPr>
+        <p:txBody>
+          <a:bodyPr wrap="square" rtlCol="0">
+            <a:spAutoFit/>
+          </a:bodyPr>
+          <a:lstStyle/>
+          <a:p>
+            <a:r>
+              <a:rPr lang="en-US" sz="1400" dirty="0"/>
+              <a:t>Comments on Avg Annual Rainfall vs quality of coffee : Here, the null hypothesis is that coffee quality and avg rainfall among the coffee producing countries have nothing to do with one another. The p value turns out to be about 0.15, so we cannot reject this null hypothesis. Most coffee producing regions do get significant rainfall, but the variance within this group of coffee producing nations does not appear to significantly affect the quality of coffee produced. </a:t>
+            </a:r>
+          </a:p>
+        </p:txBody>
+      </p:sp>
+    </p:spTree>
+    <p:extLst>
+      <p:ext uri="{BB962C8B-B14F-4D97-AF65-F5344CB8AC3E}">
+        <p14:creationId xmlns:p14="http://schemas.microsoft.com/office/powerpoint/2010/main" val="2406737080"/>
+      </p:ext>
+    </p:extLst>
+  </p:cSld>
+  <p:clrMapOvr>
+    <a:masterClrMapping/>
+  </p:clrMapOvr>
+</p:sld>
+</file>
+
+<file path=ppt/slides/slide11.xml><?xml version="1.0" encoding="utf-8"?>
+<p:sld xmlns:a="http://schemas.openxmlformats.org/drawingml/2006/main" xmlns:r="http://schemas.openxmlformats.org/officeDocument/2006/relationships" xmlns:p="http://schemas.openxmlformats.org/presentationml/2006/main">
+  <p:cSld>
+    <p:spTree>
+      <p:nvGrpSpPr>
+        <p:cNvPr id="1" name=""/>
+        <p:cNvGrpSpPr/>
+        <p:nvPr/>
+      </p:nvGrpSpPr>
+      <p:grpSpPr>
+        <a:xfrm>
+          <a:off x="0" y="0"/>
+          <a:ext cx="0" cy="0"/>
+          <a:chOff x="0" y="0"/>
+          <a:chExt cx="0" cy="0"/>
+        </a:xfrm>
+      </p:grpSpPr>
+      <p:sp>
+        <p:nvSpPr>
+          <p:cNvPr id="2" name="Title 1">
+            <a:extLst>
+              <a:ext uri="{FF2B5EF4-FFF2-40B4-BE49-F238E27FC236}">
+                <a16:creationId xmlns:a16="http://schemas.microsoft.com/office/drawing/2014/main" id="{4E50B996-81AE-4E75-1F3D-1FBFBC318B4A}"/>
+              </a:ext>
+            </a:extLst>
+          </p:cNvPr>
+          <p:cNvSpPr>
+            <a:spLocks noGrp="1"/>
+          </p:cNvSpPr>
+          <p:nvPr>
+            <p:ph type="title"/>
+          </p:nvPr>
+        </p:nvSpPr>
+        <p:spPr>
+          <a:xfrm>
+            <a:off x="850185" y="92765"/>
+            <a:ext cx="10353762" cy="1257300"/>
+          </a:xfrm>
+        </p:spPr>
+        <p:txBody>
+          <a:bodyPr>
+            <a:normAutofit/>
+          </a:bodyPr>
+          <a:lstStyle/>
+          <a:p>
+            <a:r>
+              <a:rPr lang="en-US" sz="2400" dirty="0"/>
+              <a:t>Mitch section space holder</a:t>
+            </a:r>
+          </a:p>
+        </p:txBody>
+      </p:sp>
+      <p:sp>
+        <p:nvSpPr>
+          <p:cNvPr id="5" name="TextBox 4">
+            <a:extLst>
+              <a:ext uri="{FF2B5EF4-FFF2-40B4-BE49-F238E27FC236}">
+                <a16:creationId xmlns:a16="http://schemas.microsoft.com/office/drawing/2014/main" id="{D1E369A4-07E9-E30A-5237-6149C7EAC6BF}"/>
+              </a:ext>
+            </a:extLst>
+          </p:cNvPr>
+          <p:cNvSpPr txBox="1"/>
+          <p:nvPr/>
+        </p:nvSpPr>
+        <p:spPr>
+          <a:xfrm>
+            <a:off x="1025718" y="5701085"/>
+            <a:ext cx="10861482" cy="954107"/>
+          </a:xfrm>
+          <a:prstGeom prst="rect">
+            <a:avLst/>
+          </a:prstGeom>
+          <a:noFill/>
+        </p:spPr>
+        <p:txBody>
+          <a:bodyPr wrap="square" rtlCol="0">
+            <a:spAutoFit/>
+          </a:bodyPr>
+          <a:lstStyle/>
+          <a:p>
+            <a:r>
+              <a:rPr lang="en-US" sz="1400" dirty="0"/>
+              <a:t>Comments on Avg Annual Rainfall vs quality of coffee : Here, the null hypothesis is that coffee quality and avg rainfall among the coffee producing countries have nothing to do with one another. The p value turns out to be about 0.15, so we cannot reject this null hypothesis. Most coffee producing regions do get significant rainfall, but the variance within this group of coffee producing nations does not appear to significantly affect the quality of coffee produced. </a:t>
+            </a:r>
+          </a:p>
+        </p:txBody>
+      </p:sp>
+    </p:spTree>
+    <p:extLst>
+      <p:ext uri="{BB962C8B-B14F-4D97-AF65-F5344CB8AC3E}">
+        <p14:creationId xmlns:p14="http://schemas.microsoft.com/office/powerpoint/2010/main" val="2762001895"/>
+      </p:ext>
+    </p:extLst>
+  </p:cSld>
+  <p:clrMapOvr>
+    <a:masterClrMapping/>
+  </p:clrMapOvr>
+</p:sld>
+</file>
+
+<file path=ppt/slides/slide12.xml><?xml version="1.0" encoding="utf-8"?>
+<p:sld xmlns:a="http://schemas.openxmlformats.org/drawingml/2006/main" xmlns:r="http://schemas.openxmlformats.org/officeDocument/2006/relationships" xmlns:p="http://schemas.openxmlformats.org/presentationml/2006/main">
+  <p:cSld>
+    <p:spTree>
+      <p:nvGrpSpPr>
+        <p:cNvPr id="1" name=""/>
+        <p:cNvGrpSpPr/>
+        <p:nvPr/>
+      </p:nvGrpSpPr>
+      <p:grpSpPr>
+        <a:xfrm>
+          <a:off x="0" y="0"/>
+          <a:ext cx="0" cy="0"/>
+          <a:chOff x="0" y="0"/>
+          <a:chExt cx="0" cy="0"/>
+        </a:xfrm>
+      </p:grpSpPr>
+      <p:sp>
+        <p:nvSpPr>
+          <p:cNvPr id="2" name="Title 1">
+            <a:extLst>
+              <a:ext uri="{FF2B5EF4-FFF2-40B4-BE49-F238E27FC236}">
+                <a16:creationId xmlns:a16="http://schemas.microsoft.com/office/drawing/2014/main" id="{4E50B996-81AE-4E75-1F3D-1FBFBC318B4A}"/>
+              </a:ext>
+            </a:extLst>
+          </p:cNvPr>
+          <p:cNvSpPr>
+            <a:spLocks noGrp="1"/>
+          </p:cNvSpPr>
+          <p:nvPr>
+            <p:ph type="title"/>
+          </p:nvPr>
+        </p:nvSpPr>
+        <p:spPr>
+          <a:xfrm>
+            <a:off x="850185" y="92765"/>
+            <a:ext cx="10353762" cy="1257300"/>
+          </a:xfrm>
+        </p:spPr>
+        <p:txBody>
+          <a:bodyPr>
+            <a:normAutofit/>
+          </a:bodyPr>
+          <a:lstStyle/>
+          <a:p>
+            <a:r>
+              <a:rPr lang="en-US" sz="1800" dirty="0">
+                <a:effectLst/>
+                <a:latin typeface="Aptos" panose="020B0004020202020204" pitchFamily="34" charset="0"/>
+                <a:ea typeface="Aptos" panose="020B0004020202020204" pitchFamily="34" charset="0"/>
+                <a:cs typeface="Times New Roman" panose="02020603050405020304" pitchFamily="18" charset="0"/>
+              </a:rPr>
+              <a:t>What countries produce the most coffee and does that affect the quality of coffee produced?</a:t>
+            </a:r>
+            <a:endParaRPr lang="en-US" sz="2400" dirty="0"/>
+          </a:p>
+        </p:txBody>
+      </p:sp>
+      <p:sp>
+        <p:nvSpPr>
+          <p:cNvPr id="5" name="TextBox 4">
+            <a:extLst>
+              <a:ext uri="{FF2B5EF4-FFF2-40B4-BE49-F238E27FC236}">
+                <a16:creationId xmlns:a16="http://schemas.microsoft.com/office/drawing/2014/main" id="{D1E369A4-07E9-E30A-5237-6149C7EAC6BF}"/>
+              </a:ext>
+            </a:extLst>
+          </p:cNvPr>
+          <p:cNvSpPr txBox="1"/>
+          <p:nvPr/>
+        </p:nvSpPr>
+        <p:spPr>
+          <a:xfrm>
+            <a:off x="850185" y="5033279"/>
+            <a:ext cx="11037015" cy="1415772"/>
+          </a:xfrm>
+          <a:prstGeom prst="rect">
+            <a:avLst/>
+          </a:prstGeom>
+          <a:noFill/>
+        </p:spPr>
+        <p:txBody>
+          <a:bodyPr wrap="square" rtlCol="0">
+            <a:spAutoFit/>
+          </a:bodyPr>
+          <a:lstStyle/>
+          <a:p>
+            <a:r>
+              <a:rPr lang="en-US" sz="1800" kern="100" dirty="0">
+                <a:effectLst/>
+                <a:latin typeface="Aptos" panose="020B0004020202020204" pitchFamily="34" charset="0"/>
+                <a:ea typeface="Aptos" panose="020B0004020202020204" pitchFamily="34" charset="0"/>
+                <a:cs typeface="Times New Roman" panose="02020603050405020304" pitchFamily="18" charset="0"/>
+              </a:rPr>
+              <a:t>After collaborating with Mitch and Paul on the Max Production data  frames we merged a data frame that contained multiple columns for the score ranking different coffee from different countries.  They were all calculated out (1 of 10) with a float type value. Score consists of Aroma plus flavor minus aftertaste plus body plus average balance plus uniformity plus clean cup plus sweetness minus acidity minus quakers.</a:t>
+            </a:r>
+          </a:p>
+          <a:p>
+            <a:r>
+              <a:rPr lang="en-US" sz="1400" dirty="0"/>
+              <a:t>. </a:t>
+            </a:r>
+          </a:p>
+        </p:txBody>
+      </p:sp>
+      <p:pic>
+        <p:nvPicPr>
+          <p:cNvPr id="6" name="Picture 5" descr="A screen shot of a computer program&#10;&#10;Description automatically generated">
+            <a:extLst>
+              <a:ext uri="{FF2B5EF4-FFF2-40B4-BE49-F238E27FC236}">
+                <a16:creationId xmlns:a16="http://schemas.microsoft.com/office/drawing/2014/main" id="{FCCA7F35-FCE8-0135-B8C8-35012AB3CB1C}"/>
+              </a:ext>
+            </a:extLst>
+          </p:cNvPr>
+          <p:cNvPicPr>
+            <a:picLocks noChangeAspect="1"/>
+          </p:cNvPicPr>
+          <p:nvPr/>
+        </p:nvPicPr>
+        <p:blipFill>
+          <a:blip r:embed="rId2">
+            <a:extLst>
+              <a:ext uri="{28A0092B-C50C-407E-A947-70E740481C1C}">
+                <a14:useLocalDpi xmlns:a14="http://schemas.microsoft.com/office/drawing/2010/main" val="0"/>
+              </a:ext>
+            </a:extLst>
+          </a:blip>
+          <a:stretch>
+            <a:fillRect/>
+          </a:stretch>
+        </p:blipFill>
+        <p:spPr>
+          <a:xfrm>
+            <a:off x="2416176" y="1523962"/>
+            <a:ext cx="6544944" cy="3335420"/>
+          </a:xfrm>
+          <a:prstGeom prst="rect">
+            <a:avLst/>
+          </a:prstGeom>
+        </p:spPr>
+      </p:pic>
+    </p:spTree>
+    <p:extLst>
+      <p:ext uri="{BB962C8B-B14F-4D97-AF65-F5344CB8AC3E}">
+        <p14:creationId xmlns:p14="http://schemas.microsoft.com/office/powerpoint/2010/main" val="3866862334"/>
+      </p:ext>
+    </p:extLst>
+  </p:cSld>
+  <p:clrMapOvr>
+    <a:masterClrMapping/>
+  </p:clrMapOvr>
+</p:sld>
+</file>
+
+<file path=ppt/slides/slide13.xml><?xml version="1.0" encoding="utf-8"?>
+<p:sld xmlns:a="http://schemas.openxmlformats.org/drawingml/2006/main" xmlns:r="http://schemas.openxmlformats.org/officeDocument/2006/relationships" xmlns:p="http://schemas.openxmlformats.org/presentationml/2006/main">
+  <p:cSld>
+    <p:spTree>
+      <p:nvGrpSpPr>
+        <p:cNvPr id="1" name=""/>
+        <p:cNvGrpSpPr/>
+        <p:nvPr/>
+      </p:nvGrpSpPr>
+      <p:grpSpPr>
+        <a:xfrm>
+          <a:off x="0" y="0"/>
+          <a:ext cx="0" cy="0"/>
+          <a:chOff x="0" y="0"/>
+          <a:chExt cx="0" cy="0"/>
+        </a:xfrm>
+      </p:grpSpPr>
+      <p:sp>
+        <p:nvSpPr>
+          <p:cNvPr id="2" name="Title 1">
+            <a:extLst>
+              <a:ext uri="{FF2B5EF4-FFF2-40B4-BE49-F238E27FC236}">
+                <a16:creationId xmlns:a16="http://schemas.microsoft.com/office/drawing/2014/main" id="{4E50B996-81AE-4E75-1F3D-1FBFBC318B4A}"/>
+              </a:ext>
+            </a:extLst>
+          </p:cNvPr>
+          <p:cNvSpPr>
+            <a:spLocks noGrp="1"/>
+          </p:cNvSpPr>
+          <p:nvPr>
+            <p:ph type="title"/>
+          </p:nvPr>
+        </p:nvSpPr>
+        <p:spPr>
+          <a:xfrm>
+            <a:off x="850185" y="92765"/>
+            <a:ext cx="10353762" cy="1257300"/>
+          </a:xfrm>
+        </p:spPr>
+        <p:txBody>
+          <a:bodyPr>
+            <a:normAutofit/>
+          </a:bodyPr>
+          <a:lstStyle/>
+          <a:p>
+            <a:r>
+              <a:rPr lang="en-US" sz="1800" dirty="0">
+                <a:effectLst/>
+                <a:latin typeface="Aptos" panose="020B0004020202020204" pitchFamily="34" charset="0"/>
+                <a:ea typeface="Aptos" panose="020B0004020202020204" pitchFamily="34" charset="0"/>
+                <a:cs typeface="Times New Roman" panose="02020603050405020304" pitchFamily="18" charset="0"/>
+              </a:rPr>
+              <a:t>Flavor Rating by Country</a:t>
+            </a:r>
+            <a:endParaRPr lang="en-US" sz="2400" dirty="0"/>
+          </a:p>
+        </p:txBody>
+      </p:sp>
+      <p:sp>
+        <p:nvSpPr>
+          <p:cNvPr id="5" name="TextBox 4">
+            <a:extLst>
+              <a:ext uri="{FF2B5EF4-FFF2-40B4-BE49-F238E27FC236}">
+                <a16:creationId xmlns:a16="http://schemas.microsoft.com/office/drawing/2014/main" id="{D1E369A4-07E9-E30A-5237-6149C7EAC6BF}"/>
+              </a:ext>
+            </a:extLst>
+          </p:cNvPr>
+          <p:cNvSpPr txBox="1"/>
+          <p:nvPr/>
+        </p:nvSpPr>
+        <p:spPr>
+          <a:xfrm>
+            <a:off x="850185" y="5033279"/>
+            <a:ext cx="11037015" cy="861774"/>
+          </a:xfrm>
+          <a:prstGeom prst="rect">
+            <a:avLst/>
+          </a:prstGeom>
+          <a:noFill/>
+        </p:spPr>
+        <p:txBody>
+          <a:bodyPr wrap="square" rtlCol="0">
+            <a:spAutoFit/>
+          </a:bodyPr>
+          <a:lstStyle/>
+          <a:p>
+            <a:r>
+              <a:rPr lang="en-US" sz="1800" dirty="0">
+                <a:effectLst/>
+                <a:latin typeface="Aptos" panose="020B0004020202020204" pitchFamily="34" charset="0"/>
+                <a:ea typeface="Aptos" panose="020B0004020202020204" pitchFamily="34" charset="0"/>
+                <a:cs typeface="Times New Roman" panose="02020603050405020304" pitchFamily="18" charset="0"/>
+              </a:rPr>
+              <a:t>An example of a column “Flavor” this demonstrates that all of the countries are closely aligned with the same Score for flavor</a:t>
+            </a:r>
+            <a:r>
+              <a:rPr lang="en-US" sz="1800" kern="100" dirty="0">
+                <a:effectLst/>
+                <a:latin typeface="Aptos" panose="020B0004020202020204" pitchFamily="34" charset="0"/>
+                <a:ea typeface="Aptos" panose="020B0004020202020204" pitchFamily="34" charset="0"/>
+                <a:cs typeface="Times New Roman" panose="02020603050405020304" pitchFamily="18" charset="0"/>
+              </a:rPr>
+              <a:t>.</a:t>
+            </a:r>
+          </a:p>
+          <a:p>
+            <a:r>
+              <a:rPr lang="en-US" sz="1400" dirty="0"/>
+              <a:t>. </a:t>
+            </a:r>
+          </a:p>
+        </p:txBody>
+      </p:sp>
+      <p:pic>
+        <p:nvPicPr>
+          <p:cNvPr id="4" name="Picture 3" descr="A blue and white bar chart&#10;&#10;Description automatically generated with medium confidence">
+            <a:extLst>
+              <a:ext uri="{FF2B5EF4-FFF2-40B4-BE49-F238E27FC236}">
+                <a16:creationId xmlns:a16="http://schemas.microsoft.com/office/drawing/2014/main" id="{55DAC02C-D92D-583E-9A76-912CC1DA0567}"/>
+              </a:ext>
+            </a:extLst>
+          </p:cNvPr>
+          <p:cNvPicPr>
+            <a:picLocks noChangeAspect="1"/>
+          </p:cNvPicPr>
+          <p:nvPr/>
+        </p:nvPicPr>
+        <p:blipFill>
+          <a:blip r:embed="rId2">
+            <a:extLst>
+              <a:ext uri="{28A0092B-C50C-407E-A947-70E740481C1C}">
+                <a14:useLocalDpi xmlns:a14="http://schemas.microsoft.com/office/drawing/2010/main" val="0"/>
+              </a:ext>
+            </a:extLst>
+          </a:blip>
+          <a:stretch>
+            <a:fillRect/>
+          </a:stretch>
+        </p:blipFill>
+        <p:spPr>
+          <a:xfrm>
+            <a:off x="1928231" y="2057208"/>
+            <a:ext cx="8335538" cy="2743583"/>
+          </a:xfrm>
+          <a:prstGeom prst="rect">
+            <a:avLst/>
+          </a:prstGeom>
+        </p:spPr>
+      </p:pic>
+    </p:spTree>
+    <p:extLst>
+      <p:ext uri="{BB962C8B-B14F-4D97-AF65-F5344CB8AC3E}">
+        <p14:creationId xmlns:p14="http://schemas.microsoft.com/office/powerpoint/2010/main" val="2006376620"/>
+      </p:ext>
+    </p:extLst>
+  </p:cSld>
+  <p:clrMapOvr>
+    <a:masterClrMapping/>
+  </p:clrMapOvr>
+</p:sld>
+</file>
+
+<file path=ppt/slides/slide14.xml><?xml version="1.0" encoding="utf-8"?>
+<p:sld xmlns:a="http://schemas.openxmlformats.org/drawingml/2006/main" xmlns:r="http://schemas.openxmlformats.org/officeDocument/2006/relationships" xmlns:p="http://schemas.openxmlformats.org/presentationml/2006/main">
+  <p:cSld>
+    <p:spTree>
+      <p:nvGrpSpPr>
+        <p:cNvPr id="1" name=""/>
+        <p:cNvGrpSpPr/>
+        <p:nvPr/>
+      </p:nvGrpSpPr>
+      <p:grpSpPr>
+        <a:xfrm>
+          <a:off x="0" y="0"/>
+          <a:ext cx="0" cy="0"/>
+          <a:chOff x="0" y="0"/>
+          <a:chExt cx="0" cy="0"/>
+        </a:xfrm>
+      </p:grpSpPr>
+      <p:sp>
+        <p:nvSpPr>
+          <p:cNvPr id="2" name="Title 1">
+            <a:extLst>
+              <a:ext uri="{FF2B5EF4-FFF2-40B4-BE49-F238E27FC236}">
+                <a16:creationId xmlns:a16="http://schemas.microsoft.com/office/drawing/2014/main" id="{4E50B996-81AE-4E75-1F3D-1FBFBC318B4A}"/>
+              </a:ext>
+            </a:extLst>
+          </p:cNvPr>
+          <p:cNvSpPr>
+            <a:spLocks noGrp="1"/>
+          </p:cNvSpPr>
+          <p:nvPr>
+            <p:ph type="title"/>
+          </p:nvPr>
+        </p:nvSpPr>
+        <p:spPr>
+          <a:xfrm>
+            <a:off x="850185" y="92765"/>
+            <a:ext cx="10353762" cy="1257300"/>
+          </a:xfrm>
+        </p:spPr>
+        <p:txBody>
+          <a:bodyPr>
+            <a:normAutofit/>
+          </a:bodyPr>
+          <a:lstStyle/>
+          <a:p>
+            <a:r>
+              <a:rPr lang="en-US" sz="1800" dirty="0">
+                <a:effectLst/>
+                <a:latin typeface="Aptos" panose="020B0004020202020204" pitchFamily="34" charset="0"/>
+                <a:ea typeface="Aptos" panose="020B0004020202020204" pitchFamily="34" charset="0"/>
+                <a:cs typeface="Times New Roman" panose="02020603050405020304" pitchFamily="18" charset="0"/>
+              </a:rPr>
+              <a:t>Map of Amount Produced by Country</a:t>
+            </a:r>
+            <a:endParaRPr lang="en-US" sz="2400" dirty="0"/>
+          </a:p>
+        </p:txBody>
+      </p:sp>
+      <p:sp>
+        <p:nvSpPr>
+          <p:cNvPr id="5" name="TextBox 4">
+            <a:extLst>
+              <a:ext uri="{FF2B5EF4-FFF2-40B4-BE49-F238E27FC236}">
+                <a16:creationId xmlns:a16="http://schemas.microsoft.com/office/drawing/2014/main" id="{D1E369A4-07E9-E30A-5237-6149C7EAC6BF}"/>
+              </a:ext>
+            </a:extLst>
+          </p:cNvPr>
+          <p:cNvSpPr txBox="1"/>
+          <p:nvPr/>
+        </p:nvSpPr>
+        <p:spPr>
+          <a:xfrm>
+            <a:off x="850185" y="5033279"/>
+            <a:ext cx="11037015" cy="646331"/>
+          </a:xfrm>
+          <a:prstGeom prst="rect">
+            <a:avLst/>
+          </a:prstGeom>
+          <a:noFill/>
+        </p:spPr>
+        <p:txBody>
+          <a:bodyPr wrap="square" rtlCol="0">
+            <a:spAutoFit/>
+          </a:bodyPr>
+          <a:lstStyle/>
+          <a:p>
+            <a:r>
+              <a:rPr lang="en-US" sz="1800" kern="100" dirty="0">
+                <a:effectLst/>
+                <a:latin typeface="Aptos" panose="020B0004020202020204" pitchFamily="34" charset="0"/>
+                <a:ea typeface="Aptos" panose="020B0004020202020204" pitchFamily="34" charset="0"/>
+                <a:cs typeface="Times New Roman" panose="02020603050405020304" pitchFamily="18" charset="0"/>
+              </a:rPr>
+              <a:t>This map displays that countries like Brazil have a much larger production rate than other countries like Haiti, Panama or Malawi. It is not even close. </a:t>
+            </a:r>
+          </a:p>
+        </p:txBody>
+      </p:sp>
+      <p:pic>
+        <p:nvPicPr>
+          <p:cNvPr id="6" name="Picture 5" descr="A map of the world with different colored circles&#10;&#10;Description automatically generated">
+            <a:extLst>
+              <a:ext uri="{FF2B5EF4-FFF2-40B4-BE49-F238E27FC236}">
+                <a16:creationId xmlns:a16="http://schemas.microsoft.com/office/drawing/2014/main" id="{CC524BFA-9A31-79D9-D7E9-E2ED4A8FD079}"/>
+              </a:ext>
+            </a:extLst>
+          </p:cNvPr>
+          <p:cNvPicPr>
+            <a:picLocks noChangeAspect="1"/>
+          </p:cNvPicPr>
+          <p:nvPr/>
+        </p:nvPicPr>
+        <p:blipFill>
+          <a:blip r:embed="rId2">
+            <a:extLst>
+              <a:ext uri="{28A0092B-C50C-407E-A947-70E740481C1C}">
+                <a14:useLocalDpi xmlns:a14="http://schemas.microsoft.com/office/drawing/2010/main" val="0"/>
+              </a:ext>
+            </a:extLst>
+          </a:blip>
+          <a:stretch>
+            <a:fillRect/>
+          </a:stretch>
+        </p:blipFill>
+        <p:spPr>
+          <a:xfrm>
+            <a:off x="3058782" y="1005228"/>
+            <a:ext cx="5936567" cy="3873457"/>
+          </a:xfrm>
+          <a:prstGeom prst="rect">
+            <a:avLst/>
+          </a:prstGeom>
+        </p:spPr>
+      </p:pic>
+    </p:spTree>
+    <p:extLst>
+      <p:ext uri="{BB962C8B-B14F-4D97-AF65-F5344CB8AC3E}">
+        <p14:creationId xmlns:p14="http://schemas.microsoft.com/office/powerpoint/2010/main" val="738110836"/>
+      </p:ext>
+    </p:extLst>
+  </p:cSld>
+  <p:clrMapOvr>
+    <a:masterClrMapping/>
+  </p:clrMapOvr>
+</p:sld>
+</file>
+
+<file path=ppt/slides/slide15.xml><?xml version="1.0" encoding="utf-8"?>
+<p:sld xmlns:a="http://schemas.openxmlformats.org/drawingml/2006/main" xmlns:r="http://schemas.openxmlformats.org/officeDocument/2006/relationships" xmlns:p="http://schemas.openxmlformats.org/presentationml/2006/main">
+  <p:cSld>
+    <p:spTree>
+      <p:nvGrpSpPr>
+        <p:cNvPr id="1" name=""/>
+        <p:cNvGrpSpPr/>
+        <p:nvPr/>
+      </p:nvGrpSpPr>
+      <p:grpSpPr>
+        <a:xfrm>
+          <a:off x="0" y="0"/>
+          <a:ext cx="0" cy="0"/>
+          <a:chOff x="0" y="0"/>
+          <a:chExt cx="0" cy="0"/>
+        </a:xfrm>
+      </p:grpSpPr>
+      <p:sp>
+        <p:nvSpPr>
+          <p:cNvPr id="2" name="Title 1">
+            <a:extLst>
+              <a:ext uri="{FF2B5EF4-FFF2-40B4-BE49-F238E27FC236}">
+                <a16:creationId xmlns:a16="http://schemas.microsoft.com/office/drawing/2014/main" id="{4E50B996-81AE-4E75-1F3D-1FBFBC318B4A}"/>
+              </a:ext>
+            </a:extLst>
+          </p:cNvPr>
+          <p:cNvSpPr>
+            <a:spLocks noGrp="1"/>
+          </p:cNvSpPr>
+          <p:nvPr>
+            <p:ph type="title"/>
+          </p:nvPr>
+        </p:nvSpPr>
+        <p:spPr>
+          <a:xfrm>
+            <a:off x="850185" y="92765"/>
+            <a:ext cx="10353762" cy="1257300"/>
+          </a:xfrm>
+        </p:spPr>
+        <p:txBody>
+          <a:bodyPr>
+            <a:normAutofit/>
+          </a:bodyPr>
+          <a:lstStyle/>
+          <a:p>
+            <a:r>
+              <a:rPr lang="en-US" sz="1800" dirty="0">
+                <a:effectLst/>
+                <a:latin typeface="Aptos" panose="020B0004020202020204" pitchFamily="34" charset="0"/>
+                <a:ea typeface="Aptos" panose="020B0004020202020204" pitchFamily="34" charset="0"/>
+                <a:cs typeface="Times New Roman" panose="02020603050405020304" pitchFamily="18" charset="0"/>
+              </a:rPr>
+              <a:t>Scatter Plot Amount Produced by Country</a:t>
+            </a:r>
+            <a:endParaRPr lang="en-US" sz="2400" dirty="0"/>
+          </a:p>
+        </p:txBody>
+      </p:sp>
+      <p:sp>
+        <p:nvSpPr>
+          <p:cNvPr id="5" name="TextBox 4">
+            <a:extLst>
+              <a:ext uri="{FF2B5EF4-FFF2-40B4-BE49-F238E27FC236}">
+                <a16:creationId xmlns:a16="http://schemas.microsoft.com/office/drawing/2014/main" id="{D1E369A4-07E9-E30A-5237-6149C7EAC6BF}"/>
+              </a:ext>
+            </a:extLst>
+          </p:cNvPr>
+          <p:cNvSpPr txBox="1"/>
+          <p:nvPr/>
+        </p:nvSpPr>
+        <p:spPr>
+          <a:xfrm>
+            <a:off x="850185" y="5033279"/>
+            <a:ext cx="11037015" cy="971292"/>
+          </a:xfrm>
+          <a:prstGeom prst="rect">
+            <a:avLst/>
+          </a:prstGeom>
+          <a:noFill/>
+        </p:spPr>
+        <p:txBody>
+          <a:bodyPr wrap="square" rtlCol="0">
+            <a:spAutoFit/>
+          </a:bodyPr>
+          <a:lstStyle/>
+          <a:p>
+            <a:pPr marL="342900" marR="0" lvl="0" indent="-342900">
+              <a:lnSpc>
+                <a:spcPct val="107000"/>
+              </a:lnSpc>
+              <a:spcBef>
+                <a:spcPts val="0"/>
+              </a:spcBef>
+              <a:spcAft>
+                <a:spcPts val="800"/>
+              </a:spcAft>
+              <a:buFont typeface="Aptos" panose="020B0004020202020204" pitchFamily="34" charset="0"/>
+              <a:buChar char="-"/>
+            </a:pPr>
+            <a:r>
+              <a:rPr lang="en-US" sz="1800" kern="100" dirty="0">
+                <a:effectLst/>
+                <a:latin typeface="Aptos" panose="020B0004020202020204" pitchFamily="34" charset="0"/>
+                <a:ea typeface="Aptos" panose="020B0004020202020204" pitchFamily="34" charset="0"/>
+                <a:cs typeface="Times New Roman" panose="02020603050405020304" pitchFamily="18" charset="0"/>
+              </a:rPr>
+              <a:t>This plot exhibits Max Production in a different light than previous in such that we drill down to see who is second and third and exactly how far Brazil is from the rest of the Countries, Indonesia and Columbia following but leading the rest. </a:t>
+            </a:r>
+          </a:p>
+        </p:txBody>
+      </p:sp>
+      <p:pic>
+        <p:nvPicPr>
+          <p:cNvPr id="4" name="Picture 3" descr="A graph with blue dots&#10;&#10;Description automatically generated">
+            <a:extLst>
+              <a:ext uri="{FF2B5EF4-FFF2-40B4-BE49-F238E27FC236}">
+                <a16:creationId xmlns:a16="http://schemas.microsoft.com/office/drawing/2014/main" id="{7FE7CF2A-8811-AFAE-664E-4592FFBFA1ED}"/>
+              </a:ext>
+            </a:extLst>
+          </p:cNvPr>
+          <p:cNvPicPr>
+            <a:picLocks noChangeAspect="1"/>
+          </p:cNvPicPr>
+          <p:nvPr/>
+        </p:nvPicPr>
+        <p:blipFill>
+          <a:blip r:embed="rId2">
+            <a:extLst>
+              <a:ext uri="{28A0092B-C50C-407E-A947-70E740481C1C}">
+                <a14:useLocalDpi xmlns:a14="http://schemas.microsoft.com/office/drawing/2010/main" val="0"/>
+              </a:ext>
+            </a:extLst>
+          </a:blip>
+          <a:stretch>
+            <a:fillRect/>
+          </a:stretch>
+        </p:blipFill>
+        <p:spPr>
+          <a:xfrm>
+            <a:off x="3594292" y="1206863"/>
+            <a:ext cx="5003415" cy="3752561"/>
+          </a:xfrm>
+          <a:prstGeom prst="rect">
+            <a:avLst/>
+          </a:prstGeom>
+        </p:spPr>
+      </p:pic>
+    </p:spTree>
+    <p:extLst>
+      <p:ext uri="{BB962C8B-B14F-4D97-AF65-F5344CB8AC3E}">
+        <p14:creationId xmlns:p14="http://schemas.microsoft.com/office/powerpoint/2010/main" val="3054202300"/>
+      </p:ext>
+    </p:extLst>
+  </p:cSld>
+  <p:clrMapOvr>
+    <a:masterClrMapping/>
+  </p:clrMapOvr>
+</p:sld>
+</file>
+
+<file path=ppt/slides/slide16.xml><?xml version="1.0" encoding="utf-8"?>
+<p:sld xmlns:a="http://schemas.openxmlformats.org/drawingml/2006/main" xmlns:r="http://schemas.openxmlformats.org/officeDocument/2006/relationships" xmlns:p="http://schemas.openxmlformats.org/presentationml/2006/main">
+  <p:cSld>
+    <p:spTree>
+      <p:nvGrpSpPr>
+        <p:cNvPr id="1" name=""/>
+        <p:cNvGrpSpPr/>
+        <p:nvPr/>
+      </p:nvGrpSpPr>
+      <p:grpSpPr>
+        <a:xfrm>
+          <a:off x="0" y="0"/>
+          <a:ext cx="0" cy="0"/>
+          <a:chOff x="0" y="0"/>
+          <a:chExt cx="0" cy="0"/>
+        </a:xfrm>
+      </p:grpSpPr>
+      <p:sp>
+        <p:nvSpPr>
+          <p:cNvPr id="2" name="Title 1">
+            <a:extLst>
+              <a:ext uri="{FF2B5EF4-FFF2-40B4-BE49-F238E27FC236}">
+                <a16:creationId xmlns:a16="http://schemas.microsoft.com/office/drawing/2014/main" id="{4E50B996-81AE-4E75-1F3D-1FBFBC318B4A}"/>
+              </a:ext>
+            </a:extLst>
+          </p:cNvPr>
+          <p:cNvSpPr>
+            <a:spLocks noGrp="1"/>
+          </p:cNvSpPr>
+          <p:nvPr>
+            <p:ph type="title"/>
+          </p:nvPr>
+        </p:nvSpPr>
+        <p:spPr>
+          <a:xfrm>
+            <a:off x="850185" y="92765"/>
+            <a:ext cx="10353762" cy="1257300"/>
+          </a:xfrm>
+        </p:spPr>
+        <p:txBody>
+          <a:bodyPr>
+            <a:normAutofit/>
+          </a:bodyPr>
+          <a:lstStyle/>
+          <a:p>
+            <a:r>
+              <a:rPr lang="en-US" sz="1800" dirty="0">
+                <a:effectLst/>
+                <a:latin typeface="Aptos" panose="020B0004020202020204" pitchFamily="34" charset="0"/>
+                <a:ea typeface="Aptos" panose="020B0004020202020204" pitchFamily="34" charset="0"/>
+                <a:cs typeface="Times New Roman" panose="02020603050405020304" pitchFamily="18" charset="0"/>
+              </a:rPr>
+              <a:t>Bar Chart of Quality Score with trend line of Amount Produced</a:t>
+            </a:r>
+            <a:endParaRPr lang="en-US" sz="2400" dirty="0"/>
+          </a:p>
+        </p:txBody>
+      </p:sp>
+      <p:sp>
+        <p:nvSpPr>
+          <p:cNvPr id="5" name="TextBox 4">
+            <a:extLst>
+              <a:ext uri="{FF2B5EF4-FFF2-40B4-BE49-F238E27FC236}">
+                <a16:creationId xmlns:a16="http://schemas.microsoft.com/office/drawing/2014/main" id="{D1E369A4-07E9-E30A-5237-6149C7EAC6BF}"/>
+              </a:ext>
+            </a:extLst>
+          </p:cNvPr>
+          <p:cNvSpPr txBox="1"/>
+          <p:nvPr/>
+        </p:nvSpPr>
+        <p:spPr>
+          <a:xfrm>
+            <a:off x="457201" y="5033279"/>
+            <a:ext cx="11168742" cy="971292"/>
+          </a:xfrm>
+          <a:prstGeom prst="rect">
+            <a:avLst/>
+          </a:prstGeom>
+          <a:noFill/>
+        </p:spPr>
+        <p:txBody>
+          <a:bodyPr wrap="square" rtlCol="0">
+            <a:spAutoFit/>
+          </a:bodyPr>
+          <a:lstStyle/>
+          <a:p>
+            <a:pPr marL="342900" marR="0" lvl="0" indent="-342900">
+              <a:lnSpc>
+                <a:spcPct val="107000"/>
+              </a:lnSpc>
+              <a:spcBef>
+                <a:spcPts val="0"/>
+              </a:spcBef>
+              <a:spcAft>
+                <a:spcPts val="800"/>
+              </a:spcAft>
+              <a:buFont typeface="Aptos" panose="020B0004020202020204" pitchFamily="34" charset="0"/>
+              <a:buChar char="-"/>
+            </a:pPr>
+            <a:r>
+              <a:rPr lang="en-US" sz="1800" kern="100" dirty="0">
+                <a:effectLst/>
+                <a:latin typeface="Aptos" panose="020B0004020202020204" pitchFamily="34" charset="0"/>
+                <a:ea typeface="Aptos" panose="020B0004020202020204" pitchFamily="34" charset="0"/>
+                <a:cs typeface="Times New Roman" panose="02020603050405020304" pitchFamily="18" charset="0"/>
+              </a:rPr>
+              <a:t>This bar chart with a trend line demonstrates the answer to the question. Brazil Columbia and Indonesia top three producers with Malawi, Haiti, and Panama bottom three. That said the bars behind the trendline show that there really is no difference between Countries when it comes to Score for Quality. </a:t>
+            </a:r>
+          </a:p>
+        </p:txBody>
+      </p:sp>
+      <p:pic>
+        <p:nvPicPr>
+          <p:cNvPr id="6" name="Picture 5" descr="A blue graph with text&#10;&#10;Description automatically generated with medium confidence">
+            <a:extLst>
+              <a:ext uri="{FF2B5EF4-FFF2-40B4-BE49-F238E27FC236}">
+                <a16:creationId xmlns:a16="http://schemas.microsoft.com/office/drawing/2014/main" id="{AADCB2F2-BCA8-887E-9130-DF47FA922516}"/>
+              </a:ext>
+            </a:extLst>
+          </p:cNvPr>
+          <p:cNvPicPr>
+            <a:picLocks noChangeAspect="1"/>
+          </p:cNvPicPr>
+          <p:nvPr/>
+        </p:nvPicPr>
+        <p:blipFill>
+          <a:blip r:embed="rId2">
+            <a:extLst>
+              <a:ext uri="{28A0092B-C50C-407E-A947-70E740481C1C}">
+                <a14:useLocalDpi xmlns:a14="http://schemas.microsoft.com/office/drawing/2010/main" val="0"/>
+              </a:ext>
+            </a:extLst>
+          </a:blip>
+          <a:stretch>
+            <a:fillRect/>
+          </a:stretch>
+        </p:blipFill>
+        <p:spPr>
+          <a:xfrm>
+            <a:off x="1849770" y="1518095"/>
+            <a:ext cx="8354591" cy="2724530"/>
+          </a:xfrm>
+          <a:prstGeom prst="rect">
+            <a:avLst/>
+          </a:prstGeom>
+        </p:spPr>
+      </p:pic>
+    </p:spTree>
+    <p:extLst>
+      <p:ext uri="{BB962C8B-B14F-4D97-AF65-F5344CB8AC3E}">
+        <p14:creationId xmlns:p14="http://schemas.microsoft.com/office/powerpoint/2010/main" val="312514768"/>
+      </p:ext>
+    </p:extLst>
+  </p:cSld>
+  <p:clrMapOvr>
+    <a:masterClrMapping/>
+  </p:clrMapOvr>
+</p:sld>
+</file>
+
+<file path=ppt/slides/slide17.xml><?xml version="1.0" encoding="utf-8"?>
+<p:sld xmlns:a="http://schemas.openxmlformats.org/drawingml/2006/main" xmlns:r="http://schemas.openxmlformats.org/officeDocument/2006/relationships" xmlns:p="http://schemas.openxmlformats.org/presentationml/2006/main">
+  <p:cSld>
+    <p:spTree>
+      <p:nvGrpSpPr>
+        <p:cNvPr id="1" name=""/>
+        <p:cNvGrpSpPr/>
+        <p:nvPr/>
+      </p:nvGrpSpPr>
+      <p:grpSpPr>
+        <a:xfrm>
+          <a:off x="0" y="0"/>
+          <a:ext cx="0" cy="0"/>
+          <a:chOff x="0" y="0"/>
+          <a:chExt cx="0" cy="0"/>
+        </a:xfrm>
+      </p:grpSpPr>
+      <p:sp>
+        <p:nvSpPr>
+          <p:cNvPr id="2" name="Title 1">
+            <a:extLst>
+              <a:ext uri="{FF2B5EF4-FFF2-40B4-BE49-F238E27FC236}">
+                <a16:creationId xmlns:a16="http://schemas.microsoft.com/office/drawing/2014/main" id="{4E50B996-81AE-4E75-1F3D-1FBFBC318B4A}"/>
+              </a:ext>
+            </a:extLst>
+          </p:cNvPr>
+          <p:cNvSpPr>
+            <a:spLocks noGrp="1"/>
+          </p:cNvSpPr>
+          <p:nvPr>
+            <p:ph type="title"/>
+          </p:nvPr>
+        </p:nvSpPr>
+        <p:spPr>
+          <a:xfrm>
+            <a:off x="850185" y="92765"/>
+            <a:ext cx="10353762" cy="1257300"/>
+          </a:xfrm>
+        </p:spPr>
+        <p:txBody>
+          <a:bodyPr>
+            <a:normAutofit/>
+          </a:bodyPr>
+          <a:lstStyle/>
+          <a:p>
+            <a:r>
+              <a:rPr lang="en-US" sz="1800" dirty="0">
+                <a:effectLst/>
+                <a:latin typeface="Aptos" panose="020B0004020202020204" pitchFamily="34" charset="0"/>
+                <a:ea typeface="Aptos" panose="020B0004020202020204" pitchFamily="34" charset="0"/>
+                <a:cs typeface="Times New Roman" panose="02020603050405020304" pitchFamily="18" charset="0"/>
+              </a:rPr>
+              <a:t>Answer to question: </a:t>
+            </a:r>
+            <a:br>
+              <a:rPr lang="en-US" sz="1800" dirty="0">
+                <a:effectLst/>
+                <a:latin typeface="Aptos" panose="020B0004020202020204" pitchFamily="34" charset="0"/>
+                <a:ea typeface="Aptos" panose="020B0004020202020204" pitchFamily="34" charset="0"/>
+                <a:cs typeface="Times New Roman" panose="02020603050405020304" pitchFamily="18" charset="0"/>
+              </a:rPr>
+            </a:br>
+            <a:r>
+              <a:rPr lang="en-US" sz="1800" dirty="0">
+                <a:effectLst/>
+                <a:latin typeface="Aptos" panose="020B0004020202020204" pitchFamily="34" charset="0"/>
+                <a:ea typeface="Aptos" panose="020B0004020202020204" pitchFamily="34" charset="0"/>
+                <a:cs typeface="Times New Roman" panose="02020603050405020304" pitchFamily="18" charset="0"/>
+              </a:rPr>
+              <a:t>What countries produce the most coffee and does that affect the quality of coffee produced?</a:t>
+            </a:r>
+            <a:endParaRPr lang="en-US" sz="2400" dirty="0"/>
+          </a:p>
+        </p:txBody>
+      </p:sp>
+      <p:sp>
+        <p:nvSpPr>
+          <p:cNvPr id="5" name="TextBox 4">
+            <a:extLst>
+              <a:ext uri="{FF2B5EF4-FFF2-40B4-BE49-F238E27FC236}">
+                <a16:creationId xmlns:a16="http://schemas.microsoft.com/office/drawing/2014/main" id="{D1E369A4-07E9-E30A-5237-6149C7EAC6BF}"/>
+              </a:ext>
+            </a:extLst>
+          </p:cNvPr>
+          <p:cNvSpPr txBox="1"/>
+          <p:nvPr/>
+        </p:nvSpPr>
+        <p:spPr>
+          <a:xfrm>
+            <a:off x="391886" y="2573383"/>
+            <a:ext cx="11234057" cy="1267655"/>
+          </a:xfrm>
+          <a:prstGeom prst="rect">
+            <a:avLst/>
+          </a:prstGeom>
+          <a:noFill/>
+        </p:spPr>
+        <p:txBody>
+          <a:bodyPr wrap="square" rtlCol="0">
+            <a:spAutoFit/>
+          </a:bodyPr>
+          <a:lstStyle/>
+          <a:p>
+            <a:pPr marL="342900" marR="0" lvl="0" indent="-342900">
+              <a:lnSpc>
+                <a:spcPct val="107000"/>
+              </a:lnSpc>
+              <a:spcBef>
+                <a:spcPts val="0"/>
+              </a:spcBef>
+              <a:spcAft>
+                <a:spcPts val="800"/>
+              </a:spcAft>
+              <a:buFont typeface="Aptos" panose="020B0004020202020204" pitchFamily="34" charset="0"/>
+              <a:buChar char="-"/>
+            </a:pPr>
+            <a:r>
+              <a:rPr lang="en-US" sz="1800" dirty="0">
+                <a:effectLst/>
+                <a:latin typeface="Aptos" panose="020B0004020202020204" pitchFamily="34" charset="0"/>
+                <a:ea typeface="Aptos" panose="020B0004020202020204" pitchFamily="34" charset="0"/>
+                <a:cs typeface="Times New Roman" panose="02020603050405020304" pitchFamily="18" charset="0"/>
+              </a:rPr>
+              <a:t>No, it does not. What countries produce the most coffee and does NOT impact the quality of coffee produced. All of the scores are so closely related it does not appear to influence the quality even where there is a lot more of production of coffee like Brazil, they are still neck and neck with Panama, Haiti, Malawi who have barely any production of coffee in comparison. </a:t>
+            </a:r>
+            <a:endParaRPr lang="en-US" sz="1800" kern="100" dirty="0">
+              <a:effectLst/>
+              <a:latin typeface="Aptos" panose="020B0004020202020204" pitchFamily="34" charset="0"/>
+              <a:ea typeface="Aptos" panose="020B0004020202020204" pitchFamily="34" charset="0"/>
+              <a:cs typeface="Times New Roman" panose="02020603050405020304" pitchFamily="18" charset="0"/>
+            </a:endParaRPr>
+          </a:p>
+        </p:txBody>
+      </p:sp>
+    </p:spTree>
+    <p:extLst>
+      <p:ext uri="{BB962C8B-B14F-4D97-AF65-F5344CB8AC3E}">
+        <p14:creationId xmlns:p14="http://schemas.microsoft.com/office/powerpoint/2010/main" val="1212262085"/>
+      </p:ext>
+    </p:extLst>
+  </p:cSld>
+  <p:clrMapOvr>
+    <a:masterClrMapping/>
+  </p:clrMapOvr>
+</p:sld>
+</file>
+
+<file path=ppt/slides/slide18.xml><?xml version="1.0" encoding="utf-8"?>
+<p:sld xmlns:a="http://schemas.openxmlformats.org/drawingml/2006/main" xmlns:r="http://schemas.openxmlformats.org/officeDocument/2006/relationships" xmlns:p="http://schemas.openxmlformats.org/presentationml/2006/main">
+  <p:cSld>
+    <p:spTree>
+      <p:nvGrpSpPr>
+        <p:cNvPr id="1" name=""/>
+        <p:cNvGrpSpPr/>
+        <p:nvPr/>
+      </p:nvGrpSpPr>
+      <p:grpSpPr>
+        <a:xfrm>
+          <a:off x="0" y="0"/>
+          <a:ext cx="0" cy="0"/>
+          <a:chOff x="0" y="0"/>
+          <a:chExt cx="0" cy="0"/>
+        </a:xfrm>
+      </p:grpSpPr>
+      <p:sp>
+        <p:nvSpPr>
+          <p:cNvPr id="2" name="Title 1">
+            <a:extLst>
+              <a:ext uri="{FF2B5EF4-FFF2-40B4-BE49-F238E27FC236}">
+                <a16:creationId xmlns:a16="http://schemas.microsoft.com/office/drawing/2014/main" id="{4E50B996-81AE-4E75-1F3D-1FBFBC318B4A}"/>
+              </a:ext>
+            </a:extLst>
+          </p:cNvPr>
+          <p:cNvSpPr>
+            <a:spLocks noGrp="1"/>
+          </p:cNvSpPr>
+          <p:nvPr>
+            <p:ph type="title"/>
+          </p:nvPr>
+        </p:nvSpPr>
+        <p:spPr>
+          <a:xfrm>
+            <a:off x="850185" y="92765"/>
+            <a:ext cx="10353762" cy="1257300"/>
+          </a:xfrm>
+        </p:spPr>
+        <p:txBody>
+          <a:bodyPr>
+            <a:normAutofit/>
+          </a:bodyPr>
+          <a:lstStyle/>
+          <a:p>
+            <a:r>
+              <a:rPr lang="en-US" sz="1800" dirty="0">
+                <a:effectLst/>
+                <a:latin typeface="Aptos" panose="020B0004020202020204" pitchFamily="34" charset="0"/>
+                <a:ea typeface="Aptos" panose="020B0004020202020204" pitchFamily="34" charset="0"/>
+                <a:cs typeface="Times New Roman" panose="02020603050405020304" pitchFamily="18" charset="0"/>
+              </a:rPr>
+              <a:t>Placeholder for </a:t>
+            </a:r>
+            <a:r>
+              <a:rPr lang="en-US" sz="1800" dirty="0" err="1">
+                <a:effectLst/>
+                <a:latin typeface="Aptos" panose="020B0004020202020204" pitchFamily="34" charset="0"/>
+                <a:ea typeface="Aptos" panose="020B0004020202020204" pitchFamily="34" charset="0"/>
+                <a:cs typeface="Times New Roman" panose="02020603050405020304" pitchFamily="18" charset="0"/>
+              </a:rPr>
+              <a:t>comsumption</a:t>
+            </a:r>
+            <a:endParaRPr lang="en-US" sz="2400" dirty="0"/>
+          </a:p>
+        </p:txBody>
+      </p:sp>
+      <p:sp>
+        <p:nvSpPr>
+          <p:cNvPr id="5" name="TextBox 4">
+            <a:extLst>
+              <a:ext uri="{FF2B5EF4-FFF2-40B4-BE49-F238E27FC236}">
+                <a16:creationId xmlns:a16="http://schemas.microsoft.com/office/drawing/2014/main" id="{D1E369A4-07E9-E30A-5237-6149C7EAC6BF}"/>
+              </a:ext>
+            </a:extLst>
+          </p:cNvPr>
+          <p:cNvSpPr txBox="1"/>
+          <p:nvPr/>
+        </p:nvSpPr>
+        <p:spPr>
+          <a:xfrm>
+            <a:off x="391886" y="2573383"/>
+            <a:ext cx="11234057" cy="1267655"/>
+          </a:xfrm>
+          <a:prstGeom prst="rect">
+            <a:avLst/>
+          </a:prstGeom>
+          <a:noFill/>
+        </p:spPr>
+        <p:txBody>
+          <a:bodyPr wrap="square" rtlCol="0">
+            <a:spAutoFit/>
+          </a:bodyPr>
+          <a:lstStyle/>
+          <a:p>
+            <a:pPr marL="342900" marR="0" lvl="0" indent="-342900">
+              <a:lnSpc>
+                <a:spcPct val="107000"/>
+              </a:lnSpc>
+              <a:spcBef>
+                <a:spcPts val="0"/>
+              </a:spcBef>
+              <a:spcAft>
+                <a:spcPts val="800"/>
+              </a:spcAft>
+              <a:buFont typeface="Aptos" panose="020B0004020202020204" pitchFamily="34" charset="0"/>
+              <a:buChar char="-"/>
+            </a:pPr>
+            <a:r>
+              <a:rPr lang="en-US" sz="1800" dirty="0">
+                <a:effectLst/>
+                <a:latin typeface="Aptos" panose="020B0004020202020204" pitchFamily="34" charset="0"/>
+                <a:ea typeface="Aptos" panose="020B0004020202020204" pitchFamily="34" charset="0"/>
+                <a:cs typeface="Times New Roman" panose="02020603050405020304" pitchFamily="18" charset="0"/>
+              </a:rPr>
+              <a:t>No, it does not. What countries produce the most coffee and does NOT impact the quality of coffee produced. All of the scores are so closely related it does not appear to influence the quality even where there is a lot more of production of coffee like Brazil, they are still neck and neck with Panama, Haiti, Malawi who have barely any production of coffee in comparison. </a:t>
+            </a:r>
+            <a:endParaRPr lang="en-US" sz="1800" kern="100" dirty="0">
+              <a:effectLst/>
+              <a:latin typeface="Aptos" panose="020B0004020202020204" pitchFamily="34" charset="0"/>
+              <a:ea typeface="Aptos" panose="020B0004020202020204" pitchFamily="34" charset="0"/>
+              <a:cs typeface="Times New Roman" panose="02020603050405020304" pitchFamily="18" charset="0"/>
+            </a:endParaRPr>
+          </a:p>
+        </p:txBody>
+      </p:sp>
+    </p:spTree>
+    <p:extLst>
+      <p:ext uri="{BB962C8B-B14F-4D97-AF65-F5344CB8AC3E}">
+        <p14:creationId xmlns:p14="http://schemas.microsoft.com/office/powerpoint/2010/main" val="2874767483"/>
+      </p:ext>
+    </p:extLst>
+  </p:cSld>
+  <p:clrMapOvr>
+    <a:masterClrMapping/>
+  </p:clrMapOvr>
+</p:sld>
+</file>
+
 <file path=ppt/slides/slide2.xml><?xml version="1.0" encoding="utf-8"?>
 <p:sld xmlns:a="http://schemas.openxmlformats.org/drawingml/2006/main" xmlns:r="http://schemas.openxmlformats.org/officeDocument/2006/relationships" xmlns:p="http://schemas.openxmlformats.org/presentationml/2006/main">
   <p:cSld>
@@ -6570,21 +7849,7 @@
                 <a:effectLst/>
                 <a:latin typeface="Times New Roman" panose="02020603050405020304" pitchFamily="18" charset="0"/>
               </a:rPr>
-              <a:t>· What countries consume the most coffee? Does the amount of coffee tha</a:t>
-            </a:r>
-            <a:r>
-              <a:rPr lang="en-US" dirty="0">
-                <a:effectLst/>
-                <a:latin typeface="Times New Roman" panose="02020603050405020304" pitchFamily="18" charset="0"/>
-              </a:rPr>
-              <a:t>t is</a:t>
-            </a:r>
-            <a:r>
-              <a:rPr lang="en-US" b="0" i="0" dirty="0">
-                <a:effectLst/>
-                <a:latin typeface="Times New Roman" panose="02020603050405020304" pitchFamily="18" charset="0"/>
-              </a:rPr>
-              <a:t> produced influence consumption?</a:t>
+              <a:t>· What countries consume the most coffee? Does the amount of coffee produced influence consumption?</a:t>
             </a:r>
           </a:p>
           <a:p>
@@ -7154,6 +8419,206 @@
     <p:extLst>
       <p:ext uri="{BB962C8B-B14F-4D97-AF65-F5344CB8AC3E}">
         <p14:creationId xmlns:p14="http://schemas.microsoft.com/office/powerpoint/2010/main" val="3574798070"/>
+      </p:ext>
+    </p:extLst>
+  </p:cSld>
+  <p:clrMapOvr>
+    <a:masterClrMapping/>
+  </p:clrMapOvr>
+</p:sld>
+</file>
+
+<file path=ppt/slides/slide8.xml><?xml version="1.0" encoding="utf-8"?>
+<p:sld xmlns:a="http://schemas.openxmlformats.org/drawingml/2006/main" xmlns:r="http://schemas.openxmlformats.org/officeDocument/2006/relationships" xmlns:p="http://schemas.openxmlformats.org/presentationml/2006/main">
+  <p:cSld>
+    <p:spTree>
+      <p:nvGrpSpPr>
+        <p:cNvPr id="1" name=""/>
+        <p:cNvGrpSpPr/>
+        <p:nvPr/>
+      </p:nvGrpSpPr>
+      <p:grpSpPr>
+        <a:xfrm>
+          <a:off x="0" y="0"/>
+          <a:ext cx="0" cy="0"/>
+          <a:chOff x="0" y="0"/>
+          <a:chExt cx="0" cy="0"/>
+        </a:xfrm>
+      </p:grpSpPr>
+      <p:sp>
+        <p:nvSpPr>
+          <p:cNvPr id="2" name="Title 1">
+            <a:extLst>
+              <a:ext uri="{FF2B5EF4-FFF2-40B4-BE49-F238E27FC236}">
+                <a16:creationId xmlns:a16="http://schemas.microsoft.com/office/drawing/2014/main" id="{4E50B996-81AE-4E75-1F3D-1FBFBC318B4A}"/>
+              </a:ext>
+            </a:extLst>
+          </p:cNvPr>
+          <p:cNvSpPr>
+            <a:spLocks noGrp="1"/>
+          </p:cNvSpPr>
+          <p:nvPr>
+            <p:ph type="title"/>
+          </p:nvPr>
+        </p:nvSpPr>
+        <p:spPr>
+          <a:xfrm>
+            <a:off x="850185" y="92765"/>
+            <a:ext cx="10353762" cy="1257300"/>
+          </a:xfrm>
+        </p:spPr>
+        <p:txBody>
+          <a:bodyPr>
+            <a:normAutofit/>
+          </a:bodyPr>
+          <a:lstStyle/>
+          <a:p>
+            <a:r>
+              <a:rPr lang="en-US" sz="2400" dirty="0"/>
+              <a:t>Mitch section space holder</a:t>
+            </a:r>
+          </a:p>
+        </p:txBody>
+      </p:sp>
+      <p:sp>
+        <p:nvSpPr>
+          <p:cNvPr id="5" name="TextBox 4">
+            <a:extLst>
+              <a:ext uri="{FF2B5EF4-FFF2-40B4-BE49-F238E27FC236}">
+                <a16:creationId xmlns:a16="http://schemas.microsoft.com/office/drawing/2014/main" id="{D1E369A4-07E9-E30A-5237-6149C7EAC6BF}"/>
+              </a:ext>
+            </a:extLst>
+          </p:cNvPr>
+          <p:cNvSpPr txBox="1"/>
+          <p:nvPr/>
+        </p:nvSpPr>
+        <p:spPr>
+          <a:xfrm>
+            <a:off x="1025718" y="5701085"/>
+            <a:ext cx="10861482" cy="954107"/>
+          </a:xfrm>
+          <a:prstGeom prst="rect">
+            <a:avLst/>
+          </a:prstGeom>
+          <a:noFill/>
+        </p:spPr>
+        <p:txBody>
+          <a:bodyPr wrap="square" rtlCol="0">
+            <a:spAutoFit/>
+          </a:bodyPr>
+          <a:lstStyle/>
+          <a:p>
+            <a:r>
+              <a:rPr lang="en-US" sz="1400" dirty="0"/>
+              <a:t>Comments on Avg Annual Rainfall vs quality of coffee : Here, the null hypothesis is that coffee quality and avg rainfall among the coffee producing countries have nothing to do with one another. The p value turns out to be about 0.15, so we cannot reject this null hypothesis. Most coffee producing regions do get significant rainfall, but the variance within this group of coffee producing nations does not appear to significantly affect the quality of coffee produced. </a:t>
+            </a:r>
+          </a:p>
+        </p:txBody>
+      </p:sp>
+    </p:spTree>
+    <p:extLst>
+      <p:ext uri="{BB962C8B-B14F-4D97-AF65-F5344CB8AC3E}">
+        <p14:creationId xmlns:p14="http://schemas.microsoft.com/office/powerpoint/2010/main" val="1286670627"/>
+      </p:ext>
+    </p:extLst>
+  </p:cSld>
+  <p:clrMapOvr>
+    <a:masterClrMapping/>
+  </p:clrMapOvr>
+</p:sld>
+</file>
+
+<file path=ppt/slides/slide9.xml><?xml version="1.0" encoding="utf-8"?>
+<p:sld xmlns:a="http://schemas.openxmlformats.org/drawingml/2006/main" xmlns:r="http://schemas.openxmlformats.org/officeDocument/2006/relationships" xmlns:p="http://schemas.openxmlformats.org/presentationml/2006/main">
+  <p:cSld>
+    <p:spTree>
+      <p:nvGrpSpPr>
+        <p:cNvPr id="1" name=""/>
+        <p:cNvGrpSpPr/>
+        <p:nvPr/>
+      </p:nvGrpSpPr>
+      <p:grpSpPr>
+        <a:xfrm>
+          <a:off x="0" y="0"/>
+          <a:ext cx="0" cy="0"/>
+          <a:chOff x="0" y="0"/>
+          <a:chExt cx="0" cy="0"/>
+        </a:xfrm>
+      </p:grpSpPr>
+      <p:sp>
+        <p:nvSpPr>
+          <p:cNvPr id="2" name="Title 1">
+            <a:extLst>
+              <a:ext uri="{FF2B5EF4-FFF2-40B4-BE49-F238E27FC236}">
+                <a16:creationId xmlns:a16="http://schemas.microsoft.com/office/drawing/2014/main" id="{4E50B996-81AE-4E75-1F3D-1FBFBC318B4A}"/>
+              </a:ext>
+            </a:extLst>
+          </p:cNvPr>
+          <p:cNvSpPr>
+            <a:spLocks noGrp="1"/>
+          </p:cNvSpPr>
+          <p:nvPr>
+            <p:ph type="title"/>
+          </p:nvPr>
+        </p:nvSpPr>
+        <p:spPr>
+          <a:xfrm>
+            <a:off x="850185" y="92765"/>
+            <a:ext cx="10353762" cy="1257300"/>
+          </a:xfrm>
+        </p:spPr>
+        <p:txBody>
+          <a:bodyPr>
+            <a:normAutofit/>
+          </a:bodyPr>
+          <a:lstStyle/>
+          <a:p>
+            <a:r>
+              <a:rPr lang="en-US" sz="2400" dirty="0"/>
+              <a:t>Mitch section space holder</a:t>
+            </a:r>
+          </a:p>
+        </p:txBody>
+      </p:sp>
+      <p:sp>
+        <p:nvSpPr>
+          <p:cNvPr id="5" name="TextBox 4">
+            <a:extLst>
+              <a:ext uri="{FF2B5EF4-FFF2-40B4-BE49-F238E27FC236}">
+                <a16:creationId xmlns:a16="http://schemas.microsoft.com/office/drawing/2014/main" id="{D1E369A4-07E9-E30A-5237-6149C7EAC6BF}"/>
+              </a:ext>
+            </a:extLst>
+          </p:cNvPr>
+          <p:cNvSpPr txBox="1"/>
+          <p:nvPr/>
+        </p:nvSpPr>
+        <p:spPr>
+          <a:xfrm>
+            <a:off x="1025718" y="5701085"/>
+            <a:ext cx="10861482" cy="954107"/>
+          </a:xfrm>
+          <a:prstGeom prst="rect">
+            <a:avLst/>
+          </a:prstGeom>
+          <a:noFill/>
+        </p:spPr>
+        <p:txBody>
+          <a:bodyPr wrap="square" rtlCol="0">
+            <a:spAutoFit/>
+          </a:bodyPr>
+          <a:lstStyle/>
+          <a:p>
+            <a:r>
+              <a:rPr lang="en-US" sz="1400" dirty="0"/>
+              <a:t>Comments on Avg Annual Rainfall vs quality of coffee : Here, the null hypothesis is that coffee quality and avg rainfall among the coffee producing countries have nothing to do with one another. The p value turns out to be about 0.15, so we cannot reject this null hypothesis. Most coffee producing regions do get significant rainfall, but the variance within this group of coffee producing nations does not appear to significantly affect the quality of coffee produced. </a:t>
+            </a:r>
+          </a:p>
+        </p:txBody>
+      </p:sp>
+    </p:spTree>
+    <p:extLst>
+      <p:ext uri="{BB962C8B-B14F-4D97-AF65-F5344CB8AC3E}">
+        <p14:creationId xmlns:p14="http://schemas.microsoft.com/office/powerpoint/2010/main" val="2889487596"/>
       </p:ext>
     </p:extLst>
   </p:cSld>

--- a/A Study of Coffee Production.pptx
+++ b/A Study of Coffee Production.pptx
@@ -6394,6 +6394,42 @@
           </a:p>
         </p:txBody>
       </p:sp>
+      <p:pic>
+        <p:nvPicPr>
+          <p:cNvPr id="4" name="Picture 3" descr="A graph of blue bars&#10;&#10;Description automatically generated with medium confidence">
+            <a:extLst>
+              <a:ext uri="{FF2B5EF4-FFF2-40B4-BE49-F238E27FC236}">
+                <a16:creationId xmlns:a16="http://schemas.microsoft.com/office/drawing/2014/main" id="{CA3824BC-7F23-DA7C-B839-4D99FB29C027}"/>
+              </a:ext>
+            </a:extLst>
+          </p:cNvPr>
+          <p:cNvPicPr>
+            <a:picLocks noChangeAspect="1"/>
+          </p:cNvPicPr>
+          <p:nvPr/>
+        </p:nvPicPr>
+        <p:blipFill>
+          <a:blip r:embed="rId2">
+            <a:extLst>
+              <a:ext uri="{28A0092B-C50C-407E-A947-70E740481C1C}">
+                <a14:useLocalDpi xmlns:a14="http://schemas.microsoft.com/office/drawing/2010/main" val="0"/>
+              </a:ext>
+            </a:extLst>
+          </a:blip>
+          <a:stretch>
+            <a:fillRect/>
+          </a:stretch>
+        </p:blipFill>
+        <p:spPr>
+          <a:xfrm>
+            <a:off x="1523991" y="92765"/>
+            <a:ext cx="9144018" cy="5486411"/>
+          </a:xfrm>
+          <a:prstGeom prst="rect">
+            <a:avLst/>
+          </a:prstGeom>
+        </p:spPr>
+      </p:pic>
     </p:spTree>
     <p:extLst>
       <p:ext uri="{BB962C8B-B14F-4D97-AF65-F5344CB8AC3E}">
@@ -6494,6 +6530,42 @@
           </a:p>
         </p:txBody>
       </p:sp>
+      <p:pic>
+        <p:nvPicPr>
+          <p:cNvPr id="4" name="Picture 3" descr="A graph of blue lines&#10;&#10;Description automatically generated with medium confidence">
+            <a:extLst>
+              <a:ext uri="{FF2B5EF4-FFF2-40B4-BE49-F238E27FC236}">
+                <a16:creationId xmlns:a16="http://schemas.microsoft.com/office/drawing/2014/main" id="{44AB07C4-60B6-9676-3E46-A6D4E22F4DD0}"/>
+              </a:ext>
+            </a:extLst>
+          </p:cNvPr>
+          <p:cNvPicPr>
+            <a:picLocks noChangeAspect="1"/>
+          </p:cNvPicPr>
+          <p:nvPr/>
+        </p:nvPicPr>
+        <p:blipFill>
+          <a:blip r:embed="rId2">
+            <a:extLst>
+              <a:ext uri="{28A0092B-C50C-407E-A947-70E740481C1C}">
+                <a14:useLocalDpi xmlns:a14="http://schemas.microsoft.com/office/drawing/2010/main" val="0"/>
+              </a:ext>
+            </a:extLst>
+          </a:blip>
+          <a:stretch>
+            <a:fillRect/>
+          </a:stretch>
+        </p:blipFill>
+        <p:spPr>
+          <a:xfrm>
+            <a:off x="1379135" y="92765"/>
+            <a:ext cx="9144018" cy="5486411"/>
+          </a:xfrm>
+          <a:prstGeom prst="rect">
+            <a:avLst/>
+          </a:prstGeom>
+        </p:spPr>
+      </p:pic>
     </p:spTree>
     <p:extLst>
       <p:ext uri="{BB962C8B-B14F-4D97-AF65-F5344CB8AC3E}">
@@ -8473,10 +8545,7 @@
           </a:bodyPr>
           <a:lstStyle/>
           <a:p>
-            <a:r>
-              <a:rPr lang="en-US" sz="2400" dirty="0"/>
-              <a:t>Mitch section space holder</a:t>
-            </a:r>
+            <a:endParaRPr lang="en-US" sz="2400" dirty="0"/>
           </a:p>
         </p:txBody>
       </p:sp>
@@ -8515,6 +8584,42 @@
           </a:p>
         </p:txBody>
       </p:sp>
+      <p:pic>
+        <p:nvPicPr>
+          <p:cNvPr id="8" name="Picture 7" descr="A graph of a number of people&#10;&#10;Description automatically generated with medium confidence">
+            <a:extLst>
+              <a:ext uri="{FF2B5EF4-FFF2-40B4-BE49-F238E27FC236}">
+                <a16:creationId xmlns:a16="http://schemas.microsoft.com/office/drawing/2014/main" id="{446537D7-2511-2E0B-C626-632368134CD1}"/>
+              </a:ext>
+            </a:extLst>
+          </p:cNvPr>
+          <p:cNvPicPr>
+            <a:picLocks noChangeAspect="1"/>
+          </p:cNvPicPr>
+          <p:nvPr/>
+        </p:nvPicPr>
+        <p:blipFill>
+          <a:blip r:embed="rId2">
+            <a:extLst>
+              <a:ext uri="{28A0092B-C50C-407E-A947-70E740481C1C}">
+                <a14:useLocalDpi xmlns:a14="http://schemas.microsoft.com/office/drawing/2010/main" val="0"/>
+              </a:ext>
+            </a:extLst>
+          </a:blip>
+          <a:stretch>
+            <a:fillRect/>
+          </a:stretch>
+        </p:blipFill>
+        <p:spPr>
+          <a:xfrm>
+            <a:off x="1900596" y="347929"/>
+            <a:ext cx="8112536" cy="5125615"/>
+          </a:xfrm>
+          <a:prstGeom prst="rect">
+            <a:avLst/>
+          </a:prstGeom>
+        </p:spPr>
+      </p:pic>
     </p:spTree>
     <p:extLst>
       <p:ext uri="{BB962C8B-B14F-4D97-AF65-F5344CB8AC3E}">
@@ -8545,6 +8650,42 @@
           <a:chExt cx="0" cy="0"/>
         </a:xfrm>
       </p:grpSpPr>
+      <p:pic>
+        <p:nvPicPr>
+          <p:cNvPr id="7" name="Picture 6" descr="A graph of blue rectangular bars&#10;&#10;Description automatically generated with medium confidence">
+            <a:extLst>
+              <a:ext uri="{FF2B5EF4-FFF2-40B4-BE49-F238E27FC236}">
+                <a16:creationId xmlns:a16="http://schemas.microsoft.com/office/drawing/2014/main" id="{BCD64477-8F48-5A71-0852-94D56F73196C}"/>
+              </a:ext>
+            </a:extLst>
+          </p:cNvPr>
+          <p:cNvPicPr>
+            <a:picLocks noChangeAspect="1"/>
+          </p:cNvPicPr>
+          <p:nvPr/>
+        </p:nvPicPr>
+        <p:blipFill>
+          <a:blip r:embed="rId2">
+            <a:extLst>
+              <a:ext uri="{28A0092B-C50C-407E-A947-70E740481C1C}">
+                <a14:useLocalDpi xmlns:a14="http://schemas.microsoft.com/office/drawing/2010/main" val="0"/>
+              </a:ext>
+            </a:extLst>
+          </a:blip>
+          <a:stretch>
+            <a:fillRect/>
+          </a:stretch>
+        </p:blipFill>
+        <p:spPr>
+          <a:xfrm>
+            <a:off x="1523991" y="0"/>
+            <a:ext cx="9144018" cy="5701085"/>
+          </a:xfrm>
+          <a:prstGeom prst="rect">
+            <a:avLst/>
+          </a:prstGeom>
+        </p:spPr>
+      </p:pic>
       <p:sp>
         <p:nvSpPr>
           <p:cNvPr id="2" name="Title 1">
@@ -8573,10 +8714,7 @@
           </a:bodyPr>
           <a:lstStyle/>
           <a:p>
-            <a:r>
-              <a:rPr lang="en-US" sz="2400" dirty="0"/>
-              <a:t>Mitch section space holder</a:t>
-            </a:r>
+            <a:endParaRPr lang="en-US" sz="2400" dirty="0"/>
           </a:p>
         </p:txBody>
       </p:sp>

--- a/A Study of Coffee Production.pptx
+++ b/A Study of Coffee Production.pptx
@@ -8,21 +8,26 @@
     <p:sldId id="259" r:id="rId2"/>
     <p:sldId id="258" r:id="rId3"/>
     <p:sldId id="260" r:id="rId4"/>
-    <p:sldId id="261" r:id="rId5"/>
+    <p:sldId id="279" r:id="rId5"/>
     <p:sldId id="262" r:id="rId6"/>
     <p:sldId id="263" r:id="rId7"/>
     <p:sldId id="264" r:id="rId8"/>
-    <p:sldId id="269" r:id="rId9"/>
-    <p:sldId id="274" r:id="rId10"/>
-    <p:sldId id="275" r:id="rId11"/>
-    <p:sldId id="273" r:id="rId12"/>
-    <p:sldId id="265" r:id="rId13"/>
-    <p:sldId id="266" r:id="rId14"/>
-    <p:sldId id="267" r:id="rId15"/>
-    <p:sldId id="268" r:id="rId16"/>
-    <p:sldId id="270" r:id="rId17"/>
-    <p:sldId id="271" r:id="rId18"/>
-    <p:sldId id="272" r:id="rId19"/>
+    <p:sldId id="281" r:id="rId9"/>
+    <p:sldId id="269" r:id="rId10"/>
+    <p:sldId id="274" r:id="rId11"/>
+    <p:sldId id="275" r:id="rId12"/>
+    <p:sldId id="273" r:id="rId13"/>
+    <p:sldId id="280" r:id="rId14"/>
+    <p:sldId id="265" r:id="rId15"/>
+    <p:sldId id="266" r:id="rId16"/>
+    <p:sldId id="267" r:id="rId17"/>
+    <p:sldId id="268" r:id="rId18"/>
+    <p:sldId id="270" r:id="rId19"/>
+    <p:sldId id="278" r:id="rId20"/>
+    <p:sldId id="271" r:id="rId21"/>
+    <p:sldId id="272" r:id="rId22"/>
+    <p:sldId id="276" r:id="rId23"/>
+    <p:sldId id="277" r:id="rId24"/>
   </p:sldIdLst>
   <p:sldSz cx="12192000" cy="6858000"/>
   <p:notesSz cx="6858000" cy="9144000"/>
@@ -6324,6 +6329,42 @@
           <a:chExt cx="0" cy="0"/>
         </a:xfrm>
       </p:grpSpPr>
+      <p:pic>
+        <p:nvPicPr>
+          <p:cNvPr id="7" name="Picture 6" descr="A graph of blue rectangular bars&#10;&#10;Description automatically generated with medium confidence">
+            <a:extLst>
+              <a:ext uri="{FF2B5EF4-FFF2-40B4-BE49-F238E27FC236}">
+                <a16:creationId xmlns:a16="http://schemas.microsoft.com/office/drawing/2014/main" id="{BCD64477-8F48-5A71-0852-94D56F73196C}"/>
+              </a:ext>
+            </a:extLst>
+          </p:cNvPr>
+          <p:cNvPicPr>
+            <a:picLocks noChangeAspect="1"/>
+          </p:cNvPicPr>
+          <p:nvPr/>
+        </p:nvPicPr>
+        <p:blipFill>
+          <a:blip r:embed="rId2">
+            <a:extLst>
+              <a:ext uri="{28A0092B-C50C-407E-A947-70E740481C1C}">
+                <a14:useLocalDpi xmlns:a14="http://schemas.microsoft.com/office/drawing/2010/main" val="0"/>
+              </a:ext>
+            </a:extLst>
+          </a:blip>
+          <a:stretch>
+            <a:fillRect/>
+          </a:stretch>
+        </p:blipFill>
+        <p:spPr>
+          <a:xfrm>
+            <a:off x="2610390" y="1350065"/>
+            <a:ext cx="6971220" cy="4346395"/>
+          </a:xfrm>
+          <a:prstGeom prst="rect">
+            <a:avLst/>
+          </a:prstGeom>
+        </p:spPr>
+      </p:pic>
       <p:sp>
         <p:nvSpPr>
           <p:cNvPr id="2" name="Title 1">
@@ -6353,9 +6394,23 @@
           <a:lstStyle/>
           <a:p>
             <a:r>
-              <a:rPr lang="en-US" sz="2400" dirty="0"/>
-              <a:t>Mitch section space holder</a:t>
-            </a:r>
+              <a:rPr lang="en-US" sz="2000" dirty="0">
+                <a:effectLst/>
+                <a:latin typeface="Calibri" panose="020F0502020204030204" pitchFamily="34" charset="0"/>
+                <a:ea typeface="Calibri" panose="020F0502020204030204" pitchFamily="34" charset="0"/>
+                <a:cs typeface="Times New Roman" panose="02020603050405020304" pitchFamily="18" charset="0"/>
+              </a:rPr>
+              <a:t>Total Max Production By Country</a:t>
+            </a:r>
+            <a:br>
+              <a:rPr lang="en-US" sz="1800" dirty="0">
+                <a:effectLst/>
+                <a:latin typeface="Calibri" panose="020F0502020204030204" pitchFamily="34" charset="0"/>
+                <a:ea typeface="Calibri" panose="020F0502020204030204" pitchFamily="34" charset="0"/>
+                <a:cs typeface="Times New Roman" panose="02020603050405020304" pitchFamily="18" charset="0"/>
+              </a:rPr>
+            </a:br>
+            <a:endParaRPr lang="en-US" sz="2400" dirty="0"/>
           </a:p>
         </p:txBody>
       </p:sp>
@@ -6397,7 +6452,7 @@
     </p:spTree>
     <p:extLst>
       <p:ext uri="{BB962C8B-B14F-4D97-AF65-F5344CB8AC3E}">
-        <p14:creationId xmlns:p14="http://schemas.microsoft.com/office/powerpoint/2010/main" val="2406737080"/>
+        <p14:creationId xmlns:p14="http://schemas.microsoft.com/office/powerpoint/2010/main" val="2889487596"/>
       </p:ext>
     </p:extLst>
   </p:cSld>
@@ -6494,10 +6549,46 @@
           </a:p>
         </p:txBody>
       </p:sp>
+      <p:pic>
+        <p:nvPicPr>
+          <p:cNvPr id="4" name="Picture 3" descr="A graph of blue bars&#10;&#10;Description automatically generated with medium confidence">
+            <a:extLst>
+              <a:ext uri="{FF2B5EF4-FFF2-40B4-BE49-F238E27FC236}">
+                <a16:creationId xmlns:a16="http://schemas.microsoft.com/office/drawing/2014/main" id="{CA3824BC-7F23-DA7C-B839-4D99FB29C027}"/>
+              </a:ext>
+            </a:extLst>
+          </p:cNvPr>
+          <p:cNvPicPr>
+            <a:picLocks noChangeAspect="1"/>
+          </p:cNvPicPr>
+          <p:nvPr/>
+        </p:nvPicPr>
+        <p:blipFill>
+          <a:blip r:embed="rId2">
+            <a:extLst>
+              <a:ext uri="{28A0092B-C50C-407E-A947-70E740481C1C}">
+                <a14:useLocalDpi xmlns:a14="http://schemas.microsoft.com/office/drawing/2010/main" val="0"/>
+              </a:ext>
+            </a:extLst>
+          </a:blip>
+          <a:stretch>
+            <a:fillRect/>
+          </a:stretch>
+        </p:blipFill>
+        <p:spPr>
+          <a:xfrm>
+            <a:off x="1523991" y="92765"/>
+            <a:ext cx="9144018" cy="5486411"/>
+          </a:xfrm>
+          <a:prstGeom prst="rect">
+            <a:avLst/>
+          </a:prstGeom>
+        </p:spPr>
+      </p:pic>
     </p:spTree>
     <p:extLst>
       <p:ext uri="{BB962C8B-B14F-4D97-AF65-F5344CB8AC3E}">
-        <p14:creationId xmlns:p14="http://schemas.microsoft.com/office/powerpoint/2010/main" val="2762001895"/>
+        <p14:creationId xmlns:p14="http://schemas.microsoft.com/office/powerpoint/2010/main" val="2406737080"/>
       </p:ext>
     </p:extLst>
   </p:cSld>
@@ -6553,6 +6644,272 @@
           <a:lstStyle/>
           <a:p>
             <a:r>
+              <a:rPr lang="en-US" sz="2400" dirty="0"/>
+              <a:t>Mitch section space holder</a:t>
+            </a:r>
+          </a:p>
+        </p:txBody>
+      </p:sp>
+      <p:sp>
+        <p:nvSpPr>
+          <p:cNvPr id="5" name="TextBox 4">
+            <a:extLst>
+              <a:ext uri="{FF2B5EF4-FFF2-40B4-BE49-F238E27FC236}">
+                <a16:creationId xmlns:a16="http://schemas.microsoft.com/office/drawing/2014/main" id="{D1E369A4-07E9-E30A-5237-6149C7EAC6BF}"/>
+              </a:ext>
+            </a:extLst>
+          </p:cNvPr>
+          <p:cNvSpPr txBox="1"/>
+          <p:nvPr/>
+        </p:nvSpPr>
+        <p:spPr>
+          <a:xfrm>
+            <a:off x="1025718" y="5701085"/>
+            <a:ext cx="10861482" cy="954107"/>
+          </a:xfrm>
+          <a:prstGeom prst="rect">
+            <a:avLst/>
+          </a:prstGeom>
+          <a:noFill/>
+        </p:spPr>
+        <p:txBody>
+          <a:bodyPr wrap="square" rtlCol="0">
+            <a:spAutoFit/>
+          </a:bodyPr>
+          <a:lstStyle/>
+          <a:p>
+            <a:r>
+              <a:rPr lang="en-US" sz="1400" dirty="0"/>
+              <a:t>Comments on Avg Annual Rainfall vs quality of coffee : Here, the null hypothesis is that coffee quality and avg rainfall among the coffee producing countries have nothing to do with one another. The p value turns out to be about 0.15, so we cannot reject this null hypothesis. Most coffee producing regions do get significant rainfall, but the variance within this group of coffee producing nations does not appear to significantly affect the quality of coffee produced. </a:t>
+            </a:r>
+          </a:p>
+        </p:txBody>
+      </p:sp>
+      <p:pic>
+        <p:nvPicPr>
+          <p:cNvPr id="4" name="Picture 3" descr="A graph of blue lines&#10;&#10;Description automatically generated with medium confidence">
+            <a:extLst>
+              <a:ext uri="{FF2B5EF4-FFF2-40B4-BE49-F238E27FC236}">
+                <a16:creationId xmlns:a16="http://schemas.microsoft.com/office/drawing/2014/main" id="{44AB07C4-60B6-9676-3E46-A6D4E22F4DD0}"/>
+              </a:ext>
+            </a:extLst>
+          </p:cNvPr>
+          <p:cNvPicPr>
+            <a:picLocks noChangeAspect="1"/>
+          </p:cNvPicPr>
+          <p:nvPr/>
+        </p:nvPicPr>
+        <p:blipFill>
+          <a:blip r:embed="rId2">
+            <a:extLst>
+              <a:ext uri="{28A0092B-C50C-407E-A947-70E740481C1C}">
+                <a14:useLocalDpi xmlns:a14="http://schemas.microsoft.com/office/drawing/2010/main" val="0"/>
+              </a:ext>
+            </a:extLst>
+          </a:blip>
+          <a:stretch>
+            <a:fillRect/>
+          </a:stretch>
+        </p:blipFill>
+        <p:spPr>
+          <a:xfrm>
+            <a:off x="1379135" y="92765"/>
+            <a:ext cx="9144018" cy="5486411"/>
+          </a:xfrm>
+          <a:prstGeom prst="rect">
+            <a:avLst/>
+          </a:prstGeom>
+        </p:spPr>
+      </p:pic>
+    </p:spTree>
+    <p:extLst>
+      <p:ext uri="{BB962C8B-B14F-4D97-AF65-F5344CB8AC3E}">
+        <p14:creationId xmlns:p14="http://schemas.microsoft.com/office/powerpoint/2010/main" val="2762001895"/>
+      </p:ext>
+    </p:extLst>
+  </p:cSld>
+  <p:clrMapOvr>
+    <a:masterClrMapping/>
+  </p:clrMapOvr>
+</p:sld>
+</file>
+
+<file path=ppt/slides/slide13.xml><?xml version="1.0" encoding="utf-8"?>
+<p:sld xmlns:a="http://schemas.openxmlformats.org/drawingml/2006/main" xmlns:r="http://schemas.openxmlformats.org/officeDocument/2006/relationships" xmlns:p="http://schemas.openxmlformats.org/presentationml/2006/main">
+  <p:cSld>
+    <p:spTree>
+      <p:nvGrpSpPr>
+        <p:cNvPr id="1" name=""/>
+        <p:cNvGrpSpPr/>
+        <p:nvPr/>
+      </p:nvGrpSpPr>
+      <p:grpSpPr>
+        <a:xfrm>
+          <a:off x="0" y="0"/>
+          <a:ext cx="0" cy="0"/>
+          <a:chOff x="0" y="0"/>
+          <a:chExt cx="0" cy="0"/>
+        </a:xfrm>
+      </p:grpSpPr>
+      <p:sp>
+        <p:nvSpPr>
+          <p:cNvPr id="2" name="Title 1">
+            <a:extLst>
+              <a:ext uri="{FF2B5EF4-FFF2-40B4-BE49-F238E27FC236}">
+                <a16:creationId xmlns:a16="http://schemas.microsoft.com/office/drawing/2014/main" id="{4E50B996-81AE-4E75-1F3D-1FBFBC318B4A}"/>
+              </a:ext>
+            </a:extLst>
+          </p:cNvPr>
+          <p:cNvSpPr>
+            <a:spLocks noGrp="1"/>
+          </p:cNvSpPr>
+          <p:nvPr>
+            <p:ph type="title"/>
+          </p:nvPr>
+        </p:nvSpPr>
+        <p:spPr>
+          <a:xfrm>
+            <a:off x="850185" y="92765"/>
+            <a:ext cx="10353762" cy="1257300"/>
+          </a:xfrm>
+        </p:spPr>
+        <p:txBody>
+          <a:bodyPr>
+            <a:normAutofit/>
+          </a:bodyPr>
+          <a:lstStyle/>
+          <a:p>
+            <a:r>
+              <a:rPr lang="en-US" sz="2400" dirty="0"/>
+              <a:t>Answer:</a:t>
+            </a:r>
+            <a:br>
+              <a:rPr lang="en-US" sz="2400" dirty="0"/>
+            </a:br>
+            <a:r>
+              <a:rPr lang="en-US" sz="2400" dirty="0">
+                <a:effectLst/>
+                <a:latin typeface="Calibri" panose="020F0502020204030204" pitchFamily="34" charset="0"/>
+                <a:ea typeface="Calibri" panose="020F0502020204030204" pitchFamily="34" charset="0"/>
+                <a:cs typeface="Times New Roman" panose="02020603050405020304" pitchFamily="18" charset="0"/>
+              </a:rPr>
+              <a:t>What countries and continents consistently produce the highest quality coffee ?</a:t>
+            </a:r>
+            <a:endParaRPr lang="en-US" sz="2400" dirty="0"/>
+          </a:p>
+        </p:txBody>
+      </p:sp>
+      <p:sp>
+        <p:nvSpPr>
+          <p:cNvPr id="5" name="TextBox 4">
+            <a:extLst>
+              <a:ext uri="{FF2B5EF4-FFF2-40B4-BE49-F238E27FC236}">
+                <a16:creationId xmlns:a16="http://schemas.microsoft.com/office/drawing/2014/main" id="{D1E369A4-07E9-E30A-5237-6149C7EAC6BF}"/>
+              </a:ext>
+            </a:extLst>
+          </p:cNvPr>
+          <p:cNvSpPr txBox="1"/>
+          <p:nvPr/>
+        </p:nvSpPr>
+        <p:spPr>
+          <a:xfrm>
+            <a:off x="850185" y="2347415"/>
+            <a:ext cx="11037015" cy="954107"/>
+          </a:xfrm>
+          <a:prstGeom prst="rect">
+            <a:avLst/>
+          </a:prstGeom>
+          <a:noFill/>
+        </p:spPr>
+        <p:txBody>
+          <a:bodyPr wrap="square" rtlCol="0">
+            <a:spAutoFit/>
+          </a:bodyPr>
+          <a:lstStyle/>
+          <a:p>
+            <a:r>
+              <a:rPr lang="en-US" sz="1400" dirty="0"/>
+              <a:t>Comments on Avg Annual Rainfall vs quality of coffee : Here, the null hypothesis is that coffee quality and avg rainfall among the coffee producing countries have nothing to do with one another. The p value turns out to be about 0.15, so we cannot reject this null hypothesis. Most coffee producing regions do get significant rainfall, but the variance within this group of coffee producing nations does not appear to significantly affect the quality of coffee produced. </a:t>
+            </a:r>
+          </a:p>
+        </p:txBody>
+      </p:sp>
+    </p:spTree>
+    <p:extLst>
+      <p:ext uri="{BB962C8B-B14F-4D97-AF65-F5344CB8AC3E}">
+        <p14:creationId xmlns:p14="http://schemas.microsoft.com/office/powerpoint/2010/main" val="3502626187"/>
+      </p:ext>
+    </p:extLst>
+  </p:cSld>
+  <p:clrMapOvr>
+    <a:masterClrMapping/>
+  </p:clrMapOvr>
+</p:sld>
+</file>
+
+<file path=ppt/slides/slide14.xml><?xml version="1.0" encoding="utf-8"?>
+<p:sld xmlns:a="http://schemas.openxmlformats.org/drawingml/2006/main" xmlns:r="http://schemas.openxmlformats.org/officeDocument/2006/relationships" xmlns:p="http://schemas.openxmlformats.org/presentationml/2006/main">
+  <p:cSld>
+    <p:spTree>
+      <p:nvGrpSpPr>
+        <p:cNvPr id="1" name=""/>
+        <p:cNvGrpSpPr/>
+        <p:nvPr/>
+      </p:nvGrpSpPr>
+      <p:grpSpPr>
+        <a:xfrm>
+          <a:off x="0" y="0"/>
+          <a:ext cx="0" cy="0"/>
+          <a:chOff x="0" y="0"/>
+          <a:chExt cx="0" cy="0"/>
+        </a:xfrm>
+      </p:grpSpPr>
+      <p:sp>
+        <p:nvSpPr>
+          <p:cNvPr id="2" name="Title 1">
+            <a:extLst>
+              <a:ext uri="{FF2B5EF4-FFF2-40B4-BE49-F238E27FC236}">
+                <a16:creationId xmlns:a16="http://schemas.microsoft.com/office/drawing/2014/main" id="{4E50B996-81AE-4E75-1F3D-1FBFBC318B4A}"/>
+              </a:ext>
+            </a:extLst>
+          </p:cNvPr>
+          <p:cNvSpPr>
+            <a:spLocks noGrp="1"/>
+          </p:cNvSpPr>
+          <p:nvPr>
+            <p:ph type="title"/>
+          </p:nvPr>
+        </p:nvSpPr>
+        <p:spPr>
+          <a:xfrm>
+            <a:off x="850185" y="92765"/>
+            <a:ext cx="10353762" cy="1257300"/>
+          </a:xfrm>
+        </p:spPr>
+        <p:txBody>
+          <a:bodyPr>
+            <a:normAutofit/>
+          </a:bodyPr>
+          <a:lstStyle/>
+          <a:p>
+            <a:r>
+              <a:rPr lang="en-US" sz="2000" dirty="0">
+                <a:effectLst/>
+                <a:latin typeface="Aptos" panose="020B0004020202020204" pitchFamily="34" charset="0"/>
+                <a:ea typeface="Aptos" panose="020B0004020202020204" pitchFamily="34" charset="0"/>
+                <a:cs typeface="Times New Roman" panose="02020603050405020304" pitchFamily="18" charset="0"/>
+              </a:rPr>
+              <a:t>Question: </a:t>
+            </a:r>
+            <a:br>
+              <a:rPr lang="en-US" sz="1800" dirty="0">
+                <a:effectLst/>
+                <a:latin typeface="Aptos" panose="020B0004020202020204" pitchFamily="34" charset="0"/>
+                <a:ea typeface="Aptos" panose="020B0004020202020204" pitchFamily="34" charset="0"/>
+                <a:cs typeface="Times New Roman" panose="02020603050405020304" pitchFamily="18" charset="0"/>
+              </a:rPr>
+            </a:br>
+            <a:r>
               <a:rPr lang="en-US" sz="1800" dirty="0">
                 <a:effectLst/>
                 <a:latin typeface="Aptos" panose="020B0004020202020204" pitchFamily="34" charset="0"/>
@@ -6660,7 +7017,7 @@
 </p:sld>
 </file>
 
-<file path=ppt/slides/slide13.xml><?xml version="1.0" encoding="utf-8"?>
+<file path=ppt/slides/slide15.xml><?xml version="1.0" encoding="utf-8"?>
 <p:sld xmlns:a="http://schemas.openxmlformats.org/drawingml/2006/main" xmlns:r="http://schemas.openxmlformats.org/officeDocument/2006/relationships" xmlns:p="http://schemas.openxmlformats.org/presentationml/2006/main">
   <p:cSld>
     <p:spTree>
@@ -6822,7 +7179,7 @@
 </p:sld>
 </file>
 
-<file path=ppt/slides/slide14.xml><?xml version="1.0" encoding="utf-8"?>
+<file path=ppt/slides/slide16.xml><?xml version="1.0" encoding="utf-8"?>
 <p:sld xmlns:a="http://schemas.openxmlformats.org/drawingml/2006/main" xmlns:r="http://schemas.openxmlformats.org/officeDocument/2006/relationships" xmlns:p="http://schemas.openxmlformats.org/presentationml/2006/main">
   <p:cSld>
     <p:spTree>
@@ -6969,7 +7326,7 @@
 </p:sld>
 </file>
 
-<file path=ppt/slides/slide15.xml><?xml version="1.0" encoding="utf-8"?>
+<file path=ppt/slides/slide17.xml><?xml version="1.0" encoding="utf-8"?>
 <p:sld xmlns:a="http://schemas.openxmlformats.org/drawingml/2006/main" xmlns:r="http://schemas.openxmlformats.org/officeDocument/2006/relationships" xmlns:p="http://schemas.openxmlformats.org/presentationml/2006/main">
   <p:cSld>
     <p:spTree>
@@ -7129,7 +7486,7 @@
 </p:sld>
 </file>
 
-<file path=ppt/slides/slide16.xml><?xml version="1.0" encoding="utf-8"?>
+<file path=ppt/slides/slide18.xml><?xml version="1.0" encoding="utf-8"?>
 <p:sld xmlns:a="http://schemas.openxmlformats.org/drawingml/2006/main" xmlns:r="http://schemas.openxmlformats.org/officeDocument/2006/relationships" xmlns:p="http://schemas.openxmlformats.org/presentationml/2006/main">
   <p:cSld>
     <p:spTree>
@@ -7289,7 +7646,7 @@
 </p:sld>
 </file>
 
-<file path=ppt/slides/slide17.xml><?xml version="1.0" encoding="utf-8"?>
+<file path=ppt/slides/slide19.xml><?xml version="1.0" encoding="utf-8"?>
 <p:sld xmlns:a="http://schemas.openxmlformats.org/drawingml/2006/main" xmlns:r="http://schemas.openxmlformats.org/officeDocument/2006/relationships" xmlns:p="http://schemas.openxmlformats.org/presentationml/2006/main">
   <p:cSld>
     <p:spTree>
@@ -7335,13 +7692,13 @@
           <a:lstStyle/>
           <a:p>
             <a:r>
-              <a:rPr lang="en-US" sz="1800" dirty="0">
+              <a:rPr lang="en-US" sz="2000" dirty="0">
                 <a:effectLst/>
                 <a:latin typeface="Aptos" panose="020B0004020202020204" pitchFamily="34" charset="0"/>
                 <a:ea typeface="Aptos" panose="020B0004020202020204" pitchFamily="34" charset="0"/>
                 <a:cs typeface="Times New Roman" panose="02020603050405020304" pitchFamily="18" charset="0"/>
               </a:rPr>
-              <a:t>Answer to question: </a:t>
+              <a:t>Answer: </a:t>
             </a:r>
             <a:br>
               <a:rPr lang="en-US" sz="1800" dirty="0">
@@ -7378,8 +7735,8 @@
         </p:nvSpPr>
         <p:spPr>
           <a:xfrm>
-            <a:off x="391886" y="2573383"/>
-            <a:ext cx="11234057" cy="1267655"/>
+            <a:off x="504967" y="2279176"/>
+            <a:ext cx="11120976" cy="1267655"/>
           </a:xfrm>
           <a:prstGeom prst="rect">
             <a:avLst/>
@@ -7426,146 +7783,7 @@
     </p:spTree>
     <p:extLst>
       <p:ext uri="{BB962C8B-B14F-4D97-AF65-F5344CB8AC3E}">
-        <p14:creationId xmlns:p14="http://schemas.microsoft.com/office/powerpoint/2010/main" val="1212262085"/>
-      </p:ext>
-    </p:extLst>
-  </p:cSld>
-  <p:clrMapOvr>
-    <a:masterClrMapping/>
-  </p:clrMapOvr>
-</p:sld>
-</file>
-
-<file path=ppt/slides/slide18.xml><?xml version="1.0" encoding="utf-8"?>
-<p:sld xmlns:a="http://schemas.openxmlformats.org/drawingml/2006/main" xmlns:r="http://schemas.openxmlformats.org/officeDocument/2006/relationships" xmlns:p="http://schemas.openxmlformats.org/presentationml/2006/main">
-  <p:cSld>
-    <p:spTree>
-      <p:nvGrpSpPr>
-        <p:cNvPr id="1" name=""/>
-        <p:cNvGrpSpPr/>
-        <p:nvPr/>
-      </p:nvGrpSpPr>
-      <p:grpSpPr>
-        <a:xfrm>
-          <a:off x="0" y="0"/>
-          <a:ext cx="0" cy="0"/>
-          <a:chOff x="0" y="0"/>
-          <a:chExt cx="0" cy="0"/>
-        </a:xfrm>
-      </p:grpSpPr>
-      <p:sp>
-        <p:nvSpPr>
-          <p:cNvPr id="2" name="Title 1">
-            <a:extLst>
-              <a:ext uri="{FF2B5EF4-FFF2-40B4-BE49-F238E27FC236}">
-                <a16:creationId xmlns:a16="http://schemas.microsoft.com/office/drawing/2014/main" id="{4E50B996-81AE-4E75-1F3D-1FBFBC318B4A}"/>
-              </a:ext>
-            </a:extLst>
-          </p:cNvPr>
-          <p:cNvSpPr>
-            <a:spLocks noGrp="1"/>
-          </p:cNvSpPr>
-          <p:nvPr>
-            <p:ph type="title"/>
-          </p:nvPr>
-        </p:nvSpPr>
-        <p:spPr>
-          <a:xfrm>
-            <a:off x="850185" y="92765"/>
-            <a:ext cx="10353762" cy="1257300"/>
-          </a:xfrm>
-        </p:spPr>
-        <p:txBody>
-          <a:bodyPr>
-            <a:normAutofit/>
-          </a:bodyPr>
-          <a:lstStyle/>
-          <a:p>
-            <a:r>
-              <a:rPr lang="en-US" sz="1800" dirty="0">
-                <a:effectLst/>
-                <a:latin typeface="Aptos" panose="020B0004020202020204" pitchFamily="34" charset="0"/>
-                <a:ea typeface="Aptos" panose="020B0004020202020204" pitchFamily="34" charset="0"/>
-                <a:cs typeface="Times New Roman" panose="02020603050405020304" pitchFamily="18" charset="0"/>
-              </a:rPr>
-              <a:t>Placeholder for </a:t>
-            </a:r>
-            <a:r>
-              <a:rPr lang="en-US" sz="1800" dirty="0" err="1">
-                <a:effectLst/>
-                <a:latin typeface="Aptos" panose="020B0004020202020204" pitchFamily="34" charset="0"/>
-                <a:ea typeface="Aptos" panose="020B0004020202020204" pitchFamily="34" charset="0"/>
-                <a:cs typeface="Times New Roman" panose="02020603050405020304" pitchFamily="18" charset="0"/>
-              </a:rPr>
-              <a:t>comsumption</a:t>
-            </a:r>
-            <a:endParaRPr lang="en-US" sz="2400" dirty="0"/>
-          </a:p>
-        </p:txBody>
-      </p:sp>
-      <p:sp>
-        <p:nvSpPr>
-          <p:cNvPr id="5" name="TextBox 4">
-            <a:extLst>
-              <a:ext uri="{FF2B5EF4-FFF2-40B4-BE49-F238E27FC236}">
-                <a16:creationId xmlns:a16="http://schemas.microsoft.com/office/drawing/2014/main" id="{D1E369A4-07E9-E30A-5237-6149C7EAC6BF}"/>
-              </a:ext>
-            </a:extLst>
-          </p:cNvPr>
-          <p:cNvSpPr txBox="1"/>
-          <p:nvPr/>
-        </p:nvSpPr>
-        <p:spPr>
-          <a:xfrm>
-            <a:off x="391886" y="2573383"/>
-            <a:ext cx="11234057" cy="1267655"/>
-          </a:xfrm>
-          <a:prstGeom prst="rect">
-            <a:avLst/>
-          </a:prstGeom>
-          <a:noFill/>
-        </p:spPr>
-        <p:txBody>
-          <a:bodyPr wrap="square" rtlCol="0">
-            <a:spAutoFit/>
-          </a:bodyPr>
-          <a:lstStyle/>
-          <a:p>
-            <a:pPr marL="342900" marR="0" lvl="0" indent="-342900">
-              <a:lnSpc>
-                <a:spcPct val="107000"/>
-              </a:lnSpc>
-              <a:spcBef>
-                <a:spcPts val="0"/>
-              </a:spcBef>
-              <a:spcAft>
-                <a:spcPts val="800"/>
-              </a:spcAft>
-              <a:buFont typeface="Aptos" panose="020B0004020202020204" pitchFamily="34" charset="0"/>
-              <a:buChar char="-"/>
-            </a:pPr>
-            <a:r>
-              <a:rPr lang="en-US" sz="1800" dirty="0">
-                <a:effectLst/>
-                <a:latin typeface="Aptos" panose="020B0004020202020204" pitchFamily="34" charset="0"/>
-                <a:ea typeface="Aptos" panose="020B0004020202020204" pitchFamily="34" charset="0"/>
-                <a:cs typeface="Times New Roman" panose="02020603050405020304" pitchFamily="18" charset="0"/>
-              </a:rPr>
-              <a:t>No, it does not. What countries produce the most coffee and does NOT impact the quality of coffee produced. All of the scores are so closely related it does not appear to influence the quality even where there is a lot more of production of coffee like Brazil, they are still neck and neck with Panama, Haiti, Malawi who have barely any production of coffee in comparison. </a:t>
-            </a:r>
-            <a:endParaRPr lang="en-US" sz="1800" kern="100" dirty="0">
-              <a:effectLst/>
-              <a:latin typeface="Aptos" panose="020B0004020202020204" pitchFamily="34" charset="0"/>
-              <a:ea typeface="Aptos" panose="020B0004020202020204" pitchFamily="34" charset="0"/>
-              <a:cs typeface="Times New Roman" panose="02020603050405020304" pitchFamily="18" charset="0"/>
-            </a:endParaRPr>
-          </a:p>
-        </p:txBody>
-      </p:sp>
-    </p:spTree>
-    <p:extLst>
-      <p:ext uri="{BB962C8B-B14F-4D97-AF65-F5344CB8AC3E}">
-        <p14:creationId xmlns:p14="http://schemas.microsoft.com/office/powerpoint/2010/main" val="2874767483"/>
+        <p14:creationId xmlns:p14="http://schemas.microsoft.com/office/powerpoint/2010/main" val="3169893865"/>
       </p:ext>
     </p:extLst>
   </p:cSld>
@@ -7734,6 +7952,651 @@
 </p:sld>
 </file>
 
+<file path=ppt/slides/slide20.xml><?xml version="1.0" encoding="utf-8"?>
+<p:sld xmlns:a="http://schemas.openxmlformats.org/drawingml/2006/main" xmlns:r="http://schemas.openxmlformats.org/officeDocument/2006/relationships" xmlns:p="http://schemas.openxmlformats.org/presentationml/2006/main">
+  <p:cSld>
+    <p:spTree>
+      <p:nvGrpSpPr>
+        <p:cNvPr id="1" name=""/>
+        <p:cNvGrpSpPr/>
+        <p:nvPr/>
+      </p:nvGrpSpPr>
+      <p:grpSpPr>
+        <a:xfrm>
+          <a:off x="0" y="0"/>
+          <a:ext cx="0" cy="0"/>
+          <a:chOff x="0" y="0"/>
+          <a:chExt cx="0" cy="0"/>
+        </a:xfrm>
+      </p:grpSpPr>
+      <p:sp>
+        <p:nvSpPr>
+          <p:cNvPr id="2" name="Title 1">
+            <a:extLst>
+              <a:ext uri="{FF2B5EF4-FFF2-40B4-BE49-F238E27FC236}">
+                <a16:creationId xmlns:a16="http://schemas.microsoft.com/office/drawing/2014/main" id="{4E50B996-81AE-4E75-1F3D-1FBFBC318B4A}"/>
+              </a:ext>
+            </a:extLst>
+          </p:cNvPr>
+          <p:cNvSpPr>
+            <a:spLocks noGrp="1"/>
+          </p:cNvSpPr>
+          <p:nvPr>
+            <p:ph type="title"/>
+          </p:nvPr>
+        </p:nvSpPr>
+        <p:spPr>
+          <a:xfrm>
+            <a:off x="850185" y="92765"/>
+            <a:ext cx="10353762" cy="1257300"/>
+          </a:xfrm>
+        </p:spPr>
+        <p:txBody>
+          <a:bodyPr>
+            <a:normAutofit/>
+          </a:bodyPr>
+          <a:lstStyle/>
+          <a:p>
+            <a:r>
+              <a:rPr lang="en-US" sz="1800" dirty="0">
+                <a:effectLst/>
+                <a:latin typeface="Aptos" panose="020B0004020202020204" pitchFamily="34" charset="0"/>
+                <a:ea typeface="Aptos" panose="020B0004020202020204" pitchFamily="34" charset="0"/>
+                <a:cs typeface="Times New Roman" panose="02020603050405020304" pitchFamily="18" charset="0"/>
+              </a:rPr>
+              <a:t>Question: </a:t>
+            </a:r>
+            <a:br>
+              <a:rPr lang="en-US" sz="1800" dirty="0">
+                <a:effectLst/>
+                <a:latin typeface="Aptos" panose="020B0004020202020204" pitchFamily="34" charset="0"/>
+                <a:ea typeface="Aptos" panose="020B0004020202020204" pitchFamily="34" charset="0"/>
+                <a:cs typeface="Times New Roman" panose="02020603050405020304" pitchFamily="18" charset="0"/>
+              </a:rPr>
+            </a:br>
+            <a:r>
+              <a:rPr lang="en-US" sz="1800" dirty="0">
+                <a:effectLst/>
+                <a:latin typeface="Calibri" panose="020F0502020204030204" pitchFamily="34" charset="0"/>
+                <a:ea typeface="Calibri" panose="020F0502020204030204" pitchFamily="34" charset="0"/>
+                <a:cs typeface="Times New Roman" panose="02020603050405020304" pitchFamily="18" charset="0"/>
+              </a:rPr>
+              <a:t>What countries consume the most coffee? Does the amount of coffee produced influence consumption?</a:t>
+            </a:r>
+            <a:endParaRPr lang="en-US" sz="2400" dirty="0"/>
+          </a:p>
+        </p:txBody>
+      </p:sp>
+      <p:sp>
+        <p:nvSpPr>
+          <p:cNvPr id="5" name="TextBox 4">
+            <a:extLst>
+              <a:ext uri="{FF2B5EF4-FFF2-40B4-BE49-F238E27FC236}">
+                <a16:creationId xmlns:a16="http://schemas.microsoft.com/office/drawing/2014/main" id="{D1E369A4-07E9-E30A-5237-6149C7EAC6BF}"/>
+              </a:ext>
+            </a:extLst>
+          </p:cNvPr>
+          <p:cNvSpPr txBox="1"/>
+          <p:nvPr/>
+        </p:nvSpPr>
+        <p:spPr>
+          <a:xfrm rot="10800000" flipV="1">
+            <a:off x="328612" y="5122306"/>
+            <a:ext cx="11305367" cy="674928"/>
+          </a:xfrm>
+          <a:prstGeom prst="rect">
+            <a:avLst/>
+          </a:prstGeom>
+          <a:noFill/>
+        </p:spPr>
+        <p:txBody>
+          <a:bodyPr wrap="square" rtlCol="0">
+            <a:spAutoFit/>
+          </a:bodyPr>
+          <a:lstStyle/>
+          <a:p>
+            <a:pPr marL="342900" marR="0" lvl="0" indent="-342900">
+              <a:lnSpc>
+                <a:spcPct val="107000"/>
+              </a:lnSpc>
+              <a:spcBef>
+                <a:spcPts val="0"/>
+              </a:spcBef>
+              <a:spcAft>
+                <a:spcPts val="800"/>
+              </a:spcAft>
+              <a:buFont typeface="Aptos" panose="020B0004020202020204" pitchFamily="34" charset="0"/>
+              <a:buChar char="-"/>
+            </a:pPr>
+            <a:r>
+              <a:rPr lang="en-US" sz="1800" dirty="0">
+                <a:effectLst/>
+                <a:latin typeface="Aptos" panose="020B0004020202020204" pitchFamily="34" charset="0"/>
+                <a:ea typeface="Aptos" panose="020B0004020202020204" pitchFamily="34" charset="0"/>
+                <a:cs typeface="Times New Roman" panose="02020603050405020304" pitchFamily="18" charset="0"/>
+              </a:rPr>
+              <a:t>This plot shows consumption right aligned with production with Brazil leading the way just as in the max production data. </a:t>
+            </a:r>
+            <a:endParaRPr lang="en-US" sz="1800" kern="100" dirty="0">
+              <a:effectLst/>
+              <a:latin typeface="Aptos" panose="020B0004020202020204" pitchFamily="34" charset="0"/>
+              <a:ea typeface="Aptos" panose="020B0004020202020204" pitchFamily="34" charset="0"/>
+              <a:cs typeface="Times New Roman" panose="02020603050405020304" pitchFamily="18" charset="0"/>
+            </a:endParaRPr>
+          </a:p>
+        </p:txBody>
+      </p:sp>
+      <p:pic>
+        <p:nvPicPr>
+          <p:cNvPr id="4" name="Picture 3" descr="A graph with blue dots&#10;&#10;Description automatically generated">
+            <a:extLst>
+              <a:ext uri="{FF2B5EF4-FFF2-40B4-BE49-F238E27FC236}">
+                <a16:creationId xmlns:a16="http://schemas.microsoft.com/office/drawing/2014/main" id="{76B4FC0C-9A8A-280E-FC9C-BC6160A9DA4F}"/>
+              </a:ext>
+            </a:extLst>
+          </p:cNvPr>
+          <p:cNvPicPr>
+            <a:picLocks noChangeAspect="1"/>
+          </p:cNvPicPr>
+          <p:nvPr/>
+        </p:nvPicPr>
+        <p:blipFill>
+          <a:blip r:embed="rId2">
+            <a:extLst>
+              <a:ext uri="{28A0092B-C50C-407E-A947-70E740481C1C}">
+                <a14:useLocalDpi xmlns:a14="http://schemas.microsoft.com/office/drawing/2010/main" val="0"/>
+              </a:ext>
+            </a:extLst>
+          </a:blip>
+          <a:stretch>
+            <a:fillRect/>
+          </a:stretch>
+        </p:blipFill>
+        <p:spPr>
+          <a:xfrm>
+            <a:off x="3249535" y="998023"/>
+            <a:ext cx="5555062" cy="3827919"/>
+          </a:xfrm>
+          <a:prstGeom prst="rect">
+            <a:avLst/>
+          </a:prstGeom>
+        </p:spPr>
+      </p:pic>
+    </p:spTree>
+    <p:extLst>
+      <p:ext uri="{BB962C8B-B14F-4D97-AF65-F5344CB8AC3E}">
+        <p14:creationId xmlns:p14="http://schemas.microsoft.com/office/powerpoint/2010/main" val="1212262085"/>
+      </p:ext>
+    </p:extLst>
+  </p:cSld>
+  <p:clrMapOvr>
+    <a:masterClrMapping/>
+  </p:clrMapOvr>
+</p:sld>
+</file>
+
+<file path=ppt/slides/slide21.xml><?xml version="1.0" encoding="utf-8"?>
+<p:sld xmlns:a="http://schemas.openxmlformats.org/drawingml/2006/main" xmlns:r="http://schemas.openxmlformats.org/officeDocument/2006/relationships" xmlns:p="http://schemas.openxmlformats.org/presentationml/2006/main">
+  <p:cSld>
+    <p:spTree>
+      <p:nvGrpSpPr>
+        <p:cNvPr id="1" name=""/>
+        <p:cNvGrpSpPr/>
+        <p:nvPr/>
+      </p:nvGrpSpPr>
+      <p:grpSpPr>
+        <a:xfrm>
+          <a:off x="0" y="0"/>
+          <a:ext cx="0" cy="0"/>
+          <a:chOff x="0" y="0"/>
+          <a:chExt cx="0" cy="0"/>
+        </a:xfrm>
+      </p:grpSpPr>
+      <p:sp>
+        <p:nvSpPr>
+          <p:cNvPr id="2" name="Title 1">
+            <a:extLst>
+              <a:ext uri="{FF2B5EF4-FFF2-40B4-BE49-F238E27FC236}">
+                <a16:creationId xmlns:a16="http://schemas.microsoft.com/office/drawing/2014/main" id="{4E50B996-81AE-4E75-1F3D-1FBFBC318B4A}"/>
+              </a:ext>
+            </a:extLst>
+          </p:cNvPr>
+          <p:cNvSpPr>
+            <a:spLocks noGrp="1"/>
+          </p:cNvSpPr>
+          <p:nvPr>
+            <p:ph type="title"/>
+          </p:nvPr>
+        </p:nvSpPr>
+        <p:spPr>
+          <a:xfrm>
+            <a:off x="850185" y="92765"/>
+            <a:ext cx="10353762" cy="1257300"/>
+          </a:xfrm>
+        </p:spPr>
+        <p:txBody>
+          <a:bodyPr>
+            <a:normAutofit/>
+          </a:bodyPr>
+          <a:lstStyle/>
+          <a:p>
+            <a:r>
+              <a:rPr lang="en-US" sz="2000" dirty="0">
+                <a:effectLst/>
+                <a:latin typeface="Aptos" panose="020B0004020202020204" pitchFamily="34" charset="0"/>
+                <a:ea typeface="Aptos" panose="020B0004020202020204" pitchFamily="34" charset="0"/>
+                <a:cs typeface="Times New Roman" panose="02020603050405020304" pitchFamily="18" charset="0"/>
+              </a:rPr>
+              <a:t>Bar Chart for Domestic Consumption</a:t>
+            </a:r>
+            <a:endParaRPr lang="en-US" sz="2000" dirty="0"/>
+          </a:p>
+        </p:txBody>
+      </p:sp>
+      <p:sp>
+        <p:nvSpPr>
+          <p:cNvPr id="5" name="TextBox 4">
+            <a:extLst>
+              <a:ext uri="{FF2B5EF4-FFF2-40B4-BE49-F238E27FC236}">
+                <a16:creationId xmlns:a16="http://schemas.microsoft.com/office/drawing/2014/main" id="{D1E369A4-07E9-E30A-5237-6149C7EAC6BF}"/>
+              </a:ext>
+            </a:extLst>
+          </p:cNvPr>
+          <p:cNvSpPr txBox="1"/>
+          <p:nvPr/>
+        </p:nvSpPr>
+        <p:spPr>
+          <a:xfrm>
+            <a:off x="516194" y="4999703"/>
+            <a:ext cx="11109749" cy="378565"/>
+          </a:xfrm>
+          <a:prstGeom prst="rect">
+            <a:avLst/>
+          </a:prstGeom>
+          <a:noFill/>
+        </p:spPr>
+        <p:txBody>
+          <a:bodyPr wrap="square" rtlCol="0">
+            <a:spAutoFit/>
+          </a:bodyPr>
+          <a:lstStyle/>
+          <a:p>
+            <a:pPr marL="342900" marR="0" lvl="0" indent="-342900">
+              <a:lnSpc>
+                <a:spcPct val="107000"/>
+              </a:lnSpc>
+              <a:spcBef>
+                <a:spcPts val="0"/>
+              </a:spcBef>
+              <a:spcAft>
+                <a:spcPts val="800"/>
+              </a:spcAft>
+              <a:buFont typeface="Aptos" panose="020B0004020202020204" pitchFamily="34" charset="0"/>
+              <a:buChar char="-"/>
+            </a:pPr>
+            <a:r>
+              <a:rPr lang="en-US" sz="1800" dirty="0">
+                <a:effectLst/>
+                <a:latin typeface="Aptos" panose="020B0004020202020204" pitchFamily="34" charset="0"/>
+                <a:ea typeface="Aptos" panose="020B0004020202020204" pitchFamily="34" charset="0"/>
+                <a:cs typeface="Times New Roman" panose="02020603050405020304" pitchFamily="18" charset="0"/>
+              </a:rPr>
+              <a:t>This bar chart shows that Brazil is far ahead in consumption with Indonesia, Ethiopia, Mexico far behind. </a:t>
+            </a:r>
+            <a:endParaRPr lang="en-US" sz="1800" kern="100" dirty="0">
+              <a:effectLst/>
+              <a:latin typeface="Aptos" panose="020B0004020202020204" pitchFamily="34" charset="0"/>
+              <a:ea typeface="Aptos" panose="020B0004020202020204" pitchFamily="34" charset="0"/>
+              <a:cs typeface="Times New Roman" panose="02020603050405020304" pitchFamily="18" charset="0"/>
+            </a:endParaRPr>
+          </a:p>
+        </p:txBody>
+      </p:sp>
+      <p:pic>
+        <p:nvPicPr>
+          <p:cNvPr id="4" name="Picture 3" descr="A graph with text on it&#10;&#10;Description automatically generated">
+            <a:extLst>
+              <a:ext uri="{FF2B5EF4-FFF2-40B4-BE49-F238E27FC236}">
+                <a16:creationId xmlns:a16="http://schemas.microsoft.com/office/drawing/2014/main" id="{B18F0851-5D52-77E2-C2A2-947925FD683E}"/>
+              </a:ext>
+            </a:extLst>
+          </p:cNvPr>
+          <p:cNvPicPr>
+            <a:picLocks noChangeAspect="1"/>
+          </p:cNvPicPr>
+          <p:nvPr/>
+        </p:nvPicPr>
+        <p:blipFill>
+          <a:blip r:embed="rId2">
+            <a:extLst>
+              <a:ext uri="{28A0092B-C50C-407E-A947-70E740481C1C}">
+                <a14:useLocalDpi xmlns:a14="http://schemas.microsoft.com/office/drawing/2010/main" val="0"/>
+              </a:ext>
+            </a:extLst>
+          </a:blip>
+          <a:stretch>
+            <a:fillRect/>
+          </a:stretch>
+        </p:blipFill>
+        <p:spPr>
+          <a:xfrm>
+            <a:off x="1909178" y="1560526"/>
+            <a:ext cx="8373644" cy="2734057"/>
+          </a:xfrm>
+          <a:prstGeom prst="rect">
+            <a:avLst/>
+          </a:prstGeom>
+        </p:spPr>
+      </p:pic>
+    </p:spTree>
+    <p:extLst>
+      <p:ext uri="{BB962C8B-B14F-4D97-AF65-F5344CB8AC3E}">
+        <p14:creationId xmlns:p14="http://schemas.microsoft.com/office/powerpoint/2010/main" val="2874767483"/>
+      </p:ext>
+    </p:extLst>
+  </p:cSld>
+  <p:clrMapOvr>
+    <a:masterClrMapping/>
+  </p:clrMapOvr>
+</p:sld>
+</file>
+
+<file path=ppt/slides/slide22.xml><?xml version="1.0" encoding="utf-8"?>
+<p:sld xmlns:a="http://schemas.openxmlformats.org/drawingml/2006/main" xmlns:r="http://schemas.openxmlformats.org/officeDocument/2006/relationships" xmlns:p="http://schemas.openxmlformats.org/presentationml/2006/main">
+  <p:cSld>
+    <p:spTree>
+      <p:nvGrpSpPr>
+        <p:cNvPr id="1" name=""/>
+        <p:cNvGrpSpPr/>
+        <p:nvPr/>
+      </p:nvGrpSpPr>
+      <p:grpSpPr>
+        <a:xfrm>
+          <a:off x="0" y="0"/>
+          <a:ext cx="0" cy="0"/>
+          <a:chOff x="0" y="0"/>
+          <a:chExt cx="0" cy="0"/>
+        </a:xfrm>
+      </p:grpSpPr>
+      <p:sp>
+        <p:nvSpPr>
+          <p:cNvPr id="2" name="Title 1">
+            <a:extLst>
+              <a:ext uri="{FF2B5EF4-FFF2-40B4-BE49-F238E27FC236}">
+                <a16:creationId xmlns:a16="http://schemas.microsoft.com/office/drawing/2014/main" id="{4E50B996-81AE-4E75-1F3D-1FBFBC318B4A}"/>
+              </a:ext>
+            </a:extLst>
+          </p:cNvPr>
+          <p:cNvSpPr>
+            <a:spLocks noGrp="1"/>
+          </p:cNvSpPr>
+          <p:nvPr>
+            <p:ph type="title"/>
+          </p:nvPr>
+        </p:nvSpPr>
+        <p:spPr>
+          <a:xfrm>
+            <a:off x="850185" y="92765"/>
+            <a:ext cx="10353762" cy="1257300"/>
+          </a:xfrm>
+        </p:spPr>
+        <p:txBody>
+          <a:bodyPr>
+            <a:normAutofit/>
+          </a:bodyPr>
+          <a:lstStyle/>
+          <a:p>
+            <a:r>
+              <a:rPr lang="en-US" sz="2000" dirty="0">
+                <a:effectLst/>
+                <a:latin typeface="Aptos" panose="020B0004020202020204" pitchFamily="34" charset="0"/>
+                <a:ea typeface="Aptos" panose="020B0004020202020204" pitchFamily="34" charset="0"/>
+                <a:cs typeface="Times New Roman" panose="02020603050405020304" pitchFamily="18" charset="0"/>
+              </a:rPr>
+              <a:t>Answer: </a:t>
+            </a:r>
+            <a:br>
+              <a:rPr lang="en-US" sz="2000" dirty="0">
+                <a:effectLst/>
+                <a:latin typeface="Aptos" panose="020B0004020202020204" pitchFamily="34" charset="0"/>
+                <a:ea typeface="Aptos" panose="020B0004020202020204" pitchFamily="34" charset="0"/>
+                <a:cs typeface="Times New Roman" panose="02020603050405020304" pitchFamily="18" charset="0"/>
+              </a:rPr>
+            </a:br>
+            <a:r>
+              <a:rPr lang="en-US" sz="1800" dirty="0">
+                <a:effectLst/>
+                <a:latin typeface="Calibri" panose="020F0502020204030204" pitchFamily="34" charset="0"/>
+                <a:ea typeface="Calibri" panose="020F0502020204030204" pitchFamily="34" charset="0"/>
+                <a:cs typeface="Times New Roman" panose="02020603050405020304" pitchFamily="18" charset="0"/>
+              </a:rPr>
+              <a:t>What countries consume the most coffee? Does the amount of coffee that is produced influence consumption?</a:t>
+            </a:r>
+            <a:endParaRPr lang="en-US" sz="2000" dirty="0"/>
+          </a:p>
+        </p:txBody>
+      </p:sp>
+      <p:sp>
+        <p:nvSpPr>
+          <p:cNvPr id="3" name="TextBox 2">
+            <a:extLst>
+              <a:ext uri="{FF2B5EF4-FFF2-40B4-BE49-F238E27FC236}">
+                <a16:creationId xmlns:a16="http://schemas.microsoft.com/office/drawing/2014/main" id="{0BA4ED6D-6EA9-398D-F3B4-5A211D92887D}"/>
+              </a:ext>
+            </a:extLst>
+          </p:cNvPr>
+          <p:cNvSpPr txBox="1"/>
+          <p:nvPr/>
+        </p:nvSpPr>
+        <p:spPr>
+          <a:xfrm>
+            <a:off x="723330" y="2374710"/>
+            <a:ext cx="10480617" cy="1200329"/>
+          </a:xfrm>
+          <a:prstGeom prst="rect">
+            <a:avLst/>
+          </a:prstGeom>
+          <a:noFill/>
+        </p:spPr>
+        <p:txBody>
+          <a:bodyPr wrap="square" rtlCol="0">
+            <a:spAutoFit/>
+          </a:bodyPr>
+          <a:lstStyle/>
+          <a:p>
+            <a:r>
+              <a:rPr lang="en-US" b="1" i="0" dirty="0">
+                <a:solidFill>
+                  <a:srgbClr val="FFFFFF"/>
+                </a:solidFill>
+                <a:effectLst/>
+                <a:highlight>
+                  <a:srgbClr val="111111"/>
+                </a:highlight>
+                <a:latin typeface="system-ui"/>
+              </a:rPr>
+              <a:t>The findings prove that production and consumption go hand in hand. Brazil producing the most coffee and in turn consuming the most coffee. Country to Country </a:t>
+            </a:r>
+            <a:r>
+              <a:rPr lang="en-US" b="1" dirty="0">
+                <a:solidFill>
+                  <a:srgbClr val="FFFFFF"/>
+                </a:solidFill>
+                <a:highlight>
+                  <a:srgbClr val="111111"/>
+                </a:highlight>
+                <a:latin typeface="system-ui"/>
+              </a:rPr>
+              <a:t>the data demonstrated that the more a country produced the more it consumed for example Brazil, Indonesia, Mexico and Columbia</a:t>
+            </a:r>
+            <a:r>
+              <a:rPr lang="en-US" b="1" i="0" dirty="0">
+                <a:solidFill>
+                  <a:srgbClr val="FFFFFF"/>
+                </a:solidFill>
+                <a:effectLst/>
+                <a:highlight>
+                  <a:srgbClr val="111111"/>
+                </a:highlight>
+                <a:latin typeface="system-ui"/>
+              </a:rPr>
+              <a:t>.</a:t>
+            </a:r>
+          </a:p>
+          <a:p>
+            <a:endParaRPr lang="en-US" dirty="0"/>
+          </a:p>
+        </p:txBody>
+      </p:sp>
+    </p:spTree>
+    <p:extLst>
+      <p:ext uri="{BB962C8B-B14F-4D97-AF65-F5344CB8AC3E}">
+        <p14:creationId xmlns:p14="http://schemas.microsoft.com/office/powerpoint/2010/main" val="1913316268"/>
+      </p:ext>
+    </p:extLst>
+  </p:cSld>
+  <p:clrMapOvr>
+    <a:masterClrMapping/>
+  </p:clrMapOvr>
+</p:sld>
+</file>
+
+<file path=ppt/slides/slide23.xml><?xml version="1.0" encoding="utf-8"?>
+<p:sld xmlns:a="http://schemas.openxmlformats.org/drawingml/2006/main" xmlns:r="http://schemas.openxmlformats.org/officeDocument/2006/relationships" xmlns:p="http://schemas.openxmlformats.org/presentationml/2006/main">
+  <p:cSld>
+    <p:spTree>
+      <p:nvGrpSpPr>
+        <p:cNvPr id="1" name=""/>
+        <p:cNvGrpSpPr/>
+        <p:nvPr/>
+      </p:nvGrpSpPr>
+      <p:grpSpPr>
+        <a:xfrm>
+          <a:off x="0" y="0"/>
+          <a:ext cx="0" cy="0"/>
+          <a:chOff x="0" y="0"/>
+          <a:chExt cx="0" cy="0"/>
+        </a:xfrm>
+      </p:grpSpPr>
+      <p:sp>
+        <p:nvSpPr>
+          <p:cNvPr id="2" name="Title 1">
+            <a:extLst>
+              <a:ext uri="{FF2B5EF4-FFF2-40B4-BE49-F238E27FC236}">
+                <a16:creationId xmlns:a16="http://schemas.microsoft.com/office/drawing/2014/main" id="{4E50B996-81AE-4E75-1F3D-1FBFBC318B4A}"/>
+              </a:ext>
+            </a:extLst>
+          </p:cNvPr>
+          <p:cNvSpPr>
+            <a:spLocks noGrp="1"/>
+          </p:cNvSpPr>
+          <p:nvPr>
+            <p:ph type="title"/>
+          </p:nvPr>
+        </p:nvSpPr>
+        <p:spPr>
+          <a:xfrm>
+            <a:off x="850185" y="92765"/>
+            <a:ext cx="10353762" cy="1257300"/>
+          </a:xfrm>
+        </p:spPr>
+        <p:txBody>
+          <a:bodyPr>
+            <a:normAutofit/>
+          </a:bodyPr>
+          <a:lstStyle/>
+          <a:p>
+            <a:r>
+              <a:rPr lang="en-US" sz="2000" dirty="0">
+                <a:effectLst/>
+                <a:latin typeface="Aptos" panose="020B0004020202020204" pitchFamily="34" charset="0"/>
+                <a:ea typeface="Aptos" panose="020B0004020202020204" pitchFamily="34" charset="0"/>
+                <a:cs typeface="Times New Roman" panose="02020603050405020304" pitchFamily="18" charset="0"/>
+              </a:rPr>
+              <a:t>Conclusion Section place holder</a:t>
+            </a:r>
+            <a:endParaRPr lang="en-US" sz="2000" dirty="0"/>
+          </a:p>
+        </p:txBody>
+      </p:sp>
+      <p:sp>
+        <p:nvSpPr>
+          <p:cNvPr id="5" name="TextBox 4">
+            <a:extLst>
+              <a:ext uri="{FF2B5EF4-FFF2-40B4-BE49-F238E27FC236}">
+                <a16:creationId xmlns:a16="http://schemas.microsoft.com/office/drawing/2014/main" id="{D1E369A4-07E9-E30A-5237-6149C7EAC6BF}"/>
+              </a:ext>
+            </a:extLst>
+          </p:cNvPr>
+          <p:cNvSpPr txBox="1"/>
+          <p:nvPr/>
+        </p:nvSpPr>
+        <p:spPr>
+          <a:xfrm>
+            <a:off x="600501" y="2047165"/>
+            <a:ext cx="11025442" cy="378565"/>
+          </a:xfrm>
+          <a:prstGeom prst="rect">
+            <a:avLst/>
+          </a:prstGeom>
+          <a:noFill/>
+        </p:spPr>
+        <p:txBody>
+          <a:bodyPr wrap="square" rtlCol="0">
+            <a:spAutoFit/>
+          </a:bodyPr>
+          <a:lstStyle/>
+          <a:p>
+            <a:pPr marR="0" lvl="0">
+              <a:lnSpc>
+                <a:spcPct val="107000"/>
+              </a:lnSpc>
+              <a:spcBef>
+                <a:spcPts val="0"/>
+              </a:spcBef>
+              <a:spcAft>
+                <a:spcPts val="800"/>
+              </a:spcAft>
+            </a:pPr>
+            <a:r>
+              <a:rPr lang="en-US" dirty="0">
+                <a:latin typeface="Aptos" panose="020B0004020202020204" pitchFamily="34" charset="0"/>
+                <a:ea typeface="Aptos" panose="020B0004020202020204" pitchFamily="34" charset="0"/>
+                <a:cs typeface="Times New Roman" panose="02020603050405020304" pitchFamily="18" charset="0"/>
+              </a:rPr>
+              <a:t>&amp;%^&amp;%&amp;^%&amp;^%&amp;^%&amp;^%*&amp;%*&amp;^*&amp;^*(^*(^(*^*(^(*^*%^$^%#%$#%$#%$#^%#%$%^$^%^%&amp;^*&amp;^(*&amp;(*&amp;</a:t>
+            </a:r>
+            <a:r>
+              <a:rPr lang="en-US" sz="1800" dirty="0">
+                <a:effectLst/>
+                <a:latin typeface="Aptos" panose="020B0004020202020204" pitchFamily="34" charset="0"/>
+                <a:ea typeface="Aptos" panose="020B0004020202020204" pitchFamily="34" charset="0"/>
+                <a:cs typeface="Times New Roman" panose="02020603050405020304" pitchFamily="18" charset="0"/>
+              </a:rPr>
+              <a:t> </a:t>
+            </a:r>
+            <a:endParaRPr lang="en-US" sz="1800" kern="100" dirty="0">
+              <a:effectLst/>
+              <a:latin typeface="Aptos" panose="020B0004020202020204" pitchFamily="34" charset="0"/>
+              <a:ea typeface="Aptos" panose="020B0004020202020204" pitchFamily="34" charset="0"/>
+              <a:cs typeface="Times New Roman" panose="02020603050405020304" pitchFamily="18" charset="0"/>
+            </a:endParaRPr>
+          </a:p>
+        </p:txBody>
+      </p:sp>
+    </p:spTree>
+    <p:extLst>
+      <p:ext uri="{BB962C8B-B14F-4D97-AF65-F5344CB8AC3E}">
+        <p14:creationId xmlns:p14="http://schemas.microsoft.com/office/powerpoint/2010/main" val="2329942937"/>
+      </p:ext>
+    </p:extLst>
+  </p:cSld>
+  <p:clrMapOvr>
+    <a:masterClrMapping/>
+  </p:clrMapOvr>
+</p:sld>
+</file>
+
 <file path=ppt/slides/slide3.xml><?xml version="1.0" encoding="utf-8"?>
 <p:sld xmlns:a="http://schemas.openxmlformats.org/drawingml/2006/main" xmlns:r="http://schemas.openxmlformats.org/officeDocument/2006/relationships" xmlns:p="http://schemas.openxmlformats.org/presentationml/2006/main">
   <p:cSld>
@@ -7804,8 +8667,8 @@
         </p:nvSpPr>
         <p:spPr>
           <a:xfrm>
-            <a:off x="1300725" y="2340156"/>
-            <a:ext cx="9590550" cy="3050828"/>
+            <a:off x="1300725" y="2340155"/>
+            <a:ext cx="9590550" cy="3419199"/>
           </a:xfrm>
         </p:spPr>
         <p:txBody>
@@ -7829,13 +8692,20 @@
                 <a:effectLst/>
                 <a:latin typeface="Times New Roman" panose="02020603050405020304" pitchFamily="18" charset="0"/>
               </a:rPr>
-              <a:t>· What countries and continents consistently produce the highest quality coffee?</a:t>
+              <a:t>· </a:t>
+            </a:r>
+            <a:r>
+              <a:rPr lang="en-US" sz="2600" b="0" i="0" dirty="0">
+                <a:effectLst/>
+                <a:latin typeface="Times New Roman" panose="02020603050405020304" pitchFamily="18" charset="0"/>
+              </a:rPr>
+              <a:t>What countries and continents consistently produce the highest quality coffee?</a:t>
             </a:r>
           </a:p>
           <a:p>
             <a:pPr algn="l"/>
             <a:r>
-              <a:rPr lang="en-US" b="0" i="0" dirty="0">
+              <a:rPr lang="en-US" sz="2600" b="0" i="0" dirty="0">
                 <a:effectLst/>
                 <a:latin typeface="Times New Roman" panose="02020603050405020304" pitchFamily="18" charset="0"/>
               </a:rPr>
@@ -7845,17 +8715,17 @@
           <a:p>
             <a:pPr algn="l"/>
             <a:r>
-              <a:rPr lang="en-US" b="0" i="0" dirty="0">
+              <a:rPr lang="en-US" sz="2600" b="0" i="0" dirty="0">
                 <a:effectLst/>
                 <a:latin typeface="Times New Roman" panose="02020603050405020304" pitchFamily="18" charset="0"/>
               </a:rPr>
-              <a:t>· What countries consume the most coffee? Does the amount of coffee produced influence consumption?</a:t>
+              <a:t>· What countries consume the most coffee? Does the amount of coffee that is produced influence consumption?</a:t>
             </a:r>
           </a:p>
           <a:p>
             <a:pPr algn="l"/>
             <a:r>
-              <a:rPr lang="en-US" b="0" i="0" dirty="0">
+              <a:rPr lang="en-US" sz="2600" b="0" i="0" dirty="0">
                 <a:effectLst/>
                 <a:latin typeface="Times New Roman" panose="02020603050405020304" pitchFamily="18" charset="0"/>
               </a:rPr>
@@ -7925,10 +8795,37 @@
         </p:spPr>
         <p:txBody>
           <a:bodyPr>
-            <a:normAutofit/>
+            <a:normAutofit fontScale="90000"/>
           </a:bodyPr>
           <a:lstStyle/>
           <a:p>
+            <a:r>
+              <a:rPr lang="en-US" sz="2400" dirty="0"/>
+              <a:t>Question: </a:t>
+            </a:r>
+            <a:br>
+              <a:rPr lang="en-US" sz="2400" dirty="0"/>
+            </a:br>
+            <a:r>
+              <a:rPr lang="en-US" sz="2200" dirty="0">
+                <a:effectLst/>
+                <a:latin typeface="Calibri" panose="020F0502020204030204" pitchFamily="34" charset="0"/>
+                <a:ea typeface="Calibri" panose="020F0502020204030204" pitchFamily="34" charset="0"/>
+                <a:cs typeface="Times New Roman" panose="02020603050405020304" pitchFamily="18" charset="0"/>
+              </a:rPr>
+              <a:t>Does weather, especially rainfall, affect the amount or quality of coffee produced?</a:t>
+            </a:r>
+            <a:br>
+              <a:rPr lang="en-US" sz="2200" dirty="0">
+                <a:effectLst/>
+                <a:latin typeface="Calibri" panose="020F0502020204030204" pitchFamily="34" charset="0"/>
+                <a:ea typeface="Calibri" panose="020F0502020204030204" pitchFamily="34" charset="0"/>
+                <a:cs typeface="Times New Roman" panose="02020603050405020304" pitchFamily="18" charset="0"/>
+              </a:rPr>
+            </a:br>
+            <a:br>
+              <a:rPr lang="en-US" sz="2200" dirty="0"/>
+            </a:br>
             <a:r>
               <a:rPr lang="en-US" sz="2400" dirty="0"/>
               <a:t>Avg rainfall vs production</a:t>
@@ -7964,8 +8861,8 @@
         </p:blipFill>
         <p:spPr>
           <a:xfrm>
-            <a:off x="3143410" y="968725"/>
-            <a:ext cx="5852172" cy="4389129"/>
+            <a:off x="3143410" y="1358016"/>
+            <a:ext cx="5673044" cy="3999838"/>
           </a:xfrm>
           <a:prstGeom prst="rect">
             <a:avLst/>
@@ -8010,7 +8907,7 @@
     </p:spTree>
     <p:extLst>
       <p:ext uri="{BB962C8B-B14F-4D97-AF65-F5344CB8AC3E}">
-        <p14:creationId xmlns:p14="http://schemas.microsoft.com/office/powerpoint/2010/main" val="3639976705"/>
+        <p14:creationId xmlns:p14="http://schemas.microsoft.com/office/powerpoint/2010/main" val="2608389838"/>
       </p:ext>
     </p:extLst>
   </p:cSld>
@@ -8475,8 +9372,21 @@
           <a:p>
             <a:r>
               <a:rPr lang="en-US" sz="2400" dirty="0"/>
-              <a:t>Mitch section space holder</a:t>
-            </a:r>
+              <a:t>Answer:</a:t>
+            </a:r>
+            <a:br>
+              <a:rPr lang="en-US" sz="2800" dirty="0"/>
+            </a:br>
+            <a:r>
+              <a:rPr lang="en-US" sz="2400" dirty="0">
+                <a:effectLst/>
+                <a:latin typeface="Calibri" panose="020F0502020204030204" pitchFamily="34" charset="0"/>
+                <a:ea typeface="Calibri" panose="020F0502020204030204" pitchFamily="34" charset="0"/>
+                <a:cs typeface="Times New Roman" panose="02020603050405020304" pitchFamily="18" charset="0"/>
+              </a:rPr>
+              <a:t>Does weather, especially rainfall, affect the amount or quality of coffee produced?</a:t>
+            </a:r>
+            <a:endParaRPr lang="en-US" sz="2400" dirty="0"/>
           </a:p>
         </p:txBody>
       </p:sp>
@@ -8494,8 +9404,8 @@
         </p:nvSpPr>
         <p:spPr>
           <a:xfrm>
-            <a:off x="1025718" y="5701085"/>
-            <a:ext cx="10861482" cy="954107"/>
+            <a:off x="850185" y="2347415"/>
+            <a:ext cx="11037015" cy="954107"/>
           </a:xfrm>
           <a:prstGeom prst="rect">
             <a:avLst/>
@@ -8518,7 +9428,7 @@
     </p:spTree>
     <p:extLst>
       <p:ext uri="{BB962C8B-B14F-4D97-AF65-F5344CB8AC3E}">
-        <p14:creationId xmlns:p14="http://schemas.microsoft.com/office/powerpoint/2010/main" val="1286670627"/>
+        <p14:creationId xmlns:p14="http://schemas.microsoft.com/office/powerpoint/2010/main" val="2682664307"/>
       </p:ext>
     </p:extLst>
   </p:cSld>
@@ -8574,8 +9484,37 @@
           <a:lstStyle/>
           <a:p>
             <a:r>
-              <a:rPr lang="en-US" sz="2400" dirty="0"/>
-              <a:t>Mitch section space holder</a:t>
+              <a:rPr lang="en-US" sz="2000" dirty="0">
+                <a:effectLst/>
+                <a:latin typeface="Calibri" panose="020F0502020204030204" pitchFamily="34" charset="0"/>
+                <a:ea typeface="Calibri" panose="020F0502020204030204" pitchFamily="34" charset="0"/>
+                <a:cs typeface="Times New Roman" panose="02020603050405020304" pitchFamily="18" charset="0"/>
+              </a:rPr>
+              <a:t>Question:</a:t>
+            </a:r>
+            <a:br>
+              <a:rPr lang="en-US" sz="2000" dirty="0">
+                <a:effectLst/>
+                <a:latin typeface="Calibri" panose="020F0502020204030204" pitchFamily="34" charset="0"/>
+                <a:ea typeface="Calibri" panose="020F0502020204030204" pitchFamily="34" charset="0"/>
+                <a:cs typeface="Times New Roman" panose="02020603050405020304" pitchFamily="18" charset="0"/>
+              </a:rPr>
+            </a:br>
+            <a:r>
+              <a:rPr lang="en-US" sz="2000" dirty="0">
+                <a:effectLst/>
+                <a:latin typeface="Calibri" panose="020F0502020204030204" pitchFamily="34" charset="0"/>
+                <a:ea typeface="Calibri" panose="020F0502020204030204" pitchFamily="34" charset="0"/>
+                <a:cs typeface="Times New Roman" panose="02020603050405020304" pitchFamily="18" charset="0"/>
+              </a:rPr>
+              <a:t>What countries and continents consistently produce the highest quality coffee ?</a:t>
+            </a:r>
+            <a:br>
+              <a:rPr lang="en-US" sz="2000" dirty="0"/>
+            </a:br>
+            <a:r>
+              <a:rPr lang="en-US" sz="2000" dirty="0"/>
+              <a:t>Total Max Production by Country</a:t>
             </a:r>
           </a:p>
         </p:txBody>
@@ -8615,10 +9554,46 @@
           </a:p>
         </p:txBody>
       </p:sp>
+      <p:pic>
+        <p:nvPicPr>
+          <p:cNvPr id="8" name="Picture 7" descr="A graph of a number of people&#10;&#10;Description automatically generated with medium confidence">
+            <a:extLst>
+              <a:ext uri="{FF2B5EF4-FFF2-40B4-BE49-F238E27FC236}">
+                <a16:creationId xmlns:a16="http://schemas.microsoft.com/office/drawing/2014/main" id="{446537D7-2511-2E0B-C626-632368134CD1}"/>
+              </a:ext>
+            </a:extLst>
+          </p:cNvPr>
+          <p:cNvPicPr>
+            <a:picLocks noChangeAspect="1"/>
+          </p:cNvPicPr>
+          <p:nvPr/>
+        </p:nvPicPr>
+        <p:blipFill>
+          <a:blip r:embed="rId2">
+            <a:extLst>
+              <a:ext uri="{28A0092B-C50C-407E-A947-70E740481C1C}">
+                <a14:useLocalDpi xmlns:a14="http://schemas.microsoft.com/office/drawing/2010/main" val="0"/>
+              </a:ext>
+            </a:extLst>
+          </a:blip>
+          <a:stretch>
+            <a:fillRect/>
+          </a:stretch>
+        </p:blipFill>
+        <p:spPr>
+          <a:xfrm>
+            <a:off x="2620370" y="1527695"/>
+            <a:ext cx="6396475" cy="4041383"/>
+          </a:xfrm>
+          <a:prstGeom prst="rect">
+            <a:avLst/>
+          </a:prstGeom>
+        </p:spPr>
+      </p:pic>
     </p:spTree>
     <p:extLst>
       <p:ext uri="{BB962C8B-B14F-4D97-AF65-F5344CB8AC3E}">
-        <p14:creationId xmlns:p14="http://schemas.microsoft.com/office/powerpoint/2010/main" val="2889487596"/>
+        <p14:creationId xmlns:p14="http://schemas.microsoft.com/office/powerpoint/2010/main" val="1286670627"/>
       </p:ext>
     </p:extLst>
   </p:cSld>

--- a/A Study of Coffee Production.pptx
+++ b/A Study of Coffee Production.pptx
@@ -319,7 +319,7 @@
           <a:p>
             <a:fld id="{88D38747-4367-4BD2-8D51-C97E202738E2}" type="datetime1">
               <a:rPr lang="en-US" smtClean="0"/>
-              <a:t>4/16/2024</a:t>
+              <a:t>4/17/2024</a:t>
             </a:fld>
             <a:endParaRPr lang="en-US" dirty="0"/>
           </a:p>
@@ -624,7 +624,7 @@
           <a:p>
             <a:fld id="{11F1B079-7EF0-44EE-B798-BCC497C9F3B2}" type="datetime1">
               <a:rPr lang="en-US" smtClean="0"/>
-              <a:t>4/16/2024</a:t>
+              <a:t>4/17/2024</a:t>
             </a:fld>
             <a:endParaRPr lang="en-US" dirty="0"/>
           </a:p>
@@ -818,7 +818,7 @@
           <a:p>
             <a:fld id="{28FF70A8-1D13-4657-95F0-A9EA54967B8D}" type="datetime1">
               <a:rPr lang="en-US" smtClean="0"/>
-              <a:t>4/16/2024</a:t>
+              <a:t>4/17/2024</a:t>
             </a:fld>
             <a:endParaRPr lang="en-US" dirty="0"/>
           </a:p>
@@ -1081,7 +1081,7 @@
           <a:p>
             <a:fld id="{21EB90AC-71BD-4C7F-8ACA-7B3F18292E63}" type="datetime1">
               <a:rPr lang="en-US" smtClean="0"/>
-              <a:t>4/16/2024</a:t>
+              <a:t>4/17/2024</a:t>
             </a:fld>
             <a:endParaRPr lang="en-US" dirty="0"/>
           </a:p>
@@ -1517,7 +1517,7 @@
           <a:p>
             <a:fld id="{4E6EFC2C-8905-46F0-B443-CE905B76BA01}" type="datetime1">
               <a:rPr lang="en-US" smtClean="0"/>
-              <a:t>4/16/2024</a:t>
+              <a:t>4/17/2024</a:t>
             </a:fld>
             <a:endParaRPr lang="en-US" dirty="0"/>
           </a:p>
@@ -2054,7 +2054,7 @@
           <a:p>
             <a:fld id="{D9079DC3-C9B5-499E-9140-0DC28B7074E2}" type="datetime1">
               <a:rPr lang="en-US" smtClean="0"/>
-              <a:t>4/16/2024</a:t>
+              <a:t>4/17/2024</a:t>
             </a:fld>
             <a:endParaRPr lang="en-US" dirty="0"/>
           </a:p>
@@ -2936,7 +2936,7 @@
           <a:p>
             <a:fld id="{30BB33EA-E472-4D22-9C03-A9C14AA21CED}" type="datetime1">
               <a:rPr lang="en-US" smtClean="0"/>
-              <a:t>4/16/2024</a:t>
+              <a:t>4/17/2024</a:t>
             </a:fld>
             <a:endParaRPr lang="en-US" dirty="0"/>
           </a:p>
@@ -3106,7 +3106,7 @@
           <a:p>
             <a:fld id="{217E833E-1B6D-415F-AD29-75AE8C43BD0D}" type="datetime1">
               <a:rPr lang="en-US" smtClean="0"/>
-              <a:t>4/16/2024</a:t>
+              <a:t>4/17/2024</a:t>
             </a:fld>
             <a:endParaRPr lang="en-US" dirty="0"/>
           </a:p>
@@ -3290,7 +3290,7 @@
           <a:p>
             <a:fld id="{8452596F-08A7-4B70-989A-F2B1CF31E66B}" type="datetime1">
               <a:rPr lang="en-US" smtClean="0"/>
-              <a:t>4/16/2024</a:t>
+              <a:t>4/17/2024</a:t>
             </a:fld>
             <a:endParaRPr lang="en-US" dirty="0"/>
           </a:p>
@@ -3460,7 +3460,7 @@
           <a:p>
             <a:fld id="{73C55A3C-5767-4844-A0A3-83778C2E5409}" type="datetime1">
               <a:rPr lang="en-US" smtClean="0"/>
-              <a:t>4/16/2024</a:t>
+              <a:t>4/17/2024</a:t>
             </a:fld>
             <a:endParaRPr lang="en-US" dirty="0"/>
           </a:p>
@@ -3704,7 +3704,7 @@
           <a:p>
             <a:fld id="{CAE507A8-A5CF-4D38-AB86-7EDDA87A85D4}" type="datetime1">
               <a:rPr lang="en-US" smtClean="0"/>
-              <a:t>4/16/2024</a:t>
+              <a:t>4/17/2024</a:t>
             </a:fld>
             <a:endParaRPr lang="en-US" dirty="0"/>
           </a:p>
@@ -3946,7 +3946,7 @@
           <a:p>
             <a:fld id="{BDFCD27C-8599-43EF-BA1D-14DDC1946E06}" type="datetime1">
               <a:rPr lang="en-US" smtClean="0"/>
-              <a:t>4/16/2024</a:t>
+              <a:t>4/17/2024</a:t>
             </a:fld>
             <a:endParaRPr lang="en-US" dirty="0"/>
           </a:p>
@@ -4429,7 +4429,7 @@
           <a:p>
             <a:fld id="{49343D99-809A-49C0-96E5-4250D0B498EE}" type="datetime1">
               <a:rPr lang="en-US" smtClean="0"/>
-              <a:t>4/16/2024</a:t>
+              <a:t>4/17/2024</a:t>
             </a:fld>
             <a:endParaRPr lang="en-US" dirty="0"/>
           </a:p>
@@ -4547,7 +4547,7 @@
           <a:p>
             <a:fld id="{A143DE9B-B678-4EFB-BB7D-A4370204A0B0}" type="datetime1">
               <a:rPr lang="en-US" smtClean="0"/>
-              <a:t>4/16/2024</a:t>
+              <a:t>4/17/2024</a:t>
             </a:fld>
             <a:endParaRPr lang="en-US" dirty="0"/>
           </a:p>
@@ -4642,7 +4642,7 @@
           <a:p>
             <a:fld id="{E68812DA-F765-4142-A6A3-A8ED7235E082}" type="datetime1">
               <a:rPr lang="en-US" smtClean="0"/>
-              <a:t>4/16/2024</a:t>
+              <a:t>4/17/2024</a:t>
             </a:fld>
             <a:endParaRPr lang="en-US" dirty="0"/>
           </a:p>
@@ -4897,7 +4897,7 @@
           <a:p>
             <a:fld id="{3E0277FD-7DE6-41D4-930D-AC99F5AFE54E}" type="datetime1">
               <a:rPr lang="en-US" smtClean="0"/>
-              <a:t>4/16/2024</a:t>
+              <a:t>4/17/2024</a:t>
             </a:fld>
             <a:endParaRPr lang="en-US" dirty="0"/>
           </a:p>
@@ -5204,7 +5204,7 @@
           <a:p>
             <a:fld id="{9EA15526-7079-4B7B-987C-1B5FAE11A0FF}" type="datetime1">
               <a:rPr lang="en-US" smtClean="0"/>
-              <a:t>4/16/2024</a:t>
+              <a:t>4/17/2024</a:t>
             </a:fld>
             <a:endParaRPr lang="en-US" dirty="0"/>
           </a:p>
@@ -5439,7 +5439,7 @@
           <a:p>
             <a:fld id="{073ED0CC-082F-4160-86E5-0D6041F12778}" type="datetime1">
               <a:rPr lang="en-US" smtClean="0"/>
-              <a:t>4/16/2024</a:t>
+              <a:t>4/17/2024</a:t>
             </a:fld>
             <a:endParaRPr lang="en-US" dirty="0"/>
           </a:p>
@@ -6234,7 +6234,7 @@
         </p:spPr>
         <p:txBody>
           <a:bodyPr>
-            <a:normAutofit fontScale="77500" lnSpcReduction="20000"/>
+            <a:normAutofit fontScale="92500" lnSpcReduction="10000"/>
           </a:bodyPr>
           <a:lstStyle/>
           <a:p>
@@ -6245,16 +6245,6 @@
             <a:r>
               <a:rPr lang="en-US" sz="1200" dirty="0"/>
               <a:t>Connery Hinson</a:t>
-            </a:r>
-          </a:p>
-          <a:p>
-            <a:pPr marL="457200" indent="-457200" algn="l">
-              <a:buFont typeface="Arial" panose="020B0604020202020204" pitchFamily="34" charset="0"/>
-              <a:buChar char="•"/>
-            </a:pPr>
-            <a:r>
-              <a:rPr lang="en-US" sz="1200" dirty="0"/>
-              <a:t>Heather Moore</a:t>
             </a:r>
           </a:p>
           <a:p>
@@ -6400,7 +6390,7 @@
                 <a:ea typeface="Calibri" panose="020F0502020204030204" pitchFamily="34" charset="0"/>
                 <a:cs typeface="Times New Roman" panose="02020603050405020304" pitchFamily="18" charset="0"/>
               </a:rPr>
-              <a:t>Total Max Production By Country</a:t>
+              <a:t>Top 5 Production By Country</a:t>
             </a:r>
             <a:br>
               <a:rPr lang="en-US" sz="1800" dirty="0">
@@ -8719,7 +8709,21 @@
                 <a:effectLst/>
                 <a:latin typeface="Times New Roman" panose="02020603050405020304" pitchFamily="18" charset="0"/>
               </a:rPr>
-              <a:t>· What countries consume the most coffee? Does the amount of coffee that is produced influence consumption?</a:t>
+              <a:t>· What countries consume the most coffee? Does the amount of coffee that is produced influence </a:t>
+            </a:r>
+            <a:r>
+              <a:rPr lang="en-US" sz="2600" dirty="0">
+                <a:effectLst/>
+                <a:latin typeface="Times New Roman" panose="02020603050405020304" pitchFamily="18" charset="0"/>
+              </a:rPr>
+              <a:t>    	</a:t>
+            </a:r>
+            <a:r>
+              <a:rPr lang="en-US" sz="2600" b="0" i="0" dirty="0">
+                <a:effectLst/>
+                <a:latin typeface="Times New Roman" panose="02020603050405020304" pitchFamily="18" charset="0"/>
+              </a:rPr>
+              <a:t>consumption?</a:t>
             </a:r>
           </a:p>
           <a:p>
@@ -9105,12 +9109,47 @@
           </a:p>
         </p:txBody>
       </p:sp>
+      <p:sp>
+        <p:nvSpPr>
+          <p:cNvPr id="5" name="TextBox 4">
+            <a:extLst>
+              <a:ext uri="{FF2B5EF4-FFF2-40B4-BE49-F238E27FC236}">
+                <a16:creationId xmlns:a16="http://schemas.microsoft.com/office/drawing/2014/main" id="{CCE19B9F-8442-FCA9-0721-E1C4AE6F7DDC}"/>
+              </a:ext>
+            </a:extLst>
+          </p:cNvPr>
+          <p:cNvSpPr txBox="1"/>
+          <p:nvPr/>
+        </p:nvSpPr>
+        <p:spPr>
+          <a:xfrm>
+            <a:off x="659958" y="5597411"/>
+            <a:ext cx="11195436" cy="954107"/>
+          </a:xfrm>
+          <a:prstGeom prst="rect">
+            <a:avLst/>
+          </a:prstGeom>
+          <a:noFill/>
+        </p:spPr>
+        <p:txBody>
+          <a:bodyPr wrap="square" rtlCol="0">
+            <a:spAutoFit/>
+          </a:bodyPr>
+          <a:lstStyle/>
+          <a:p>
+            <a:r>
+              <a:rPr lang="en-US" sz="1400" dirty="0"/>
+              <a:t># Comments on the Avg temperature vs Avg Quality analysis : Here, the null hypothesis again is that temperature has nothing to do bean quality. The p value is tiny, though, well below the 0.05 threshold. We can therefore reject the null hypothesis. Again, most coffee producing countries are in tropical or subtropical climates, but the variance in temperature within these regions affects quality. The correlation is negative, with quality trending downward as temperatures go up, and this is our alternative hypothesis, which has a very high likelihood of being true. </a:t>
+            </a:r>
+          </a:p>
+        </p:txBody>
+      </p:sp>
       <p:pic>
         <p:nvPicPr>
-          <p:cNvPr id="4" name="Picture 3">
+          <p:cNvPr id="6" name="Picture 5">
             <a:extLst>
               <a:ext uri="{FF2B5EF4-FFF2-40B4-BE49-F238E27FC236}">
-                <a16:creationId xmlns:a16="http://schemas.microsoft.com/office/drawing/2014/main" id="{344FCFEB-2D89-DA42-0B3B-5C77783DF795}"/>
+                <a16:creationId xmlns:a16="http://schemas.microsoft.com/office/drawing/2014/main" id="{A1C9B8AB-FCDC-657F-C3AD-27EA1F4A0E3B}"/>
               </a:ext>
             </a:extLst>
           </p:cNvPr>
@@ -9133,7 +9172,7 @@
         </p:blipFill>
         <p:spPr>
           <a:xfrm>
-            <a:off x="3267980" y="972041"/>
+            <a:off x="3249427" y="1120137"/>
             <a:ext cx="5852172" cy="4389129"/>
           </a:xfrm>
           <a:prstGeom prst="rect">
@@ -9141,41 +9180,6 @@
           </a:prstGeom>
         </p:spPr>
       </p:pic>
-      <p:sp>
-        <p:nvSpPr>
-          <p:cNvPr id="5" name="TextBox 4">
-            <a:extLst>
-              <a:ext uri="{FF2B5EF4-FFF2-40B4-BE49-F238E27FC236}">
-                <a16:creationId xmlns:a16="http://schemas.microsoft.com/office/drawing/2014/main" id="{CCE19B9F-8442-FCA9-0721-E1C4AE6F7DDC}"/>
-              </a:ext>
-            </a:extLst>
-          </p:cNvPr>
-          <p:cNvSpPr txBox="1"/>
-          <p:nvPr/>
-        </p:nvSpPr>
-        <p:spPr>
-          <a:xfrm>
-            <a:off x="659958" y="5597411"/>
-            <a:ext cx="11195436" cy="954107"/>
-          </a:xfrm>
-          <a:prstGeom prst="rect">
-            <a:avLst/>
-          </a:prstGeom>
-          <a:noFill/>
-        </p:spPr>
-        <p:txBody>
-          <a:bodyPr wrap="square" rtlCol="0">
-            <a:spAutoFit/>
-          </a:bodyPr>
-          <a:lstStyle/>
-          <a:p>
-            <a:r>
-              <a:rPr lang="en-US" sz="1400" dirty="0"/>
-              <a:t># Comments on the Avg temperature vs Avg Quality analysis : Here, the null hypothesis again is that temperature has nothing to do bean quality. The p value is tiny, though, well below the 0.05 threshold. We can therefore reject the null hypothesis. Again, most coffee producing countries are in tropical or subtropical climates, but the variance in temperature within these regions affects quality. The correlation is negative, with quality trending downward as temperatures go up, and this is our alternative hypothesis, which has a very high likelihood of being true. </a:t>
-            </a:r>
-          </a:p>
-        </p:txBody>
-      </p:sp>
     </p:spTree>
     <p:extLst>
       <p:ext uri="{BB962C8B-B14F-4D97-AF65-F5344CB8AC3E}">
@@ -9307,7 +9311,7 @@
           <a:p>
             <a:r>
               <a:rPr lang="en-US" sz="1400" dirty="0"/>
-              <a:t>Comments on Avg Annual Rainfall vs quality of coffee : Here, the null hypothesis is that coffee quality and avg rainfall among the coffee producing countries have nothing to do with one another. The p value turns out to be about 0.15, so we cannot reject this null hypothesis. Most coffee producing regions do get significant rainfall, but the variance within this group of coffee producing nations does not appear to significantly affect the quality of coffee produced. </a:t>
+              <a:t>Comments on Avg Annual Rainfall vs Quality of coffee : Here, the null hypothesis is that coffee quality and avg rainfall among the coffee producing countries have nothing to do with one another. The p value turns out to be about 0.15, so we cannot reject this null hypothesis. Most coffee producing regions do get significant rainfall, but the variance within this group of coffee producing nations does not appear to significantly affect the quality of coffee produced. </a:t>
             </a:r>
           </a:p>
         </p:txBody>
@@ -9405,7 +9409,7 @@
         <p:spPr>
           <a:xfrm>
             <a:off x="850185" y="2347415"/>
-            <a:ext cx="11037015" cy="954107"/>
+            <a:ext cx="11037015" cy="1600438"/>
           </a:xfrm>
           <a:prstGeom prst="rect">
             <a:avLst/>
@@ -9420,7 +9424,65 @@
           <a:p>
             <a:r>
               <a:rPr lang="en-US" sz="1400" dirty="0"/>
-              <a:t>Comments on Avg Annual Rainfall vs quality of coffee : Here, the null hypothesis is that coffee quality and avg rainfall among the coffee producing countries have nothing to do with one another. The p value turns out to be about 0.15, so we cannot reject this null hypothesis. Most coffee producing regions do get significant rainfall, but the variance within this group of coffee producing nations does not appear to significantly affect the quality of coffee produced. </a:t>
+              <a:t>In asking the question about how much and weather, we discovered that some factors seemed to matter more than others. </a:t>
+            </a:r>
+          </a:p>
+          <a:p>
+            <a:endParaRPr lang="en-US" sz="1400" dirty="0"/>
+          </a:p>
+          <a:p>
+            <a:pPr marL="285750" indent="-285750">
+              <a:buFont typeface="Arial" panose="020B0604020202020204" pitchFamily="34" charset="0"/>
+              <a:buChar char="•"/>
+            </a:pPr>
+            <a:r>
+              <a:rPr lang="en-US" sz="1400" dirty="0"/>
+              <a:t>In terms of production, it looks like rainfall did not matter how much coffee was produced, at least among these coffee producing nations. However, the quantity of production rose as temperatures rose, as indicated by the p values for each figure.</a:t>
+            </a:r>
+          </a:p>
+          <a:p>
+            <a:pPr marL="285750" indent="-285750">
+              <a:buFont typeface="Arial" panose="020B0604020202020204" pitchFamily="34" charset="0"/>
+              <a:buChar char="•"/>
+            </a:pPr>
+            <a:r>
+              <a:rPr lang="en-US" sz="1400" dirty="0"/>
+              <a:t>In terms of quality of the coffee, we found a correlation for temperature, with quality trending downward as temperatures rose. However, rainfall amounts within this subset did not appear to affect quality. The so-called ‘perfect’ average temperature to grow the best beans appears to be around 18 Celsius, or 65 Fahrenheit.</a:t>
+            </a:r>
+          </a:p>
+        </p:txBody>
+      </p:sp>
+      <p:sp>
+        <p:nvSpPr>
+          <p:cNvPr id="3" name="TextBox 2">
+            <a:extLst>
+              <a:ext uri="{FF2B5EF4-FFF2-40B4-BE49-F238E27FC236}">
+                <a16:creationId xmlns:a16="http://schemas.microsoft.com/office/drawing/2014/main" id="{3F461C2E-8A9F-04B5-9D9A-7C8F3F0FE852}"/>
+              </a:ext>
+            </a:extLst>
+          </p:cNvPr>
+          <p:cNvSpPr txBox="1"/>
+          <p:nvPr/>
+        </p:nvSpPr>
+        <p:spPr>
+          <a:xfrm>
+            <a:off x="1152939" y="4858247"/>
+            <a:ext cx="9947082" cy="954107"/>
+          </a:xfrm>
+          <a:prstGeom prst="rect">
+            <a:avLst/>
+          </a:prstGeom>
+          <a:noFill/>
+        </p:spPr>
+        <p:txBody>
+          <a:bodyPr wrap="square" rtlCol="0">
+            <a:spAutoFit/>
+          </a:bodyPr>
+          <a:lstStyle/>
+          <a:p>
+            <a:r>
+              <a:rPr lang="en-US" sz="1400" dirty="0"/>
+              <a:t>There are some limitations of the data we used. First of all, all of the top coffee producing countries are in tropical or subtropical climates, so the temperature and rainfall variations studied were within a fairly narrow range. Whether or not coffee could be reliably produced in colder or drier climes these countries is beyond the scope of these data. Also, the country of Brazil dwarfs the production of most other countries, and produces quite high quality beans as well, so their production alone has an outsized influence on the analysis. </a:t>
             </a:r>
           </a:p>
         </p:txBody>

--- a/A Study of Coffee Production.pptx
+++ b/A Study of Coffee Production.pptx
@@ -14,15 +14,18 @@
     <p:sldId id="264" r:id="rId8"/>
     <p:sldId id="269" r:id="rId9"/>
     <p:sldId id="274" r:id="rId10"/>
-    <p:sldId id="275" r:id="rId11"/>
-    <p:sldId id="273" r:id="rId12"/>
-    <p:sldId id="265" r:id="rId13"/>
-    <p:sldId id="266" r:id="rId14"/>
-    <p:sldId id="267" r:id="rId15"/>
-    <p:sldId id="268" r:id="rId16"/>
-    <p:sldId id="270" r:id="rId17"/>
-    <p:sldId id="271" r:id="rId18"/>
-    <p:sldId id="272" r:id="rId19"/>
+    <p:sldId id="276" r:id="rId11"/>
+    <p:sldId id="275" r:id="rId12"/>
+    <p:sldId id="273" r:id="rId13"/>
+    <p:sldId id="277" r:id="rId14"/>
+    <p:sldId id="278" r:id="rId15"/>
+    <p:sldId id="265" r:id="rId16"/>
+    <p:sldId id="266" r:id="rId17"/>
+    <p:sldId id="267" r:id="rId18"/>
+    <p:sldId id="268" r:id="rId19"/>
+    <p:sldId id="270" r:id="rId20"/>
+    <p:sldId id="271" r:id="rId21"/>
+    <p:sldId id="272" r:id="rId22"/>
   </p:sldIdLst>
   <p:sldSz cx="12192000" cy="6858000"/>
   <p:notesSz cx="6858000" cy="9144000"/>
@@ -129,6 +132,421 @@
 </p:presentation>
 </file>
 
+<file path=ppt/revisionInfo.xml><?xml version="1.0" encoding="utf-8"?>
+<p1510:revInfo xmlns:a="http://schemas.openxmlformats.org/drawingml/2006/main" xmlns:r="http://schemas.openxmlformats.org/officeDocument/2006/relationships" xmlns:p1510="http://schemas.microsoft.com/office/powerpoint/2015/10/main">
+  <p1510:revLst>
+    <p1510:client id="{8E4CCB9F-856B-4486-82D7-26C124C3AB48}" v="7" dt="2024-04-18T00:23:38.785"/>
+  </p1510:revLst>
+</p1510:revInfo>
+</file>
+
+<file path=ppt/changesInfos/changesInfo1.xml><?xml version="1.0" encoding="utf-8"?>
+<pc:chgInfo xmlns:a="http://schemas.openxmlformats.org/drawingml/2006/main" xmlns:r="http://schemas.openxmlformats.org/officeDocument/2006/relationships" xmlns:ac="http://schemas.microsoft.com/office/drawing/2013/main/command" xmlns:pc="http://schemas.microsoft.com/office/powerpoint/2013/main/command">
+  <pc:docChgLst>
+    <pc:chgData name="Mitchell Hatchett" userId="c58322c0a5d5c61d" providerId="LiveId" clId="{8E4CCB9F-856B-4486-82D7-26C124C3AB48}"/>
+    <pc:docChg chg="undo custSel addSld modSld">
+      <pc:chgData name="Mitchell Hatchett" userId="c58322c0a5d5c61d" providerId="LiveId" clId="{8E4CCB9F-856B-4486-82D7-26C124C3AB48}" dt="2024-04-18T00:23:57.876" v="1047" actId="20577"/>
+      <pc:docMkLst>
+        <pc:docMk/>
+      </pc:docMkLst>
+      <pc:sldChg chg="addSp delSp modSp mod modClrScheme chgLayout">
+        <pc:chgData name="Mitchell Hatchett" userId="c58322c0a5d5c61d" providerId="LiveId" clId="{8E4CCB9F-856B-4486-82D7-26C124C3AB48}" dt="2024-04-17T23:55:33.277" v="261" actId="26606"/>
+        <pc:sldMkLst>
+          <pc:docMk/>
+          <pc:sldMk cId="1286670627" sldId="269"/>
+        </pc:sldMkLst>
+        <pc:spChg chg="del">
+          <ac:chgData name="Mitchell Hatchett" userId="c58322c0a5d5c61d" providerId="LiveId" clId="{8E4CCB9F-856B-4486-82D7-26C124C3AB48}" dt="2024-04-17T23:47:05.723" v="1" actId="478"/>
+          <ac:spMkLst>
+            <pc:docMk/>
+            <pc:sldMk cId="1286670627" sldId="269"/>
+            <ac:spMk id="2" creationId="{4E50B996-81AE-4E75-1F3D-1FBFBC318B4A}"/>
+          </ac:spMkLst>
+        </pc:spChg>
+        <pc:spChg chg="del mod">
+          <ac:chgData name="Mitchell Hatchett" userId="c58322c0a5d5c61d" providerId="LiveId" clId="{8E4CCB9F-856B-4486-82D7-26C124C3AB48}" dt="2024-04-17T23:54:43.776" v="252"/>
+          <ac:spMkLst>
+            <pc:docMk/>
+            <pc:sldMk cId="1286670627" sldId="269"/>
+            <ac:spMk id="5" creationId="{D1E369A4-07E9-E30A-5237-6149C7EAC6BF}"/>
+          </ac:spMkLst>
+        </pc:spChg>
+        <pc:spChg chg="add del mod">
+          <ac:chgData name="Mitchell Hatchett" userId="c58322c0a5d5c61d" providerId="LiveId" clId="{8E4CCB9F-856B-4486-82D7-26C124C3AB48}" dt="2024-04-17T23:55:31.750" v="258" actId="26606"/>
+          <ac:spMkLst>
+            <pc:docMk/>
+            <pc:sldMk cId="1286670627" sldId="269"/>
+            <ac:spMk id="13" creationId="{9385FE86-B0DB-158E-241C-296513F2B0A4}"/>
+          </ac:spMkLst>
+        </pc:spChg>
+        <pc:picChg chg="mod">
+          <ac:chgData name="Mitchell Hatchett" userId="c58322c0a5d5c61d" providerId="LiveId" clId="{8E4CCB9F-856B-4486-82D7-26C124C3AB48}" dt="2024-04-17T23:55:33.277" v="261" actId="26606"/>
+          <ac:picMkLst>
+            <pc:docMk/>
+            <pc:sldMk cId="1286670627" sldId="269"/>
+            <ac:picMk id="8" creationId="{446537D7-2511-2E0B-C626-632368134CD1}"/>
+          </ac:picMkLst>
+        </pc:picChg>
+      </pc:sldChg>
+      <pc:sldChg chg="modSp mod modClrScheme chgLayout">
+        <pc:chgData name="Mitchell Hatchett" userId="c58322c0a5d5c61d" providerId="LiveId" clId="{8E4CCB9F-856B-4486-82D7-26C124C3AB48}" dt="2024-04-18T00:04:17.643" v="998" actId="20577"/>
+        <pc:sldMkLst>
+          <pc:docMk/>
+          <pc:sldMk cId="2762001895" sldId="273"/>
+        </pc:sldMkLst>
+        <pc:spChg chg="mod">
+          <ac:chgData name="Mitchell Hatchett" userId="c58322c0a5d5c61d" providerId="LiveId" clId="{8E4CCB9F-856B-4486-82D7-26C124C3AB48}" dt="2024-04-18T00:04:17.643" v="998" actId="20577"/>
+          <ac:spMkLst>
+            <pc:docMk/>
+            <pc:sldMk cId="2762001895" sldId="273"/>
+            <ac:spMk id="2" creationId="{4E50B996-81AE-4E75-1F3D-1FBFBC318B4A}"/>
+          </ac:spMkLst>
+        </pc:spChg>
+        <pc:spChg chg="mod ord">
+          <ac:chgData name="Mitchell Hatchett" userId="c58322c0a5d5c61d" providerId="LiveId" clId="{8E4CCB9F-856B-4486-82D7-26C124C3AB48}" dt="2024-04-18T00:03:59.404" v="954" actId="26606"/>
+          <ac:spMkLst>
+            <pc:docMk/>
+            <pc:sldMk cId="2762001895" sldId="273"/>
+            <ac:spMk id="5" creationId="{D1E369A4-07E9-E30A-5237-6149C7EAC6BF}"/>
+          </ac:spMkLst>
+        </pc:spChg>
+        <pc:picChg chg="mod">
+          <ac:chgData name="Mitchell Hatchett" userId="c58322c0a5d5c61d" providerId="LiveId" clId="{8E4CCB9F-856B-4486-82D7-26C124C3AB48}" dt="2024-04-18T00:03:59.404" v="954" actId="26606"/>
+          <ac:picMkLst>
+            <pc:docMk/>
+            <pc:sldMk cId="2762001895" sldId="273"/>
+            <ac:picMk id="4" creationId="{44AB07C4-60B6-9676-3E46-A6D4E22F4DD0}"/>
+          </ac:picMkLst>
+        </pc:picChg>
+      </pc:sldChg>
+      <pc:sldChg chg="addSp delSp modSp mod modClrScheme chgLayout">
+        <pc:chgData name="Mitchell Hatchett" userId="c58322c0a5d5c61d" providerId="LiveId" clId="{8E4CCB9F-856B-4486-82D7-26C124C3AB48}" dt="2024-04-18T00:01:22.727" v="592" actId="26606"/>
+        <pc:sldMkLst>
+          <pc:docMk/>
+          <pc:sldMk cId="2889487596" sldId="274"/>
+        </pc:sldMkLst>
+        <pc:spChg chg="del">
+          <ac:chgData name="Mitchell Hatchett" userId="c58322c0a5d5c61d" providerId="LiveId" clId="{8E4CCB9F-856B-4486-82D7-26C124C3AB48}" dt="2024-04-17T23:46:56.121" v="0" actId="478"/>
+          <ac:spMkLst>
+            <pc:docMk/>
+            <pc:sldMk cId="2889487596" sldId="274"/>
+            <ac:spMk id="2" creationId="{4E50B996-81AE-4E75-1F3D-1FBFBC318B4A}"/>
+          </ac:spMkLst>
+        </pc:spChg>
+        <pc:spChg chg="add mod ord">
+          <ac:chgData name="Mitchell Hatchett" userId="c58322c0a5d5c61d" providerId="LiveId" clId="{8E4CCB9F-856B-4486-82D7-26C124C3AB48}" dt="2024-04-18T00:01:22.727" v="592" actId="26606"/>
+          <ac:spMkLst>
+            <pc:docMk/>
+            <pc:sldMk cId="2889487596" sldId="274"/>
+            <ac:spMk id="3" creationId="{7383A721-BC00-1BE8-83FA-A81C29FC8DEC}"/>
+          </ac:spMkLst>
+        </pc:spChg>
+        <pc:spChg chg="del mod">
+          <ac:chgData name="Mitchell Hatchett" userId="c58322c0a5d5c61d" providerId="LiveId" clId="{8E4CCB9F-856B-4486-82D7-26C124C3AB48}" dt="2024-04-17T23:48:14.289" v="111"/>
+          <ac:spMkLst>
+            <pc:docMk/>
+            <pc:sldMk cId="2889487596" sldId="274"/>
+            <ac:spMk id="5" creationId="{D1E369A4-07E9-E30A-5237-6149C7EAC6BF}"/>
+          </ac:spMkLst>
+        </pc:spChg>
+        <pc:spChg chg="add del mod">
+          <ac:chgData name="Mitchell Hatchett" userId="c58322c0a5d5c61d" providerId="LiveId" clId="{8E4CCB9F-856B-4486-82D7-26C124C3AB48}" dt="2024-04-17T23:54:04.416" v="195" actId="26606"/>
+          <ac:spMkLst>
+            <pc:docMk/>
+            <pc:sldMk cId="2889487596" sldId="274"/>
+            <ac:spMk id="6" creationId="{F6AD654D-BDD4-FC71-8746-32E3A2F9867C}"/>
+          </ac:spMkLst>
+        </pc:spChg>
+        <pc:spChg chg="add mod">
+          <ac:chgData name="Mitchell Hatchett" userId="c58322c0a5d5c61d" providerId="LiveId" clId="{8E4CCB9F-856B-4486-82D7-26C124C3AB48}" dt="2024-04-18T00:01:22.727" v="592" actId="26606"/>
+          <ac:spMkLst>
+            <pc:docMk/>
+            <pc:sldMk cId="2889487596" sldId="274"/>
+            <ac:spMk id="8" creationId="{79A1700D-FD9E-29D8-1BFA-96FC3C7A28AA}"/>
+          </ac:spMkLst>
+        </pc:spChg>
+        <pc:spChg chg="add del mod">
+          <ac:chgData name="Mitchell Hatchett" userId="c58322c0a5d5c61d" providerId="LiveId" clId="{8E4CCB9F-856B-4486-82D7-26C124C3AB48}" dt="2024-04-17T23:53:55.031" v="187" actId="26606"/>
+          <ac:spMkLst>
+            <pc:docMk/>
+            <pc:sldMk cId="2889487596" sldId="274"/>
+            <ac:spMk id="9" creationId="{638D7510-F547-997E-AD6E-BD1B0DB1B3D2}"/>
+          </ac:spMkLst>
+        </pc:spChg>
+        <pc:spChg chg="add del mod">
+          <ac:chgData name="Mitchell Hatchett" userId="c58322c0a5d5c61d" providerId="LiveId" clId="{8E4CCB9F-856B-4486-82D7-26C124C3AB48}" dt="2024-04-17T23:53:55.972" v="189" actId="26606"/>
+          <ac:spMkLst>
+            <pc:docMk/>
+            <pc:sldMk cId="2889487596" sldId="274"/>
+            <ac:spMk id="11" creationId="{59AD412C-AF8A-BF79-B3FE-EE70C4D3E8CC}"/>
+          </ac:spMkLst>
+        </pc:spChg>
+        <pc:spChg chg="add del mod">
+          <ac:chgData name="Mitchell Hatchett" userId="c58322c0a5d5c61d" providerId="LiveId" clId="{8E4CCB9F-856B-4486-82D7-26C124C3AB48}" dt="2024-04-17T23:53:56.415" v="191" actId="26606"/>
+          <ac:spMkLst>
+            <pc:docMk/>
+            <pc:sldMk cId="2889487596" sldId="274"/>
+            <ac:spMk id="13" creationId="{F6AD654D-BDD4-FC71-8746-32E3A2F9867C}"/>
+          </ac:spMkLst>
+        </pc:spChg>
+        <pc:picChg chg="add mod">
+          <ac:chgData name="Mitchell Hatchett" userId="c58322c0a5d5c61d" providerId="LiveId" clId="{8E4CCB9F-856B-4486-82D7-26C124C3AB48}" dt="2024-04-18T00:01:22.727" v="592" actId="26606"/>
+          <ac:picMkLst>
+            <pc:docMk/>
+            <pc:sldMk cId="2889487596" sldId="274"/>
+            <ac:picMk id="4" creationId="{544EF777-4FD6-3B1A-B255-7EDBD1D09943}"/>
+          </ac:picMkLst>
+        </pc:picChg>
+        <pc:picChg chg="del mod">
+          <ac:chgData name="Mitchell Hatchett" userId="c58322c0a5d5c61d" providerId="LiveId" clId="{8E4CCB9F-856B-4486-82D7-26C124C3AB48}" dt="2024-04-17T23:53:15.068" v="182" actId="478"/>
+          <ac:picMkLst>
+            <pc:docMk/>
+            <pc:sldMk cId="2889487596" sldId="274"/>
+            <ac:picMk id="7" creationId="{BCD64477-8F48-5A71-0852-94D56F73196C}"/>
+          </ac:picMkLst>
+        </pc:picChg>
+      </pc:sldChg>
+      <pc:sldChg chg="modSp mod modClrScheme chgLayout">
+        <pc:chgData name="Mitchell Hatchett" userId="c58322c0a5d5c61d" providerId="LiveId" clId="{8E4CCB9F-856B-4486-82D7-26C124C3AB48}" dt="2024-04-18T00:03:00.483" v="790" actId="20577"/>
+        <pc:sldMkLst>
+          <pc:docMk/>
+          <pc:sldMk cId="2406737080" sldId="275"/>
+        </pc:sldMkLst>
+        <pc:spChg chg="mod">
+          <ac:chgData name="Mitchell Hatchett" userId="c58322c0a5d5c61d" providerId="LiveId" clId="{8E4CCB9F-856B-4486-82D7-26C124C3AB48}" dt="2024-04-18T00:03:00.483" v="790" actId="20577"/>
+          <ac:spMkLst>
+            <pc:docMk/>
+            <pc:sldMk cId="2406737080" sldId="275"/>
+            <ac:spMk id="2" creationId="{4E50B996-81AE-4E75-1F3D-1FBFBC318B4A}"/>
+          </ac:spMkLst>
+        </pc:spChg>
+        <pc:spChg chg="mod ord">
+          <ac:chgData name="Mitchell Hatchett" userId="c58322c0a5d5c61d" providerId="LiveId" clId="{8E4CCB9F-856B-4486-82D7-26C124C3AB48}" dt="2024-04-18T00:02:35.557" v="732" actId="26606"/>
+          <ac:spMkLst>
+            <pc:docMk/>
+            <pc:sldMk cId="2406737080" sldId="275"/>
+            <ac:spMk id="5" creationId="{D1E369A4-07E9-E30A-5237-6149C7EAC6BF}"/>
+          </ac:spMkLst>
+        </pc:spChg>
+        <pc:picChg chg="mod">
+          <ac:chgData name="Mitchell Hatchett" userId="c58322c0a5d5c61d" providerId="LiveId" clId="{8E4CCB9F-856B-4486-82D7-26C124C3AB48}" dt="2024-04-18T00:02:35.557" v="732" actId="26606"/>
+          <ac:picMkLst>
+            <pc:docMk/>
+            <pc:sldMk cId="2406737080" sldId="275"/>
+            <ac:picMk id="4" creationId="{CA3824BC-7F23-DA7C-B839-4D99FB29C027}"/>
+          </ac:picMkLst>
+        </pc:picChg>
+      </pc:sldChg>
+      <pc:sldChg chg="addSp delSp modSp new mod modClrScheme chgLayout">
+        <pc:chgData name="Mitchell Hatchett" userId="c58322c0a5d5c61d" providerId="LiveId" clId="{8E4CCB9F-856B-4486-82D7-26C124C3AB48}" dt="2024-04-18T00:01:10.037" v="591" actId="26606"/>
+        <pc:sldMkLst>
+          <pc:docMk/>
+          <pc:sldMk cId="1978639848" sldId="276"/>
+        </pc:sldMkLst>
+        <pc:spChg chg="mod">
+          <ac:chgData name="Mitchell Hatchett" userId="c58322c0a5d5c61d" providerId="LiveId" clId="{8E4CCB9F-856B-4486-82D7-26C124C3AB48}" dt="2024-04-18T00:01:10.037" v="591" actId="26606"/>
+          <ac:spMkLst>
+            <pc:docMk/>
+            <pc:sldMk cId="1978639848" sldId="276"/>
+            <ac:spMk id="2" creationId="{16635E81-7C42-016D-24B9-C03FF7C9118A}"/>
+          </ac:spMkLst>
+        </pc:spChg>
+        <pc:spChg chg="del">
+          <ac:chgData name="Mitchell Hatchett" userId="c58322c0a5d5c61d" providerId="LiveId" clId="{8E4CCB9F-856B-4486-82D7-26C124C3AB48}" dt="2024-04-17T23:57:06.697" v="468" actId="931"/>
+          <ac:spMkLst>
+            <pc:docMk/>
+            <pc:sldMk cId="1978639848" sldId="276"/>
+            <ac:spMk id="3" creationId="{43BC63C6-EFAF-7FBC-437F-F4B9D3DEE1FD}"/>
+          </ac:spMkLst>
+        </pc:spChg>
+        <pc:spChg chg="del">
+          <ac:chgData name="Mitchell Hatchett" userId="c58322c0a5d5c61d" providerId="LiveId" clId="{8E4CCB9F-856B-4486-82D7-26C124C3AB48}" dt="2024-04-18T00:00:13.098" v="516" actId="26606"/>
+          <ac:spMkLst>
+            <pc:docMk/>
+            <pc:sldMk cId="1978639848" sldId="276"/>
+            <ac:spMk id="4" creationId="{772A03F4-73A9-1CFD-D37C-2234E56F4B55}"/>
+          </ac:spMkLst>
+        </pc:spChg>
+        <pc:spChg chg="add del mod">
+          <ac:chgData name="Mitchell Hatchett" userId="c58322c0a5d5c61d" providerId="LiveId" clId="{8E4CCB9F-856B-4486-82D7-26C124C3AB48}" dt="2024-04-17T23:59:59.163" v="513" actId="931"/>
+          <ac:spMkLst>
+            <pc:docMk/>
+            <pc:sldMk cId="1978639848" sldId="276"/>
+            <ac:spMk id="8" creationId="{EAAE0879-D084-BB70-1C7C-587A24CC837F}"/>
+          </ac:spMkLst>
+        </pc:spChg>
+        <pc:spChg chg="add mod">
+          <ac:chgData name="Mitchell Hatchett" userId="c58322c0a5d5c61d" providerId="LiveId" clId="{8E4CCB9F-856B-4486-82D7-26C124C3AB48}" dt="2024-04-18T00:01:10.037" v="591" actId="26606"/>
+          <ac:spMkLst>
+            <pc:docMk/>
+            <pc:sldMk cId="1978639848" sldId="276"/>
+            <ac:spMk id="15" creationId="{060921CC-50CD-793A-0E10-673D1F89DA51}"/>
+          </ac:spMkLst>
+        </pc:spChg>
+        <pc:picChg chg="add del mod">
+          <ac:chgData name="Mitchell Hatchett" userId="c58322c0a5d5c61d" providerId="LiveId" clId="{8E4CCB9F-856B-4486-82D7-26C124C3AB48}" dt="2024-04-17T23:57:15.847" v="471" actId="478"/>
+          <ac:picMkLst>
+            <pc:docMk/>
+            <pc:sldMk cId="1978639848" sldId="276"/>
+            <ac:picMk id="6" creationId="{7E0CFFFD-DD7D-7B39-E9CC-AD4B5A2F160F}"/>
+          </ac:picMkLst>
+        </pc:picChg>
+        <pc:picChg chg="add mod">
+          <ac:chgData name="Mitchell Hatchett" userId="c58322c0a5d5c61d" providerId="LiveId" clId="{8E4CCB9F-856B-4486-82D7-26C124C3AB48}" dt="2024-04-18T00:01:10.037" v="591" actId="26606"/>
+          <ac:picMkLst>
+            <pc:docMk/>
+            <pc:sldMk cId="1978639848" sldId="276"/>
+            <ac:picMk id="10" creationId="{9C0D097C-B5D0-2B3D-6250-491558FFB147}"/>
+          </ac:picMkLst>
+        </pc:picChg>
+      </pc:sldChg>
+      <pc:sldChg chg="addSp delSp modSp new mod modClrScheme chgLayout">
+        <pc:chgData name="Mitchell Hatchett" userId="c58322c0a5d5c61d" providerId="LiveId" clId="{8E4CCB9F-856B-4486-82D7-26C124C3AB48}" dt="2024-04-18T00:23:00.467" v="1006"/>
+        <pc:sldMkLst>
+          <pc:docMk/>
+          <pc:sldMk cId="3215587714" sldId="277"/>
+        </pc:sldMkLst>
+        <pc:spChg chg="del">
+          <ac:chgData name="Mitchell Hatchett" userId="c58322c0a5d5c61d" providerId="LiveId" clId="{8E4CCB9F-856B-4486-82D7-26C124C3AB48}" dt="2024-04-18T00:10:04.664" v="1003" actId="26606"/>
+          <ac:spMkLst>
+            <pc:docMk/>
+            <pc:sldMk cId="3215587714" sldId="277"/>
+            <ac:spMk id="2" creationId="{0EDEEE48-EC59-616C-F625-6DF888CA8640}"/>
+          </ac:spMkLst>
+        </pc:spChg>
+        <pc:spChg chg="del">
+          <ac:chgData name="Mitchell Hatchett" userId="c58322c0a5d5c61d" providerId="LiveId" clId="{8E4CCB9F-856B-4486-82D7-26C124C3AB48}" dt="2024-04-18T00:10:01.468" v="1000" actId="931"/>
+          <ac:spMkLst>
+            <pc:docMk/>
+            <pc:sldMk cId="3215587714" sldId="277"/>
+            <ac:spMk id="3" creationId="{4DECA61E-6C6A-961F-3031-78E65C82216C}"/>
+          </ac:spMkLst>
+        </pc:spChg>
+        <pc:spChg chg="del">
+          <ac:chgData name="Mitchell Hatchett" userId="c58322c0a5d5c61d" providerId="LiveId" clId="{8E4CCB9F-856B-4486-82D7-26C124C3AB48}" dt="2024-04-18T00:10:04.664" v="1003" actId="26606"/>
+          <ac:spMkLst>
+            <pc:docMk/>
+            <pc:sldMk cId="3215587714" sldId="277"/>
+            <ac:spMk id="4" creationId="{BD6DEFAF-503D-8DCF-9AF4-035209B09728}"/>
+          </ac:spMkLst>
+        </pc:spChg>
+        <pc:spChg chg="add del mod">
+          <ac:chgData name="Mitchell Hatchett" userId="c58322c0a5d5c61d" providerId="LiveId" clId="{8E4CCB9F-856B-4486-82D7-26C124C3AB48}" dt="2024-04-18T00:10:40.801" v="1004" actId="26606"/>
+          <ac:spMkLst>
+            <pc:docMk/>
+            <pc:sldMk cId="3215587714" sldId="277"/>
+            <ac:spMk id="11" creationId="{F849820A-84C2-FD4E-78AB-DFA3B9B962C1}"/>
+          </ac:spMkLst>
+        </pc:spChg>
+        <pc:spChg chg="add del mod">
+          <ac:chgData name="Mitchell Hatchett" userId="c58322c0a5d5c61d" providerId="LiveId" clId="{8E4CCB9F-856B-4486-82D7-26C124C3AB48}" dt="2024-04-18T00:10:40.801" v="1004" actId="26606"/>
+          <ac:spMkLst>
+            <pc:docMk/>
+            <pc:sldMk cId="3215587714" sldId="277"/>
+            <ac:spMk id="13" creationId="{31C0CD31-07B4-A826-8FBD-948D9B587D15}"/>
+          </ac:spMkLst>
+        </pc:spChg>
+        <pc:spChg chg="add mod">
+          <ac:chgData name="Mitchell Hatchett" userId="c58322c0a5d5c61d" providerId="LiveId" clId="{8E4CCB9F-856B-4486-82D7-26C124C3AB48}" dt="2024-04-18T00:22:55.367" v="1005"/>
+          <ac:spMkLst>
+            <pc:docMk/>
+            <pc:sldMk cId="3215587714" sldId="277"/>
+            <ac:spMk id="18" creationId="{A8B65ABF-AF7F-4AFC-B7FB-63EE492E2948}"/>
+          </ac:spMkLst>
+        </pc:spChg>
+        <pc:spChg chg="add mod">
+          <ac:chgData name="Mitchell Hatchett" userId="c58322c0a5d5c61d" providerId="LiveId" clId="{8E4CCB9F-856B-4486-82D7-26C124C3AB48}" dt="2024-04-18T00:23:00.467" v="1006"/>
+          <ac:spMkLst>
+            <pc:docMk/>
+            <pc:sldMk cId="3215587714" sldId="277"/>
+            <ac:spMk id="20" creationId="{DD5BE557-09E1-FF46-6AF2-8D2A3CDEECAF}"/>
+          </ac:spMkLst>
+        </pc:spChg>
+        <pc:picChg chg="add mod">
+          <ac:chgData name="Mitchell Hatchett" userId="c58322c0a5d5c61d" providerId="LiveId" clId="{8E4CCB9F-856B-4486-82D7-26C124C3AB48}" dt="2024-04-18T00:10:40.801" v="1004" actId="26606"/>
+          <ac:picMkLst>
+            <pc:docMk/>
+            <pc:sldMk cId="3215587714" sldId="277"/>
+            <ac:picMk id="6" creationId="{091DA132-6F4E-FFB9-6C33-99FDDE631735}"/>
+          </ac:picMkLst>
+        </pc:picChg>
+      </pc:sldChg>
+      <pc:sldChg chg="addSp delSp modSp new mod modClrScheme chgLayout">
+        <pc:chgData name="Mitchell Hatchett" userId="c58322c0a5d5c61d" providerId="LiveId" clId="{8E4CCB9F-856B-4486-82D7-26C124C3AB48}" dt="2024-04-18T00:23:57.876" v="1047" actId="20577"/>
+        <pc:sldMkLst>
+          <pc:docMk/>
+          <pc:sldMk cId="1536241654" sldId="278"/>
+        </pc:sldMkLst>
+        <pc:spChg chg="del">
+          <ac:chgData name="Mitchell Hatchett" userId="c58322c0a5d5c61d" providerId="LiveId" clId="{8E4CCB9F-856B-4486-82D7-26C124C3AB48}" dt="2024-04-18T00:23:40.373" v="1014" actId="26606"/>
+          <ac:spMkLst>
+            <pc:docMk/>
+            <pc:sldMk cId="1536241654" sldId="278"/>
+            <ac:spMk id="2" creationId="{A213AF47-0A17-41E1-34F8-F69192056DBB}"/>
+          </ac:spMkLst>
+        </pc:spChg>
+        <pc:spChg chg="del">
+          <ac:chgData name="Mitchell Hatchett" userId="c58322c0a5d5c61d" providerId="LiveId" clId="{8E4CCB9F-856B-4486-82D7-26C124C3AB48}" dt="2024-04-18T00:23:29.849" v="1008" actId="931"/>
+          <ac:spMkLst>
+            <pc:docMk/>
+            <pc:sldMk cId="1536241654" sldId="278"/>
+            <ac:spMk id="3" creationId="{B7BBA2C6-A4D8-1B35-3B08-5BAB2027A4FB}"/>
+          </ac:spMkLst>
+        </pc:spChg>
+        <pc:spChg chg="del">
+          <ac:chgData name="Mitchell Hatchett" userId="c58322c0a5d5c61d" providerId="LiveId" clId="{8E4CCB9F-856B-4486-82D7-26C124C3AB48}" dt="2024-04-18T00:23:40.373" v="1014" actId="26606"/>
+          <ac:spMkLst>
+            <pc:docMk/>
+            <pc:sldMk cId="1536241654" sldId="278"/>
+            <ac:spMk id="4" creationId="{543E6425-DE8E-D7B8-E5FA-09C4E4DED205}"/>
+          </ac:spMkLst>
+        </pc:spChg>
+        <pc:spChg chg="add mod">
+          <ac:chgData name="Mitchell Hatchett" userId="c58322c0a5d5c61d" providerId="LiveId" clId="{8E4CCB9F-856B-4486-82D7-26C124C3AB48}" dt="2024-04-18T00:23:57.876" v="1047" actId="20577"/>
+          <ac:spMkLst>
+            <pc:docMk/>
+            <pc:sldMk cId="1536241654" sldId="278"/>
+            <ac:spMk id="13" creationId="{F7C0F441-74BB-4A51-F58B-BC1702343F57}"/>
+          </ac:spMkLst>
+        </pc:spChg>
+        <pc:spChg chg="add mod">
+          <ac:chgData name="Mitchell Hatchett" userId="c58322c0a5d5c61d" providerId="LiveId" clId="{8E4CCB9F-856B-4486-82D7-26C124C3AB48}" dt="2024-04-18T00:23:49.988" v="1025" actId="20577"/>
+          <ac:spMkLst>
+            <pc:docMk/>
+            <pc:sldMk cId="1536241654" sldId="278"/>
+            <ac:spMk id="15" creationId="{33CD28B0-C927-1D0B-E093-F1FF2FB7CB7A}"/>
+          </ac:spMkLst>
+        </pc:spChg>
+        <pc:spChg chg="add mod">
+          <ac:chgData name="Mitchell Hatchett" userId="c58322c0a5d5c61d" providerId="LiveId" clId="{8E4CCB9F-856B-4486-82D7-26C124C3AB48}" dt="2024-04-18T00:23:44.771" v="1020" actId="20577"/>
+          <ac:spMkLst>
+            <pc:docMk/>
+            <pc:sldMk cId="1536241654" sldId="278"/>
+            <ac:spMk id="17" creationId="{B435B09D-DD80-FEC6-58C2-2AE2C752D245}"/>
+          </ac:spMkLst>
+        </pc:spChg>
+        <pc:picChg chg="add mod">
+          <ac:chgData name="Mitchell Hatchett" userId="c58322c0a5d5c61d" providerId="LiveId" clId="{8E4CCB9F-856B-4486-82D7-26C124C3AB48}" dt="2024-04-18T00:23:40.373" v="1014" actId="26606"/>
+          <ac:picMkLst>
+            <pc:docMk/>
+            <pc:sldMk cId="1536241654" sldId="278"/>
+            <ac:picMk id="6" creationId="{E4F9775A-DF1E-75C2-46FB-C0520B94B880}"/>
+          </ac:picMkLst>
+        </pc:picChg>
+        <pc:picChg chg="add mod">
+          <ac:chgData name="Mitchell Hatchett" userId="c58322c0a5d5c61d" providerId="LiveId" clId="{8E4CCB9F-856B-4486-82D7-26C124C3AB48}" dt="2024-04-18T00:23:40.373" v="1014" actId="26606"/>
+          <ac:picMkLst>
+            <pc:docMk/>
+            <pc:sldMk cId="1536241654" sldId="278"/>
+            <ac:picMk id="8" creationId="{9EA27A98-CD77-5B66-0AA3-DE9A55ABEBD6}"/>
+          </ac:picMkLst>
+        </pc:picChg>
+      </pc:sldChg>
+    </pc:docChg>
+  </pc:docChgLst>
+</pc:chgInfo>
+</file>
+
 <file path=ppt/slideLayouts/slideLayout1.xml><?xml version="1.0" encoding="utf-8"?>
 <p:sldLayout xmlns:a="http://schemas.openxmlformats.org/drawingml/2006/main" xmlns:r="http://schemas.openxmlformats.org/officeDocument/2006/relationships" xmlns:p="http://schemas.openxmlformats.org/presentationml/2006/main" type="title" preserve="1">
   <p:cSld name="Title Slide">
@@ -314,7 +732,7 @@
           <a:p>
             <a:fld id="{88D38747-4367-4BD2-8D51-C97E202738E2}" type="datetime1">
               <a:rPr lang="en-US" smtClean="0"/>
-              <a:t>4/16/2024</a:t>
+              <a:t>4/17/2024</a:t>
             </a:fld>
             <a:endParaRPr lang="en-US" dirty="0"/>
           </a:p>
@@ -619,7 +1037,7 @@
           <a:p>
             <a:fld id="{11F1B079-7EF0-44EE-B798-BCC497C9F3B2}" type="datetime1">
               <a:rPr lang="en-US" smtClean="0"/>
-              <a:t>4/16/2024</a:t>
+              <a:t>4/17/2024</a:t>
             </a:fld>
             <a:endParaRPr lang="en-US" dirty="0"/>
           </a:p>
@@ -813,7 +1231,7 @@
           <a:p>
             <a:fld id="{28FF70A8-1D13-4657-95F0-A9EA54967B8D}" type="datetime1">
               <a:rPr lang="en-US" smtClean="0"/>
-              <a:t>4/16/2024</a:t>
+              <a:t>4/17/2024</a:t>
             </a:fld>
             <a:endParaRPr lang="en-US" dirty="0"/>
           </a:p>
@@ -1076,7 +1494,7 @@
           <a:p>
             <a:fld id="{21EB90AC-71BD-4C7F-8ACA-7B3F18292E63}" type="datetime1">
               <a:rPr lang="en-US" smtClean="0"/>
-              <a:t>4/16/2024</a:t>
+              <a:t>4/17/2024</a:t>
             </a:fld>
             <a:endParaRPr lang="en-US" dirty="0"/>
           </a:p>
@@ -1512,7 +1930,7 @@
           <a:p>
             <a:fld id="{4E6EFC2C-8905-46F0-B443-CE905B76BA01}" type="datetime1">
               <a:rPr lang="en-US" smtClean="0"/>
-              <a:t>4/16/2024</a:t>
+              <a:t>4/17/2024</a:t>
             </a:fld>
             <a:endParaRPr lang="en-US" dirty="0"/>
           </a:p>
@@ -2049,7 +2467,7 @@
           <a:p>
             <a:fld id="{D9079DC3-C9B5-499E-9140-0DC28B7074E2}" type="datetime1">
               <a:rPr lang="en-US" smtClean="0"/>
-              <a:t>4/16/2024</a:t>
+              <a:t>4/17/2024</a:t>
             </a:fld>
             <a:endParaRPr lang="en-US" dirty="0"/>
           </a:p>
@@ -2931,7 +3349,7 @@
           <a:p>
             <a:fld id="{30BB33EA-E472-4D22-9C03-A9C14AA21CED}" type="datetime1">
               <a:rPr lang="en-US" smtClean="0"/>
-              <a:t>4/16/2024</a:t>
+              <a:t>4/17/2024</a:t>
             </a:fld>
             <a:endParaRPr lang="en-US" dirty="0"/>
           </a:p>
@@ -3101,7 +3519,7 @@
           <a:p>
             <a:fld id="{217E833E-1B6D-415F-AD29-75AE8C43BD0D}" type="datetime1">
               <a:rPr lang="en-US" smtClean="0"/>
-              <a:t>4/16/2024</a:t>
+              <a:t>4/17/2024</a:t>
             </a:fld>
             <a:endParaRPr lang="en-US" dirty="0"/>
           </a:p>
@@ -3285,7 +3703,7 @@
           <a:p>
             <a:fld id="{8452596F-08A7-4B70-989A-F2B1CF31E66B}" type="datetime1">
               <a:rPr lang="en-US" smtClean="0"/>
-              <a:t>4/16/2024</a:t>
+              <a:t>4/17/2024</a:t>
             </a:fld>
             <a:endParaRPr lang="en-US" dirty="0"/>
           </a:p>
@@ -3455,7 +3873,7 @@
           <a:p>
             <a:fld id="{73C55A3C-5767-4844-A0A3-83778C2E5409}" type="datetime1">
               <a:rPr lang="en-US" smtClean="0"/>
-              <a:t>4/16/2024</a:t>
+              <a:t>4/17/2024</a:t>
             </a:fld>
             <a:endParaRPr lang="en-US" dirty="0"/>
           </a:p>
@@ -3699,7 +4117,7 @@
           <a:p>
             <a:fld id="{CAE507A8-A5CF-4D38-AB86-7EDDA87A85D4}" type="datetime1">
               <a:rPr lang="en-US" smtClean="0"/>
-              <a:t>4/16/2024</a:t>
+              <a:t>4/17/2024</a:t>
             </a:fld>
             <a:endParaRPr lang="en-US" dirty="0"/>
           </a:p>
@@ -3941,7 +4359,7 @@
           <a:p>
             <a:fld id="{BDFCD27C-8599-43EF-BA1D-14DDC1946E06}" type="datetime1">
               <a:rPr lang="en-US" smtClean="0"/>
-              <a:t>4/16/2024</a:t>
+              <a:t>4/17/2024</a:t>
             </a:fld>
             <a:endParaRPr lang="en-US" dirty="0"/>
           </a:p>
@@ -4424,7 +4842,7 @@
           <a:p>
             <a:fld id="{49343D99-809A-49C0-96E5-4250D0B498EE}" type="datetime1">
               <a:rPr lang="en-US" smtClean="0"/>
-              <a:t>4/16/2024</a:t>
+              <a:t>4/17/2024</a:t>
             </a:fld>
             <a:endParaRPr lang="en-US" dirty="0"/>
           </a:p>
@@ -4542,7 +4960,7 @@
           <a:p>
             <a:fld id="{A143DE9B-B678-4EFB-BB7D-A4370204A0B0}" type="datetime1">
               <a:rPr lang="en-US" smtClean="0"/>
-              <a:t>4/16/2024</a:t>
+              <a:t>4/17/2024</a:t>
             </a:fld>
             <a:endParaRPr lang="en-US" dirty="0"/>
           </a:p>
@@ -4637,7 +5055,7 @@
           <a:p>
             <a:fld id="{E68812DA-F765-4142-A6A3-A8ED7235E082}" type="datetime1">
               <a:rPr lang="en-US" smtClean="0"/>
-              <a:t>4/16/2024</a:t>
+              <a:t>4/17/2024</a:t>
             </a:fld>
             <a:endParaRPr lang="en-US" dirty="0"/>
           </a:p>
@@ -4892,7 +5310,7 @@
           <a:p>
             <a:fld id="{3E0277FD-7DE6-41D4-930D-AC99F5AFE54E}" type="datetime1">
               <a:rPr lang="en-US" smtClean="0"/>
-              <a:t>4/16/2024</a:t>
+              <a:t>4/17/2024</a:t>
             </a:fld>
             <a:endParaRPr lang="en-US" dirty="0"/>
           </a:p>
@@ -5199,7 +5617,7 @@
           <a:p>
             <a:fld id="{9EA15526-7079-4B7B-987C-1B5FAE11A0FF}" type="datetime1">
               <a:rPr lang="en-US" smtClean="0"/>
-              <a:t>4/16/2024</a:t>
+              <a:t>4/17/2024</a:t>
             </a:fld>
             <a:endParaRPr lang="en-US" dirty="0"/>
           </a:p>
@@ -5434,7 +5852,7 @@
           <a:p>
             <a:fld id="{073ED0CC-082F-4160-86E5-0D6041F12778}" type="datetime1">
               <a:rPr lang="en-US" smtClean="0"/>
-              <a:t>4/16/2024</a:t>
+              <a:t>4/17/2024</a:t>
             </a:fld>
             <a:endParaRPr lang="en-US" dirty="0"/>
           </a:p>
@@ -6329,6 +6747,140 @@
           <p:cNvPr id="2" name="Title 1">
             <a:extLst>
               <a:ext uri="{FF2B5EF4-FFF2-40B4-BE49-F238E27FC236}">
+                <a16:creationId xmlns:a16="http://schemas.microsoft.com/office/drawing/2014/main" id="{16635E81-7C42-016D-24B9-C03FF7C9118A}"/>
+              </a:ext>
+            </a:extLst>
+          </p:cNvPr>
+          <p:cNvSpPr>
+            <a:spLocks noGrp="1"/>
+          </p:cNvSpPr>
+          <p:nvPr>
+            <p:ph type="title"/>
+          </p:nvPr>
+        </p:nvSpPr>
+        <p:spPr>
+          <a:xfrm>
+            <a:off x="913806" y="4565255"/>
+            <a:ext cx="10355326" cy="543472"/>
+          </a:xfrm>
+        </p:spPr>
+        <p:txBody>
+          <a:bodyPr anchor="b">
+            <a:normAutofit/>
+          </a:bodyPr>
+          <a:lstStyle/>
+          <a:p>
+            <a:r>
+              <a:rPr lang="en-US" dirty="0"/>
+              <a:t>Top 5 Countries of Production</a:t>
+            </a:r>
+          </a:p>
+        </p:txBody>
+      </p:sp>
+      <p:pic>
+        <p:nvPicPr>
+          <p:cNvPr id="10" name="Content Placeholder 9" descr="A pie chart with different colored circles&#10;&#10;Description automatically generated">
+            <a:extLst>
+              <a:ext uri="{FF2B5EF4-FFF2-40B4-BE49-F238E27FC236}">
+                <a16:creationId xmlns:a16="http://schemas.microsoft.com/office/drawing/2014/main" id="{9C0D097C-B5D0-2B3D-6250-491558FFB147}"/>
+              </a:ext>
+            </a:extLst>
+          </p:cNvPr>
+          <p:cNvPicPr>
+            <a:picLocks noGrp="1" noChangeAspect="1"/>
+          </p:cNvPicPr>
+          <p:nvPr>
+            <p:ph type="pic" idx="1"/>
+          </p:nvPr>
+        </p:nvPicPr>
+        <p:blipFill>
+          <a:blip r:embed="rId2">
+            <a:extLst>
+              <a:ext uri="{28A0092B-C50C-407E-A947-70E740481C1C}">
+                <a14:useLocalDpi xmlns:a14="http://schemas.microsoft.com/office/drawing/2010/main" val="0"/>
+              </a:ext>
+            </a:extLst>
+          </a:blip>
+          <a:stretch/>
+        </p:blipFill>
+        <p:spPr>
+          <a:xfrm>
+            <a:off x="4769895" y="695009"/>
+            <a:ext cx="2644253" cy="3525671"/>
+          </a:xfrm>
+          <a:noFill/>
+        </p:spPr>
+      </p:pic>
+      <p:sp>
+        <p:nvSpPr>
+          <p:cNvPr id="15" name="Content Placeholder 3">
+            <a:extLst>
+              <a:ext uri="{FF2B5EF4-FFF2-40B4-BE49-F238E27FC236}">
+                <a16:creationId xmlns:a16="http://schemas.microsoft.com/office/drawing/2014/main" id="{060921CC-50CD-793A-0E10-673D1F89DA51}"/>
+              </a:ext>
+            </a:extLst>
+          </p:cNvPr>
+          <p:cNvSpPr>
+            <a:spLocks noGrp="1"/>
+          </p:cNvSpPr>
+          <p:nvPr>
+            <p:ph type="body" sz="half" idx="2"/>
+          </p:nvPr>
+        </p:nvSpPr>
+        <p:spPr>
+          <a:xfrm>
+            <a:off x="913795" y="5247728"/>
+            <a:ext cx="10353762" cy="543472"/>
+          </a:xfrm>
+        </p:spPr>
+        <p:txBody>
+          <a:bodyPr anchor="t">
+            <a:normAutofit/>
+          </a:bodyPr>
+          <a:lstStyle/>
+          <a:p>
+            <a:r>
+              <a:rPr lang="en-US" dirty="0"/>
+              <a:t>Brazil creating almost 50 %  of the top 5 countries combined</a:t>
+            </a:r>
+          </a:p>
+        </p:txBody>
+      </p:sp>
+    </p:spTree>
+    <p:extLst>
+      <p:ext uri="{BB962C8B-B14F-4D97-AF65-F5344CB8AC3E}">
+        <p14:creationId xmlns:p14="http://schemas.microsoft.com/office/powerpoint/2010/main" val="1978639848"/>
+      </p:ext>
+    </p:extLst>
+  </p:cSld>
+  <p:clrMapOvr>
+    <a:masterClrMapping/>
+  </p:clrMapOvr>
+</p:sld>
+</file>
+
+<file path=ppt/slides/slide11.xml><?xml version="1.0" encoding="utf-8"?>
+<p:sld xmlns:a="http://schemas.openxmlformats.org/drawingml/2006/main" xmlns:r="http://schemas.openxmlformats.org/officeDocument/2006/relationships" xmlns:p="http://schemas.openxmlformats.org/presentationml/2006/main">
+  <p:cSld>
+    <p:spTree>
+      <p:nvGrpSpPr>
+        <p:cNvPr id="1" name=""/>
+        <p:cNvGrpSpPr/>
+        <p:nvPr/>
+      </p:nvGrpSpPr>
+      <p:grpSpPr>
+        <a:xfrm>
+          <a:off x="0" y="0"/>
+          <a:ext cx="0" cy="0"/>
+          <a:chOff x="0" y="0"/>
+          <a:chExt cx="0" cy="0"/>
+        </a:xfrm>
+      </p:grpSpPr>
+      <p:sp>
+        <p:nvSpPr>
+          <p:cNvPr id="2" name="Title 1">
+            <a:extLst>
+              <a:ext uri="{FF2B5EF4-FFF2-40B4-BE49-F238E27FC236}">
                 <a16:creationId xmlns:a16="http://schemas.microsoft.com/office/drawing/2014/main" id="{4E50B996-81AE-4E75-1F3D-1FBFBC318B4A}"/>
               </a:ext>
             </a:extLst>
@@ -6342,55 +6894,32 @@
         </p:nvSpPr>
         <p:spPr>
           <a:xfrm>
-            <a:off x="850185" y="92765"/>
-            <a:ext cx="10353762" cy="1257300"/>
-          </a:xfrm>
-        </p:spPr>
-        <p:txBody>
-          <a:bodyPr>
+            <a:off x="913806" y="4565255"/>
+            <a:ext cx="10355326" cy="543472"/>
+          </a:xfrm>
+        </p:spPr>
+        <p:txBody>
+          <a:bodyPr vert="horz" lIns="91440" tIns="45720" rIns="91440" bIns="45720" rtlCol="0" anchor="b">
             <a:normAutofit/>
           </a:bodyPr>
           <a:lstStyle/>
           <a:p>
             <a:r>
-              <a:rPr lang="en-US" sz="2400" dirty="0"/>
-              <a:t>Mitch section space holder</a:t>
-            </a:r>
-          </a:p>
-        </p:txBody>
-      </p:sp>
-      <p:sp>
-        <p:nvSpPr>
-          <p:cNvPr id="5" name="TextBox 4">
-            <a:extLst>
-              <a:ext uri="{FF2B5EF4-FFF2-40B4-BE49-F238E27FC236}">
-                <a16:creationId xmlns:a16="http://schemas.microsoft.com/office/drawing/2014/main" id="{D1E369A4-07E9-E30A-5237-6149C7EAC6BF}"/>
-              </a:ext>
-            </a:extLst>
-          </p:cNvPr>
-          <p:cNvSpPr txBox="1"/>
-          <p:nvPr/>
-        </p:nvSpPr>
-        <p:spPr>
-          <a:xfrm>
-            <a:off x="1025718" y="5701085"/>
-            <a:ext cx="10861482" cy="954107"/>
-          </a:xfrm>
-          <a:prstGeom prst="rect">
-            <a:avLst/>
-          </a:prstGeom>
-          <a:noFill/>
-        </p:spPr>
-        <p:txBody>
-          <a:bodyPr wrap="square" rtlCol="0">
-            <a:spAutoFit/>
-          </a:bodyPr>
-          <a:lstStyle/>
-          <a:p>
-            <a:r>
-              <a:rPr lang="en-US" sz="1400" dirty="0"/>
-              <a:t>Comments on Avg Annual Rainfall vs quality of coffee : Here, the null hypothesis is that coffee quality and avg rainfall among the coffee producing countries have nothing to do with one another. The p value turns out to be about 0.15, so we cannot reject this null hypothesis. Most coffee producing regions do get significant rainfall, but the variance within this group of coffee producing nations does not appear to significantly affect the quality of coffee produced. </a:t>
-            </a:r>
+              <a:rPr lang="en-US" dirty="0"/>
+              <a:t>Smallest Amount of Coffee Production</a:t>
+            </a:r>
+            <a:endParaRPr lang="en-US" kern="1200" dirty="0">
+              <a:effectLst>
+                <a:outerShdw blurRad="9525" dist="25400" dir="14640000" algn="tl" rotWithShape="0">
+                  <a:schemeClr val="bg1">
+                    <a:alpha val="30000"/>
+                  </a:schemeClr>
+                </a:outerShdw>
+              </a:effectLst>
+              <a:latin typeface="+mj-lt"/>
+              <a:ea typeface="+mj-ea"/>
+              <a:cs typeface="Trebuchet MS"/>
+            </a:endParaRPr>
           </a:p>
         </p:txBody>
       </p:sp>
@@ -6422,14 +6951,101 @@
         </p:blipFill>
         <p:spPr>
           <a:xfrm>
-            <a:off x="1523991" y="92765"/>
-            <a:ext cx="9144018" cy="5486411"/>
+            <a:off x="3153963" y="695009"/>
+            <a:ext cx="5876118" cy="3525671"/>
           </a:xfrm>
           <a:prstGeom prst="rect">
             <a:avLst/>
           </a:prstGeom>
+          <a:noFill/>
+          <a:effectLst>
+            <a:outerShdw blurRad="38100" dist="25400" dir="4440000">
+              <a:srgbClr val="000000">
+                <a:alpha val="36000"/>
+              </a:srgbClr>
+            </a:outerShdw>
+          </a:effectLst>
         </p:spPr>
       </p:pic>
+      <p:sp>
+        <p:nvSpPr>
+          <p:cNvPr id="5" name="TextBox 4">
+            <a:extLst>
+              <a:ext uri="{FF2B5EF4-FFF2-40B4-BE49-F238E27FC236}">
+                <a16:creationId xmlns:a16="http://schemas.microsoft.com/office/drawing/2014/main" id="{D1E369A4-07E9-E30A-5237-6149C7EAC6BF}"/>
+              </a:ext>
+            </a:extLst>
+          </p:cNvPr>
+          <p:cNvSpPr txBox="1"/>
+          <p:nvPr/>
+        </p:nvSpPr>
+        <p:spPr>
+          <a:xfrm>
+            <a:off x="913795" y="5247728"/>
+            <a:ext cx="10353762" cy="543472"/>
+          </a:xfrm>
+          <a:prstGeom prst="rect">
+            <a:avLst/>
+          </a:prstGeom>
+          <a:effectLst>
+            <a:outerShdw blurRad="25400" dir="17880000">
+              <a:srgbClr val="000000">
+                <a:alpha val="46000"/>
+              </a:srgbClr>
+            </a:outerShdw>
+          </a:effectLst>
+        </p:spPr>
+        <p:txBody>
+          <a:bodyPr vert="horz" lIns="91440" tIns="45720" rIns="91440" bIns="45720" rtlCol="0" anchor="t">
+            <a:normAutofit/>
+          </a:bodyPr>
+          <a:lstStyle/>
+          <a:p>
+            <a:pPr algn="ctr" defTabSz="457200">
+              <a:lnSpc>
+                <a:spcPct val="110000"/>
+              </a:lnSpc>
+              <a:spcBef>
+                <a:spcPct val="20000"/>
+              </a:spcBef>
+              <a:spcAft>
+                <a:spcPts val="600"/>
+              </a:spcAft>
+              <a:buClr>
+                <a:schemeClr val="tx2"/>
+              </a:buClr>
+              <a:buSzPct val="70000"/>
+            </a:pPr>
+            <a:r>
+              <a:rPr lang="en-US" sz="1600" kern="1200">
+                <a:ln>
+                  <a:solidFill>
+                    <a:schemeClr val="bg1">
+                      <a:lumMod val="75000"/>
+                      <a:lumOff val="25000"/>
+                      <a:alpha val="10000"/>
+                    </a:schemeClr>
+                  </a:solidFill>
+                </a:ln>
+                <a:solidFill>
+                  <a:schemeClr val="tx2"/>
+                </a:solidFill>
+                <a:effectLst>
+                  <a:outerShdw blurRad="9525" dist="25400" dir="14640000" algn="tl" rotWithShape="0">
+                    <a:schemeClr val="bg1">
+                      <a:alpha val="30000"/>
+                    </a:schemeClr>
+                  </a:outerShdw>
+                </a:effectLst>
+                <a:latin typeface="+mn-lt"/>
+                <a:ea typeface="+mn-ea"/>
+                <a:cs typeface="+mn-cs"/>
+              </a:rPr>
+              <a:t>Benin coming in last place of production making coffee coming from that country extremely rare</a:t>
+            </a:r>
+          </a:p>
+        </p:txBody>
+      </p:sp>
     </p:spTree>
     <p:extLst>
       <p:ext uri="{BB962C8B-B14F-4D97-AF65-F5344CB8AC3E}">
@@ -6443,7 +7059,7 @@
 </p:sld>
 </file>
 
-<file path=ppt/slides/slide11.xml><?xml version="1.0" encoding="utf-8"?>
+<file path=ppt/slides/slide12.xml><?xml version="1.0" encoding="utf-8"?>
 <p:sld xmlns:a="http://schemas.openxmlformats.org/drawingml/2006/main" xmlns:r="http://schemas.openxmlformats.org/officeDocument/2006/relationships" xmlns:p="http://schemas.openxmlformats.org/presentationml/2006/main">
   <p:cSld>
     <p:spTree>
@@ -6478,54 +7094,30 @@
         </p:nvSpPr>
         <p:spPr>
           <a:xfrm>
-            <a:off x="850185" y="92765"/>
-            <a:ext cx="10353762" cy="1257300"/>
-          </a:xfrm>
-        </p:spPr>
-        <p:txBody>
-          <a:bodyPr>
+            <a:off x="913806" y="4565255"/>
+            <a:ext cx="10355326" cy="543472"/>
+          </a:xfrm>
+        </p:spPr>
+        <p:txBody>
+          <a:bodyPr vert="horz" lIns="91440" tIns="45720" rIns="91440" bIns="45720" rtlCol="0" anchor="b">
             <a:normAutofit/>
           </a:bodyPr>
           <a:lstStyle/>
           <a:p>
             <a:r>
-              <a:rPr lang="en-US" sz="2400" dirty="0"/>
-              <a:t>Mitch section space holder</a:t>
-            </a:r>
-          </a:p>
-        </p:txBody>
-      </p:sp>
-      <p:sp>
-        <p:nvSpPr>
-          <p:cNvPr id="5" name="TextBox 4">
-            <a:extLst>
-              <a:ext uri="{FF2B5EF4-FFF2-40B4-BE49-F238E27FC236}">
-                <a16:creationId xmlns:a16="http://schemas.microsoft.com/office/drawing/2014/main" id="{D1E369A4-07E9-E30A-5237-6149C7EAC6BF}"/>
-              </a:ext>
-            </a:extLst>
-          </p:cNvPr>
-          <p:cNvSpPr txBox="1"/>
-          <p:nvPr/>
-        </p:nvSpPr>
-        <p:spPr>
-          <a:xfrm>
-            <a:off x="1025718" y="5701085"/>
-            <a:ext cx="10861482" cy="954107"/>
-          </a:xfrm>
-          <a:prstGeom prst="rect">
-            <a:avLst/>
-          </a:prstGeom>
-          <a:noFill/>
-        </p:spPr>
-        <p:txBody>
-          <a:bodyPr wrap="square" rtlCol="0">
-            <a:spAutoFit/>
-          </a:bodyPr>
-          <a:lstStyle/>
-          <a:p>
-            <a:r>
-              <a:rPr lang="en-US" sz="1400" dirty="0"/>
-              <a:t>Comments on Avg Annual Rainfall vs quality of coffee : Here, the null hypothesis is that coffee quality and avg rainfall among the coffee producing countries have nothing to do with one another. The p value turns out to be about 0.15, so we cannot reject this null hypothesis. Most coffee producing regions do get significant rainfall, but the variance within this group of coffee producing nations does not appear to significantly affect the quality of coffee produced. </a:t>
+              <a:rPr lang="en-US" kern="1200" dirty="0">
+                <a:effectLst>
+                  <a:outerShdw blurRad="9525" dist="25400" dir="14640000" algn="tl" rotWithShape="0">
+                    <a:schemeClr val="bg1">
+                      <a:alpha val="30000"/>
+                    </a:schemeClr>
+                  </a:outerShdw>
+                </a:effectLst>
+                <a:latin typeface="+mj-lt"/>
+                <a:ea typeface="+mj-ea"/>
+                <a:cs typeface="Trebuchet MS"/>
+              </a:rPr>
+              <a:t>Brazil Yearly Production</a:t>
             </a:r>
           </a:p>
         </p:txBody>
@@ -6558,14 +7150,101 @@
         </p:blipFill>
         <p:spPr>
           <a:xfrm>
-            <a:off x="1379135" y="92765"/>
-            <a:ext cx="9144018" cy="5486411"/>
+            <a:off x="3153963" y="695009"/>
+            <a:ext cx="5876118" cy="3525671"/>
           </a:xfrm>
           <a:prstGeom prst="rect">
             <a:avLst/>
           </a:prstGeom>
+          <a:noFill/>
+          <a:effectLst>
+            <a:outerShdw blurRad="38100" dist="25400" dir="4440000">
+              <a:srgbClr val="000000">
+                <a:alpha val="36000"/>
+              </a:srgbClr>
+            </a:outerShdw>
+          </a:effectLst>
         </p:spPr>
       </p:pic>
+      <p:sp>
+        <p:nvSpPr>
+          <p:cNvPr id="5" name="TextBox 4">
+            <a:extLst>
+              <a:ext uri="{FF2B5EF4-FFF2-40B4-BE49-F238E27FC236}">
+                <a16:creationId xmlns:a16="http://schemas.microsoft.com/office/drawing/2014/main" id="{D1E369A4-07E9-E30A-5237-6149C7EAC6BF}"/>
+              </a:ext>
+            </a:extLst>
+          </p:cNvPr>
+          <p:cNvSpPr txBox="1"/>
+          <p:nvPr/>
+        </p:nvSpPr>
+        <p:spPr>
+          <a:xfrm>
+            <a:off x="913795" y="5247728"/>
+            <a:ext cx="10353762" cy="543472"/>
+          </a:xfrm>
+          <a:prstGeom prst="rect">
+            <a:avLst/>
+          </a:prstGeom>
+          <a:effectLst>
+            <a:outerShdw blurRad="25400" dir="17880000">
+              <a:srgbClr val="000000">
+                <a:alpha val="46000"/>
+              </a:srgbClr>
+            </a:outerShdw>
+          </a:effectLst>
+        </p:spPr>
+        <p:txBody>
+          <a:bodyPr vert="horz" lIns="91440" tIns="45720" rIns="91440" bIns="45720" rtlCol="0" anchor="t">
+            <a:normAutofit/>
+          </a:bodyPr>
+          <a:lstStyle/>
+          <a:p>
+            <a:pPr algn="ctr" defTabSz="457200">
+              <a:lnSpc>
+                <a:spcPct val="110000"/>
+              </a:lnSpc>
+              <a:spcBef>
+                <a:spcPct val="20000"/>
+              </a:spcBef>
+              <a:spcAft>
+                <a:spcPts val="600"/>
+              </a:spcAft>
+              <a:buClr>
+                <a:schemeClr val="tx2"/>
+              </a:buClr>
+              <a:buSzPct val="70000"/>
+            </a:pPr>
+            <a:r>
+              <a:rPr lang="en-US" sz="1600" kern="1200" dirty="0">
+                <a:ln>
+                  <a:solidFill>
+                    <a:schemeClr val="bg1">
+                      <a:lumMod val="75000"/>
+                      <a:lumOff val="25000"/>
+                      <a:alpha val="10000"/>
+                    </a:schemeClr>
+                  </a:solidFill>
+                </a:ln>
+                <a:solidFill>
+                  <a:schemeClr val="tx2"/>
+                </a:solidFill>
+                <a:effectLst>
+                  <a:outerShdw blurRad="9525" dist="25400" dir="14640000" algn="tl" rotWithShape="0">
+                    <a:schemeClr val="bg1">
+                      <a:alpha val="30000"/>
+                    </a:schemeClr>
+                  </a:outerShdw>
+                </a:effectLst>
+                <a:latin typeface="+mn-lt"/>
+                <a:ea typeface="+mn-ea"/>
+                <a:cs typeface="+mn-cs"/>
+              </a:rPr>
+              <a:t>The of the amount of coffee Brazil has produced since 1990 with a staggering upwards trend </a:t>
+            </a:r>
+          </a:p>
+        </p:txBody>
+      </p:sp>
     </p:spTree>
     <p:extLst>
       <p:ext uri="{BB962C8B-B14F-4D97-AF65-F5344CB8AC3E}">
@@ -6579,7 +7258,340 @@
 </p:sld>
 </file>
 
-<file path=ppt/slides/slide12.xml><?xml version="1.0" encoding="utf-8"?>
+<file path=ppt/slides/slide13.xml><?xml version="1.0" encoding="utf-8"?>
+<p:sld xmlns:a="http://schemas.openxmlformats.org/drawingml/2006/main" xmlns:r="http://schemas.openxmlformats.org/officeDocument/2006/relationships" xmlns:p="http://schemas.openxmlformats.org/presentationml/2006/main">
+  <p:cSld>
+    <p:spTree>
+      <p:nvGrpSpPr>
+        <p:cNvPr id="1" name=""/>
+        <p:cNvGrpSpPr/>
+        <p:nvPr/>
+      </p:nvGrpSpPr>
+      <p:grpSpPr>
+        <a:xfrm>
+          <a:off x="0" y="0"/>
+          <a:ext cx="0" cy="0"/>
+          <a:chOff x="0" y="0"/>
+          <a:chExt cx="0" cy="0"/>
+        </a:xfrm>
+      </p:grpSpPr>
+      <p:sp>
+        <p:nvSpPr>
+          <p:cNvPr id="18" name="Title 1">
+            <a:extLst>
+              <a:ext uri="{FF2B5EF4-FFF2-40B4-BE49-F238E27FC236}">
+                <a16:creationId xmlns:a16="http://schemas.microsoft.com/office/drawing/2014/main" id="{A8B65ABF-AF7F-4AFC-B7FB-63EE492E2948}"/>
+              </a:ext>
+            </a:extLst>
+          </p:cNvPr>
+          <p:cNvSpPr>
+            <a:spLocks noGrp="1"/>
+          </p:cNvSpPr>
+          <p:nvPr>
+            <p:ph type="title"/>
+          </p:nvPr>
+        </p:nvSpPr>
+        <p:spPr>
+          <a:xfrm>
+            <a:off x="913806" y="4565255"/>
+            <a:ext cx="10355326" cy="543472"/>
+          </a:xfrm>
+        </p:spPr>
+        <p:txBody>
+          <a:bodyPr/>
+          <a:lstStyle/>
+          <a:p>
+            <a:r>
+              <a:rPr lang="en-US" dirty="0"/>
+              <a:t>Benin Yearly Production</a:t>
+            </a:r>
+          </a:p>
+        </p:txBody>
+      </p:sp>
+      <p:pic>
+        <p:nvPicPr>
+          <p:cNvPr id="6" name="Picture Placeholder 5" descr="A graph with numbers and a bar&#10;&#10;Description automatically generated">
+            <a:extLst>
+              <a:ext uri="{FF2B5EF4-FFF2-40B4-BE49-F238E27FC236}">
+                <a16:creationId xmlns:a16="http://schemas.microsoft.com/office/drawing/2014/main" id="{091DA132-6F4E-FFB9-6C33-99FDDE631735}"/>
+              </a:ext>
+            </a:extLst>
+          </p:cNvPr>
+          <p:cNvPicPr>
+            <a:picLocks noGrp="1" noChangeAspect="1"/>
+          </p:cNvPicPr>
+          <p:nvPr>
+            <p:ph type="pic" idx="1"/>
+          </p:nvPr>
+        </p:nvPicPr>
+        <p:blipFill>
+          <a:blip r:embed="rId2">
+            <a:extLst>
+              <a:ext uri="{28A0092B-C50C-407E-A947-70E740481C1C}">
+                <a14:useLocalDpi xmlns:a14="http://schemas.microsoft.com/office/drawing/2010/main" val="0"/>
+              </a:ext>
+            </a:extLst>
+          </a:blip>
+          <a:stretch/>
+        </p:blipFill>
+        <p:spPr>
+          <a:xfrm>
+            <a:off x="3153963" y="695009"/>
+            <a:ext cx="5876118" cy="3525671"/>
+          </a:xfrm>
+          <a:noFill/>
+        </p:spPr>
+      </p:pic>
+      <p:sp>
+        <p:nvSpPr>
+          <p:cNvPr id="20" name="Text Placeholder 3">
+            <a:extLst>
+              <a:ext uri="{FF2B5EF4-FFF2-40B4-BE49-F238E27FC236}">
+                <a16:creationId xmlns:a16="http://schemas.microsoft.com/office/drawing/2014/main" id="{DD5BE557-09E1-FF46-6AF2-8D2A3CDEECAF}"/>
+              </a:ext>
+            </a:extLst>
+          </p:cNvPr>
+          <p:cNvSpPr>
+            <a:spLocks noGrp="1"/>
+          </p:cNvSpPr>
+          <p:nvPr>
+            <p:ph type="body" sz="half" idx="2"/>
+          </p:nvPr>
+        </p:nvSpPr>
+        <p:spPr>
+          <a:xfrm>
+            <a:off x="913795" y="5247728"/>
+            <a:ext cx="10353762" cy="543472"/>
+          </a:xfrm>
+        </p:spPr>
+        <p:txBody>
+          <a:bodyPr/>
+          <a:lstStyle/>
+          <a:p>
+            <a:r>
+              <a:rPr lang="en-US" dirty="0"/>
+              <a:t>Showing Benin producing for only a single year in comparison.</a:t>
+            </a:r>
+          </a:p>
+          <a:p>
+            <a:endParaRPr lang="en-US" dirty="0"/>
+          </a:p>
+        </p:txBody>
+      </p:sp>
+    </p:spTree>
+    <p:extLst>
+      <p:ext uri="{BB962C8B-B14F-4D97-AF65-F5344CB8AC3E}">
+        <p14:creationId xmlns:p14="http://schemas.microsoft.com/office/powerpoint/2010/main" val="3215587714"/>
+      </p:ext>
+    </p:extLst>
+  </p:cSld>
+  <p:clrMapOvr>
+    <a:masterClrMapping/>
+  </p:clrMapOvr>
+</p:sld>
+</file>
+
+<file path=ppt/slides/slide14.xml><?xml version="1.0" encoding="utf-8"?>
+<p:sld xmlns:a="http://schemas.openxmlformats.org/drawingml/2006/main" xmlns:r="http://schemas.openxmlformats.org/officeDocument/2006/relationships" xmlns:p="http://schemas.openxmlformats.org/presentationml/2006/main">
+  <p:cSld>
+    <p:spTree>
+      <p:nvGrpSpPr>
+        <p:cNvPr id="1" name=""/>
+        <p:cNvGrpSpPr/>
+        <p:nvPr/>
+      </p:nvGrpSpPr>
+      <p:grpSpPr>
+        <a:xfrm>
+          <a:off x="0" y="0"/>
+          <a:ext cx="0" cy="0"/>
+          <a:chOff x="0" y="0"/>
+          <a:chExt cx="0" cy="0"/>
+        </a:xfrm>
+      </p:grpSpPr>
+      <p:sp>
+        <p:nvSpPr>
+          <p:cNvPr id="13" name="Title 1">
+            <a:extLst>
+              <a:ext uri="{FF2B5EF4-FFF2-40B4-BE49-F238E27FC236}">
+                <a16:creationId xmlns:a16="http://schemas.microsoft.com/office/drawing/2014/main" id="{F7C0F441-74BB-4A51-F58B-BC1702343F57}"/>
+              </a:ext>
+            </a:extLst>
+          </p:cNvPr>
+          <p:cNvSpPr>
+            <a:spLocks noGrp="1"/>
+          </p:cNvSpPr>
+          <p:nvPr>
+            <p:ph type="title"/>
+          </p:nvPr>
+        </p:nvSpPr>
+        <p:spPr>
+          <a:xfrm>
+            <a:off x="913795" y="609600"/>
+            <a:ext cx="10353762" cy="970450"/>
+          </a:xfrm>
+        </p:spPr>
+        <p:txBody>
+          <a:bodyPr/>
+          <a:lstStyle/>
+          <a:p>
+            <a:r>
+              <a:rPr lang="en-US" dirty="0"/>
+              <a:t>Production Comparison </a:t>
+            </a:r>
+          </a:p>
+        </p:txBody>
+      </p:sp>
+      <p:sp>
+        <p:nvSpPr>
+          <p:cNvPr id="15" name="Text Placeholder 2">
+            <a:extLst>
+              <a:ext uri="{FF2B5EF4-FFF2-40B4-BE49-F238E27FC236}">
+                <a16:creationId xmlns:a16="http://schemas.microsoft.com/office/drawing/2014/main" id="{33CD28B0-C927-1D0B-E093-F1FF2FB7CB7A}"/>
+              </a:ext>
+            </a:extLst>
+          </p:cNvPr>
+          <p:cNvSpPr>
+            <a:spLocks noGrp="1"/>
+          </p:cNvSpPr>
+          <p:nvPr>
+            <p:ph type="body" idx="1"/>
+          </p:nvPr>
+        </p:nvSpPr>
+        <p:spPr>
+          <a:xfrm>
+            <a:off x="1046013" y="1855153"/>
+            <a:ext cx="4764764" cy="692494"/>
+          </a:xfrm>
+        </p:spPr>
+        <p:txBody>
+          <a:bodyPr/>
+          <a:lstStyle/>
+          <a:p>
+            <a:r>
+              <a:rPr lang="en-US" dirty="0"/>
+              <a:t>Benin</a:t>
+            </a:r>
+          </a:p>
+        </p:txBody>
+      </p:sp>
+      <p:pic>
+        <p:nvPicPr>
+          <p:cNvPr id="6" name="Picture Placeholder 5" descr="A graph with numbers and a bar&#10;&#10;Description automatically generated">
+            <a:extLst>
+              <a:ext uri="{FF2B5EF4-FFF2-40B4-BE49-F238E27FC236}">
+                <a16:creationId xmlns:a16="http://schemas.microsoft.com/office/drawing/2014/main" id="{E4F9775A-DF1E-75C2-46FB-C0520B94B880}"/>
+              </a:ext>
+            </a:extLst>
+          </p:cNvPr>
+          <p:cNvPicPr>
+            <a:picLocks noGrp="1" noChangeAspect="1"/>
+          </p:cNvPicPr>
+          <p:nvPr>
+            <p:ph sz="half" idx="2"/>
+          </p:nvPr>
+        </p:nvPicPr>
+        <p:blipFill rotWithShape="1">
+          <a:blip r:embed="rId2">
+            <a:extLst>
+              <a:ext uri="{28A0092B-C50C-407E-A947-70E740481C1C}">
+                <a14:useLocalDpi xmlns:a14="http://schemas.microsoft.com/office/drawing/2010/main" val="0"/>
+              </a:ext>
+            </a:extLst>
+          </a:blip>
+          <a:srcRect l="3034" r="3031" b="-3"/>
+          <a:stretch/>
+        </p:blipFill>
+        <p:spPr>
+          <a:xfrm>
+            <a:off x="1046013" y="2702103"/>
+            <a:ext cx="4764764" cy="3043533"/>
+          </a:xfrm>
+          <a:noFill/>
+        </p:spPr>
+      </p:pic>
+      <p:sp>
+        <p:nvSpPr>
+          <p:cNvPr id="17" name="Text Placeholder 4">
+            <a:extLst>
+              <a:ext uri="{FF2B5EF4-FFF2-40B4-BE49-F238E27FC236}">
+                <a16:creationId xmlns:a16="http://schemas.microsoft.com/office/drawing/2014/main" id="{B435B09D-DD80-FEC6-58C2-2AE2C752D245}"/>
+              </a:ext>
+            </a:extLst>
+          </p:cNvPr>
+          <p:cNvSpPr>
+            <a:spLocks noGrp="1"/>
+          </p:cNvSpPr>
+          <p:nvPr>
+            <p:ph type="body" sz="quarter" idx="3"/>
+          </p:nvPr>
+        </p:nvSpPr>
+        <p:spPr>
+          <a:xfrm>
+            <a:off x="6363166" y="1855152"/>
+            <a:ext cx="4779582" cy="692495"/>
+          </a:xfrm>
+        </p:spPr>
+        <p:txBody>
+          <a:bodyPr/>
+          <a:lstStyle/>
+          <a:p>
+            <a:r>
+              <a:rPr lang="en-US" dirty="0"/>
+              <a:t>Brazil</a:t>
+            </a:r>
+          </a:p>
+        </p:txBody>
+      </p:sp>
+      <p:pic>
+        <p:nvPicPr>
+          <p:cNvPr id="8" name="Picture 7" descr="A graph of blue lines&#10;&#10;Description automatically generated with medium confidence">
+            <a:extLst>
+              <a:ext uri="{FF2B5EF4-FFF2-40B4-BE49-F238E27FC236}">
+                <a16:creationId xmlns:a16="http://schemas.microsoft.com/office/drawing/2014/main" id="{9EA27A98-CD77-5B66-0AA3-DE9A55ABEBD6}"/>
+              </a:ext>
+            </a:extLst>
+          </p:cNvPr>
+          <p:cNvPicPr>
+            <a:picLocks noChangeAspect="1"/>
+          </p:cNvPicPr>
+          <p:nvPr/>
+        </p:nvPicPr>
+        <p:blipFill rotWithShape="1">
+          <a:blip r:embed="rId3">
+            <a:extLst>
+              <a:ext uri="{28A0092B-C50C-407E-A947-70E740481C1C}">
+                <a14:useLocalDpi xmlns:a14="http://schemas.microsoft.com/office/drawing/2010/main" val="0"/>
+              </a:ext>
+            </a:extLst>
+          </a:blip>
+          <a:srcRect l="5776" r="-3" b="-3"/>
+          <a:stretch/>
+        </p:blipFill>
+        <p:spPr>
+          <a:xfrm>
+            <a:off x="6363167" y="2702103"/>
+            <a:ext cx="4779581" cy="3043533"/>
+          </a:xfrm>
+          <a:prstGeom prst="rect">
+            <a:avLst/>
+          </a:prstGeom>
+          <a:noFill/>
+        </p:spPr>
+      </p:pic>
+    </p:spTree>
+    <p:extLst>
+      <p:ext uri="{BB962C8B-B14F-4D97-AF65-F5344CB8AC3E}">
+        <p14:creationId xmlns:p14="http://schemas.microsoft.com/office/powerpoint/2010/main" val="1536241654"/>
+      </p:ext>
+    </p:extLst>
+  </p:cSld>
+  <p:clrMapOvr>
+    <a:masterClrMapping/>
+  </p:clrMapOvr>
+</p:sld>
+</file>
+
+<file path=ppt/slides/slide15.xml><?xml version="1.0" encoding="utf-8"?>
 <p:sld xmlns:a="http://schemas.openxmlformats.org/drawingml/2006/main" xmlns:r="http://schemas.openxmlformats.org/officeDocument/2006/relationships" xmlns:p="http://schemas.openxmlformats.org/presentationml/2006/main">
   <p:cSld>
     <p:spTree>
@@ -6732,7 +7744,7 @@
 </p:sld>
 </file>
 
-<file path=ppt/slides/slide13.xml><?xml version="1.0" encoding="utf-8"?>
+<file path=ppt/slides/slide16.xml><?xml version="1.0" encoding="utf-8"?>
 <p:sld xmlns:a="http://schemas.openxmlformats.org/drawingml/2006/main" xmlns:r="http://schemas.openxmlformats.org/officeDocument/2006/relationships" xmlns:p="http://schemas.openxmlformats.org/presentationml/2006/main">
   <p:cSld>
     <p:spTree>
@@ -6894,7 +7906,7 @@
 </p:sld>
 </file>
 
-<file path=ppt/slides/slide14.xml><?xml version="1.0" encoding="utf-8"?>
+<file path=ppt/slides/slide17.xml><?xml version="1.0" encoding="utf-8"?>
 <p:sld xmlns:a="http://schemas.openxmlformats.org/drawingml/2006/main" xmlns:r="http://schemas.openxmlformats.org/officeDocument/2006/relationships" xmlns:p="http://schemas.openxmlformats.org/presentationml/2006/main">
   <p:cSld>
     <p:spTree>
@@ -7041,7 +8053,7 @@
 </p:sld>
 </file>
 
-<file path=ppt/slides/slide15.xml><?xml version="1.0" encoding="utf-8"?>
+<file path=ppt/slides/slide18.xml><?xml version="1.0" encoding="utf-8"?>
 <p:sld xmlns:a="http://schemas.openxmlformats.org/drawingml/2006/main" xmlns:r="http://schemas.openxmlformats.org/officeDocument/2006/relationships" xmlns:p="http://schemas.openxmlformats.org/presentationml/2006/main">
   <p:cSld>
     <p:spTree>
@@ -7201,7 +8213,7 @@
 </p:sld>
 </file>
 
-<file path=ppt/slides/slide16.xml><?xml version="1.0" encoding="utf-8"?>
+<file path=ppt/slides/slide19.xml><?xml version="1.0" encoding="utf-8"?>
 <p:sld xmlns:a="http://schemas.openxmlformats.org/drawingml/2006/main" xmlns:r="http://schemas.openxmlformats.org/officeDocument/2006/relationships" xmlns:p="http://schemas.openxmlformats.org/presentationml/2006/main">
   <p:cSld>
     <p:spTree>
@@ -7352,292 +8364,6 @@
     <p:extLst>
       <p:ext uri="{BB962C8B-B14F-4D97-AF65-F5344CB8AC3E}">
         <p14:creationId xmlns:p14="http://schemas.microsoft.com/office/powerpoint/2010/main" val="312514768"/>
-      </p:ext>
-    </p:extLst>
-  </p:cSld>
-  <p:clrMapOvr>
-    <a:masterClrMapping/>
-  </p:clrMapOvr>
-</p:sld>
-</file>
-
-<file path=ppt/slides/slide17.xml><?xml version="1.0" encoding="utf-8"?>
-<p:sld xmlns:a="http://schemas.openxmlformats.org/drawingml/2006/main" xmlns:r="http://schemas.openxmlformats.org/officeDocument/2006/relationships" xmlns:p="http://schemas.openxmlformats.org/presentationml/2006/main">
-  <p:cSld>
-    <p:spTree>
-      <p:nvGrpSpPr>
-        <p:cNvPr id="1" name=""/>
-        <p:cNvGrpSpPr/>
-        <p:nvPr/>
-      </p:nvGrpSpPr>
-      <p:grpSpPr>
-        <a:xfrm>
-          <a:off x="0" y="0"/>
-          <a:ext cx="0" cy="0"/>
-          <a:chOff x="0" y="0"/>
-          <a:chExt cx="0" cy="0"/>
-        </a:xfrm>
-      </p:grpSpPr>
-      <p:sp>
-        <p:nvSpPr>
-          <p:cNvPr id="2" name="Title 1">
-            <a:extLst>
-              <a:ext uri="{FF2B5EF4-FFF2-40B4-BE49-F238E27FC236}">
-                <a16:creationId xmlns:a16="http://schemas.microsoft.com/office/drawing/2014/main" id="{4E50B996-81AE-4E75-1F3D-1FBFBC318B4A}"/>
-              </a:ext>
-            </a:extLst>
-          </p:cNvPr>
-          <p:cNvSpPr>
-            <a:spLocks noGrp="1"/>
-          </p:cNvSpPr>
-          <p:nvPr>
-            <p:ph type="title"/>
-          </p:nvPr>
-        </p:nvSpPr>
-        <p:spPr>
-          <a:xfrm>
-            <a:off x="850185" y="92765"/>
-            <a:ext cx="10353762" cy="1257300"/>
-          </a:xfrm>
-        </p:spPr>
-        <p:txBody>
-          <a:bodyPr>
-            <a:normAutofit/>
-          </a:bodyPr>
-          <a:lstStyle/>
-          <a:p>
-            <a:r>
-              <a:rPr lang="en-US" sz="1800" dirty="0">
-                <a:effectLst/>
-                <a:latin typeface="Aptos" panose="020B0004020202020204" pitchFamily="34" charset="0"/>
-                <a:ea typeface="Aptos" panose="020B0004020202020204" pitchFamily="34" charset="0"/>
-                <a:cs typeface="Times New Roman" panose="02020603050405020304" pitchFamily="18" charset="0"/>
-              </a:rPr>
-              <a:t>Answer to question: </a:t>
-            </a:r>
-            <a:br>
-              <a:rPr lang="en-US" sz="1800" dirty="0">
-                <a:effectLst/>
-                <a:latin typeface="Aptos" panose="020B0004020202020204" pitchFamily="34" charset="0"/>
-                <a:ea typeface="Aptos" panose="020B0004020202020204" pitchFamily="34" charset="0"/>
-                <a:cs typeface="Times New Roman" panose="02020603050405020304" pitchFamily="18" charset="0"/>
-              </a:rPr>
-            </a:br>
-            <a:r>
-              <a:rPr lang="en-US" sz="1800" dirty="0">
-                <a:effectLst/>
-                <a:latin typeface="Aptos" panose="020B0004020202020204" pitchFamily="34" charset="0"/>
-                <a:ea typeface="Aptos" panose="020B0004020202020204" pitchFamily="34" charset="0"/>
-                <a:cs typeface="Times New Roman" panose="02020603050405020304" pitchFamily="18" charset="0"/>
-              </a:rPr>
-              <a:t>What countries produce the most coffee and does that affect the quality of coffee produced?</a:t>
-            </a:r>
-            <a:endParaRPr lang="en-US" sz="2400" dirty="0"/>
-          </a:p>
-        </p:txBody>
-      </p:sp>
-      <p:sp>
-        <p:nvSpPr>
-          <p:cNvPr id="5" name="TextBox 4">
-            <a:extLst>
-              <a:ext uri="{FF2B5EF4-FFF2-40B4-BE49-F238E27FC236}">
-                <a16:creationId xmlns:a16="http://schemas.microsoft.com/office/drawing/2014/main" id="{D1E369A4-07E9-E30A-5237-6149C7EAC6BF}"/>
-              </a:ext>
-            </a:extLst>
-          </p:cNvPr>
-          <p:cNvSpPr txBox="1"/>
-          <p:nvPr/>
-        </p:nvSpPr>
-        <p:spPr>
-          <a:xfrm>
-            <a:off x="391886" y="2573383"/>
-            <a:ext cx="11234057" cy="1267655"/>
-          </a:xfrm>
-          <a:prstGeom prst="rect">
-            <a:avLst/>
-          </a:prstGeom>
-          <a:noFill/>
-        </p:spPr>
-        <p:txBody>
-          <a:bodyPr wrap="square" rtlCol="0">
-            <a:spAutoFit/>
-          </a:bodyPr>
-          <a:lstStyle/>
-          <a:p>
-            <a:pPr marL="342900" marR="0" lvl="0" indent="-342900">
-              <a:lnSpc>
-                <a:spcPct val="107000"/>
-              </a:lnSpc>
-              <a:spcBef>
-                <a:spcPts val="0"/>
-              </a:spcBef>
-              <a:spcAft>
-                <a:spcPts val="800"/>
-              </a:spcAft>
-              <a:buFont typeface="Aptos" panose="020B0004020202020204" pitchFamily="34" charset="0"/>
-              <a:buChar char="-"/>
-            </a:pPr>
-            <a:r>
-              <a:rPr lang="en-US" sz="1800" dirty="0">
-                <a:effectLst/>
-                <a:latin typeface="Aptos" panose="020B0004020202020204" pitchFamily="34" charset="0"/>
-                <a:ea typeface="Aptos" panose="020B0004020202020204" pitchFamily="34" charset="0"/>
-                <a:cs typeface="Times New Roman" panose="02020603050405020304" pitchFamily="18" charset="0"/>
-              </a:rPr>
-              <a:t>No, it does not. What countries produce the most coffee and does NOT impact the quality of coffee produced. All of the scores are so closely related it does not appear to influence the quality even where there is a lot more of production of coffee like Brazil, they are still neck and neck with Panama, Haiti, Malawi who have barely any production of coffee in comparison. </a:t>
-            </a:r>
-            <a:endParaRPr lang="en-US" sz="1800" kern="100" dirty="0">
-              <a:effectLst/>
-              <a:latin typeface="Aptos" panose="020B0004020202020204" pitchFamily="34" charset="0"/>
-              <a:ea typeface="Aptos" panose="020B0004020202020204" pitchFamily="34" charset="0"/>
-              <a:cs typeface="Times New Roman" panose="02020603050405020304" pitchFamily="18" charset="0"/>
-            </a:endParaRPr>
-          </a:p>
-        </p:txBody>
-      </p:sp>
-    </p:spTree>
-    <p:extLst>
-      <p:ext uri="{BB962C8B-B14F-4D97-AF65-F5344CB8AC3E}">
-        <p14:creationId xmlns:p14="http://schemas.microsoft.com/office/powerpoint/2010/main" val="1212262085"/>
-      </p:ext>
-    </p:extLst>
-  </p:cSld>
-  <p:clrMapOvr>
-    <a:masterClrMapping/>
-  </p:clrMapOvr>
-</p:sld>
-</file>
-
-<file path=ppt/slides/slide18.xml><?xml version="1.0" encoding="utf-8"?>
-<p:sld xmlns:a="http://schemas.openxmlformats.org/drawingml/2006/main" xmlns:r="http://schemas.openxmlformats.org/officeDocument/2006/relationships" xmlns:p="http://schemas.openxmlformats.org/presentationml/2006/main">
-  <p:cSld>
-    <p:spTree>
-      <p:nvGrpSpPr>
-        <p:cNvPr id="1" name=""/>
-        <p:cNvGrpSpPr/>
-        <p:nvPr/>
-      </p:nvGrpSpPr>
-      <p:grpSpPr>
-        <a:xfrm>
-          <a:off x="0" y="0"/>
-          <a:ext cx="0" cy="0"/>
-          <a:chOff x="0" y="0"/>
-          <a:chExt cx="0" cy="0"/>
-        </a:xfrm>
-      </p:grpSpPr>
-      <p:sp>
-        <p:nvSpPr>
-          <p:cNvPr id="2" name="Title 1">
-            <a:extLst>
-              <a:ext uri="{FF2B5EF4-FFF2-40B4-BE49-F238E27FC236}">
-                <a16:creationId xmlns:a16="http://schemas.microsoft.com/office/drawing/2014/main" id="{4E50B996-81AE-4E75-1F3D-1FBFBC318B4A}"/>
-              </a:ext>
-            </a:extLst>
-          </p:cNvPr>
-          <p:cNvSpPr>
-            <a:spLocks noGrp="1"/>
-          </p:cNvSpPr>
-          <p:nvPr>
-            <p:ph type="title"/>
-          </p:nvPr>
-        </p:nvSpPr>
-        <p:spPr>
-          <a:xfrm>
-            <a:off x="850185" y="92765"/>
-            <a:ext cx="10353762" cy="1257300"/>
-          </a:xfrm>
-        </p:spPr>
-        <p:txBody>
-          <a:bodyPr>
-            <a:normAutofit/>
-          </a:bodyPr>
-          <a:lstStyle/>
-          <a:p>
-            <a:r>
-              <a:rPr lang="en-US" sz="1800" dirty="0">
-                <a:effectLst/>
-                <a:latin typeface="Aptos" panose="020B0004020202020204" pitchFamily="34" charset="0"/>
-                <a:ea typeface="Aptos" panose="020B0004020202020204" pitchFamily="34" charset="0"/>
-                <a:cs typeface="Times New Roman" panose="02020603050405020304" pitchFamily="18" charset="0"/>
-              </a:rPr>
-              <a:t>Placeholder for </a:t>
-            </a:r>
-            <a:r>
-              <a:rPr lang="en-US" sz="1800" dirty="0" err="1">
-                <a:effectLst/>
-                <a:latin typeface="Aptos" panose="020B0004020202020204" pitchFamily="34" charset="0"/>
-                <a:ea typeface="Aptos" panose="020B0004020202020204" pitchFamily="34" charset="0"/>
-                <a:cs typeface="Times New Roman" panose="02020603050405020304" pitchFamily="18" charset="0"/>
-              </a:rPr>
-              <a:t>comsumption</a:t>
-            </a:r>
-            <a:endParaRPr lang="en-US" sz="2400" dirty="0"/>
-          </a:p>
-        </p:txBody>
-      </p:sp>
-      <p:sp>
-        <p:nvSpPr>
-          <p:cNvPr id="5" name="TextBox 4">
-            <a:extLst>
-              <a:ext uri="{FF2B5EF4-FFF2-40B4-BE49-F238E27FC236}">
-                <a16:creationId xmlns:a16="http://schemas.microsoft.com/office/drawing/2014/main" id="{D1E369A4-07E9-E30A-5237-6149C7EAC6BF}"/>
-              </a:ext>
-            </a:extLst>
-          </p:cNvPr>
-          <p:cNvSpPr txBox="1"/>
-          <p:nvPr/>
-        </p:nvSpPr>
-        <p:spPr>
-          <a:xfrm>
-            <a:off x="391886" y="2573383"/>
-            <a:ext cx="11234057" cy="1267655"/>
-          </a:xfrm>
-          <a:prstGeom prst="rect">
-            <a:avLst/>
-          </a:prstGeom>
-          <a:noFill/>
-        </p:spPr>
-        <p:txBody>
-          <a:bodyPr wrap="square" rtlCol="0">
-            <a:spAutoFit/>
-          </a:bodyPr>
-          <a:lstStyle/>
-          <a:p>
-            <a:pPr marL="342900" marR="0" lvl="0" indent="-342900">
-              <a:lnSpc>
-                <a:spcPct val="107000"/>
-              </a:lnSpc>
-              <a:spcBef>
-                <a:spcPts val="0"/>
-              </a:spcBef>
-              <a:spcAft>
-                <a:spcPts val="800"/>
-              </a:spcAft>
-              <a:buFont typeface="Aptos" panose="020B0004020202020204" pitchFamily="34" charset="0"/>
-              <a:buChar char="-"/>
-            </a:pPr>
-            <a:r>
-              <a:rPr lang="en-US" sz="1800" dirty="0">
-                <a:effectLst/>
-                <a:latin typeface="Aptos" panose="020B0004020202020204" pitchFamily="34" charset="0"/>
-                <a:ea typeface="Aptos" panose="020B0004020202020204" pitchFamily="34" charset="0"/>
-                <a:cs typeface="Times New Roman" panose="02020603050405020304" pitchFamily="18" charset="0"/>
-              </a:rPr>
-              <a:t>No, it does not. What countries produce the most coffee and does NOT impact the quality of coffee produced. All of the scores are so closely related it does not appear to influence the quality even where there is a lot more of production of coffee like Brazil, they are still neck and neck with Panama, Haiti, Malawi who have barely any production of coffee in comparison. </a:t>
-            </a:r>
-            <a:endParaRPr lang="en-US" sz="1800" kern="100" dirty="0">
-              <a:effectLst/>
-              <a:latin typeface="Aptos" panose="020B0004020202020204" pitchFamily="34" charset="0"/>
-              <a:ea typeface="Aptos" panose="020B0004020202020204" pitchFamily="34" charset="0"/>
-              <a:cs typeface="Times New Roman" panose="02020603050405020304" pitchFamily="18" charset="0"/>
-            </a:endParaRPr>
-          </a:p>
-        </p:txBody>
-      </p:sp>
-    </p:spTree>
-    <p:extLst>
-      <p:ext uri="{BB962C8B-B14F-4D97-AF65-F5344CB8AC3E}">
-        <p14:creationId xmlns:p14="http://schemas.microsoft.com/office/powerpoint/2010/main" val="2874767483"/>
       </p:ext>
     </p:extLst>
   </p:cSld>
@@ -7806,6 +8532,292 @@
 </p:sld>
 </file>
 
+<file path=ppt/slides/slide20.xml><?xml version="1.0" encoding="utf-8"?>
+<p:sld xmlns:a="http://schemas.openxmlformats.org/drawingml/2006/main" xmlns:r="http://schemas.openxmlformats.org/officeDocument/2006/relationships" xmlns:p="http://schemas.openxmlformats.org/presentationml/2006/main">
+  <p:cSld>
+    <p:spTree>
+      <p:nvGrpSpPr>
+        <p:cNvPr id="1" name=""/>
+        <p:cNvGrpSpPr/>
+        <p:nvPr/>
+      </p:nvGrpSpPr>
+      <p:grpSpPr>
+        <a:xfrm>
+          <a:off x="0" y="0"/>
+          <a:ext cx="0" cy="0"/>
+          <a:chOff x="0" y="0"/>
+          <a:chExt cx="0" cy="0"/>
+        </a:xfrm>
+      </p:grpSpPr>
+      <p:sp>
+        <p:nvSpPr>
+          <p:cNvPr id="2" name="Title 1">
+            <a:extLst>
+              <a:ext uri="{FF2B5EF4-FFF2-40B4-BE49-F238E27FC236}">
+                <a16:creationId xmlns:a16="http://schemas.microsoft.com/office/drawing/2014/main" id="{4E50B996-81AE-4E75-1F3D-1FBFBC318B4A}"/>
+              </a:ext>
+            </a:extLst>
+          </p:cNvPr>
+          <p:cNvSpPr>
+            <a:spLocks noGrp="1"/>
+          </p:cNvSpPr>
+          <p:nvPr>
+            <p:ph type="title"/>
+          </p:nvPr>
+        </p:nvSpPr>
+        <p:spPr>
+          <a:xfrm>
+            <a:off x="850185" y="92765"/>
+            <a:ext cx="10353762" cy="1257300"/>
+          </a:xfrm>
+        </p:spPr>
+        <p:txBody>
+          <a:bodyPr>
+            <a:normAutofit/>
+          </a:bodyPr>
+          <a:lstStyle/>
+          <a:p>
+            <a:r>
+              <a:rPr lang="en-US" sz="1800" dirty="0">
+                <a:effectLst/>
+                <a:latin typeface="Aptos" panose="020B0004020202020204" pitchFamily="34" charset="0"/>
+                <a:ea typeface="Aptos" panose="020B0004020202020204" pitchFamily="34" charset="0"/>
+                <a:cs typeface="Times New Roman" panose="02020603050405020304" pitchFamily="18" charset="0"/>
+              </a:rPr>
+              <a:t>Answer to question: </a:t>
+            </a:r>
+            <a:br>
+              <a:rPr lang="en-US" sz="1800" dirty="0">
+                <a:effectLst/>
+                <a:latin typeface="Aptos" panose="020B0004020202020204" pitchFamily="34" charset="0"/>
+                <a:ea typeface="Aptos" panose="020B0004020202020204" pitchFamily="34" charset="0"/>
+                <a:cs typeface="Times New Roman" panose="02020603050405020304" pitchFamily="18" charset="0"/>
+              </a:rPr>
+            </a:br>
+            <a:r>
+              <a:rPr lang="en-US" sz="1800" dirty="0">
+                <a:effectLst/>
+                <a:latin typeface="Aptos" panose="020B0004020202020204" pitchFamily="34" charset="0"/>
+                <a:ea typeface="Aptos" panose="020B0004020202020204" pitchFamily="34" charset="0"/>
+                <a:cs typeface="Times New Roman" panose="02020603050405020304" pitchFamily="18" charset="0"/>
+              </a:rPr>
+              <a:t>What countries produce the most coffee and does that affect the quality of coffee produced?</a:t>
+            </a:r>
+            <a:endParaRPr lang="en-US" sz="2400" dirty="0"/>
+          </a:p>
+        </p:txBody>
+      </p:sp>
+      <p:sp>
+        <p:nvSpPr>
+          <p:cNvPr id="5" name="TextBox 4">
+            <a:extLst>
+              <a:ext uri="{FF2B5EF4-FFF2-40B4-BE49-F238E27FC236}">
+                <a16:creationId xmlns:a16="http://schemas.microsoft.com/office/drawing/2014/main" id="{D1E369A4-07E9-E30A-5237-6149C7EAC6BF}"/>
+              </a:ext>
+            </a:extLst>
+          </p:cNvPr>
+          <p:cNvSpPr txBox="1"/>
+          <p:nvPr/>
+        </p:nvSpPr>
+        <p:spPr>
+          <a:xfrm>
+            <a:off x="391886" y="2573383"/>
+            <a:ext cx="11234057" cy="1267655"/>
+          </a:xfrm>
+          <a:prstGeom prst="rect">
+            <a:avLst/>
+          </a:prstGeom>
+          <a:noFill/>
+        </p:spPr>
+        <p:txBody>
+          <a:bodyPr wrap="square" rtlCol="0">
+            <a:spAutoFit/>
+          </a:bodyPr>
+          <a:lstStyle/>
+          <a:p>
+            <a:pPr marL="342900" marR="0" lvl="0" indent="-342900">
+              <a:lnSpc>
+                <a:spcPct val="107000"/>
+              </a:lnSpc>
+              <a:spcBef>
+                <a:spcPts val="0"/>
+              </a:spcBef>
+              <a:spcAft>
+                <a:spcPts val="800"/>
+              </a:spcAft>
+              <a:buFont typeface="Aptos" panose="020B0004020202020204" pitchFamily="34" charset="0"/>
+              <a:buChar char="-"/>
+            </a:pPr>
+            <a:r>
+              <a:rPr lang="en-US" sz="1800" dirty="0">
+                <a:effectLst/>
+                <a:latin typeface="Aptos" panose="020B0004020202020204" pitchFamily="34" charset="0"/>
+                <a:ea typeface="Aptos" panose="020B0004020202020204" pitchFamily="34" charset="0"/>
+                <a:cs typeface="Times New Roman" panose="02020603050405020304" pitchFamily="18" charset="0"/>
+              </a:rPr>
+              <a:t>No, it does not. What countries produce the most coffee and does NOT impact the quality of coffee produced. All of the scores are so closely related it does not appear to influence the quality even where there is a lot more of production of coffee like Brazil, they are still neck and neck with Panama, Haiti, Malawi who have barely any production of coffee in comparison. </a:t>
+            </a:r>
+            <a:endParaRPr lang="en-US" sz="1800" kern="100" dirty="0">
+              <a:effectLst/>
+              <a:latin typeface="Aptos" panose="020B0004020202020204" pitchFamily="34" charset="0"/>
+              <a:ea typeface="Aptos" panose="020B0004020202020204" pitchFamily="34" charset="0"/>
+              <a:cs typeface="Times New Roman" panose="02020603050405020304" pitchFamily="18" charset="0"/>
+            </a:endParaRPr>
+          </a:p>
+        </p:txBody>
+      </p:sp>
+    </p:spTree>
+    <p:extLst>
+      <p:ext uri="{BB962C8B-B14F-4D97-AF65-F5344CB8AC3E}">
+        <p14:creationId xmlns:p14="http://schemas.microsoft.com/office/powerpoint/2010/main" val="1212262085"/>
+      </p:ext>
+    </p:extLst>
+  </p:cSld>
+  <p:clrMapOvr>
+    <a:masterClrMapping/>
+  </p:clrMapOvr>
+</p:sld>
+</file>
+
+<file path=ppt/slides/slide21.xml><?xml version="1.0" encoding="utf-8"?>
+<p:sld xmlns:a="http://schemas.openxmlformats.org/drawingml/2006/main" xmlns:r="http://schemas.openxmlformats.org/officeDocument/2006/relationships" xmlns:p="http://schemas.openxmlformats.org/presentationml/2006/main">
+  <p:cSld>
+    <p:spTree>
+      <p:nvGrpSpPr>
+        <p:cNvPr id="1" name=""/>
+        <p:cNvGrpSpPr/>
+        <p:nvPr/>
+      </p:nvGrpSpPr>
+      <p:grpSpPr>
+        <a:xfrm>
+          <a:off x="0" y="0"/>
+          <a:ext cx="0" cy="0"/>
+          <a:chOff x="0" y="0"/>
+          <a:chExt cx="0" cy="0"/>
+        </a:xfrm>
+      </p:grpSpPr>
+      <p:sp>
+        <p:nvSpPr>
+          <p:cNvPr id="2" name="Title 1">
+            <a:extLst>
+              <a:ext uri="{FF2B5EF4-FFF2-40B4-BE49-F238E27FC236}">
+                <a16:creationId xmlns:a16="http://schemas.microsoft.com/office/drawing/2014/main" id="{4E50B996-81AE-4E75-1F3D-1FBFBC318B4A}"/>
+              </a:ext>
+            </a:extLst>
+          </p:cNvPr>
+          <p:cNvSpPr>
+            <a:spLocks noGrp="1"/>
+          </p:cNvSpPr>
+          <p:nvPr>
+            <p:ph type="title"/>
+          </p:nvPr>
+        </p:nvSpPr>
+        <p:spPr>
+          <a:xfrm>
+            <a:off x="850185" y="92765"/>
+            <a:ext cx="10353762" cy="1257300"/>
+          </a:xfrm>
+        </p:spPr>
+        <p:txBody>
+          <a:bodyPr>
+            <a:normAutofit/>
+          </a:bodyPr>
+          <a:lstStyle/>
+          <a:p>
+            <a:r>
+              <a:rPr lang="en-US" sz="1800" dirty="0">
+                <a:effectLst/>
+                <a:latin typeface="Aptos" panose="020B0004020202020204" pitchFamily="34" charset="0"/>
+                <a:ea typeface="Aptos" panose="020B0004020202020204" pitchFamily="34" charset="0"/>
+                <a:cs typeface="Times New Roman" panose="02020603050405020304" pitchFamily="18" charset="0"/>
+              </a:rPr>
+              <a:t>Placeholder for </a:t>
+            </a:r>
+            <a:r>
+              <a:rPr lang="en-US" sz="1800" dirty="0" err="1">
+                <a:effectLst/>
+                <a:latin typeface="Aptos" panose="020B0004020202020204" pitchFamily="34" charset="0"/>
+                <a:ea typeface="Aptos" panose="020B0004020202020204" pitchFamily="34" charset="0"/>
+                <a:cs typeface="Times New Roman" panose="02020603050405020304" pitchFamily="18" charset="0"/>
+              </a:rPr>
+              <a:t>comsumption</a:t>
+            </a:r>
+            <a:endParaRPr lang="en-US" sz="2400" dirty="0"/>
+          </a:p>
+        </p:txBody>
+      </p:sp>
+      <p:sp>
+        <p:nvSpPr>
+          <p:cNvPr id="5" name="TextBox 4">
+            <a:extLst>
+              <a:ext uri="{FF2B5EF4-FFF2-40B4-BE49-F238E27FC236}">
+                <a16:creationId xmlns:a16="http://schemas.microsoft.com/office/drawing/2014/main" id="{D1E369A4-07E9-E30A-5237-6149C7EAC6BF}"/>
+              </a:ext>
+            </a:extLst>
+          </p:cNvPr>
+          <p:cNvSpPr txBox="1"/>
+          <p:nvPr/>
+        </p:nvSpPr>
+        <p:spPr>
+          <a:xfrm>
+            <a:off x="391886" y="2573383"/>
+            <a:ext cx="11234057" cy="1267655"/>
+          </a:xfrm>
+          <a:prstGeom prst="rect">
+            <a:avLst/>
+          </a:prstGeom>
+          <a:noFill/>
+        </p:spPr>
+        <p:txBody>
+          <a:bodyPr wrap="square" rtlCol="0">
+            <a:spAutoFit/>
+          </a:bodyPr>
+          <a:lstStyle/>
+          <a:p>
+            <a:pPr marL="342900" marR="0" lvl="0" indent="-342900">
+              <a:lnSpc>
+                <a:spcPct val="107000"/>
+              </a:lnSpc>
+              <a:spcBef>
+                <a:spcPts val="0"/>
+              </a:spcBef>
+              <a:spcAft>
+                <a:spcPts val="800"/>
+              </a:spcAft>
+              <a:buFont typeface="Aptos" panose="020B0004020202020204" pitchFamily="34" charset="0"/>
+              <a:buChar char="-"/>
+            </a:pPr>
+            <a:r>
+              <a:rPr lang="en-US" sz="1800" dirty="0">
+                <a:effectLst/>
+                <a:latin typeface="Aptos" panose="020B0004020202020204" pitchFamily="34" charset="0"/>
+                <a:ea typeface="Aptos" panose="020B0004020202020204" pitchFamily="34" charset="0"/>
+                <a:cs typeface="Times New Roman" panose="02020603050405020304" pitchFamily="18" charset="0"/>
+              </a:rPr>
+              <a:t>No, it does not. What countries produce the most coffee and does NOT impact the quality of coffee produced. All of the scores are so closely related it does not appear to influence the quality even where there is a lot more of production of coffee like Brazil, they are still neck and neck with Panama, Haiti, Malawi who have barely any production of coffee in comparison. </a:t>
+            </a:r>
+            <a:endParaRPr lang="en-US" sz="1800" kern="100" dirty="0">
+              <a:effectLst/>
+              <a:latin typeface="Aptos" panose="020B0004020202020204" pitchFamily="34" charset="0"/>
+              <a:ea typeface="Aptos" panose="020B0004020202020204" pitchFamily="34" charset="0"/>
+              <a:cs typeface="Times New Roman" panose="02020603050405020304" pitchFamily="18" charset="0"/>
+            </a:endParaRPr>
+          </a:p>
+        </p:txBody>
+      </p:sp>
+    </p:spTree>
+    <p:extLst>
+      <p:ext uri="{BB962C8B-B14F-4D97-AF65-F5344CB8AC3E}">
+        <p14:creationId xmlns:p14="http://schemas.microsoft.com/office/powerpoint/2010/main" val="2874767483"/>
+      </p:ext>
+    </p:extLst>
+  </p:cSld>
+  <p:clrMapOvr>
+    <a:masterClrMapping/>
+  </p:clrMapOvr>
+</p:sld>
+</file>
+
 <file path=ppt/slides/slide3.xml><?xml version="1.0" encoding="utf-8"?>
 <p:sld xmlns:a="http://schemas.openxmlformats.org/drawingml/2006/main" xmlns:r="http://schemas.openxmlformats.org/officeDocument/2006/relationships" xmlns:p="http://schemas.openxmlformats.org/presentationml/2006/main">
   <p:cSld>
@@ -8517,73 +9529,6 @@
           <a:chExt cx="0" cy="0"/>
         </a:xfrm>
       </p:grpSpPr>
-      <p:sp>
-        <p:nvSpPr>
-          <p:cNvPr id="2" name="Title 1">
-            <a:extLst>
-              <a:ext uri="{FF2B5EF4-FFF2-40B4-BE49-F238E27FC236}">
-                <a16:creationId xmlns:a16="http://schemas.microsoft.com/office/drawing/2014/main" id="{4E50B996-81AE-4E75-1F3D-1FBFBC318B4A}"/>
-              </a:ext>
-            </a:extLst>
-          </p:cNvPr>
-          <p:cNvSpPr>
-            <a:spLocks noGrp="1"/>
-          </p:cNvSpPr>
-          <p:nvPr>
-            <p:ph type="title"/>
-          </p:nvPr>
-        </p:nvSpPr>
-        <p:spPr>
-          <a:xfrm>
-            <a:off x="850185" y="92765"/>
-            <a:ext cx="10353762" cy="1257300"/>
-          </a:xfrm>
-        </p:spPr>
-        <p:txBody>
-          <a:bodyPr>
-            <a:normAutofit/>
-          </a:bodyPr>
-          <a:lstStyle/>
-          <a:p>
-            <a:endParaRPr lang="en-US" sz="2400" dirty="0"/>
-          </a:p>
-        </p:txBody>
-      </p:sp>
-      <p:sp>
-        <p:nvSpPr>
-          <p:cNvPr id="5" name="TextBox 4">
-            <a:extLst>
-              <a:ext uri="{FF2B5EF4-FFF2-40B4-BE49-F238E27FC236}">
-                <a16:creationId xmlns:a16="http://schemas.microsoft.com/office/drawing/2014/main" id="{D1E369A4-07E9-E30A-5237-6149C7EAC6BF}"/>
-              </a:ext>
-            </a:extLst>
-          </p:cNvPr>
-          <p:cNvSpPr txBox="1"/>
-          <p:nvPr/>
-        </p:nvSpPr>
-        <p:spPr>
-          <a:xfrm>
-            <a:off x="1025718" y="5701085"/>
-            <a:ext cx="10861482" cy="954107"/>
-          </a:xfrm>
-          <a:prstGeom prst="rect">
-            <a:avLst/>
-          </a:prstGeom>
-          <a:noFill/>
-        </p:spPr>
-        <p:txBody>
-          <a:bodyPr wrap="square" rtlCol="0">
-            <a:spAutoFit/>
-          </a:bodyPr>
-          <a:lstStyle/>
-          <a:p>
-            <a:r>
-              <a:rPr lang="en-US" sz="1400" dirty="0"/>
-              <a:t>Comments on Avg Annual Rainfall vs quality of coffee : Here, the null hypothesis is that coffee quality and avg rainfall among the coffee producing countries have nothing to do with one another. The p value turns out to be about 0.15, so we cannot reject this null hypothesis. Most coffee producing regions do get significant rainfall, but the variance within this group of coffee producing nations does not appear to significantly affect the quality of coffee produced. </a:t>
-            </a:r>
-          </a:p>
-        </p:txBody>
-      </p:sp>
       <p:pic>
         <p:nvPicPr>
           <p:cNvPr id="8" name="Picture 7" descr="A graph of a number of people&#10;&#10;Description automatically generated with medium confidence">
@@ -8612,12 +9557,23 @@
         </p:blipFill>
         <p:spPr>
           <a:xfrm>
-            <a:off x="1900596" y="347929"/>
-            <a:ext cx="8112536" cy="5125615"/>
+            <a:off x="494770" y="68263"/>
+            <a:ext cx="11202459" cy="6721475"/>
           </a:xfrm>
           <a:prstGeom prst="rect">
             <a:avLst/>
           </a:prstGeom>
+          <a:noFill/>
+          <a:ln>
+            <a:noFill/>
+          </a:ln>
+          <a:effectLst>
+            <a:outerShdw blurRad="292100" dist="139700" dir="2700000" algn="tl" rotWithShape="0">
+              <a:srgbClr val="333333">
+                <a:alpha val="65000"/>
+              </a:srgbClr>
+            </a:outerShdw>
+          </a:effectLst>
         </p:spPr>
       </p:pic>
     </p:spTree>
@@ -8650,12 +9606,58 @@
           <a:chExt cx="0" cy="0"/>
         </a:xfrm>
       </p:grpSpPr>
+      <p:sp>
+        <p:nvSpPr>
+          <p:cNvPr id="8" name="Title 1">
+            <a:extLst>
+              <a:ext uri="{FF2B5EF4-FFF2-40B4-BE49-F238E27FC236}">
+                <a16:creationId xmlns:a16="http://schemas.microsoft.com/office/drawing/2014/main" id="{79A1700D-FD9E-29D8-1BFA-96FC3C7A28AA}"/>
+              </a:ext>
+            </a:extLst>
+          </p:cNvPr>
+          <p:cNvSpPr>
+            <a:spLocks noGrp="1"/>
+          </p:cNvSpPr>
+          <p:nvPr>
+            <p:ph type="title"/>
+          </p:nvPr>
+        </p:nvSpPr>
+        <p:spPr>
+          <a:xfrm>
+            <a:off x="913795" y="609600"/>
+            <a:ext cx="3706889" cy="1821918"/>
+          </a:xfrm>
+        </p:spPr>
+        <p:txBody>
+          <a:bodyPr vert="horz" lIns="91440" tIns="45720" rIns="91440" bIns="45720" rtlCol="0" anchor="b">
+            <a:normAutofit/>
+          </a:bodyPr>
+          <a:lstStyle/>
+          <a:p>
+            <a:r>
+              <a:rPr lang="en-US" b="0" kern="1200">
+                <a:effectLst>
+                  <a:outerShdw blurRad="9525" dist="25400" dir="14640000" algn="tl" rotWithShape="0">
+                    <a:schemeClr val="bg1">
+                      <a:alpha val="30000"/>
+                    </a:schemeClr>
+                  </a:outerShdw>
+                </a:effectLst>
+                <a:latin typeface="+mj-lt"/>
+                <a:ea typeface="+mj-ea"/>
+                <a:cs typeface="Trebuchet MS"/>
+              </a:rPr>
+              <a:t>Top 5 Countries of Production</a:t>
+            </a:r>
+          </a:p>
+        </p:txBody>
+      </p:sp>
       <p:pic>
         <p:nvPicPr>
-          <p:cNvPr id="7" name="Picture 6" descr="A graph of blue rectangular bars&#10;&#10;Description automatically generated with medium confidence">
+          <p:cNvPr id="4" name="Picture 3" descr="A graph of a number of blue bars&#10;&#10;Description automatically generated">
             <a:extLst>
               <a:ext uri="{FF2B5EF4-FFF2-40B4-BE49-F238E27FC236}">
-                <a16:creationId xmlns:a16="http://schemas.microsoft.com/office/drawing/2014/main" id="{BCD64477-8F48-5A71-0852-94D56F73196C}"/>
+                <a16:creationId xmlns:a16="http://schemas.microsoft.com/office/drawing/2014/main" id="{544EF777-4FD6-3B1A-B255-7EDBD1D09943}"/>
               </a:ext>
             </a:extLst>
           </p:cNvPr>
@@ -8678,52 +9680,21 @@
         </p:blipFill>
         <p:spPr>
           <a:xfrm>
-            <a:off x="1523991" y="0"/>
-            <a:ext cx="9144018" cy="5701085"/>
+            <a:off x="4855633" y="1226023"/>
+            <a:ext cx="6411924" cy="3847154"/>
           </a:xfrm>
           <a:prstGeom prst="rect">
             <a:avLst/>
           </a:prstGeom>
+          <a:noFill/>
         </p:spPr>
       </p:pic>
       <p:sp>
         <p:nvSpPr>
-          <p:cNvPr id="2" name="Title 1">
+          <p:cNvPr id="3" name="TextBox 2">
             <a:extLst>
               <a:ext uri="{FF2B5EF4-FFF2-40B4-BE49-F238E27FC236}">
-                <a16:creationId xmlns:a16="http://schemas.microsoft.com/office/drawing/2014/main" id="{4E50B996-81AE-4E75-1F3D-1FBFBC318B4A}"/>
-              </a:ext>
-            </a:extLst>
-          </p:cNvPr>
-          <p:cNvSpPr>
-            <a:spLocks noGrp="1"/>
-          </p:cNvSpPr>
-          <p:nvPr>
-            <p:ph type="title"/>
-          </p:nvPr>
-        </p:nvSpPr>
-        <p:spPr>
-          <a:xfrm>
-            <a:off x="850185" y="92765"/>
-            <a:ext cx="10353762" cy="1257300"/>
-          </a:xfrm>
-        </p:spPr>
-        <p:txBody>
-          <a:bodyPr>
-            <a:normAutofit/>
-          </a:bodyPr>
-          <a:lstStyle/>
-          <a:p>
-            <a:endParaRPr lang="en-US" sz="2400" dirty="0"/>
-          </a:p>
-        </p:txBody>
-      </p:sp>
-      <p:sp>
-        <p:nvSpPr>
-          <p:cNvPr id="5" name="TextBox 4">
-            <a:extLst>
-              <a:ext uri="{FF2B5EF4-FFF2-40B4-BE49-F238E27FC236}">
-                <a16:creationId xmlns:a16="http://schemas.microsoft.com/office/drawing/2014/main" id="{D1E369A4-07E9-E30A-5237-6149C7EAC6BF}"/>
+                <a16:creationId xmlns:a16="http://schemas.microsoft.com/office/drawing/2014/main" id="{7383A721-BC00-1BE8-83FA-A81C29FC8DEC}"/>
               </a:ext>
             </a:extLst>
           </p:cNvPr>
@@ -8732,24 +9703,153 @@
         </p:nvSpPr>
         <p:spPr>
           <a:xfrm>
-            <a:off x="1025718" y="5701085"/>
-            <a:ext cx="10861482" cy="954107"/>
+            <a:off x="913795" y="2673351"/>
+            <a:ext cx="3706889" cy="3016250"/>
           </a:xfrm>
           <a:prstGeom prst="rect">
             <a:avLst/>
           </a:prstGeom>
-          <a:noFill/>
-        </p:spPr>
-        <p:txBody>
-          <a:bodyPr wrap="square" rtlCol="0">
-            <a:spAutoFit/>
+          <a:effectLst>
+            <a:outerShdw blurRad="25400" dir="17880000">
+              <a:srgbClr val="000000">
+                <a:alpha val="46000"/>
+              </a:srgbClr>
+            </a:outerShdw>
+          </a:effectLst>
+        </p:spPr>
+        <p:txBody>
+          <a:bodyPr vert="horz" lIns="91440" tIns="45720" rIns="91440" bIns="45720" rtlCol="0" anchor="t">
+            <a:normAutofit/>
           </a:bodyPr>
           <a:lstStyle/>
           <a:p>
-            <a:r>
-              <a:rPr lang="en-US" sz="1400" dirty="0"/>
-              <a:t>Comments on Avg Annual Rainfall vs quality of coffee : Here, the null hypothesis is that coffee quality and avg rainfall among the coffee producing countries have nothing to do with one another. The p value turns out to be about 0.15, so we cannot reject this null hypothesis. Most coffee producing regions do get significant rainfall, but the variance within this group of coffee producing nations does not appear to significantly affect the quality of coffee produced. </a:t>
-            </a:r>
+            <a:pPr algn="ctr" defTabSz="457200">
+              <a:lnSpc>
+                <a:spcPct val="110000"/>
+              </a:lnSpc>
+              <a:spcBef>
+                <a:spcPct val="20000"/>
+              </a:spcBef>
+              <a:spcAft>
+                <a:spcPts val="600"/>
+              </a:spcAft>
+              <a:buClr>
+                <a:schemeClr val="tx2"/>
+              </a:buClr>
+              <a:buSzPct val="70000"/>
+            </a:pPr>
+            <a:r>
+              <a:rPr lang="en-US" sz="1600" kern="1200">
+                <a:ln>
+                  <a:solidFill>
+                    <a:schemeClr val="bg1">
+                      <a:lumMod val="75000"/>
+                      <a:lumOff val="25000"/>
+                      <a:alpha val="10000"/>
+                    </a:schemeClr>
+                  </a:solidFill>
+                </a:ln>
+                <a:solidFill>
+                  <a:schemeClr val="tx2"/>
+                </a:solidFill>
+                <a:effectLst>
+                  <a:outerShdw blurRad="9525" dist="25400" dir="14640000" algn="tl" rotWithShape="0">
+                    <a:schemeClr val="bg1">
+                      <a:alpha val="30000"/>
+                    </a:schemeClr>
+                  </a:outerShdw>
+                </a:effectLst>
+                <a:latin typeface="+mn-lt"/>
+                <a:ea typeface="+mn-ea"/>
+                <a:cs typeface="+mn-cs"/>
+              </a:rPr>
+              <a:t>Brazil comes in first place with the most coffee production.</a:t>
+            </a:r>
+          </a:p>
+          <a:p>
+            <a:pPr algn="ctr" defTabSz="457200">
+              <a:lnSpc>
+                <a:spcPct val="110000"/>
+              </a:lnSpc>
+              <a:spcBef>
+                <a:spcPct val="20000"/>
+              </a:spcBef>
+              <a:spcAft>
+                <a:spcPts val="600"/>
+              </a:spcAft>
+              <a:buClr>
+                <a:schemeClr val="tx2"/>
+              </a:buClr>
+              <a:buSzPct val="70000"/>
+            </a:pPr>
+            <a:r>
+              <a:rPr lang="en-US" sz="1600" kern="1200">
+                <a:ln>
+                  <a:solidFill>
+                    <a:schemeClr val="bg1">
+                      <a:lumMod val="75000"/>
+                      <a:lumOff val="25000"/>
+                      <a:alpha val="10000"/>
+                    </a:schemeClr>
+                  </a:solidFill>
+                </a:ln>
+                <a:solidFill>
+                  <a:schemeClr val="tx2"/>
+                </a:solidFill>
+                <a:effectLst>
+                  <a:outerShdw blurRad="9525" dist="25400" dir="14640000" algn="tl" rotWithShape="0">
+                    <a:schemeClr val="bg1">
+                      <a:alpha val="30000"/>
+                    </a:schemeClr>
+                  </a:outerShdw>
+                </a:effectLst>
+                <a:latin typeface="+mn-lt"/>
+                <a:ea typeface="+mn-ea"/>
+                <a:cs typeface="+mn-cs"/>
+              </a:rPr>
+              <a:t>Almost out producing the next four top countries combined </a:t>
+            </a:r>
+          </a:p>
+          <a:p>
+            <a:pPr algn="ctr" defTabSz="457200">
+              <a:lnSpc>
+                <a:spcPct val="110000"/>
+              </a:lnSpc>
+              <a:spcBef>
+                <a:spcPct val="20000"/>
+              </a:spcBef>
+              <a:spcAft>
+                <a:spcPts val="600"/>
+              </a:spcAft>
+              <a:buClr>
+                <a:schemeClr val="tx2"/>
+              </a:buClr>
+              <a:buSzPct val="70000"/>
+            </a:pPr>
+            <a:endParaRPr lang="en-US" sz="1600" kern="1200">
+              <a:ln>
+                <a:solidFill>
+                  <a:schemeClr val="bg1">
+                    <a:lumMod val="75000"/>
+                    <a:lumOff val="25000"/>
+                    <a:alpha val="10000"/>
+                  </a:schemeClr>
+                </a:solidFill>
+              </a:ln>
+              <a:solidFill>
+                <a:schemeClr val="tx2"/>
+              </a:solidFill>
+              <a:effectLst>
+                <a:outerShdw blurRad="9525" dist="25400" dir="14640000" algn="tl" rotWithShape="0">
+                  <a:schemeClr val="bg1">
+                    <a:alpha val="30000"/>
+                  </a:schemeClr>
+                </a:outerShdw>
+              </a:effectLst>
+              <a:latin typeface="+mn-lt"/>
+              <a:ea typeface="+mn-ea"/>
+              <a:cs typeface="+mn-cs"/>
+            </a:endParaRPr>
           </a:p>
         </p:txBody>
       </p:sp>
